--- a/Hospital Management Designv2.pptx
+++ b/Hospital Management Designv2.pptx
@@ -11,13 +11,11 @@
     <p:sldId id="262" r:id="rId5"/>
     <p:sldId id="259" r:id="rId6"/>
     <p:sldId id="263" r:id="rId7"/>
-    <p:sldId id="264" r:id="rId8"/>
-    <p:sldId id="265" r:id="rId9"/>
-    <p:sldId id="260" r:id="rId10"/>
-    <p:sldId id="266" r:id="rId11"/>
-    <p:sldId id="269" r:id="rId12"/>
-    <p:sldId id="272" r:id="rId13"/>
-    <p:sldId id="273" r:id="rId14"/>
+    <p:sldId id="260" r:id="rId8"/>
+    <p:sldId id="266" r:id="rId9"/>
+    <p:sldId id="269" r:id="rId10"/>
+    <p:sldId id="272" r:id="rId11"/>
+    <p:sldId id="273" r:id="rId12"/>
   </p:sldIdLst>
   <p:sldSz cx="12192000" cy="6858000"/>
   <p:notesSz cx="6858000" cy="9144000"/>
@@ -273,7 +271,7 @@
           <a:p>
             <a:fld id="{2A24D100-F615-184E-A0AE-323F58089210}" type="datetimeFigureOut">
               <a:rPr lang="en-US" smtClean="0"/>
-              <a:t>7/13/21</a:t>
+              <a:t>7/21/21</a:t>
             </a:fld>
             <a:endParaRPr lang="en-US"/>
           </a:p>
@@ -473,7 +471,7 @@
           <a:p>
             <a:fld id="{2A24D100-F615-184E-A0AE-323F58089210}" type="datetimeFigureOut">
               <a:rPr lang="en-US" smtClean="0"/>
-              <a:t>7/13/21</a:t>
+              <a:t>7/21/21</a:t>
             </a:fld>
             <a:endParaRPr lang="en-US"/>
           </a:p>
@@ -683,7 +681,7 @@
           <a:p>
             <a:fld id="{2A24D100-F615-184E-A0AE-323F58089210}" type="datetimeFigureOut">
               <a:rPr lang="en-US" smtClean="0"/>
-              <a:t>7/13/21</a:t>
+              <a:t>7/21/21</a:t>
             </a:fld>
             <a:endParaRPr lang="en-US"/>
           </a:p>
@@ -883,7 +881,7 @@
           <a:p>
             <a:fld id="{2A24D100-F615-184E-A0AE-323F58089210}" type="datetimeFigureOut">
               <a:rPr lang="en-US" smtClean="0"/>
-              <a:t>7/13/21</a:t>
+              <a:t>7/21/21</a:t>
             </a:fld>
             <a:endParaRPr lang="en-US"/>
           </a:p>
@@ -1159,7 +1157,7 @@
           <a:p>
             <a:fld id="{2A24D100-F615-184E-A0AE-323F58089210}" type="datetimeFigureOut">
               <a:rPr lang="en-US" smtClean="0"/>
-              <a:t>7/13/21</a:t>
+              <a:t>7/21/21</a:t>
             </a:fld>
             <a:endParaRPr lang="en-US"/>
           </a:p>
@@ -1427,7 +1425,7 @@
           <a:p>
             <a:fld id="{2A24D100-F615-184E-A0AE-323F58089210}" type="datetimeFigureOut">
               <a:rPr lang="en-US" smtClean="0"/>
-              <a:t>7/13/21</a:t>
+              <a:t>7/21/21</a:t>
             </a:fld>
             <a:endParaRPr lang="en-US"/>
           </a:p>
@@ -1842,7 +1840,7 @@
           <a:p>
             <a:fld id="{2A24D100-F615-184E-A0AE-323F58089210}" type="datetimeFigureOut">
               <a:rPr lang="en-US" smtClean="0"/>
-              <a:t>7/13/21</a:t>
+              <a:t>7/21/21</a:t>
             </a:fld>
             <a:endParaRPr lang="en-US"/>
           </a:p>
@@ -1984,7 +1982,7 @@
           <a:p>
             <a:fld id="{2A24D100-F615-184E-A0AE-323F58089210}" type="datetimeFigureOut">
               <a:rPr lang="en-US" smtClean="0"/>
-              <a:t>7/13/21</a:t>
+              <a:t>7/21/21</a:t>
             </a:fld>
             <a:endParaRPr lang="en-US"/>
           </a:p>
@@ -2097,7 +2095,7 @@
           <a:p>
             <a:fld id="{2A24D100-F615-184E-A0AE-323F58089210}" type="datetimeFigureOut">
               <a:rPr lang="en-US" smtClean="0"/>
-              <a:t>7/13/21</a:t>
+              <a:t>7/21/21</a:t>
             </a:fld>
             <a:endParaRPr lang="en-US"/>
           </a:p>
@@ -2410,7 +2408,7 @@
           <a:p>
             <a:fld id="{2A24D100-F615-184E-A0AE-323F58089210}" type="datetimeFigureOut">
               <a:rPr lang="en-US" smtClean="0"/>
-              <a:t>7/13/21</a:t>
+              <a:t>7/21/21</a:t>
             </a:fld>
             <a:endParaRPr lang="en-US"/>
           </a:p>
@@ -2699,7 +2697,7 @@
           <a:p>
             <a:fld id="{2A24D100-F615-184E-A0AE-323F58089210}" type="datetimeFigureOut">
               <a:rPr lang="en-US" smtClean="0"/>
-              <a:t>7/13/21</a:t>
+              <a:t>7/21/21</a:t>
             </a:fld>
             <a:endParaRPr lang="en-US"/>
           </a:p>
@@ -2942,7 +2940,7 @@
           <a:p>
             <a:fld id="{2A24D100-F615-184E-A0AE-323F58089210}" type="datetimeFigureOut">
               <a:rPr lang="en-US" smtClean="0"/>
-              <a:t>7/13/21</a:t>
+              <a:t>7/21/21</a:t>
             </a:fld>
             <a:endParaRPr lang="en-US"/>
           </a:p>
@@ -3768,8 +3766,8 @@
         </p:nvSpPr>
         <p:spPr>
           <a:xfrm>
-            <a:off x="337158" y="2840391"/>
-            <a:ext cx="2078872" cy="564558"/>
+            <a:off x="337157" y="2840390"/>
+            <a:ext cx="2506055" cy="945797"/>
           </a:xfrm>
           <a:prstGeom prst="roundRect">
             <a:avLst/>
@@ -3803,6 +3801,13 @@
               <a:t> created</a:t>
             </a:r>
           </a:p>
+          <a:p>
+            <a:pPr algn="ctr"/>
+            <a:r>
+              <a:rPr lang="en-US" dirty="0"/>
+              <a:t>CSS and Content completed</a:t>
+            </a:r>
+          </a:p>
         </p:txBody>
       </p:sp>
       <p:sp>
@@ -3925,56 +3930,42 @@
           </a:p>
         </p:txBody>
       </p:sp>
-      <p:sp>
-        <p:nvSpPr>
-          <p:cNvPr id="22" name="Rounded Rectangle 21">
-            <a:extLst>
-              <a:ext uri="{FF2B5EF4-FFF2-40B4-BE49-F238E27FC236}">
-                <a16:creationId xmlns:a16="http://schemas.microsoft.com/office/drawing/2014/main" id="{222BF77C-33AC-5F4E-A2F1-5098EBB7CE0F}"/>
-              </a:ext>
-            </a:extLst>
-          </p:cNvPr>
-          <p:cNvSpPr/>
-          <p:nvPr/>
-        </p:nvSpPr>
-        <p:spPr>
-          <a:xfrm>
-            <a:off x="303402" y="3506217"/>
-            <a:ext cx="2078872" cy="564558"/>
-          </a:xfrm>
-          <a:prstGeom prst="roundRect">
-            <a:avLst/>
-          </a:prstGeom>
-          <a:solidFill>
-            <a:schemeClr val="accent2"/>
-          </a:solidFill>
-        </p:spPr>
-        <p:style>
-          <a:lnRef idx="1">
-            <a:schemeClr val="accent6"/>
-          </a:lnRef>
-          <a:fillRef idx="3">
-            <a:schemeClr val="accent6"/>
-          </a:fillRef>
-          <a:effectRef idx="2">
-            <a:schemeClr val="accent6"/>
-          </a:effectRef>
-          <a:fontRef idx="minor">
-            <a:schemeClr val="lt1"/>
-          </a:fontRef>
-        </p:style>
-        <p:txBody>
-          <a:bodyPr rtlCol="0" anchor="ctr"/>
-          <a:lstStyle/>
-          <a:p>
-            <a:pPr algn="ctr"/>
-            <a:r>
-              <a:rPr lang="en-US" dirty="0"/>
-              <a:t>Update CSS and Content</a:t>
-            </a:r>
-          </a:p>
-        </p:txBody>
-      </p:sp>
+      <p:pic>
+        <p:nvPicPr>
+          <p:cNvPr id="24" name="Graphic 23" descr="Shield Tick with solid fill">
+            <a:extLst>
+              <a:ext uri="{FF2B5EF4-FFF2-40B4-BE49-F238E27FC236}">
+                <a16:creationId xmlns:a16="http://schemas.microsoft.com/office/drawing/2014/main" id="{1BC8F40A-7306-7A45-B04E-AD674A2808BB}"/>
+              </a:ext>
+            </a:extLst>
+          </p:cNvPr>
+          <p:cNvPicPr>
+            <a:picLocks noChangeAspect="1"/>
+          </p:cNvPicPr>
+          <p:nvPr/>
+        </p:nvPicPr>
+        <p:blipFill>
+          <a:blip r:embed="rId2">
+            <a:extLst>
+              <a:ext uri="{96DAC541-7B7A-43D3-8B79-37D633B846F1}">
+                <asvg:svgBlip xmlns:asvg="http://schemas.microsoft.com/office/drawing/2016/SVG/main" r:embed="rId3"/>
+              </a:ext>
+            </a:extLst>
+          </a:blip>
+          <a:stretch>
+            <a:fillRect/>
+          </a:stretch>
+        </p:blipFill>
+        <p:spPr>
+          <a:xfrm>
+            <a:off x="11277600" y="3005356"/>
+            <a:ext cx="914400" cy="914400"/>
+          </a:xfrm>
+          <a:prstGeom prst="rect">
+            <a:avLst/>
+          </a:prstGeom>
+        </p:spPr>
+      </p:pic>
     </p:spTree>
     <p:extLst>
       <p:ext uri="{BB962C8B-B14F-4D97-AF65-F5344CB8AC3E}">
@@ -4019,8 +4010,8 @@
         </p:nvSpPr>
         <p:spPr>
           <a:xfrm>
-            <a:off x="2634144" y="1754144"/>
-            <a:ext cx="7122252" cy="3329584"/>
+            <a:off x="2634143" y="1754144"/>
+            <a:ext cx="8218913" cy="3329584"/>
           </a:xfrm>
           <a:prstGeom prst="rect">
             <a:avLst/>
@@ -4067,7 +4058,7 @@
         </p:nvSpPr>
         <p:spPr>
           <a:xfrm>
-            <a:off x="303402" y="326664"/>
+            <a:off x="303402" y="207218"/>
             <a:ext cx="11585196" cy="1291904"/>
           </a:xfrm>
           <a:prstGeom prst="rect">
@@ -4092,10 +4083,10 @@
       </p:sp>
       <p:sp>
         <p:nvSpPr>
-          <p:cNvPr id="5" name="TextBox 4">
-            <a:extLst>
-              <a:ext uri="{FF2B5EF4-FFF2-40B4-BE49-F238E27FC236}">
-                <a16:creationId xmlns:a16="http://schemas.microsoft.com/office/drawing/2014/main" id="{D31B94CC-5680-654F-9BA4-E0A04DF451FB}"/>
+          <p:cNvPr id="7" name="TextBox 6">
+            <a:extLst>
+              <a:ext uri="{FF2B5EF4-FFF2-40B4-BE49-F238E27FC236}">
+                <a16:creationId xmlns:a16="http://schemas.microsoft.com/office/drawing/2014/main" id="{E7D745A2-1954-874D-B978-521F0D0FBC58}"/>
               </a:ext>
             </a:extLst>
           </p:cNvPr>
@@ -4104,18 +4095,13 @@
         </p:nvSpPr>
         <p:spPr>
           <a:xfrm>
-            <a:off x="479571" y="5389927"/>
-            <a:ext cx="11585196" cy="1291904"/>
+            <a:off x="604007" y="360728"/>
+            <a:ext cx="1702965" cy="369332"/>
           </a:xfrm>
           <a:prstGeom prst="rect">
             <a:avLst/>
           </a:prstGeom>
           <a:noFill/>
-          <a:ln>
-            <a:solidFill>
-              <a:schemeClr val="accent1"/>
-            </a:solidFill>
-          </a:ln>
         </p:spPr>
         <p:txBody>
           <a:bodyPr wrap="square" rtlCol="0">
@@ -4123,16 +4109,19 @@
           </a:bodyPr>
           <a:lstStyle/>
           <a:p>
-            <a:endParaRPr lang="en-US" dirty="0"/>
-          </a:p>
-        </p:txBody>
-      </p:sp>
-      <p:sp>
-        <p:nvSpPr>
-          <p:cNvPr id="6" name="TextBox 5">
-            <a:extLst>
-              <a:ext uri="{FF2B5EF4-FFF2-40B4-BE49-F238E27FC236}">
-                <a16:creationId xmlns:a16="http://schemas.microsoft.com/office/drawing/2014/main" id="{6506E7B0-7FC8-5A45-A350-6AFE042386A6}"/>
+            <a:r>
+              <a:rPr lang="en-US" dirty="0"/>
+              <a:t>LOGO</a:t>
+            </a:r>
+          </a:p>
+        </p:txBody>
+      </p:sp>
+      <p:sp>
+        <p:nvSpPr>
+          <p:cNvPr id="15" name="TextBox 14">
+            <a:extLst>
+              <a:ext uri="{FF2B5EF4-FFF2-40B4-BE49-F238E27FC236}">
+                <a16:creationId xmlns:a16="http://schemas.microsoft.com/office/drawing/2014/main" id="{BBB57AFB-704D-B24F-8BE1-DE3DB4972EF5}"/>
               </a:ext>
             </a:extLst>
           </p:cNvPr>
@@ -4141,8 +4130,8 @@
         </p:nvSpPr>
         <p:spPr>
           <a:xfrm>
-            <a:off x="10051060" y="1237929"/>
-            <a:ext cx="2860646" cy="338554"/>
+            <a:off x="6096000" y="1929749"/>
+            <a:ext cx="2171700" cy="646331"/>
           </a:xfrm>
           <a:prstGeom prst="rect">
             <a:avLst/>
@@ -4156,18 +4145,41 @@
           <a:lstStyle/>
           <a:p>
             <a:r>
-              <a:rPr lang="en-US" sz="1600" dirty="0"/>
-              <a:t>Hi, (patient name)</a:t>
-            </a:r>
-          </a:p>
-        </p:txBody>
-      </p:sp>
-      <p:sp>
-        <p:nvSpPr>
-          <p:cNvPr id="7" name="TextBox 6">
-            <a:extLst>
-              <a:ext uri="{FF2B5EF4-FFF2-40B4-BE49-F238E27FC236}">
-                <a16:creationId xmlns:a16="http://schemas.microsoft.com/office/drawing/2014/main" id="{E7D745A2-1954-874D-B978-521F0D0FBC58}"/>
+              <a:rPr lang="en-US" dirty="0"/>
+              <a:t>Display record</a:t>
+            </a:r>
+          </a:p>
+          <a:p>
+            <a:r>
+              <a:rPr lang="en-US" dirty="0">
+                <a:solidFill>
+                  <a:schemeClr val="accent5"/>
+                </a:solidFill>
+              </a:rPr>
+              <a:t>(</a:t>
+            </a:r>
+            <a:r>
+              <a:rPr lang="en-US" dirty="0" err="1">
+                <a:solidFill>
+                  <a:schemeClr val="accent5"/>
+                </a:solidFill>
+              </a:rPr>
+              <a:t>displayRecord.jsp</a:t>
+            </a:r>
+            <a:endParaRPr lang="en-US" dirty="0">
+              <a:solidFill>
+                <a:schemeClr val="accent5"/>
+              </a:solidFill>
+            </a:endParaRPr>
+          </a:p>
+        </p:txBody>
+      </p:sp>
+      <p:sp>
+        <p:nvSpPr>
+          <p:cNvPr id="18" name="TextBox 17">
+            <a:extLst>
+              <a:ext uri="{FF2B5EF4-FFF2-40B4-BE49-F238E27FC236}">
+                <a16:creationId xmlns:a16="http://schemas.microsoft.com/office/drawing/2014/main" id="{8FC63D9F-4ADE-254E-B387-9628DD1A8FA5}"/>
               </a:ext>
             </a:extLst>
           </p:cNvPr>
@@ -4176,8 +4188,8 @@
         </p:nvSpPr>
         <p:spPr>
           <a:xfrm>
-            <a:off x="604007" y="360728"/>
-            <a:ext cx="1702965" cy="369332"/>
+            <a:off x="587228" y="834694"/>
+            <a:ext cx="1736522" cy="646331"/>
           </a:xfrm>
           <a:prstGeom prst="rect">
             <a:avLst/>
@@ -4192,17 +4204,41 @@
           <a:p>
             <a:r>
               <a:rPr lang="en-US" dirty="0"/>
-              <a:t>LOGO</a:t>
-            </a:r>
-          </a:p>
-        </p:txBody>
-      </p:sp>
-      <p:sp>
-        <p:nvSpPr>
-          <p:cNvPr id="14" name="TextBox 13">
-            <a:extLst>
-              <a:ext uri="{FF2B5EF4-FFF2-40B4-BE49-F238E27FC236}">
-                <a16:creationId xmlns:a16="http://schemas.microsoft.com/office/drawing/2014/main" id="{7234AEA2-AEC3-0844-BDC9-78282380EB27}"/>
+              <a:t>Home </a:t>
+            </a:r>
+            <a:r>
+              <a:rPr lang="en-US" dirty="0">
+                <a:solidFill>
+                  <a:schemeClr val="accent5"/>
+                </a:solidFill>
+              </a:rPr>
+              <a:t>(</a:t>
+            </a:r>
+            <a:r>
+              <a:rPr lang="en-US" dirty="0" err="1">
+                <a:solidFill>
+                  <a:schemeClr val="accent5"/>
+                </a:solidFill>
+              </a:rPr>
+              <a:t>index.jsp</a:t>
+            </a:r>
+            <a:r>
+              <a:rPr lang="en-US" dirty="0">
+                <a:solidFill>
+                  <a:schemeClr val="accent5"/>
+                </a:solidFill>
+              </a:rPr>
+              <a:t>)</a:t>
+            </a:r>
+          </a:p>
+        </p:txBody>
+      </p:sp>
+      <p:sp>
+        <p:nvSpPr>
+          <p:cNvPr id="19" name="TextBox 18">
+            <a:extLst>
+              <a:ext uri="{FF2B5EF4-FFF2-40B4-BE49-F238E27FC236}">
+                <a16:creationId xmlns:a16="http://schemas.microsoft.com/office/drawing/2014/main" id="{6A0A51C1-9F6B-3F41-9D2B-B0303F935BEF}"/>
               </a:ext>
             </a:extLst>
           </p:cNvPr>
@@ -4211,8 +4247,8 @@
         </p:nvSpPr>
         <p:spPr>
           <a:xfrm>
-            <a:off x="1149292" y="5403711"/>
-            <a:ext cx="1266738" cy="646331"/>
+            <a:off x="3381812" y="1053263"/>
+            <a:ext cx="2964559" cy="369332"/>
           </a:xfrm>
           <a:prstGeom prst="rect">
             <a:avLst/>
@@ -4227,17 +4263,41 @@
           <a:p>
             <a:r>
               <a:rPr lang="en-US" dirty="0"/>
-              <a:t>Contact Details</a:t>
-            </a:r>
-          </a:p>
-        </p:txBody>
-      </p:sp>
-      <p:sp>
-        <p:nvSpPr>
-          <p:cNvPr id="15" name="TextBox 14">
-            <a:extLst>
-              <a:ext uri="{FF2B5EF4-FFF2-40B4-BE49-F238E27FC236}">
-                <a16:creationId xmlns:a16="http://schemas.microsoft.com/office/drawing/2014/main" id="{BBB57AFB-704D-B24F-8BE1-DE3DB4972EF5}"/>
+              <a:t>Booking </a:t>
+            </a:r>
+            <a:r>
+              <a:rPr lang="en-US" dirty="0">
+                <a:solidFill>
+                  <a:schemeClr val="accent5"/>
+                </a:solidFill>
+              </a:rPr>
+              <a:t>(</a:t>
+            </a:r>
+            <a:r>
+              <a:rPr lang="en-US" dirty="0" err="1">
+                <a:solidFill>
+                  <a:schemeClr val="accent5"/>
+                </a:solidFill>
+              </a:rPr>
+              <a:t>bookings.jsp</a:t>
+            </a:r>
+            <a:r>
+              <a:rPr lang="en-US" dirty="0">
+                <a:solidFill>
+                  <a:schemeClr val="accent5"/>
+                </a:solidFill>
+              </a:rPr>
+              <a:t>)</a:t>
+            </a:r>
+          </a:p>
+        </p:txBody>
+      </p:sp>
+      <p:sp>
+        <p:nvSpPr>
+          <p:cNvPr id="20" name="TextBox 19">
+            <a:extLst>
+              <a:ext uri="{FF2B5EF4-FFF2-40B4-BE49-F238E27FC236}">
+                <a16:creationId xmlns:a16="http://schemas.microsoft.com/office/drawing/2014/main" id="{0CEA809B-7174-2C4A-A2EB-C0B50945D8C9}"/>
               </a:ext>
             </a:extLst>
           </p:cNvPr>
@@ -4246,8 +4306,8 @@
         </p:nvSpPr>
         <p:spPr>
           <a:xfrm>
-            <a:off x="4769140" y="356344"/>
-            <a:ext cx="2189527" cy="646331"/>
+            <a:off x="7108121" y="845256"/>
+            <a:ext cx="2860646" cy="646331"/>
           </a:xfrm>
           <a:prstGeom prst="rect">
             <a:avLst/>
@@ -4262,118 +4322,31 @@
           <a:p>
             <a:r>
               <a:rPr lang="en-US" dirty="0"/>
-              <a:t>Patient Access</a:t>
-            </a:r>
-          </a:p>
-          <a:p>
-            <a:r>
-              <a:rPr lang="en-US" dirty="0"/>
-              <a:t>(Hospital Name)</a:t>
-            </a:r>
-          </a:p>
-        </p:txBody>
-      </p:sp>
-      <p:sp>
-        <p:nvSpPr>
-          <p:cNvPr id="17" name="TextBox 16">
-            <a:extLst>
-              <a:ext uri="{FF2B5EF4-FFF2-40B4-BE49-F238E27FC236}">
-                <a16:creationId xmlns:a16="http://schemas.microsoft.com/office/drawing/2014/main" id="{050A665A-C98A-B44A-8A44-D61414C70B12}"/>
-              </a:ext>
-            </a:extLst>
-          </p:cNvPr>
-          <p:cNvSpPr txBox="1"/>
-          <p:nvPr/>
-        </p:nvSpPr>
-        <p:spPr>
-          <a:xfrm>
-            <a:off x="10389765" y="5462434"/>
-            <a:ext cx="1266738" cy="369332"/>
-          </a:xfrm>
-          <a:prstGeom prst="rect">
-            <a:avLst/>
-          </a:prstGeom>
-          <a:noFill/>
-        </p:spPr>
-        <p:txBody>
-          <a:bodyPr wrap="square" rtlCol="0">
-            <a:spAutoFit/>
-          </a:bodyPr>
-          <a:lstStyle/>
-          <a:p>
-            <a:r>
-              <a:rPr lang="en-US" dirty="0"/>
-              <a:t>Copyright</a:t>
-            </a:r>
-          </a:p>
-        </p:txBody>
-      </p:sp>
-      <p:sp>
-        <p:nvSpPr>
-          <p:cNvPr id="20" name="TextBox 19">
-            <a:extLst>
-              <a:ext uri="{FF2B5EF4-FFF2-40B4-BE49-F238E27FC236}">
-                <a16:creationId xmlns:a16="http://schemas.microsoft.com/office/drawing/2014/main" id="{CC7689EE-3C59-2445-89B7-7E7BC7106C27}"/>
-              </a:ext>
-            </a:extLst>
-          </p:cNvPr>
-          <p:cNvSpPr txBox="1"/>
-          <p:nvPr/>
-        </p:nvSpPr>
-        <p:spPr>
-          <a:xfrm>
-            <a:off x="4769140" y="1993154"/>
-            <a:ext cx="2764173" cy="369332"/>
-          </a:xfrm>
-          <a:prstGeom prst="rect">
-            <a:avLst/>
-          </a:prstGeom>
-          <a:noFill/>
-        </p:spPr>
-        <p:txBody>
-          <a:bodyPr wrap="square" rtlCol="0">
-            <a:spAutoFit/>
-          </a:bodyPr>
-          <a:lstStyle/>
-          <a:p>
-            <a:r>
-              <a:rPr lang="en-US" dirty="0"/>
-              <a:t>Booking confirmation</a:t>
-            </a:r>
-          </a:p>
-        </p:txBody>
-      </p:sp>
-      <p:sp>
-        <p:nvSpPr>
-          <p:cNvPr id="25" name="TextBox 24">
-            <a:extLst>
-              <a:ext uri="{FF2B5EF4-FFF2-40B4-BE49-F238E27FC236}">
-                <a16:creationId xmlns:a16="http://schemas.microsoft.com/office/drawing/2014/main" id="{1BFA3CFC-E9F0-1D4D-B22F-9E62711B9D7A}"/>
-              </a:ext>
-            </a:extLst>
-          </p:cNvPr>
-          <p:cNvSpPr txBox="1"/>
-          <p:nvPr/>
-        </p:nvSpPr>
-        <p:spPr>
-          <a:xfrm>
-            <a:off x="4960340" y="3049604"/>
-            <a:ext cx="2271319" cy="369332"/>
-          </a:xfrm>
-          <a:prstGeom prst="rect">
-            <a:avLst/>
-          </a:prstGeom>
-          <a:noFill/>
-        </p:spPr>
-        <p:txBody>
-          <a:bodyPr wrap="square" rtlCol="0">
-            <a:spAutoFit/>
-          </a:bodyPr>
-          <a:lstStyle/>
-          <a:p>
-            <a:r>
-              <a:rPr lang="en-US" dirty="0"/>
-              <a:t>Details of Booking</a:t>
+              <a:t>Treatment </a:t>
+            </a:r>
+            <a:r>
+              <a:rPr lang="en-US" dirty="0">
+                <a:solidFill>
+                  <a:schemeClr val="accent5"/>
+                </a:solidFill>
+              </a:rPr>
+              <a:t>(</a:t>
+            </a:r>
+            <a:r>
+              <a:rPr lang="en-US" dirty="0" err="1">
+                <a:solidFill>
+                  <a:schemeClr val="accent5"/>
+                </a:solidFill>
+              </a:rPr>
+              <a:t>displayRecord.jsp</a:t>
+            </a:r>
+            <a:r>
+              <a:rPr lang="en-US" dirty="0">
+                <a:solidFill>
+                  <a:schemeClr val="accent5"/>
+                </a:solidFill>
+              </a:rPr>
+              <a:t>)</a:t>
             </a:r>
           </a:p>
         </p:txBody>
@@ -4383,7 +4356,7 @@
           <p:cNvPr id="21" name="Rounded Rectangle 20">
             <a:extLst>
               <a:ext uri="{FF2B5EF4-FFF2-40B4-BE49-F238E27FC236}">
-                <a16:creationId xmlns:a16="http://schemas.microsoft.com/office/drawing/2014/main" id="{45C55365-1102-FC4C-9592-6CF104CD54A1}"/>
+                <a16:creationId xmlns:a16="http://schemas.microsoft.com/office/drawing/2014/main" id="{8530EC29-7FF5-BA4A-808F-7C6C38CE7950}"/>
               </a:ext>
             </a:extLst>
           </p:cNvPr>
@@ -4392,15 +4365,74 @@
         </p:nvSpPr>
         <p:spPr>
           <a:xfrm>
-            <a:off x="500743" y="2260744"/>
-            <a:ext cx="1624268" cy="1777856"/>
+            <a:off x="0" y="1914483"/>
+            <a:ext cx="2646465" cy="993383"/>
           </a:xfrm>
           <a:prstGeom prst="roundRect">
             <a:avLst/>
           </a:prstGeom>
-          <a:solidFill>
-            <a:schemeClr val="accent4"/>
-          </a:solidFill>
+        </p:spPr>
+        <p:style>
+          <a:lnRef idx="1">
+            <a:schemeClr val="accent6"/>
+          </a:lnRef>
+          <a:fillRef idx="3">
+            <a:schemeClr val="accent6"/>
+          </a:fillRef>
+          <a:effectRef idx="2">
+            <a:schemeClr val="accent6"/>
+          </a:effectRef>
+          <a:fontRef idx="minor">
+            <a:schemeClr val="lt1"/>
+          </a:fontRef>
+        </p:style>
+        <p:txBody>
+          <a:bodyPr rtlCol="0" anchor="ctr"/>
+          <a:lstStyle/>
+          <a:p>
+            <a:pPr algn="ctr"/>
+            <a:r>
+              <a:rPr lang="en-US" sz="1600" dirty="0" err="1"/>
+              <a:t>DisplayRecord.java</a:t>
+            </a:r>
+            <a:r>
+              <a:rPr lang="en-US" sz="1600" dirty="0"/>
+              <a:t> created</a:t>
+            </a:r>
+          </a:p>
+          <a:p>
+            <a:pPr algn="ctr"/>
+            <a:r>
+              <a:rPr lang="en-US" sz="1600" dirty="0" err="1"/>
+              <a:t>Record.java</a:t>
+            </a:r>
+            <a:r>
+              <a:rPr lang="en-US" sz="1600" dirty="0"/>
+              <a:t> created</a:t>
+            </a:r>
+          </a:p>
+        </p:txBody>
+      </p:sp>
+      <p:sp>
+        <p:nvSpPr>
+          <p:cNvPr id="23" name="Rounded Rectangle 22">
+            <a:extLst>
+              <a:ext uri="{FF2B5EF4-FFF2-40B4-BE49-F238E27FC236}">
+                <a16:creationId xmlns:a16="http://schemas.microsoft.com/office/drawing/2014/main" id="{7F7D9FEF-CA9F-A449-B796-21378A1A7FB9}"/>
+              </a:ext>
+            </a:extLst>
+          </p:cNvPr>
+          <p:cNvSpPr/>
+          <p:nvPr/>
+        </p:nvSpPr>
+        <p:spPr>
+          <a:xfrm>
+            <a:off x="80395" y="3143026"/>
+            <a:ext cx="2473354" cy="744345"/>
+          </a:xfrm>
+          <a:prstGeom prst="roundRect">
+            <a:avLst/>
+          </a:prstGeom>
         </p:spPr>
         <p:style>
           <a:lnRef idx="2">
@@ -4424,18 +4456,35 @@
           <a:p>
             <a:pPr algn="ctr"/>
             <a:r>
-              <a:rPr lang="en-US" dirty="0"/>
-              <a:t>Return Sys out msg as confirmation instead of page</a:t>
-            </a:r>
-          </a:p>
-        </p:txBody>
-      </p:sp>
-      <p:sp>
-        <p:nvSpPr>
-          <p:cNvPr id="23" name="TextBox 22">
-            <a:extLst>
-              <a:ext uri="{FF2B5EF4-FFF2-40B4-BE49-F238E27FC236}">
-                <a16:creationId xmlns:a16="http://schemas.microsoft.com/office/drawing/2014/main" id="{8140EAEF-D43E-B440-B5B6-8470B7B2207B}"/>
+              <a:rPr lang="en-US" sz="1600" dirty="0"/>
+              <a:t>Create </a:t>
+            </a:r>
+            <a:r>
+              <a:rPr lang="en-US" sz="1600" dirty="0" err="1"/>
+              <a:t>displayRecordServlet.java</a:t>
+            </a:r>
+            <a:endParaRPr lang="en-US" sz="1600" dirty="0"/>
+          </a:p>
+          <a:p>
+            <a:pPr algn="ctr"/>
+            <a:r>
+              <a:rPr lang="en-US" sz="1600" dirty="0"/>
+              <a:t>Create </a:t>
+            </a:r>
+            <a:r>
+              <a:rPr lang="en-US" sz="1600" dirty="0" err="1"/>
+              <a:t>RecordQuery.java</a:t>
+            </a:r>
+            <a:endParaRPr lang="en-US" sz="1600" dirty="0"/>
+          </a:p>
+        </p:txBody>
+      </p:sp>
+      <p:sp>
+        <p:nvSpPr>
+          <p:cNvPr id="25" name="TextBox 24">
+            <a:extLst>
+              <a:ext uri="{FF2B5EF4-FFF2-40B4-BE49-F238E27FC236}">
+                <a16:creationId xmlns:a16="http://schemas.microsoft.com/office/drawing/2014/main" id="{8DC7382B-783D-B944-A257-7E6CAD79FC06}"/>
               </a:ext>
             </a:extLst>
           </p:cNvPr>
@@ -4444,8 +4493,8 @@
         </p:nvSpPr>
         <p:spPr>
           <a:xfrm>
-            <a:off x="587228" y="834694"/>
-            <a:ext cx="1736522" cy="646331"/>
+            <a:off x="10814807" y="921973"/>
+            <a:ext cx="1073791" cy="523220"/>
           </a:xfrm>
           <a:prstGeom prst="rect">
             <a:avLst/>
@@ -4459,11 +4508,13 @@
           <a:lstStyle/>
           <a:p>
             <a:r>
-              <a:rPr lang="en-US" dirty="0"/>
-              <a:t>Home </a:t>
-            </a:r>
-            <a:r>
-              <a:rPr lang="en-US" dirty="0">
+              <a:rPr lang="en-US" sz="1400" dirty="0"/>
+              <a:t>Sign out</a:t>
+            </a:r>
+          </a:p>
+          <a:p>
+            <a:r>
+              <a:rPr lang="en-US" sz="1400" dirty="0">
                 <a:solidFill>
                   <a:schemeClr val="accent5"/>
                 </a:solidFill>
@@ -4471,148 +4522,498 @@
               <a:t>(</a:t>
             </a:r>
             <a:r>
-              <a:rPr lang="en-US" dirty="0" err="1">
+              <a:rPr lang="en-US" sz="1400" dirty="0" err="1">
                 <a:solidFill>
                   <a:schemeClr val="accent5"/>
                 </a:solidFill>
               </a:rPr>
-              <a:t>index.jsp</a:t>
-            </a:r>
-            <a:r>
-              <a:rPr lang="en-US" dirty="0">
+              <a:t>url.signout</a:t>
+            </a:r>
+            <a:r>
+              <a:rPr lang="en-US" sz="1400" dirty="0">
                 <a:solidFill>
                   <a:schemeClr val="accent5"/>
                 </a:solidFill>
               </a:rPr>
               <a:t>)</a:t>
             </a:r>
-          </a:p>
-        </p:txBody>
-      </p:sp>
-      <p:sp>
-        <p:nvSpPr>
-          <p:cNvPr id="24" name="TextBox 23">
-            <a:extLst>
-              <a:ext uri="{FF2B5EF4-FFF2-40B4-BE49-F238E27FC236}">
-                <a16:creationId xmlns:a16="http://schemas.microsoft.com/office/drawing/2014/main" id="{1C1503D0-DDA6-FB4E-9BF1-138981A08AEA}"/>
-              </a:ext>
-            </a:extLst>
-          </p:cNvPr>
-          <p:cNvSpPr txBox="1"/>
-          <p:nvPr/>
-        </p:nvSpPr>
-        <p:spPr>
-          <a:xfrm>
-            <a:off x="3381812" y="1053263"/>
-            <a:ext cx="2964559" cy="369332"/>
-          </a:xfrm>
-          <a:prstGeom prst="rect">
-            <a:avLst/>
-          </a:prstGeom>
-          <a:noFill/>
-        </p:spPr>
-        <p:txBody>
-          <a:bodyPr wrap="square" rtlCol="0">
-            <a:spAutoFit/>
-          </a:bodyPr>
-          <a:lstStyle/>
-          <a:p>
-            <a:r>
-              <a:rPr lang="en-US" dirty="0"/>
-              <a:t>Booking </a:t>
-            </a:r>
-            <a:r>
-              <a:rPr lang="en-US" dirty="0">
-                <a:solidFill>
-                  <a:schemeClr val="accent5"/>
-                </a:solidFill>
-              </a:rPr>
-              <a:t>(</a:t>
-            </a:r>
-            <a:r>
-              <a:rPr lang="en-US" dirty="0" err="1">
-                <a:solidFill>
-                  <a:schemeClr val="accent5"/>
-                </a:solidFill>
-              </a:rPr>
-              <a:t>bookings.jsp</a:t>
-            </a:r>
-            <a:r>
-              <a:rPr lang="en-US" dirty="0">
-                <a:solidFill>
-                  <a:schemeClr val="accent5"/>
-                </a:solidFill>
-              </a:rPr>
-              <a:t>)</a:t>
-            </a:r>
-          </a:p>
-        </p:txBody>
-      </p:sp>
-      <p:sp>
-        <p:nvSpPr>
-          <p:cNvPr id="26" name="TextBox 25">
-            <a:extLst>
-              <a:ext uri="{FF2B5EF4-FFF2-40B4-BE49-F238E27FC236}">
-                <a16:creationId xmlns:a16="http://schemas.microsoft.com/office/drawing/2014/main" id="{348A5660-1758-D549-991F-15AD9432BA24}"/>
-              </a:ext>
-            </a:extLst>
-          </p:cNvPr>
-          <p:cNvSpPr txBox="1"/>
-          <p:nvPr/>
-        </p:nvSpPr>
-        <p:spPr>
-          <a:xfrm>
-            <a:off x="7108121" y="845256"/>
-            <a:ext cx="2860646" cy="646331"/>
-          </a:xfrm>
-          <a:prstGeom prst="rect">
-            <a:avLst/>
-          </a:prstGeom>
-          <a:noFill/>
-        </p:spPr>
-        <p:txBody>
-          <a:bodyPr wrap="square" rtlCol="0">
-            <a:spAutoFit/>
-          </a:bodyPr>
-          <a:lstStyle/>
-          <a:p>
-            <a:r>
-              <a:rPr lang="en-US" dirty="0"/>
-              <a:t>Treatment </a:t>
-            </a:r>
-            <a:r>
-              <a:rPr lang="en-US" dirty="0">
-                <a:solidFill>
-                  <a:schemeClr val="accent5"/>
-                </a:solidFill>
-              </a:rPr>
-              <a:t>(</a:t>
-            </a:r>
-            <a:r>
-              <a:rPr lang="en-US" dirty="0" err="1">
-                <a:solidFill>
-                  <a:schemeClr val="accent5"/>
-                </a:solidFill>
-              </a:rPr>
-              <a:t>displayRecord.jsp</a:t>
-            </a:r>
-            <a:r>
-              <a:rPr lang="en-US" dirty="0">
-                <a:solidFill>
-                  <a:schemeClr val="accent5"/>
-                </a:solidFill>
-              </a:rPr>
-              <a:t>)</a:t>
-            </a:r>
-          </a:p>
-        </p:txBody>
-      </p:sp>
-      <p:sp>
-        <p:nvSpPr>
-          <p:cNvPr id="18" name="Rounded Rectangle 17">
-            <a:extLst>
-              <a:ext uri="{FF2B5EF4-FFF2-40B4-BE49-F238E27FC236}">
-                <a16:creationId xmlns:a16="http://schemas.microsoft.com/office/drawing/2014/main" id="{6A463F32-CE55-204D-89B2-605D13EC079D}"/>
+            <a:endParaRPr lang="en-US" sz="1400" dirty="0"/>
+          </a:p>
+        </p:txBody>
+      </p:sp>
+      <p:graphicFrame>
+        <p:nvGraphicFramePr>
+          <p:cNvPr id="24" name="Table 2">
+            <a:extLst>
+              <a:ext uri="{FF2B5EF4-FFF2-40B4-BE49-F238E27FC236}">
+                <a16:creationId xmlns:a16="http://schemas.microsoft.com/office/drawing/2014/main" id="{4F08C0C5-7185-4541-81F9-D97A90AE718E}"/>
+              </a:ext>
+            </a:extLst>
+          </p:cNvPr>
+          <p:cNvGraphicFramePr>
+            <a:graphicFrameLocks noGrp="1"/>
+          </p:cNvGraphicFramePr>
+          <p:nvPr>
+            <p:extLst>
+              <p:ext uri="{D42A27DB-BD31-4B8C-83A1-F6EECF244321}">
+                <p14:modId xmlns:p14="http://schemas.microsoft.com/office/powerpoint/2010/main" val="4051170557"/>
+              </p:ext>
+            </p:extLst>
+          </p:nvPr>
+        </p:nvGraphicFramePr>
+        <p:xfrm>
+          <a:off x="3434794" y="2640123"/>
+          <a:ext cx="6533973" cy="2041938"/>
+        </p:xfrm>
+        <a:graphic>
+          <a:graphicData uri="http://schemas.openxmlformats.org/drawingml/2006/table">
+            <a:tbl>
+              <a:tblPr firstRow="1" bandRow="1">
+                <a:tableStyleId>{F5AB1C69-6EDB-4FF4-983F-18BD219EF322}</a:tableStyleId>
+              </a:tblPr>
+              <a:tblGrid>
+                <a:gridCol w="769791">
+                  <a:extLst>
+                    <a:ext uri="{9D8B030D-6E8A-4147-A177-3AD203B41FA5}">
+                      <a16:colId xmlns:a16="http://schemas.microsoft.com/office/drawing/2014/main" val="484706619"/>
+                    </a:ext>
+                  </a:extLst>
+                </a:gridCol>
+                <a:gridCol w="769791">
+                  <a:extLst>
+                    <a:ext uri="{9D8B030D-6E8A-4147-A177-3AD203B41FA5}">
+                      <a16:colId xmlns:a16="http://schemas.microsoft.com/office/drawing/2014/main" val="82939911"/>
+                    </a:ext>
+                  </a:extLst>
+                </a:gridCol>
+                <a:gridCol w="769791">
+                  <a:extLst>
+                    <a:ext uri="{9D8B030D-6E8A-4147-A177-3AD203B41FA5}">
+                      <a16:colId xmlns:a16="http://schemas.microsoft.com/office/drawing/2014/main" val="930562621"/>
+                    </a:ext>
+                  </a:extLst>
+                </a:gridCol>
+                <a:gridCol w="844920">
+                  <a:extLst>
+                    <a:ext uri="{9D8B030D-6E8A-4147-A177-3AD203B41FA5}">
+                      <a16:colId xmlns:a16="http://schemas.microsoft.com/office/drawing/2014/main" val="2014208457"/>
+                    </a:ext>
+                  </a:extLst>
+                </a:gridCol>
+                <a:gridCol w="844920">
+                  <a:extLst>
+                    <a:ext uri="{9D8B030D-6E8A-4147-A177-3AD203B41FA5}">
+                      <a16:colId xmlns:a16="http://schemas.microsoft.com/office/drawing/2014/main" val="3258648409"/>
+                    </a:ext>
+                  </a:extLst>
+                </a:gridCol>
+                <a:gridCol w="844920">
+                  <a:extLst>
+                    <a:ext uri="{9D8B030D-6E8A-4147-A177-3AD203B41FA5}">
+                      <a16:colId xmlns:a16="http://schemas.microsoft.com/office/drawing/2014/main" val="1376025209"/>
+                    </a:ext>
+                  </a:extLst>
+                </a:gridCol>
+                <a:gridCol w="844920">
+                  <a:extLst>
+                    <a:ext uri="{9D8B030D-6E8A-4147-A177-3AD203B41FA5}">
+                      <a16:colId xmlns:a16="http://schemas.microsoft.com/office/drawing/2014/main" val="1612898172"/>
+                    </a:ext>
+                  </a:extLst>
+                </a:gridCol>
+                <a:gridCol w="844920">
+                  <a:extLst>
+                    <a:ext uri="{9D8B030D-6E8A-4147-A177-3AD203B41FA5}">
+                      <a16:colId xmlns:a16="http://schemas.microsoft.com/office/drawing/2014/main" val="2707565655"/>
+                    </a:ext>
+                  </a:extLst>
+                </a:gridCol>
+              </a:tblGrid>
+              <a:tr h="225051">
+                <a:tc>
+                  <a:txBody>
+                    <a:bodyPr/>
+                    <a:lstStyle/>
+                    <a:p>
+                      <a:r>
+                        <a:rPr lang="en-US" sz="1200" dirty="0"/>
+                        <a:t>Patient Name</a:t>
+                      </a:r>
+                    </a:p>
+                  </a:txBody>
+                  <a:tcPr/>
+                </a:tc>
+                <a:tc>
+                  <a:txBody>
+                    <a:bodyPr/>
+                    <a:lstStyle/>
+                    <a:p>
+                      <a:r>
+                        <a:rPr lang="en-US" sz="1200" dirty="0"/>
+                        <a:t>Phone</a:t>
+                      </a:r>
+                    </a:p>
+                  </a:txBody>
+                  <a:tcPr/>
+                </a:tc>
+                <a:tc>
+                  <a:txBody>
+                    <a:bodyPr/>
+                    <a:lstStyle/>
+                    <a:p>
+                      <a:r>
+                        <a:rPr lang="en-US" sz="1200" dirty="0"/>
+                        <a:t>Date of Birth</a:t>
+                      </a:r>
+                    </a:p>
+                  </a:txBody>
+                  <a:tcPr/>
+                </a:tc>
+                <a:tc>
+                  <a:txBody>
+                    <a:bodyPr/>
+                    <a:lstStyle/>
+                    <a:p>
+                      <a:r>
+                        <a:rPr lang="en-US" sz="1200" dirty="0"/>
+                        <a:t>Problem</a:t>
+                      </a:r>
+                    </a:p>
+                  </a:txBody>
+                  <a:tcPr/>
+                </a:tc>
+                <a:tc>
+                  <a:txBody>
+                    <a:bodyPr/>
+                    <a:lstStyle/>
+                    <a:p>
+                      <a:r>
+                        <a:rPr lang="en-US" sz="1200" dirty="0"/>
+                        <a:t>Booking Date?</a:t>
+                      </a:r>
+                    </a:p>
+                  </a:txBody>
+                  <a:tcPr/>
+                </a:tc>
+                <a:tc>
+                  <a:txBody>
+                    <a:bodyPr/>
+                    <a:lstStyle/>
+                    <a:p>
+                      <a:r>
+                        <a:rPr lang="en-US" sz="1200" dirty="0"/>
+                        <a:t>Doctor</a:t>
+                      </a:r>
+                    </a:p>
+                  </a:txBody>
+                  <a:tcPr/>
+                </a:tc>
+                <a:tc>
+                  <a:txBody>
+                    <a:bodyPr/>
+                    <a:lstStyle/>
+                    <a:p>
+                      <a:r>
+                        <a:rPr lang="en-US" sz="1200" dirty="0"/>
+                        <a:t>Treatment</a:t>
+                      </a:r>
+                    </a:p>
+                  </a:txBody>
+                  <a:tcPr/>
+                </a:tc>
+                <a:tc>
+                  <a:txBody>
+                    <a:bodyPr/>
+                    <a:lstStyle/>
+                    <a:p>
+                      <a:r>
+                        <a:rPr lang="en-US" sz="1200" dirty="0"/>
+                        <a:t>Test</a:t>
+                      </a:r>
+                    </a:p>
+                  </a:txBody>
+                  <a:tcPr/>
+                </a:tc>
+                <a:extLst>
+                  <a:ext uri="{0D108BD9-81ED-4DB2-BD59-A6C34878D82A}">
+                    <a16:rowId xmlns:a16="http://schemas.microsoft.com/office/drawing/2014/main" val="1704761114"/>
+                  </a:ext>
+                </a:extLst>
+              </a:tr>
+              <a:tr h="528246">
+                <a:tc>
+                  <a:txBody>
+                    <a:bodyPr/>
+                    <a:lstStyle/>
+                    <a:p>
+                      <a:endParaRPr lang="en-US" sz="1200" dirty="0"/>
+                    </a:p>
+                  </a:txBody>
+                  <a:tcPr/>
+                </a:tc>
+                <a:tc>
+                  <a:txBody>
+                    <a:bodyPr/>
+                    <a:lstStyle/>
+                    <a:p>
+                      <a:endParaRPr lang="en-US" sz="1200" dirty="0"/>
+                    </a:p>
+                  </a:txBody>
+                  <a:tcPr/>
+                </a:tc>
+                <a:tc>
+                  <a:txBody>
+                    <a:bodyPr/>
+                    <a:lstStyle/>
+                    <a:p>
+                      <a:endParaRPr lang="en-US" sz="1200" dirty="0"/>
+                    </a:p>
+                  </a:txBody>
+                  <a:tcPr/>
+                </a:tc>
+                <a:tc>
+                  <a:txBody>
+                    <a:bodyPr/>
+                    <a:lstStyle/>
+                    <a:p>
+                      <a:endParaRPr lang="en-US" sz="1200" dirty="0"/>
+                    </a:p>
+                  </a:txBody>
+                  <a:tcPr/>
+                </a:tc>
+                <a:tc>
+                  <a:txBody>
+                    <a:bodyPr/>
+                    <a:lstStyle/>
+                    <a:p>
+                      <a:endParaRPr lang="en-US" sz="1200" dirty="0"/>
+                    </a:p>
+                  </a:txBody>
+                  <a:tcPr/>
+                </a:tc>
+                <a:tc>
+                  <a:txBody>
+                    <a:bodyPr/>
+                    <a:lstStyle/>
+                    <a:p>
+                      <a:endParaRPr lang="en-US" sz="1200" dirty="0"/>
+                    </a:p>
+                  </a:txBody>
+                  <a:tcPr/>
+                </a:tc>
+                <a:tc>
+                  <a:txBody>
+                    <a:bodyPr/>
+                    <a:lstStyle/>
+                    <a:p>
+                      <a:endParaRPr lang="en-US" sz="1200" dirty="0"/>
+                    </a:p>
+                  </a:txBody>
+                  <a:tcPr/>
+                </a:tc>
+                <a:tc>
+                  <a:txBody>
+                    <a:bodyPr/>
+                    <a:lstStyle/>
+                    <a:p>
+                      <a:endParaRPr lang="en-US" sz="1200" dirty="0"/>
+                    </a:p>
+                  </a:txBody>
+                  <a:tcPr/>
+                </a:tc>
+                <a:extLst>
+                  <a:ext uri="{0D108BD9-81ED-4DB2-BD59-A6C34878D82A}">
+                    <a16:rowId xmlns:a16="http://schemas.microsoft.com/office/drawing/2014/main" val="714643636"/>
+                  </a:ext>
+                </a:extLst>
+              </a:tr>
+              <a:tr h="528246">
+                <a:tc>
+                  <a:txBody>
+                    <a:bodyPr/>
+                    <a:lstStyle/>
+                    <a:p>
+                      <a:endParaRPr lang="en-US" sz="1200" dirty="0"/>
+                    </a:p>
+                  </a:txBody>
+                  <a:tcPr/>
+                </a:tc>
+                <a:tc>
+                  <a:txBody>
+                    <a:bodyPr/>
+                    <a:lstStyle/>
+                    <a:p>
+                      <a:endParaRPr lang="en-US" sz="1200" dirty="0"/>
+                    </a:p>
+                  </a:txBody>
+                  <a:tcPr/>
+                </a:tc>
+                <a:tc>
+                  <a:txBody>
+                    <a:bodyPr/>
+                    <a:lstStyle/>
+                    <a:p>
+                      <a:endParaRPr lang="en-US" sz="1200" dirty="0"/>
+                    </a:p>
+                  </a:txBody>
+                  <a:tcPr/>
+                </a:tc>
+                <a:tc>
+                  <a:txBody>
+                    <a:bodyPr/>
+                    <a:lstStyle/>
+                    <a:p>
+                      <a:endParaRPr lang="en-US" sz="1200" dirty="0"/>
+                    </a:p>
+                  </a:txBody>
+                  <a:tcPr/>
+                </a:tc>
+                <a:tc>
+                  <a:txBody>
+                    <a:bodyPr/>
+                    <a:lstStyle/>
+                    <a:p>
+                      <a:endParaRPr lang="en-US" sz="1200" dirty="0"/>
+                    </a:p>
+                  </a:txBody>
+                  <a:tcPr/>
+                </a:tc>
+                <a:tc>
+                  <a:txBody>
+                    <a:bodyPr/>
+                    <a:lstStyle/>
+                    <a:p>
+                      <a:endParaRPr lang="en-US" sz="1200" dirty="0"/>
+                    </a:p>
+                  </a:txBody>
+                  <a:tcPr/>
+                </a:tc>
+                <a:tc>
+                  <a:txBody>
+                    <a:bodyPr/>
+                    <a:lstStyle/>
+                    <a:p>
+                      <a:endParaRPr lang="en-US" sz="1200" dirty="0"/>
+                    </a:p>
+                  </a:txBody>
+                  <a:tcPr/>
+                </a:tc>
+                <a:tc>
+                  <a:txBody>
+                    <a:bodyPr/>
+                    <a:lstStyle/>
+                    <a:p>
+                      <a:endParaRPr lang="en-US" sz="1200" dirty="0"/>
+                    </a:p>
+                    <a:p>
+                      <a:endParaRPr lang="en-US" sz="1200" dirty="0"/>
+                    </a:p>
+                  </a:txBody>
+                  <a:tcPr/>
+                </a:tc>
+                <a:extLst>
+                  <a:ext uri="{0D108BD9-81ED-4DB2-BD59-A6C34878D82A}">
+                    <a16:rowId xmlns:a16="http://schemas.microsoft.com/office/drawing/2014/main" val="3021266693"/>
+                  </a:ext>
+                </a:extLst>
+              </a:tr>
+              <a:tr h="528246">
+                <a:tc>
+                  <a:txBody>
+                    <a:bodyPr/>
+                    <a:lstStyle/>
+                    <a:p>
+                      <a:endParaRPr lang="en-US" sz="1200" dirty="0"/>
+                    </a:p>
+                  </a:txBody>
+                  <a:tcPr/>
+                </a:tc>
+                <a:tc>
+                  <a:txBody>
+                    <a:bodyPr/>
+                    <a:lstStyle/>
+                    <a:p>
+                      <a:endParaRPr lang="en-US" sz="1200" dirty="0"/>
+                    </a:p>
+                  </a:txBody>
+                  <a:tcPr/>
+                </a:tc>
+                <a:tc>
+                  <a:txBody>
+                    <a:bodyPr/>
+                    <a:lstStyle/>
+                    <a:p>
+                      <a:endParaRPr lang="en-US" sz="1200" dirty="0"/>
+                    </a:p>
+                  </a:txBody>
+                  <a:tcPr/>
+                </a:tc>
+                <a:tc>
+                  <a:txBody>
+                    <a:bodyPr/>
+                    <a:lstStyle/>
+                    <a:p>
+                      <a:endParaRPr lang="en-US" sz="1200" dirty="0"/>
+                    </a:p>
+                  </a:txBody>
+                  <a:tcPr/>
+                </a:tc>
+                <a:tc>
+                  <a:txBody>
+                    <a:bodyPr/>
+                    <a:lstStyle/>
+                    <a:p>
+                      <a:endParaRPr lang="en-US" sz="1200" dirty="0"/>
+                    </a:p>
+                  </a:txBody>
+                  <a:tcPr/>
+                </a:tc>
+                <a:tc>
+                  <a:txBody>
+                    <a:bodyPr/>
+                    <a:lstStyle/>
+                    <a:p>
+                      <a:endParaRPr lang="en-US" sz="1200" dirty="0"/>
+                    </a:p>
+                  </a:txBody>
+                  <a:tcPr/>
+                </a:tc>
+                <a:tc>
+                  <a:txBody>
+                    <a:bodyPr/>
+                    <a:lstStyle/>
+                    <a:p>
+                      <a:endParaRPr lang="en-US" sz="1200" dirty="0"/>
+                    </a:p>
+                  </a:txBody>
+                  <a:tcPr/>
+                </a:tc>
+                <a:tc>
+                  <a:txBody>
+                    <a:bodyPr/>
+                    <a:lstStyle/>
+                    <a:p>
+                      <a:endParaRPr lang="en-US" sz="1200" dirty="0"/>
+                    </a:p>
+                  </a:txBody>
+                  <a:tcPr/>
+                </a:tc>
+                <a:extLst>
+                  <a:ext uri="{0D108BD9-81ED-4DB2-BD59-A6C34878D82A}">
+                    <a16:rowId xmlns:a16="http://schemas.microsoft.com/office/drawing/2014/main" val="1227904803"/>
+                  </a:ext>
+                </a:extLst>
+              </a:tr>
+            </a:tbl>
+          </a:graphicData>
+        </a:graphic>
+      </p:graphicFrame>
+      <p:sp>
+        <p:nvSpPr>
+          <p:cNvPr id="26" name="Rounded Rectangular Callout 25">
+            <a:extLst>
+              <a:ext uri="{FF2B5EF4-FFF2-40B4-BE49-F238E27FC236}">
+                <a16:creationId xmlns:a16="http://schemas.microsoft.com/office/drawing/2014/main" id="{2E2D3AA6-021C-A843-8264-B810E24B5FF8}"/>
               </a:ext>
             </a:extLst>
           </p:cNvPr>
@@ -4621,24 +5022,26 @@
         </p:nvSpPr>
         <p:spPr>
           <a:xfrm>
-            <a:off x="2125011" y="428839"/>
-            <a:ext cx="1978903" cy="573836"/>
-          </a:xfrm>
-          <a:prstGeom prst="roundRect">
-            <a:avLst/>
+            <a:off x="89532" y="5548303"/>
+            <a:ext cx="4468436" cy="1102479"/>
+          </a:xfrm>
+          <a:prstGeom prst="wedgeRoundRectCallout">
+            <a:avLst>
+              <a:gd name="adj1" fmla="val 97896"/>
+              <a:gd name="adj2" fmla="val -124978"/>
+              <a:gd name="adj3" fmla="val 16667"/>
+            </a:avLst>
           </a:prstGeom>
         </p:spPr>
         <p:style>
-          <a:lnRef idx="2">
-            <a:schemeClr val="accent2">
-              <a:shade val="50000"/>
-            </a:schemeClr>
+          <a:lnRef idx="0">
+            <a:schemeClr val="accent4"/>
           </a:lnRef>
-          <a:fillRef idx="1">
-            <a:schemeClr val="accent2"/>
+          <a:fillRef idx="3">
+            <a:schemeClr val="accent4"/>
           </a:fillRef>
-          <a:effectRef idx="0">
-            <a:schemeClr val="accent2"/>
+          <a:effectRef idx="3">
+            <a:schemeClr val="accent4"/>
           </a:effectRef>
           <a:fontRef idx="minor">
             <a:schemeClr val="lt1"/>
@@ -4651,202 +5054,67 @@
             <a:pPr algn="ctr"/>
             <a:r>
               <a:rPr lang="en-US" dirty="0"/>
-              <a:t>Update Patient </a:t>
+              <a:t>Content populated from </a:t>
             </a:r>
             <a:r>
               <a:rPr lang="en-US" dirty="0" err="1"/>
-              <a:t>AccessServlet.java</a:t>
-            </a:r>
-            <a:endParaRPr lang="en-US" dirty="0"/>
-          </a:p>
-        </p:txBody>
-      </p:sp>
-      <p:sp>
-        <p:nvSpPr>
-          <p:cNvPr id="27" name="TextBox 26">
-            <a:extLst>
-              <a:ext uri="{FF2B5EF4-FFF2-40B4-BE49-F238E27FC236}">
-                <a16:creationId xmlns:a16="http://schemas.microsoft.com/office/drawing/2014/main" id="{D3C73868-B55D-C243-A076-3EEFEA996BCE}"/>
-              </a:ext>
-            </a:extLst>
-          </p:cNvPr>
-          <p:cNvSpPr txBox="1"/>
-          <p:nvPr/>
-        </p:nvSpPr>
-        <p:spPr>
-          <a:xfrm>
-            <a:off x="11029724" y="326664"/>
-            <a:ext cx="1253557" cy="523220"/>
-          </a:xfrm>
-          <a:prstGeom prst="rect">
-            <a:avLst/>
-          </a:prstGeom>
-          <a:noFill/>
-        </p:spPr>
-        <p:txBody>
-          <a:bodyPr wrap="square" rtlCol="0">
-            <a:spAutoFit/>
-          </a:bodyPr>
-          <a:lstStyle/>
-          <a:p>
-            <a:r>
-              <a:rPr lang="en-US" sz="1400" dirty="0"/>
-              <a:t>Register </a:t>
-            </a:r>
-            <a:r>
-              <a:rPr lang="en-US" sz="1400" dirty="0">
-                <a:solidFill>
-                  <a:schemeClr val="accent5"/>
-                </a:solidFill>
-              </a:rPr>
-              <a:t>(</a:t>
-            </a:r>
-            <a:r>
-              <a:rPr lang="en-US" sz="1400" dirty="0" err="1">
-                <a:solidFill>
-                  <a:schemeClr val="accent5"/>
-                </a:solidFill>
-              </a:rPr>
-              <a:t>url.Register</a:t>
-            </a:r>
-            <a:r>
-              <a:rPr lang="en-US" sz="1400" dirty="0">
-                <a:solidFill>
-                  <a:schemeClr val="accent5"/>
-                </a:solidFill>
-              </a:rPr>
-              <a:t>)</a:t>
-            </a:r>
-            <a:endParaRPr lang="en-US" sz="1400" dirty="0"/>
-          </a:p>
-        </p:txBody>
-      </p:sp>
-      <p:sp>
-        <p:nvSpPr>
-          <p:cNvPr id="28" name="TextBox 27">
-            <a:extLst>
-              <a:ext uri="{FF2B5EF4-FFF2-40B4-BE49-F238E27FC236}">
-                <a16:creationId xmlns:a16="http://schemas.microsoft.com/office/drawing/2014/main" id="{BC3A5BF8-D8D4-CA42-90D6-1A450B53B3B6}"/>
-              </a:ext>
-            </a:extLst>
-          </p:cNvPr>
-          <p:cNvSpPr txBox="1"/>
-          <p:nvPr/>
-        </p:nvSpPr>
-        <p:spPr>
-          <a:xfrm>
-            <a:off x="10049210" y="333592"/>
-            <a:ext cx="1073791" cy="523220"/>
-          </a:xfrm>
-          <a:prstGeom prst="rect">
-            <a:avLst/>
-          </a:prstGeom>
-          <a:noFill/>
-        </p:spPr>
-        <p:txBody>
-          <a:bodyPr wrap="square" rtlCol="0">
-            <a:spAutoFit/>
-          </a:bodyPr>
-          <a:lstStyle/>
-          <a:p>
-            <a:r>
-              <a:rPr lang="en-US" sz="1400" dirty="0"/>
-              <a:t>Login </a:t>
-            </a:r>
-            <a:r>
-              <a:rPr lang="en-US" sz="1400" dirty="0">
-                <a:solidFill>
-                  <a:schemeClr val="accent5"/>
-                </a:solidFill>
-              </a:rPr>
-              <a:t>(</a:t>
-            </a:r>
-            <a:r>
-              <a:rPr lang="en-US" sz="1400" dirty="0" err="1">
-                <a:solidFill>
-                  <a:schemeClr val="accent5"/>
-                </a:solidFill>
-              </a:rPr>
-              <a:t>url.Login</a:t>
-            </a:r>
-            <a:r>
-              <a:rPr lang="en-US" sz="1400" dirty="0">
-                <a:solidFill>
-                  <a:schemeClr val="accent5"/>
-                </a:solidFill>
-              </a:rPr>
-              <a:t>)</a:t>
-            </a:r>
-            <a:endParaRPr lang="en-US" sz="1400" dirty="0"/>
-          </a:p>
-        </p:txBody>
-      </p:sp>
-      <p:sp>
-        <p:nvSpPr>
-          <p:cNvPr id="29" name="TextBox 28">
-            <a:extLst>
-              <a:ext uri="{FF2B5EF4-FFF2-40B4-BE49-F238E27FC236}">
-                <a16:creationId xmlns:a16="http://schemas.microsoft.com/office/drawing/2014/main" id="{B490EE54-A75E-674B-9A24-2D75909C440F}"/>
-              </a:ext>
-            </a:extLst>
-          </p:cNvPr>
-          <p:cNvSpPr txBox="1"/>
-          <p:nvPr/>
-        </p:nvSpPr>
-        <p:spPr>
-          <a:xfrm>
-            <a:off x="9026154" y="344042"/>
-            <a:ext cx="1073791" cy="523220"/>
-          </a:xfrm>
-          <a:prstGeom prst="rect">
-            <a:avLst/>
-          </a:prstGeom>
-          <a:noFill/>
-        </p:spPr>
-        <p:txBody>
-          <a:bodyPr wrap="square" rtlCol="0">
-            <a:spAutoFit/>
-          </a:bodyPr>
-          <a:lstStyle/>
-          <a:p>
-            <a:r>
-              <a:rPr lang="en-US" sz="1400" dirty="0"/>
-              <a:t>Home </a:t>
-            </a:r>
-          </a:p>
-          <a:p>
-            <a:r>
-              <a:rPr lang="en-US" sz="1400" dirty="0">
-                <a:solidFill>
-                  <a:schemeClr val="accent5"/>
-                </a:solidFill>
-              </a:rPr>
-              <a:t>(</a:t>
-            </a:r>
-            <a:r>
-              <a:rPr lang="en-US" sz="1400" dirty="0" err="1">
-                <a:solidFill>
-                  <a:schemeClr val="accent5"/>
-                </a:solidFill>
-              </a:rPr>
-              <a:t>url</a:t>
-            </a:r>
-            <a:r>
-              <a:rPr lang="en-US" sz="1400" dirty="0">
-                <a:solidFill>
-                  <a:schemeClr val="accent5"/>
-                </a:solidFill>
-              </a:rPr>
-              <a:t> Home)</a:t>
-            </a:r>
-            <a:endParaRPr lang="en-US" sz="1400" dirty="0"/>
-          </a:p>
-        </p:txBody>
-      </p:sp>
+              <a:t>patientaccess</a:t>
+            </a:r>
+            <a:r>
+              <a:rPr lang="en-US" dirty="0"/>
+              <a:t>(booking) and </a:t>
+            </a:r>
+            <a:r>
+              <a:rPr lang="en-US" dirty="0" err="1"/>
+              <a:t>doctoraccess</a:t>
+            </a:r>
+            <a:r>
+              <a:rPr lang="en-US" dirty="0"/>
+              <a:t>(consultation</a:t>
+            </a:r>
+          </a:p>
+        </p:txBody>
+      </p:sp>
+      <p:pic>
+        <p:nvPicPr>
+          <p:cNvPr id="27" name="Graphic 26" descr="Construction Barricade with solid fill">
+            <a:extLst>
+              <a:ext uri="{FF2B5EF4-FFF2-40B4-BE49-F238E27FC236}">
+                <a16:creationId xmlns:a16="http://schemas.microsoft.com/office/drawing/2014/main" id="{FB152512-C284-6F4B-BC3F-0ED1E0974631}"/>
+              </a:ext>
+            </a:extLst>
+          </p:cNvPr>
+          <p:cNvPicPr>
+            <a:picLocks noChangeAspect="1"/>
+          </p:cNvPicPr>
+          <p:nvPr/>
+        </p:nvPicPr>
+        <p:blipFill>
+          <a:blip r:embed="rId2">
+            <a:extLst>
+              <a:ext uri="{96DAC541-7B7A-43D3-8B79-37D633B846F1}">
+                <asvg:svgBlip xmlns:asvg="http://schemas.microsoft.com/office/drawing/2016/SVG/main" r:embed="rId3"/>
+              </a:ext>
+            </a:extLst>
+          </a:blip>
+          <a:stretch>
+            <a:fillRect/>
+          </a:stretch>
+        </p:blipFill>
+        <p:spPr>
+          <a:xfrm>
+            <a:off x="11130793" y="3049017"/>
+            <a:ext cx="914400" cy="914400"/>
+          </a:xfrm>
+          <a:prstGeom prst="rect">
+            <a:avLst/>
+          </a:prstGeom>
+        </p:spPr>
+      </p:pic>
     </p:spTree>
     <p:extLst>
       <p:ext uri="{BB962C8B-B14F-4D97-AF65-F5344CB8AC3E}">
-        <p14:creationId xmlns:p14="http://schemas.microsoft.com/office/powerpoint/2010/main" val="3530130337"/>
+        <p14:creationId xmlns:p14="http://schemas.microsoft.com/office/powerpoint/2010/main" val="2821977786"/>
       </p:ext>
     </p:extLst>
   </p:cSld>
@@ -4997,10 +5265,10 @@
       </p:sp>
       <p:sp>
         <p:nvSpPr>
-          <p:cNvPr id="6" name="TextBox 5">
-            <a:extLst>
-              <a:ext uri="{FF2B5EF4-FFF2-40B4-BE49-F238E27FC236}">
-                <a16:creationId xmlns:a16="http://schemas.microsoft.com/office/drawing/2014/main" id="{6506E7B0-7FC8-5A45-A350-6AFE042386A6}"/>
+          <p:cNvPr id="7" name="TextBox 6">
+            <a:extLst>
+              <a:ext uri="{FF2B5EF4-FFF2-40B4-BE49-F238E27FC236}">
+                <a16:creationId xmlns:a16="http://schemas.microsoft.com/office/drawing/2014/main" id="{E7D745A2-1954-874D-B978-521F0D0FBC58}"/>
               </a:ext>
             </a:extLst>
           </p:cNvPr>
@@ -5009,8 +5277,8 @@
         </p:nvSpPr>
         <p:spPr>
           <a:xfrm>
-            <a:off x="10086014" y="1097523"/>
-            <a:ext cx="2860646" cy="338554"/>
+            <a:off x="604007" y="360728"/>
+            <a:ext cx="1702965" cy="369332"/>
           </a:xfrm>
           <a:prstGeom prst="rect">
             <a:avLst/>
@@ -5024,18 +5292,18 @@
           <a:lstStyle/>
           <a:p>
             <a:r>
-              <a:rPr lang="en-US" sz="1600" dirty="0"/>
-              <a:t>Hi, (Doctor name)</a:t>
-            </a:r>
-          </a:p>
-        </p:txBody>
-      </p:sp>
-      <p:sp>
-        <p:nvSpPr>
-          <p:cNvPr id="7" name="TextBox 6">
-            <a:extLst>
-              <a:ext uri="{FF2B5EF4-FFF2-40B4-BE49-F238E27FC236}">
-                <a16:creationId xmlns:a16="http://schemas.microsoft.com/office/drawing/2014/main" id="{E7D745A2-1954-874D-B978-521F0D0FBC58}"/>
+              <a:rPr lang="en-US" dirty="0"/>
+              <a:t>LOGO</a:t>
+            </a:r>
+          </a:p>
+        </p:txBody>
+      </p:sp>
+      <p:sp>
+        <p:nvSpPr>
+          <p:cNvPr id="8" name="TextBox 7">
+            <a:extLst>
+              <a:ext uri="{FF2B5EF4-FFF2-40B4-BE49-F238E27FC236}">
+                <a16:creationId xmlns:a16="http://schemas.microsoft.com/office/drawing/2014/main" id="{955242FB-1453-5E4A-B9AC-9E4ACD40FBE2}"/>
               </a:ext>
             </a:extLst>
           </p:cNvPr>
@@ -5044,8 +5312,8 @@
         </p:nvSpPr>
         <p:spPr>
           <a:xfrm>
-            <a:off x="604007" y="360728"/>
-            <a:ext cx="1702965" cy="369332"/>
+            <a:off x="4769140" y="2821768"/>
+            <a:ext cx="2292991" cy="307777"/>
           </a:xfrm>
           <a:prstGeom prst="rect">
             <a:avLst/>
@@ -5059,8 +5327,8 @@
           <a:lstStyle/>
           <a:p>
             <a:r>
-              <a:rPr lang="en-US" dirty="0"/>
-              <a:t>LOGO</a:t>
+              <a:rPr lang="en-US" sz="1400" dirty="0"/>
+              <a:t>You have now signed out</a:t>
             </a:r>
           </a:p>
         </p:txBody>
@@ -5114,8 +5382,8 @@
         </p:nvSpPr>
         <p:spPr>
           <a:xfrm>
-            <a:off x="4769140" y="356344"/>
-            <a:ext cx="2189527" cy="646331"/>
+            <a:off x="5395817" y="1922215"/>
+            <a:ext cx="896125" cy="369332"/>
           </a:xfrm>
           <a:prstGeom prst="rect">
             <a:avLst/>
@@ -5129,31 +5397,10 @@
           <a:lstStyle/>
           <a:p>
             <a:r>
-              <a:rPr lang="en-US" dirty="0"/>
-              <a:t>Doctor Access</a:t>
-            </a:r>
-          </a:p>
-          <a:p>
-            <a:r>
-              <a:rPr lang="en-US" dirty="0"/>
-              <a:t>(</a:t>
-            </a:r>
-            <a:r>
-              <a:rPr lang="en-US" dirty="0" err="1">
-                <a:solidFill>
-                  <a:schemeClr val="accent5"/>
-                </a:solidFill>
-              </a:rPr>
-              <a:t>doctorAccess.jsp</a:t>
-            </a:r>
-            <a:r>
-              <a:rPr lang="en-US" dirty="0">
-                <a:solidFill>
-                  <a:schemeClr val="accent5"/>
-                </a:solidFill>
-              </a:rPr>
-              <a:t>)</a:t>
-            </a:r>
+              <a:rPr lang="en-US" dirty="0" err="1"/>
+              <a:t>Signout</a:t>
+            </a:r>
+            <a:endParaRPr lang="en-US" dirty="0"/>
           </a:p>
         </p:txBody>
       </p:sp>
@@ -5194,10 +5441,10 @@
       </p:sp>
       <p:sp>
         <p:nvSpPr>
-          <p:cNvPr id="20" name="TextBox 19">
-            <a:extLst>
-              <a:ext uri="{FF2B5EF4-FFF2-40B4-BE49-F238E27FC236}">
-                <a16:creationId xmlns:a16="http://schemas.microsoft.com/office/drawing/2014/main" id="{CC7689EE-3C59-2445-89B7-7E7BC7106C27}"/>
+          <p:cNvPr id="16" name="TextBox 15">
+            <a:extLst>
+              <a:ext uri="{FF2B5EF4-FFF2-40B4-BE49-F238E27FC236}">
+                <a16:creationId xmlns:a16="http://schemas.microsoft.com/office/drawing/2014/main" id="{0FCB1B51-4883-AD4B-9ED0-88A8A75B1338}"/>
               </a:ext>
             </a:extLst>
           </p:cNvPr>
@@ -5206,8 +5453,8 @@
         </p:nvSpPr>
         <p:spPr>
           <a:xfrm>
-            <a:off x="4917139" y="1810648"/>
-            <a:ext cx="2764173" cy="369332"/>
+            <a:off x="10507311" y="1053263"/>
+            <a:ext cx="1073791" cy="523220"/>
           </a:xfrm>
           <a:prstGeom prst="rect">
             <a:avLst/>
@@ -5221,18 +5468,30 @@
           <a:lstStyle/>
           <a:p>
             <a:r>
-              <a:rPr lang="en-US" dirty="0"/>
-              <a:t>Booking Notification</a:t>
-            </a:r>
-          </a:p>
-        </p:txBody>
-      </p:sp>
-      <p:sp>
-        <p:nvSpPr>
-          <p:cNvPr id="25" name="TextBox 24">
-            <a:extLst>
-              <a:ext uri="{FF2B5EF4-FFF2-40B4-BE49-F238E27FC236}">
-                <a16:creationId xmlns:a16="http://schemas.microsoft.com/office/drawing/2014/main" id="{1BFA3CFC-E9F0-1D4D-B22F-9E62711B9D7A}"/>
+              <a:rPr lang="en-US" sz="1400" dirty="0"/>
+              <a:t>Sign out </a:t>
+            </a:r>
+            <a:r>
+              <a:rPr lang="en-US" sz="1400" dirty="0">
+                <a:solidFill>
+                  <a:schemeClr val="accent5"/>
+                </a:solidFill>
+              </a:rPr>
+              <a:t>(button</a:t>
+            </a:r>
+            <a:r>
+              <a:rPr lang="en-US" sz="1400" dirty="0"/>
+              <a:t>)</a:t>
+            </a:r>
+          </a:p>
+        </p:txBody>
+      </p:sp>
+      <p:sp>
+        <p:nvSpPr>
+          <p:cNvPr id="18" name="TextBox 17">
+            <a:extLst>
+              <a:ext uri="{FF2B5EF4-FFF2-40B4-BE49-F238E27FC236}">
+                <a16:creationId xmlns:a16="http://schemas.microsoft.com/office/drawing/2014/main" id="{8FC63D9F-4ADE-254E-B387-9628DD1A8FA5}"/>
               </a:ext>
             </a:extLst>
           </p:cNvPr>
@@ -5241,8 +5500,8 @@
         </p:nvSpPr>
         <p:spPr>
           <a:xfrm>
-            <a:off x="3148318" y="2378384"/>
-            <a:ext cx="2271319" cy="369332"/>
+            <a:off x="587228" y="834694"/>
+            <a:ext cx="1736522" cy="646331"/>
           </a:xfrm>
           <a:prstGeom prst="rect">
             <a:avLst/>
@@ -5257,17 +5516,41 @@
           <a:p>
             <a:r>
               <a:rPr lang="en-US" dirty="0"/>
-              <a:t>Details of Booking</a:t>
-            </a:r>
-          </a:p>
-        </p:txBody>
-      </p:sp>
-      <p:sp>
-        <p:nvSpPr>
-          <p:cNvPr id="21" name="TextBox 20">
-            <a:extLst>
-              <a:ext uri="{FF2B5EF4-FFF2-40B4-BE49-F238E27FC236}">
-                <a16:creationId xmlns:a16="http://schemas.microsoft.com/office/drawing/2014/main" id="{E7A802C5-ED52-3745-8A57-7A1ED52EC361}"/>
+              <a:t>Home </a:t>
+            </a:r>
+            <a:r>
+              <a:rPr lang="en-US" dirty="0">
+                <a:solidFill>
+                  <a:schemeClr val="accent5"/>
+                </a:solidFill>
+              </a:rPr>
+              <a:t>(</a:t>
+            </a:r>
+            <a:r>
+              <a:rPr lang="en-US" dirty="0" err="1">
+                <a:solidFill>
+                  <a:schemeClr val="accent5"/>
+                </a:solidFill>
+              </a:rPr>
+              <a:t>index.jsp</a:t>
+            </a:r>
+            <a:r>
+              <a:rPr lang="en-US" dirty="0">
+                <a:solidFill>
+                  <a:schemeClr val="accent5"/>
+                </a:solidFill>
+              </a:rPr>
+              <a:t>)</a:t>
+            </a:r>
+          </a:p>
+        </p:txBody>
+      </p:sp>
+      <p:sp>
+        <p:nvSpPr>
+          <p:cNvPr id="19" name="TextBox 18">
+            <a:extLst>
+              <a:ext uri="{FF2B5EF4-FFF2-40B4-BE49-F238E27FC236}">
+                <a16:creationId xmlns:a16="http://schemas.microsoft.com/office/drawing/2014/main" id="{6A0A51C1-9F6B-3F41-9D2B-B0303F935BEF}"/>
               </a:ext>
             </a:extLst>
           </p:cNvPr>
@@ -5276,8 +5559,8 @@
         </p:nvSpPr>
         <p:spPr>
           <a:xfrm>
-            <a:off x="9756396" y="2521194"/>
-            <a:ext cx="2764173" cy="923330"/>
+            <a:off x="3381812" y="1053263"/>
+            <a:ext cx="2964559" cy="369332"/>
           </a:xfrm>
           <a:prstGeom prst="rect">
             <a:avLst/>
@@ -5291,22 +5574,42 @@
           <a:lstStyle/>
           <a:p>
             <a:r>
+              <a:rPr lang="en-US" dirty="0"/>
+              <a:t>Booking </a:t>
+            </a:r>
+            <a:r>
               <a:rPr lang="en-US" dirty="0">
                 <a:solidFill>
-                  <a:srgbClr val="00B0F0"/>
+                  <a:schemeClr val="accent5"/>
                 </a:solidFill>
               </a:rPr>
-              <a:t>Historical Patient Record (list in descending order (date))</a:t>
-            </a:r>
-          </a:p>
-        </p:txBody>
-      </p:sp>
-      <p:sp>
-        <p:nvSpPr>
-          <p:cNvPr id="24" name="TextBox 23">
-            <a:extLst>
-              <a:ext uri="{FF2B5EF4-FFF2-40B4-BE49-F238E27FC236}">
-                <a16:creationId xmlns:a16="http://schemas.microsoft.com/office/drawing/2014/main" id="{B033286C-DE33-084A-845F-303A3F7EBA69}"/>
+              <a:t>(</a:t>
+            </a:r>
+            <a:r>
+              <a:rPr lang="en-US" dirty="0" err="1">
+                <a:solidFill>
+                  <a:schemeClr val="accent5"/>
+                </a:solidFill>
+              </a:rPr>
+              <a:t>bookings.jsp</a:t>
+            </a:r>
+            <a:r>
+              <a:rPr lang="en-US" dirty="0">
+                <a:solidFill>
+                  <a:schemeClr val="accent5"/>
+                </a:solidFill>
+              </a:rPr>
+              <a:t>)</a:t>
+            </a:r>
+          </a:p>
+        </p:txBody>
+      </p:sp>
+      <p:sp>
+        <p:nvSpPr>
+          <p:cNvPr id="20" name="TextBox 19">
+            <a:extLst>
+              <a:ext uri="{FF2B5EF4-FFF2-40B4-BE49-F238E27FC236}">
+                <a16:creationId xmlns:a16="http://schemas.microsoft.com/office/drawing/2014/main" id="{0CEA809B-7174-2C4A-A2EB-C0B50945D8C9}"/>
               </a:ext>
             </a:extLst>
           </p:cNvPr>
@@ -5315,8 +5618,8 @@
         </p:nvSpPr>
         <p:spPr>
           <a:xfrm>
-            <a:off x="3148319" y="2770572"/>
-            <a:ext cx="1620822" cy="307777"/>
+            <a:off x="7108121" y="845256"/>
+            <a:ext cx="2860646" cy="646331"/>
           </a:xfrm>
           <a:prstGeom prst="rect">
             <a:avLst/>
@@ -5330,183 +5633,8 @@
           <a:lstStyle/>
           <a:p>
             <a:r>
-              <a:rPr lang="en-US" sz="1400" dirty="0"/>
-              <a:t>Patient Name</a:t>
-            </a:r>
-          </a:p>
-        </p:txBody>
-      </p:sp>
-      <p:sp>
-        <p:nvSpPr>
-          <p:cNvPr id="26" name="TextBox 25">
-            <a:extLst>
-              <a:ext uri="{FF2B5EF4-FFF2-40B4-BE49-F238E27FC236}">
-                <a16:creationId xmlns:a16="http://schemas.microsoft.com/office/drawing/2014/main" id="{FC5E8B0C-A499-6345-B1D0-D0628D278091}"/>
-              </a:ext>
-            </a:extLst>
-          </p:cNvPr>
-          <p:cNvSpPr txBox="1"/>
-          <p:nvPr/>
-        </p:nvSpPr>
-        <p:spPr>
-          <a:xfrm>
-            <a:off x="3148318" y="3025594"/>
-            <a:ext cx="1620822" cy="307777"/>
-          </a:xfrm>
-          <a:prstGeom prst="rect">
-            <a:avLst/>
-          </a:prstGeom>
-          <a:noFill/>
-        </p:spPr>
-        <p:txBody>
-          <a:bodyPr wrap="square" rtlCol="0">
-            <a:spAutoFit/>
-          </a:bodyPr>
-          <a:lstStyle/>
-          <a:p>
-            <a:r>
-              <a:rPr lang="en-US" sz="1400" dirty="0"/>
-              <a:t>Patient ID</a:t>
-            </a:r>
-          </a:p>
-        </p:txBody>
-      </p:sp>
-      <p:sp>
-        <p:nvSpPr>
-          <p:cNvPr id="27" name="TextBox 26">
-            <a:extLst>
-              <a:ext uri="{FF2B5EF4-FFF2-40B4-BE49-F238E27FC236}">
-                <a16:creationId xmlns:a16="http://schemas.microsoft.com/office/drawing/2014/main" id="{6D259806-BC09-0F41-95A3-6BFC5076EE89}"/>
-              </a:ext>
-            </a:extLst>
-          </p:cNvPr>
-          <p:cNvSpPr txBox="1"/>
-          <p:nvPr/>
-        </p:nvSpPr>
-        <p:spPr>
-          <a:xfrm>
-            <a:off x="3148318" y="3293142"/>
-            <a:ext cx="1620822" cy="307777"/>
-          </a:xfrm>
-          <a:prstGeom prst="rect">
-            <a:avLst/>
-          </a:prstGeom>
-          <a:noFill/>
-        </p:spPr>
-        <p:txBody>
-          <a:bodyPr wrap="square" rtlCol="0">
-            <a:spAutoFit/>
-          </a:bodyPr>
-          <a:lstStyle/>
-          <a:p>
-            <a:r>
-              <a:rPr lang="en-US" sz="1400" dirty="0"/>
-              <a:t>Problem</a:t>
-            </a:r>
-          </a:p>
-        </p:txBody>
-      </p:sp>
-      <p:sp>
-        <p:nvSpPr>
-          <p:cNvPr id="28" name="TextBox 27">
-            <a:extLst>
-              <a:ext uri="{FF2B5EF4-FFF2-40B4-BE49-F238E27FC236}">
-                <a16:creationId xmlns:a16="http://schemas.microsoft.com/office/drawing/2014/main" id="{55B8D09B-FF36-B142-AB9A-77915E7DAE15}"/>
-              </a:ext>
-            </a:extLst>
-          </p:cNvPr>
-          <p:cNvSpPr txBox="1"/>
-          <p:nvPr/>
-        </p:nvSpPr>
-        <p:spPr>
-          <a:xfrm>
-            <a:off x="3148318" y="3588393"/>
-            <a:ext cx="1620822" cy="307777"/>
-          </a:xfrm>
-          <a:prstGeom prst="rect">
-            <a:avLst/>
-          </a:prstGeom>
-          <a:noFill/>
-        </p:spPr>
-        <p:txBody>
-          <a:bodyPr wrap="square" rtlCol="0">
-            <a:spAutoFit/>
-          </a:bodyPr>
-          <a:lstStyle/>
-          <a:p>
-            <a:r>
-              <a:rPr lang="en-US" sz="1400" dirty="0"/>
-              <a:t>Date</a:t>
-            </a:r>
-          </a:p>
-        </p:txBody>
-      </p:sp>
-      <p:sp>
-        <p:nvSpPr>
-          <p:cNvPr id="29" name="TextBox 28">
-            <a:extLst>
-              <a:ext uri="{FF2B5EF4-FFF2-40B4-BE49-F238E27FC236}">
-                <a16:creationId xmlns:a16="http://schemas.microsoft.com/office/drawing/2014/main" id="{2CB5B87F-31B5-B24D-A222-2DEEC2EADBB1}"/>
-              </a:ext>
-            </a:extLst>
-          </p:cNvPr>
-          <p:cNvSpPr txBox="1"/>
-          <p:nvPr/>
-        </p:nvSpPr>
-        <p:spPr>
-          <a:xfrm>
-            <a:off x="6952025" y="2375552"/>
-            <a:ext cx="2271319" cy="646331"/>
-          </a:xfrm>
-          <a:prstGeom prst="rect">
-            <a:avLst/>
-          </a:prstGeom>
-          <a:noFill/>
-        </p:spPr>
-        <p:txBody>
-          <a:bodyPr wrap="square" rtlCol="0">
-            <a:spAutoFit/>
-          </a:bodyPr>
-          <a:lstStyle/>
-          <a:p>
-            <a:r>
               <a:rPr lang="en-US" dirty="0"/>
-              <a:t>View Record (button (optional))</a:t>
-            </a:r>
-          </a:p>
-        </p:txBody>
-      </p:sp>
-      <p:sp>
-        <p:nvSpPr>
-          <p:cNvPr id="38" name="TextBox 37">
-            <a:extLst>
-              <a:ext uri="{FF2B5EF4-FFF2-40B4-BE49-F238E27FC236}">
-                <a16:creationId xmlns:a16="http://schemas.microsoft.com/office/drawing/2014/main" id="{6F85AAAA-F39E-0C42-A2FA-A5DC7AE22FEA}"/>
-              </a:ext>
-            </a:extLst>
-          </p:cNvPr>
-          <p:cNvSpPr txBox="1"/>
-          <p:nvPr/>
-        </p:nvSpPr>
-        <p:spPr>
-          <a:xfrm>
-            <a:off x="587228" y="834694"/>
-            <a:ext cx="1736522" cy="646331"/>
-          </a:xfrm>
-          <a:prstGeom prst="rect">
-            <a:avLst/>
-          </a:prstGeom>
-          <a:noFill/>
-        </p:spPr>
-        <p:txBody>
-          <a:bodyPr wrap="square" rtlCol="0">
-            <a:spAutoFit/>
-          </a:bodyPr>
-          <a:lstStyle/>
-          <a:p>
-            <a:r>
-              <a:rPr lang="en-US" dirty="0"/>
-              <a:t>Home </a:t>
+              <a:t>Treatment </a:t>
             </a:r>
             <a:r>
               <a:rPr lang="en-US" dirty="0">
@@ -5522,7 +5650,7 @@
                   <a:schemeClr val="accent5"/>
                 </a:solidFill>
               </a:rPr>
-              <a:t>index.jsp</a:t>
+              <a:t>displayRecord.jsp</a:t>
             </a:r>
             <a:r>
               <a:rPr lang="en-US" dirty="0">
@@ -5537,268 +5665,10 @@
       </p:sp>
       <p:sp>
         <p:nvSpPr>
-          <p:cNvPr id="39" name="TextBox 38">
-            <a:extLst>
-              <a:ext uri="{FF2B5EF4-FFF2-40B4-BE49-F238E27FC236}">
-                <a16:creationId xmlns:a16="http://schemas.microsoft.com/office/drawing/2014/main" id="{45A89CDF-A7EF-CE4B-B036-ACBEFDB2DDED}"/>
-              </a:ext>
-            </a:extLst>
-          </p:cNvPr>
-          <p:cNvSpPr txBox="1"/>
-          <p:nvPr/>
-        </p:nvSpPr>
-        <p:spPr>
-          <a:xfrm>
-            <a:off x="3381812" y="1053263"/>
-            <a:ext cx="2964559" cy="369332"/>
-          </a:xfrm>
-          <a:prstGeom prst="rect">
-            <a:avLst/>
-          </a:prstGeom>
-          <a:noFill/>
-        </p:spPr>
-        <p:txBody>
-          <a:bodyPr wrap="square" rtlCol="0">
-            <a:spAutoFit/>
-          </a:bodyPr>
-          <a:lstStyle/>
-          <a:p>
-            <a:r>
-              <a:rPr lang="en-US" dirty="0"/>
-              <a:t>Booking </a:t>
-            </a:r>
-            <a:r>
-              <a:rPr lang="en-US" dirty="0">
-                <a:solidFill>
-                  <a:schemeClr val="accent5"/>
-                </a:solidFill>
-              </a:rPr>
-              <a:t>(</a:t>
-            </a:r>
-            <a:r>
-              <a:rPr lang="en-US" dirty="0" err="1">
-                <a:solidFill>
-                  <a:schemeClr val="accent5"/>
-                </a:solidFill>
-              </a:rPr>
-              <a:t>bookings.jsp</a:t>
-            </a:r>
-            <a:r>
-              <a:rPr lang="en-US" dirty="0">
-                <a:solidFill>
-                  <a:schemeClr val="accent5"/>
-                </a:solidFill>
-              </a:rPr>
-              <a:t>)</a:t>
-            </a:r>
-          </a:p>
-        </p:txBody>
-      </p:sp>
-      <p:sp>
-        <p:nvSpPr>
-          <p:cNvPr id="40" name="TextBox 39">
-            <a:extLst>
-              <a:ext uri="{FF2B5EF4-FFF2-40B4-BE49-F238E27FC236}">
-                <a16:creationId xmlns:a16="http://schemas.microsoft.com/office/drawing/2014/main" id="{BD16A298-3BEA-9B45-B29E-481CEAE303D9}"/>
-              </a:ext>
-            </a:extLst>
-          </p:cNvPr>
-          <p:cNvSpPr txBox="1"/>
-          <p:nvPr/>
-        </p:nvSpPr>
-        <p:spPr>
-          <a:xfrm>
-            <a:off x="7108121" y="845256"/>
-            <a:ext cx="2860646" cy="646331"/>
-          </a:xfrm>
-          <a:prstGeom prst="rect">
-            <a:avLst/>
-          </a:prstGeom>
-          <a:noFill/>
-        </p:spPr>
-        <p:txBody>
-          <a:bodyPr wrap="square" rtlCol="0">
-            <a:spAutoFit/>
-          </a:bodyPr>
-          <a:lstStyle/>
-          <a:p>
-            <a:r>
-              <a:rPr lang="en-US" dirty="0"/>
-              <a:t>Treatment </a:t>
-            </a:r>
-            <a:r>
-              <a:rPr lang="en-US" dirty="0">
-                <a:solidFill>
-                  <a:schemeClr val="accent5"/>
-                </a:solidFill>
-              </a:rPr>
-              <a:t>(</a:t>
-            </a:r>
-            <a:r>
-              <a:rPr lang="en-US" dirty="0" err="1">
-                <a:solidFill>
-                  <a:schemeClr val="accent5"/>
-                </a:solidFill>
-              </a:rPr>
-              <a:t>displayRecord.jsp</a:t>
-            </a:r>
-            <a:r>
-              <a:rPr lang="en-US" dirty="0">
-                <a:solidFill>
-                  <a:schemeClr val="accent5"/>
-                </a:solidFill>
-              </a:rPr>
-              <a:t>)</a:t>
-            </a:r>
-          </a:p>
-        </p:txBody>
-      </p:sp>
-      <p:sp>
-        <p:nvSpPr>
-          <p:cNvPr id="41" name="TextBox 40">
-            <a:extLst>
-              <a:ext uri="{FF2B5EF4-FFF2-40B4-BE49-F238E27FC236}">
-                <a16:creationId xmlns:a16="http://schemas.microsoft.com/office/drawing/2014/main" id="{128C6572-0FC7-BC4D-828D-BB3EABF06B11}"/>
-              </a:ext>
-            </a:extLst>
-          </p:cNvPr>
-          <p:cNvSpPr txBox="1"/>
-          <p:nvPr/>
-        </p:nvSpPr>
-        <p:spPr>
-          <a:xfrm>
-            <a:off x="6975095" y="3194031"/>
-            <a:ext cx="1904301" cy="338554"/>
-          </a:xfrm>
-          <a:prstGeom prst="rect">
-            <a:avLst/>
-          </a:prstGeom>
-          <a:noFill/>
-        </p:spPr>
-        <p:txBody>
-          <a:bodyPr wrap="square" rtlCol="0">
-            <a:spAutoFit/>
-          </a:bodyPr>
-          <a:lstStyle/>
-          <a:p>
-            <a:r>
-              <a:rPr lang="en-US" sz="1600" dirty="0"/>
-              <a:t>Prescribe Treatment</a:t>
-            </a:r>
-          </a:p>
-        </p:txBody>
-      </p:sp>
-      <p:sp>
-        <p:nvSpPr>
-          <p:cNvPr id="42" name="TextBox 41">
-            <a:extLst>
-              <a:ext uri="{FF2B5EF4-FFF2-40B4-BE49-F238E27FC236}">
-                <a16:creationId xmlns:a16="http://schemas.microsoft.com/office/drawing/2014/main" id="{CD767DAD-AE8D-2C40-AB4E-7F0F706C80F7}"/>
-              </a:ext>
-            </a:extLst>
-          </p:cNvPr>
-          <p:cNvSpPr txBox="1"/>
-          <p:nvPr/>
-        </p:nvSpPr>
-        <p:spPr>
-          <a:xfrm>
-            <a:off x="4191699" y="4587325"/>
-            <a:ext cx="1904301" cy="338554"/>
-          </a:xfrm>
-          <a:prstGeom prst="rect">
-            <a:avLst/>
-          </a:prstGeom>
-          <a:noFill/>
-        </p:spPr>
-        <p:txBody>
-          <a:bodyPr wrap="square" rtlCol="0">
-            <a:spAutoFit/>
-          </a:bodyPr>
-          <a:lstStyle/>
-          <a:p>
-            <a:r>
-              <a:rPr lang="en-US" sz="1600" dirty="0"/>
-              <a:t>Update</a:t>
-            </a:r>
-          </a:p>
-        </p:txBody>
-      </p:sp>
-      <p:sp>
-        <p:nvSpPr>
-          <p:cNvPr id="43" name="TextBox 42">
-            <a:extLst>
-              <a:ext uri="{FF2B5EF4-FFF2-40B4-BE49-F238E27FC236}">
-                <a16:creationId xmlns:a16="http://schemas.microsoft.com/office/drawing/2014/main" id="{61953216-8D28-8C46-8C83-58B81436E432}"/>
-              </a:ext>
-            </a:extLst>
-          </p:cNvPr>
-          <p:cNvSpPr txBox="1"/>
-          <p:nvPr/>
-        </p:nvSpPr>
-        <p:spPr>
-          <a:xfrm>
-            <a:off x="6715105" y="4560296"/>
-            <a:ext cx="1904301" cy="338554"/>
-          </a:xfrm>
-          <a:prstGeom prst="rect">
-            <a:avLst/>
-          </a:prstGeom>
-          <a:noFill/>
-        </p:spPr>
-        <p:txBody>
-          <a:bodyPr wrap="square" rtlCol="0">
-            <a:spAutoFit/>
-          </a:bodyPr>
-          <a:lstStyle/>
-          <a:p>
-            <a:r>
-              <a:rPr lang="en-US" sz="1600" dirty="0"/>
-              <a:t>Cancel</a:t>
-            </a:r>
-          </a:p>
-        </p:txBody>
-      </p:sp>
-      <p:sp>
-        <p:nvSpPr>
-          <p:cNvPr id="44" name="TextBox 43">
-            <a:extLst>
-              <a:ext uri="{FF2B5EF4-FFF2-40B4-BE49-F238E27FC236}">
-                <a16:creationId xmlns:a16="http://schemas.microsoft.com/office/drawing/2014/main" id="{CBB5AFA2-280A-1E4E-84DB-06C9BFDC7D25}"/>
-              </a:ext>
-            </a:extLst>
-          </p:cNvPr>
-          <p:cNvSpPr txBox="1"/>
-          <p:nvPr/>
-        </p:nvSpPr>
-        <p:spPr>
-          <a:xfrm>
-            <a:off x="6978895" y="3702741"/>
-            <a:ext cx="1904301" cy="338554"/>
-          </a:xfrm>
-          <a:prstGeom prst="rect">
-            <a:avLst/>
-          </a:prstGeom>
-          <a:noFill/>
-        </p:spPr>
-        <p:txBody>
-          <a:bodyPr wrap="square" rtlCol="0">
-            <a:spAutoFit/>
-          </a:bodyPr>
-          <a:lstStyle/>
-          <a:p>
-            <a:r>
-              <a:rPr lang="en-US" sz="1600" dirty="0"/>
-              <a:t>Prescribe Test</a:t>
-            </a:r>
-          </a:p>
-        </p:txBody>
-      </p:sp>
-      <p:sp>
-        <p:nvSpPr>
-          <p:cNvPr id="3" name="Left Brace 2">
-            <a:extLst>
-              <a:ext uri="{FF2B5EF4-FFF2-40B4-BE49-F238E27FC236}">
-                <a16:creationId xmlns:a16="http://schemas.microsoft.com/office/drawing/2014/main" id="{87343E2F-EABD-C648-B133-6AF34A833C5C}"/>
+          <p:cNvPr id="21" name="Rounded Rectangle 20">
+            <a:extLst>
+              <a:ext uri="{FF2B5EF4-FFF2-40B4-BE49-F238E27FC236}">
+                <a16:creationId xmlns:a16="http://schemas.microsoft.com/office/drawing/2014/main" id="{07686512-B7B0-D74C-A69A-155006B57B37}"/>
               </a:ext>
             </a:extLst>
           </p:cNvPr>
@@ -5807,59 +5677,15 @@
         </p:nvSpPr>
         <p:spPr>
           <a:xfrm>
-            <a:off x="2213425" y="2738266"/>
-            <a:ext cx="934892" cy="1376324"/>
-          </a:xfrm>
-          <a:prstGeom prst="leftBrace">
-            <a:avLst>
-              <a:gd name="adj1" fmla="val 8333"/>
-              <a:gd name="adj2" fmla="val 48180"/>
-            </a:avLst>
-          </a:prstGeom>
-        </p:spPr>
-        <p:style>
-          <a:lnRef idx="1">
-            <a:schemeClr val="accent1"/>
-          </a:lnRef>
-          <a:fillRef idx="0">
-            <a:schemeClr val="accent1"/>
-          </a:fillRef>
-          <a:effectRef idx="0">
-            <a:schemeClr val="accent1"/>
-          </a:effectRef>
-          <a:fontRef idx="minor">
-            <a:schemeClr val="tx1"/>
-          </a:fontRef>
-        </p:style>
-        <p:txBody>
-          <a:bodyPr rtlCol="0" anchor="ctr"/>
-          <a:lstStyle/>
-          <a:p>
-            <a:pPr algn="ctr"/>
-            <a:endParaRPr lang="en-US"/>
-          </a:p>
-        </p:txBody>
-      </p:sp>
-      <p:sp>
-        <p:nvSpPr>
-          <p:cNvPr id="45" name="Rounded Rectangle 44">
-            <a:extLst>
-              <a:ext uri="{FF2B5EF4-FFF2-40B4-BE49-F238E27FC236}">
-                <a16:creationId xmlns:a16="http://schemas.microsoft.com/office/drawing/2014/main" id="{5FD12BDF-CB90-2A4F-AC56-1105302D36E5}"/>
-              </a:ext>
-            </a:extLst>
-          </p:cNvPr>
-          <p:cNvSpPr/>
-          <p:nvPr/>
-        </p:nvSpPr>
-        <p:spPr>
-          <a:xfrm>
-            <a:off x="524291" y="2726067"/>
-            <a:ext cx="1624268" cy="874852"/>
+            <a:off x="500743" y="2260744"/>
+            <a:ext cx="1624268" cy="1777856"/>
           </a:xfrm>
           <a:prstGeom prst="roundRect">
             <a:avLst/>
           </a:prstGeom>
+          <a:solidFill>
+            <a:schemeClr val="accent4"/>
+          </a:solidFill>
         </p:spPr>
         <p:style>
           <a:lnRef idx="2">
@@ -5884,1880 +5710,6 @@
             <a:pPr algn="ctr"/>
             <a:r>
               <a:rPr lang="en-US" dirty="0"/>
-              <a:t>Pull from patient booking</a:t>
-            </a:r>
-          </a:p>
-        </p:txBody>
-      </p:sp>
-      <p:sp>
-        <p:nvSpPr>
-          <p:cNvPr id="46" name="Rounded Rectangle 45">
-            <a:extLst>
-              <a:ext uri="{FF2B5EF4-FFF2-40B4-BE49-F238E27FC236}">
-                <a16:creationId xmlns:a16="http://schemas.microsoft.com/office/drawing/2014/main" id="{38879453-DAFD-364B-BF32-3C5E5350F2E8}"/>
-              </a:ext>
-            </a:extLst>
-          </p:cNvPr>
-          <p:cNvSpPr/>
-          <p:nvPr/>
-        </p:nvSpPr>
-        <p:spPr>
-          <a:xfrm>
-            <a:off x="1907573" y="252039"/>
-            <a:ext cx="1624268" cy="564558"/>
-          </a:xfrm>
-          <a:prstGeom prst="roundRect">
-            <a:avLst/>
-          </a:prstGeom>
-        </p:spPr>
-        <p:style>
-          <a:lnRef idx="1">
-            <a:schemeClr val="accent6"/>
-          </a:lnRef>
-          <a:fillRef idx="3">
-            <a:schemeClr val="accent6"/>
-          </a:fillRef>
-          <a:effectRef idx="2">
-            <a:schemeClr val="accent6"/>
-          </a:effectRef>
-          <a:fontRef idx="minor">
-            <a:schemeClr val="lt1"/>
-          </a:fontRef>
-        </p:style>
-        <p:txBody>
-          <a:bodyPr rtlCol="0" anchor="ctr"/>
-          <a:lstStyle/>
-          <a:p>
-            <a:pPr algn="ctr"/>
-            <a:r>
-              <a:rPr lang="en-US" dirty="0"/>
-              <a:t>Page Created</a:t>
-            </a:r>
-          </a:p>
-        </p:txBody>
-      </p:sp>
-      <p:sp>
-        <p:nvSpPr>
-          <p:cNvPr id="33" name="Rounded Rectangle 32">
-            <a:extLst>
-              <a:ext uri="{FF2B5EF4-FFF2-40B4-BE49-F238E27FC236}">
-                <a16:creationId xmlns:a16="http://schemas.microsoft.com/office/drawing/2014/main" id="{B22E056B-76E2-7F41-849B-C5A4F20A3582}"/>
-              </a:ext>
-            </a:extLst>
-          </p:cNvPr>
-          <p:cNvSpPr/>
-          <p:nvPr/>
-        </p:nvSpPr>
-        <p:spPr>
-          <a:xfrm>
-            <a:off x="1824057" y="906603"/>
-            <a:ext cx="1621021" cy="601568"/>
-          </a:xfrm>
-          <a:prstGeom prst="roundRect">
-            <a:avLst/>
-          </a:prstGeom>
-        </p:spPr>
-        <p:style>
-          <a:lnRef idx="2">
-            <a:schemeClr val="accent2">
-              <a:shade val="50000"/>
-            </a:schemeClr>
-          </a:lnRef>
-          <a:fillRef idx="1">
-            <a:schemeClr val="accent2"/>
-          </a:fillRef>
-          <a:effectRef idx="0">
-            <a:schemeClr val="accent2"/>
-          </a:effectRef>
-          <a:fontRef idx="minor">
-            <a:schemeClr val="lt1"/>
-          </a:fontRef>
-        </p:style>
-        <p:txBody>
-          <a:bodyPr rtlCol="0" anchor="ctr"/>
-          <a:lstStyle/>
-          <a:p>
-            <a:pPr algn="ctr"/>
-            <a:r>
-              <a:rPr lang="en-US" dirty="0"/>
-              <a:t>Patient </a:t>
-            </a:r>
-            <a:r>
-              <a:rPr lang="en-US" dirty="0" err="1"/>
-              <a:t>DoctorServlet</a:t>
-            </a:r>
-            <a:endParaRPr lang="en-US" dirty="0"/>
-          </a:p>
-        </p:txBody>
-      </p:sp>
-      <p:sp>
-        <p:nvSpPr>
-          <p:cNvPr id="34" name="TextBox 33">
-            <a:extLst>
-              <a:ext uri="{FF2B5EF4-FFF2-40B4-BE49-F238E27FC236}">
-                <a16:creationId xmlns:a16="http://schemas.microsoft.com/office/drawing/2014/main" id="{DDA38BC2-5B41-9344-BAD5-7D561D3917F1}"/>
-              </a:ext>
-            </a:extLst>
-          </p:cNvPr>
-          <p:cNvSpPr txBox="1"/>
-          <p:nvPr/>
-        </p:nvSpPr>
-        <p:spPr>
-          <a:xfrm>
-            <a:off x="10765572" y="223578"/>
-            <a:ext cx="1073791" cy="523220"/>
-          </a:xfrm>
-          <a:prstGeom prst="rect">
-            <a:avLst/>
-          </a:prstGeom>
-          <a:noFill/>
-        </p:spPr>
-        <p:txBody>
-          <a:bodyPr wrap="square" rtlCol="0">
-            <a:spAutoFit/>
-          </a:bodyPr>
-          <a:lstStyle/>
-          <a:p>
-            <a:r>
-              <a:rPr lang="en-US" sz="1400" dirty="0"/>
-              <a:t>Sign out</a:t>
-            </a:r>
-          </a:p>
-          <a:p>
-            <a:r>
-              <a:rPr lang="en-US" sz="1400" dirty="0">
-                <a:solidFill>
-                  <a:schemeClr val="accent5"/>
-                </a:solidFill>
-              </a:rPr>
-              <a:t>(</a:t>
-            </a:r>
-            <a:r>
-              <a:rPr lang="en-US" sz="1400" dirty="0" err="1">
-                <a:solidFill>
-                  <a:schemeClr val="accent5"/>
-                </a:solidFill>
-              </a:rPr>
-              <a:t>url.signout</a:t>
-            </a:r>
-            <a:r>
-              <a:rPr lang="en-US" sz="1400" dirty="0">
-                <a:solidFill>
-                  <a:schemeClr val="accent5"/>
-                </a:solidFill>
-              </a:rPr>
-              <a:t>)</a:t>
-            </a:r>
-            <a:endParaRPr lang="en-US" sz="1400" dirty="0"/>
-          </a:p>
-        </p:txBody>
-      </p:sp>
-    </p:spTree>
-    <p:extLst>
-      <p:ext uri="{BB962C8B-B14F-4D97-AF65-F5344CB8AC3E}">
-        <p14:creationId xmlns:p14="http://schemas.microsoft.com/office/powerpoint/2010/main" val="2024253038"/>
-      </p:ext>
-    </p:extLst>
-  </p:cSld>
-  <p:clrMapOvr>
-    <a:masterClrMapping/>
-  </p:clrMapOvr>
-</p:sld>
-</file>
-
-<file path=ppt/slides/slide12.xml><?xml version="1.0" encoding="utf-8"?>
-<p:sld xmlns:a="http://schemas.openxmlformats.org/drawingml/2006/main" xmlns:r="http://schemas.openxmlformats.org/officeDocument/2006/relationships" xmlns:p="http://schemas.openxmlformats.org/presentationml/2006/main">
-  <p:cSld>
-    <p:spTree>
-      <p:nvGrpSpPr>
-        <p:cNvPr id="1" name=""/>
-        <p:cNvGrpSpPr/>
-        <p:nvPr/>
-      </p:nvGrpSpPr>
-      <p:grpSpPr>
-        <a:xfrm>
-          <a:off x="0" y="0"/>
-          <a:ext cx="0" cy="0"/>
-          <a:chOff x="0" y="0"/>
-          <a:chExt cx="0" cy="0"/>
-        </a:xfrm>
-      </p:grpSpPr>
-      <p:sp>
-        <p:nvSpPr>
-          <p:cNvPr id="11" name="Rectangle 10">
-            <a:extLst>
-              <a:ext uri="{FF2B5EF4-FFF2-40B4-BE49-F238E27FC236}">
-                <a16:creationId xmlns:a16="http://schemas.microsoft.com/office/drawing/2014/main" id="{7834B01E-90EF-8942-9E82-155BF03FC169}"/>
-              </a:ext>
-            </a:extLst>
-          </p:cNvPr>
-          <p:cNvSpPr/>
-          <p:nvPr/>
-        </p:nvSpPr>
-        <p:spPr>
-          <a:xfrm>
-            <a:off x="2634143" y="1754144"/>
-            <a:ext cx="8218913" cy="3329584"/>
-          </a:xfrm>
-          <a:prstGeom prst="rect">
-            <a:avLst/>
-          </a:prstGeom>
-          <a:noFill/>
-          <a:ln w="19050"/>
-        </p:spPr>
-        <p:style>
-          <a:lnRef idx="2">
-            <a:schemeClr val="accent1">
-              <a:shade val="50000"/>
-            </a:schemeClr>
-          </a:lnRef>
-          <a:fillRef idx="1">
-            <a:schemeClr val="accent1"/>
-          </a:fillRef>
-          <a:effectRef idx="0">
-            <a:schemeClr val="accent1"/>
-          </a:effectRef>
-          <a:fontRef idx="minor">
-            <a:schemeClr val="lt1"/>
-          </a:fontRef>
-        </p:style>
-        <p:txBody>
-          <a:bodyPr rtlCol="0" anchor="ctr"/>
-          <a:lstStyle/>
-          <a:p>
-            <a:pPr algn="ctr"/>
-            <a:endParaRPr lang="en-US"/>
-          </a:p>
-        </p:txBody>
-      </p:sp>
-      <p:sp>
-        <p:nvSpPr>
-          <p:cNvPr id="4" name="TextBox 3">
-            <a:extLst>
-              <a:ext uri="{FF2B5EF4-FFF2-40B4-BE49-F238E27FC236}">
-                <a16:creationId xmlns:a16="http://schemas.microsoft.com/office/drawing/2014/main" id="{9210F2CD-7CF4-5743-A46C-D4B07EDCEBC8}"/>
-              </a:ext>
-            </a:extLst>
-          </p:cNvPr>
-          <p:cNvSpPr txBox="1"/>
-          <p:nvPr/>
-        </p:nvSpPr>
-        <p:spPr>
-          <a:xfrm>
-            <a:off x="303402" y="207218"/>
-            <a:ext cx="11585196" cy="1291904"/>
-          </a:xfrm>
-          <a:prstGeom prst="rect">
-            <a:avLst/>
-          </a:prstGeom>
-          <a:noFill/>
-          <a:ln>
-            <a:solidFill>
-              <a:schemeClr val="accent1"/>
-            </a:solidFill>
-          </a:ln>
-        </p:spPr>
-        <p:txBody>
-          <a:bodyPr wrap="square" rtlCol="0">
-            <a:spAutoFit/>
-          </a:bodyPr>
-          <a:lstStyle/>
-          <a:p>
-            <a:endParaRPr lang="en-US" dirty="0"/>
-          </a:p>
-        </p:txBody>
-      </p:sp>
-      <p:sp>
-        <p:nvSpPr>
-          <p:cNvPr id="5" name="TextBox 4">
-            <a:extLst>
-              <a:ext uri="{FF2B5EF4-FFF2-40B4-BE49-F238E27FC236}">
-                <a16:creationId xmlns:a16="http://schemas.microsoft.com/office/drawing/2014/main" id="{D31B94CC-5680-654F-9BA4-E0A04DF451FB}"/>
-              </a:ext>
-            </a:extLst>
-          </p:cNvPr>
-          <p:cNvSpPr txBox="1"/>
-          <p:nvPr/>
-        </p:nvSpPr>
-        <p:spPr>
-          <a:xfrm>
-            <a:off x="479571" y="5389927"/>
-            <a:ext cx="11585196" cy="1291904"/>
-          </a:xfrm>
-          <a:prstGeom prst="rect">
-            <a:avLst/>
-          </a:prstGeom>
-          <a:noFill/>
-          <a:ln>
-            <a:solidFill>
-              <a:schemeClr val="accent1"/>
-            </a:solidFill>
-          </a:ln>
-        </p:spPr>
-        <p:txBody>
-          <a:bodyPr wrap="square" rtlCol="0">
-            <a:spAutoFit/>
-          </a:bodyPr>
-          <a:lstStyle/>
-          <a:p>
-            <a:endParaRPr lang="en-US" dirty="0"/>
-          </a:p>
-        </p:txBody>
-      </p:sp>
-      <p:sp>
-        <p:nvSpPr>
-          <p:cNvPr id="7" name="TextBox 6">
-            <a:extLst>
-              <a:ext uri="{FF2B5EF4-FFF2-40B4-BE49-F238E27FC236}">
-                <a16:creationId xmlns:a16="http://schemas.microsoft.com/office/drawing/2014/main" id="{E7D745A2-1954-874D-B978-521F0D0FBC58}"/>
-              </a:ext>
-            </a:extLst>
-          </p:cNvPr>
-          <p:cNvSpPr txBox="1"/>
-          <p:nvPr/>
-        </p:nvSpPr>
-        <p:spPr>
-          <a:xfrm>
-            <a:off x="604007" y="360728"/>
-            <a:ext cx="1702965" cy="369332"/>
-          </a:xfrm>
-          <a:prstGeom prst="rect">
-            <a:avLst/>
-          </a:prstGeom>
-          <a:noFill/>
-        </p:spPr>
-        <p:txBody>
-          <a:bodyPr wrap="square" rtlCol="0">
-            <a:spAutoFit/>
-          </a:bodyPr>
-          <a:lstStyle/>
-          <a:p>
-            <a:r>
-              <a:rPr lang="en-US" dirty="0"/>
-              <a:t>LOGO</a:t>
-            </a:r>
-          </a:p>
-        </p:txBody>
-      </p:sp>
-      <p:sp>
-        <p:nvSpPr>
-          <p:cNvPr id="14" name="TextBox 13">
-            <a:extLst>
-              <a:ext uri="{FF2B5EF4-FFF2-40B4-BE49-F238E27FC236}">
-                <a16:creationId xmlns:a16="http://schemas.microsoft.com/office/drawing/2014/main" id="{7234AEA2-AEC3-0844-BDC9-78282380EB27}"/>
-              </a:ext>
-            </a:extLst>
-          </p:cNvPr>
-          <p:cNvSpPr txBox="1"/>
-          <p:nvPr/>
-        </p:nvSpPr>
-        <p:spPr>
-          <a:xfrm>
-            <a:off x="1149292" y="5403711"/>
-            <a:ext cx="1266738" cy="646331"/>
-          </a:xfrm>
-          <a:prstGeom prst="rect">
-            <a:avLst/>
-          </a:prstGeom>
-          <a:noFill/>
-        </p:spPr>
-        <p:txBody>
-          <a:bodyPr wrap="square" rtlCol="0">
-            <a:spAutoFit/>
-          </a:bodyPr>
-          <a:lstStyle/>
-          <a:p>
-            <a:r>
-              <a:rPr lang="en-US" dirty="0"/>
-              <a:t>Contact Details</a:t>
-            </a:r>
-          </a:p>
-        </p:txBody>
-      </p:sp>
-      <p:sp>
-        <p:nvSpPr>
-          <p:cNvPr id="15" name="TextBox 14">
-            <a:extLst>
-              <a:ext uri="{FF2B5EF4-FFF2-40B4-BE49-F238E27FC236}">
-                <a16:creationId xmlns:a16="http://schemas.microsoft.com/office/drawing/2014/main" id="{BBB57AFB-704D-B24F-8BE1-DE3DB4972EF5}"/>
-              </a:ext>
-            </a:extLst>
-          </p:cNvPr>
-          <p:cNvSpPr txBox="1"/>
-          <p:nvPr/>
-        </p:nvSpPr>
-        <p:spPr>
-          <a:xfrm>
-            <a:off x="6096000" y="1929749"/>
-            <a:ext cx="2171700" cy="646331"/>
-          </a:xfrm>
-          <a:prstGeom prst="rect">
-            <a:avLst/>
-          </a:prstGeom>
-          <a:noFill/>
-        </p:spPr>
-        <p:txBody>
-          <a:bodyPr wrap="square" rtlCol="0">
-            <a:spAutoFit/>
-          </a:bodyPr>
-          <a:lstStyle/>
-          <a:p>
-            <a:r>
-              <a:rPr lang="en-US" dirty="0"/>
-              <a:t>Display record</a:t>
-            </a:r>
-          </a:p>
-          <a:p>
-            <a:r>
-              <a:rPr lang="en-US" dirty="0">
-                <a:solidFill>
-                  <a:schemeClr val="accent5"/>
-                </a:solidFill>
-              </a:rPr>
-              <a:t>(</a:t>
-            </a:r>
-            <a:r>
-              <a:rPr lang="en-US" dirty="0" err="1">
-                <a:solidFill>
-                  <a:schemeClr val="accent5"/>
-                </a:solidFill>
-              </a:rPr>
-              <a:t>displayRecord.jsp</a:t>
-            </a:r>
-            <a:endParaRPr lang="en-US" dirty="0">
-              <a:solidFill>
-                <a:schemeClr val="accent5"/>
-              </a:solidFill>
-            </a:endParaRPr>
-          </a:p>
-        </p:txBody>
-      </p:sp>
-      <p:sp>
-        <p:nvSpPr>
-          <p:cNvPr id="17" name="TextBox 16">
-            <a:extLst>
-              <a:ext uri="{FF2B5EF4-FFF2-40B4-BE49-F238E27FC236}">
-                <a16:creationId xmlns:a16="http://schemas.microsoft.com/office/drawing/2014/main" id="{050A665A-C98A-B44A-8A44-D61414C70B12}"/>
-              </a:ext>
-            </a:extLst>
-          </p:cNvPr>
-          <p:cNvSpPr txBox="1"/>
-          <p:nvPr/>
-        </p:nvSpPr>
-        <p:spPr>
-          <a:xfrm>
-            <a:off x="10389765" y="5462434"/>
-            <a:ext cx="1266738" cy="369332"/>
-          </a:xfrm>
-          <a:prstGeom prst="rect">
-            <a:avLst/>
-          </a:prstGeom>
-          <a:noFill/>
-        </p:spPr>
-        <p:txBody>
-          <a:bodyPr wrap="square" rtlCol="0">
-            <a:spAutoFit/>
-          </a:bodyPr>
-          <a:lstStyle/>
-          <a:p>
-            <a:r>
-              <a:rPr lang="en-US" dirty="0"/>
-              <a:t>Copyright</a:t>
-            </a:r>
-          </a:p>
-        </p:txBody>
-      </p:sp>
-      <p:sp>
-        <p:nvSpPr>
-          <p:cNvPr id="18" name="TextBox 17">
-            <a:extLst>
-              <a:ext uri="{FF2B5EF4-FFF2-40B4-BE49-F238E27FC236}">
-                <a16:creationId xmlns:a16="http://schemas.microsoft.com/office/drawing/2014/main" id="{8FC63D9F-4ADE-254E-B387-9628DD1A8FA5}"/>
-              </a:ext>
-            </a:extLst>
-          </p:cNvPr>
-          <p:cNvSpPr txBox="1"/>
-          <p:nvPr/>
-        </p:nvSpPr>
-        <p:spPr>
-          <a:xfrm>
-            <a:off x="587228" y="834694"/>
-            <a:ext cx="1736522" cy="646331"/>
-          </a:xfrm>
-          <a:prstGeom prst="rect">
-            <a:avLst/>
-          </a:prstGeom>
-          <a:noFill/>
-        </p:spPr>
-        <p:txBody>
-          <a:bodyPr wrap="square" rtlCol="0">
-            <a:spAutoFit/>
-          </a:bodyPr>
-          <a:lstStyle/>
-          <a:p>
-            <a:r>
-              <a:rPr lang="en-US" dirty="0"/>
-              <a:t>Home </a:t>
-            </a:r>
-            <a:r>
-              <a:rPr lang="en-US" dirty="0">
-                <a:solidFill>
-                  <a:schemeClr val="accent5"/>
-                </a:solidFill>
-              </a:rPr>
-              <a:t>(</a:t>
-            </a:r>
-            <a:r>
-              <a:rPr lang="en-US" dirty="0" err="1">
-                <a:solidFill>
-                  <a:schemeClr val="accent5"/>
-                </a:solidFill>
-              </a:rPr>
-              <a:t>index.jsp</a:t>
-            </a:r>
-            <a:r>
-              <a:rPr lang="en-US" dirty="0">
-                <a:solidFill>
-                  <a:schemeClr val="accent5"/>
-                </a:solidFill>
-              </a:rPr>
-              <a:t>)</a:t>
-            </a:r>
-          </a:p>
-        </p:txBody>
-      </p:sp>
-      <p:sp>
-        <p:nvSpPr>
-          <p:cNvPr id="19" name="TextBox 18">
-            <a:extLst>
-              <a:ext uri="{FF2B5EF4-FFF2-40B4-BE49-F238E27FC236}">
-                <a16:creationId xmlns:a16="http://schemas.microsoft.com/office/drawing/2014/main" id="{6A0A51C1-9F6B-3F41-9D2B-B0303F935BEF}"/>
-              </a:ext>
-            </a:extLst>
-          </p:cNvPr>
-          <p:cNvSpPr txBox="1"/>
-          <p:nvPr/>
-        </p:nvSpPr>
-        <p:spPr>
-          <a:xfrm>
-            <a:off x="3381812" y="1053263"/>
-            <a:ext cx="2964559" cy="369332"/>
-          </a:xfrm>
-          <a:prstGeom prst="rect">
-            <a:avLst/>
-          </a:prstGeom>
-          <a:noFill/>
-        </p:spPr>
-        <p:txBody>
-          <a:bodyPr wrap="square" rtlCol="0">
-            <a:spAutoFit/>
-          </a:bodyPr>
-          <a:lstStyle/>
-          <a:p>
-            <a:r>
-              <a:rPr lang="en-US" dirty="0"/>
-              <a:t>Booking </a:t>
-            </a:r>
-            <a:r>
-              <a:rPr lang="en-US" dirty="0">
-                <a:solidFill>
-                  <a:schemeClr val="accent5"/>
-                </a:solidFill>
-              </a:rPr>
-              <a:t>(</a:t>
-            </a:r>
-            <a:r>
-              <a:rPr lang="en-US" dirty="0" err="1">
-                <a:solidFill>
-                  <a:schemeClr val="accent5"/>
-                </a:solidFill>
-              </a:rPr>
-              <a:t>bookings.jsp</a:t>
-            </a:r>
-            <a:r>
-              <a:rPr lang="en-US" dirty="0">
-                <a:solidFill>
-                  <a:schemeClr val="accent5"/>
-                </a:solidFill>
-              </a:rPr>
-              <a:t>)</a:t>
-            </a:r>
-          </a:p>
-        </p:txBody>
-      </p:sp>
-      <p:sp>
-        <p:nvSpPr>
-          <p:cNvPr id="20" name="TextBox 19">
-            <a:extLst>
-              <a:ext uri="{FF2B5EF4-FFF2-40B4-BE49-F238E27FC236}">
-                <a16:creationId xmlns:a16="http://schemas.microsoft.com/office/drawing/2014/main" id="{0CEA809B-7174-2C4A-A2EB-C0B50945D8C9}"/>
-              </a:ext>
-            </a:extLst>
-          </p:cNvPr>
-          <p:cNvSpPr txBox="1"/>
-          <p:nvPr/>
-        </p:nvSpPr>
-        <p:spPr>
-          <a:xfrm>
-            <a:off x="7108121" y="845256"/>
-            <a:ext cx="2860646" cy="646331"/>
-          </a:xfrm>
-          <a:prstGeom prst="rect">
-            <a:avLst/>
-          </a:prstGeom>
-          <a:noFill/>
-        </p:spPr>
-        <p:txBody>
-          <a:bodyPr wrap="square" rtlCol="0">
-            <a:spAutoFit/>
-          </a:bodyPr>
-          <a:lstStyle/>
-          <a:p>
-            <a:r>
-              <a:rPr lang="en-US" dirty="0"/>
-              <a:t>Treatment </a:t>
-            </a:r>
-            <a:r>
-              <a:rPr lang="en-US" dirty="0">
-                <a:solidFill>
-                  <a:schemeClr val="accent5"/>
-                </a:solidFill>
-              </a:rPr>
-              <a:t>(</a:t>
-            </a:r>
-            <a:r>
-              <a:rPr lang="en-US" dirty="0" err="1">
-                <a:solidFill>
-                  <a:schemeClr val="accent5"/>
-                </a:solidFill>
-              </a:rPr>
-              <a:t>displayRecord.jsp</a:t>
-            </a:r>
-            <a:r>
-              <a:rPr lang="en-US" dirty="0">
-                <a:solidFill>
-                  <a:schemeClr val="accent5"/>
-                </a:solidFill>
-              </a:rPr>
-              <a:t>)</a:t>
-            </a:r>
-          </a:p>
-        </p:txBody>
-      </p:sp>
-      <p:graphicFrame>
-        <p:nvGraphicFramePr>
-          <p:cNvPr id="2" name="Table 2">
-            <a:extLst>
-              <a:ext uri="{FF2B5EF4-FFF2-40B4-BE49-F238E27FC236}">
-                <a16:creationId xmlns:a16="http://schemas.microsoft.com/office/drawing/2014/main" id="{0A50BC34-E605-2F42-89C4-23E67B8E2B9E}"/>
-              </a:ext>
-            </a:extLst>
-          </p:cNvPr>
-          <p:cNvGraphicFramePr>
-            <a:graphicFrameLocks noGrp="1"/>
-          </p:cNvGraphicFramePr>
-          <p:nvPr>
-            <p:extLst>
-              <p:ext uri="{D42A27DB-BD31-4B8C-83A1-F6EECF244321}">
-                <p14:modId xmlns:p14="http://schemas.microsoft.com/office/powerpoint/2010/main" val="428587504"/>
-              </p:ext>
-            </p:extLst>
-          </p:nvPr>
-        </p:nvGraphicFramePr>
-        <p:xfrm>
-          <a:off x="2646465" y="2751685"/>
-          <a:ext cx="7558746" cy="1463040"/>
-        </p:xfrm>
-        <a:graphic>
-          <a:graphicData uri="http://schemas.openxmlformats.org/drawingml/2006/table">
-            <a:tbl>
-              <a:tblPr firstRow="1" bandRow="1">
-                <a:tableStyleId>{5C22544A-7EE6-4342-B048-85BDC9FD1C3A}</a:tableStyleId>
-              </a:tblPr>
-              <a:tblGrid>
-                <a:gridCol w="1259791">
-                  <a:extLst>
-                    <a:ext uri="{9D8B030D-6E8A-4147-A177-3AD203B41FA5}">
-                      <a16:colId xmlns:a16="http://schemas.microsoft.com/office/drawing/2014/main" val="484706619"/>
-                    </a:ext>
-                  </a:extLst>
-                </a:gridCol>
-                <a:gridCol w="1259791">
-                  <a:extLst>
-                    <a:ext uri="{9D8B030D-6E8A-4147-A177-3AD203B41FA5}">
-                      <a16:colId xmlns:a16="http://schemas.microsoft.com/office/drawing/2014/main" val="82939911"/>
-                    </a:ext>
-                  </a:extLst>
-                </a:gridCol>
-                <a:gridCol w="1259791">
-                  <a:extLst>
-                    <a:ext uri="{9D8B030D-6E8A-4147-A177-3AD203B41FA5}">
-                      <a16:colId xmlns:a16="http://schemas.microsoft.com/office/drawing/2014/main" val="930562621"/>
-                    </a:ext>
-                  </a:extLst>
-                </a:gridCol>
-                <a:gridCol w="1259791">
-                  <a:extLst>
-                    <a:ext uri="{9D8B030D-6E8A-4147-A177-3AD203B41FA5}">
-                      <a16:colId xmlns:a16="http://schemas.microsoft.com/office/drawing/2014/main" val="2014208457"/>
-                    </a:ext>
-                  </a:extLst>
-                </a:gridCol>
-                <a:gridCol w="1259791">
-                  <a:extLst>
-                    <a:ext uri="{9D8B030D-6E8A-4147-A177-3AD203B41FA5}">
-                      <a16:colId xmlns:a16="http://schemas.microsoft.com/office/drawing/2014/main" val="1722441425"/>
-                    </a:ext>
-                  </a:extLst>
-                </a:gridCol>
-                <a:gridCol w="1259791">
-                  <a:extLst>
-                    <a:ext uri="{9D8B030D-6E8A-4147-A177-3AD203B41FA5}">
-                      <a16:colId xmlns:a16="http://schemas.microsoft.com/office/drawing/2014/main" val="1412462380"/>
-                    </a:ext>
-                  </a:extLst>
-                </a:gridCol>
-              </a:tblGrid>
-              <a:tr h="328824">
-                <a:tc>
-                  <a:txBody>
-                    <a:bodyPr/>
-                    <a:lstStyle/>
-                    <a:p>
-                      <a:r>
-                        <a:rPr lang="en-US" dirty="0" err="1"/>
-                        <a:t>pid</a:t>
-                      </a:r>
-                      <a:endParaRPr lang="en-US" dirty="0"/>
-                    </a:p>
-                  </a:txBody>
-                  <a:tcPr/>
-                </a:tc>
-                <a:tc>
-                  <a:txBody>
-                    <a:bodyPr/>
-                    <a:lstStyle/>
-                    <a:p>
-                      <a:r>
-                        <a:rPr lang="en-US" dirty="0" err="1"/>
-                        <a:t>pname</a:t>
-                      </a:r>
-                      <a:endParaRPr lang="en-US" dirty="0"/>
-                    </a:p>
-                  </a:txBody>
-                  <a:tcPr/>
-                </a:tc>
-                <a:tc>
-                  <a:txBody>
-                    <a:bodyPr/>
-                    <a:lstStyle/>
-                    <a:p>
-                      <a:r>
-                        <a:rPr lang="en-US" dirty="0"/>
-                        <a:t>date</a:t>
-                      </a:r>
-                    </a:p>
-                  </a:txBody>
-                  <a:tcPr/>
-                </a:tc>
-                <a:tc>
-                  <a:txBody>
-                    <a:bodyPr/>
-                    <a:lstStyle/>
-                    <a:p>
-                      <a:r>
-                        <a:rPr lang="en-US" dirty="0"/>
-                        <a:t>problem</a:t>
-                      </a:r>
-                    </a:p>
-                  </a:txBody>
-                  <a:tcPr/>
-                </a:tc>
-                <a:tc>
-                  <a:txBody>
-                    <a:bodyPr/>
-                    <a:lstStyle/>
-                    <a:p>
-                      <a:r>
-                        <a:rPr lang="en-US" dirty="0"/>
-                        <a:t>treatment</a:t>
-                      </a:r>
-                    </a:p>
-                  </a:txBody>
-                  <a:tcPr/>
-                </a:tc>
-                <a:tc>
-                  <a:txBody>
-                    <a:bodyPr/>
-                    <a:lstStyle/>
-                    <a:p>
-                      <a:endParaRPr lang="en-US" dirty="0"/>
-                    </a:p>
-                  </a:txBody>
-                  <a:tcPr/>
-                </a:tc>
-                <a:extLst>
-                  <a:ext uri="{0D108BD9-81ED-4DB2-BD59-A6C34878D82A}">
-                    <a16:rowId xmlns:a16="http://schemas.microsoft.com/office/drawing/2014/main" val="1704761114"/>
-                  </a:ext>
-                </a:extLst>
-              </a:tr>
-              <a:tr h="328824">
-                <a:tc>
-                  <a:txBody>
-                    <a:bodyPr/>
-                    <a:lstStyle/>
-                    <a:p>
-                      <a:endParaRPr lang="en-US"/>
-                    </a:p>
-                  </a:txBody>
-                  <a:tcPr/>
-                </a:tc>
-                <a:tc>
-                  <a:txBody>
-                    <a:bodyPr/>
-                    <a:lstStyle/>
-                    <a:p>
-                      <a:endParaRPr lang="en-US"/>
-                    </a:p>
-                  </a:txBody>
-                  <a:tcPr/>
-                </a:tc>
-                <a:tc>
-                  <a:txBody>
-                    <a:bodyPr/>
-                    <a:lstStyle/>
-                    <a:p>
-                      <a:endParaRPr lang="en-US"/>
-                    </a:p>
-                  </a:txBody>
-                  <a:tcPr/>
-                </a:tc>
-                <a:tc>
-                  <a:txBody>
-                    <a:bodyPr/>
-                    <a:lstStyle/>
-                    <a:p>
-                      <a:endParaRPr lang="en-US"/>
-                    </a:p>
-                  </a:txBody>
-                  <a:tcPr/>
-                </a:tc>
-                <a:tc>
-                  <a:txBody>
-                    <a:bodyPr/>
-                    <a:lstStyle/>
-                    <a:p>
-                      <a:endParaRPr lang="en-US"/>
-                    </a:p>
-                  </a:txBody>
-                  <a:tcPr/>
-                </a:tc>
-                <a:tc>
-                  <a:txBody>
-                    <a:bodyPr/>
-                    <a:lstStyle/>
-                    <a:p>
-                      <a:endParaRPr lang="en-US"/>
-                    </a:p>
-                  </a:txBody>
-                  <a:tcPr/>
-                </a:tc>
-                <a:extLst>
-                  <a:ext uri="{0D108BD9-81ED-4DB2-BD59-A6C34878D82A}">
-                    <a16:rowId xmlns:a16="http://schemas.microsoft.com/office/drawing/2014/main" val="714643636"/>
-                  </a:ext>
-                </a:extLst>
-              </a:tr>
-              <a:tr h="328824">
-                <a:tc>
-                  <a:txBody>
-                    <a:bodyPr/>
-                    <a:lstStyle/>
-                    <a:p>
-                      <a:endParaRPr lang="en-US"/>
-                    </a:p>
-                  </a:txBody>
-                  <a:tcPr/>
-                </a:tc>
-                <a:tc>
-                  <a:txBody>
-                    <a:bodyPr/>
-                    <a:lstStyle/>
-                    <a:p>
-                      <a:endParaRPr lang="en-US"/>
-                    </a:p>
-                  </a:txBody>
-                  <a:tcPr/>
-                </a:tc>
-                <a:tc>
-                  <a:txBody>
-                    <a:bodyPr/>
-                    <a:lstStyle/>
-                    <a:p>
-                      <a:endParaRPr lang="en-US"/>
-                    </a:p>
-                  </a:txBody>
-                  <a:tcPr/>
-                </a:tc>
-                <a:tc>
-                  <a:txBody>
-                    <a:bodyPr/>
-                    <a:lstStyle/>
-                    <a:p>
-                      <a:endParaRPr lang="en-US" dirty="0"/>
-                    </a:p>
-                  </a:txBody>
-                  <a:tcPr/>
-                </a:tc>
-                <a:tc>
-                  <a:txBody>
-                    <a:bodyPr/>
-                    <a:lstStyle/>
-                    <a:p>
-                      <a:endParaRPr lang="en-US" dirty="0"/>
-                    </a:p>
-                  </a:txBody>
-                  <a:tcPr/>
-                </a:tc>
-                <a:tc>
-                  <a:txBody>
-                    <a:bodyPr/>
-                    <a:lstStyle/>
-                    <a:p>
-                      <a:endParaRPr lang="en-US" dirty="0"/>
-                    </a:p>
-                  </a:txBody>
-                  <a:tcPr/>
-                </a:tc>
-                <a:extLst>
-                  <a:ext uri="{0D108BD9-81ED-4DB2-BD59-A6C34878D82A}">
-                    <a16:rowId xmlns:a16="http://schemas.microsoft.com/office/drawing/2014/main" val="2463873873"/>
-                  </a:ext>
-                </a:extLst>
-              </a:tr>
-              <a:tr h="328824">
-                <a:tc>
-                  <a:txBody>
-                    <a:bodyPr/>
-                    <a:lstStyle/>
-                    <a:p>
-                      <a:endParaRPr lang="en-US"/>
-                    </a:p>
-                  </a:txBody>
-                  <a:tcPr/>
-                </a:tc>
-                <a:tc>
-                  <a:txBody>
-                    <a:bodyPr/>
-                    <a:lstStyle/>
-                    <a:p>
-                      <a:endParaRPr lang="en-US"/>
-                    </a:p>
-                  </a:txBody>
-                  <a:tcPr/>
-                </a:tc>
-                <a:tc>
-                  <a:txBody>
-                    <a:bodyPr/>
-                    <a:lstStyle/>
-                    <a:p>
-                      <a:endParaRPr lang="en-US"/>
-                    </a:p>
-                  </a:txBody>
-                  <a:tcPr/>
-                </a:tc>
-                <a:tc>
-                  <a:txBody>
-                    <a:bodyPr/>
-                    <a:lstStyle/>
-                    <a:p>
-                      <a:endParaRPr lang="en-US" dirty="0"/>
-                    </a:p>
-                  </a:txBody>
-                  <a:tcPr/>
-                </a:tc>
-                <a:tc>
-                  <a:txBody>
-                    <a:bodyPr/>
-                    <a:lstStyle/>
-                    <a:p>
-                      <a:endParaRPr lang="en-US" dirty="0"/>
-                    </a:p>
-                  </a:txBody>
-                  <a:tcPr/>
-                </a:tc>
-                <a:tc>
-                  <a:txBody>
-                    <a:bodyPr/>
-                    <a:lstStyle/>
-                    <a:p>
-                      <a:endParaRPr lang="en-US" dirty="0"/>
-                    </a:p>
-                  </a:txBody>
-                  <a:tcPr/>
-                </a:tc>
-                <a:extLst>
-                  <a:ext uri="{0D108BD9-81ED-4DB2-BD59-A6C34878D82A}">
-                    <a16:rowId xmlns:a16="http://schemas.microsoft.com/office/drawing/2014/main" val="3587480452"/>
-                  </a:ext>
-                </a:extLst>
-              </a:tr>
-            </a:tbl>
-          </a:graphicData>
-        </a:graphic>
-      </p:graphicFrame>
-      <p:sp>
-        <p:nvSpPr>
-          <p:cNvPr id="21" name="Rounded Rectangle 20">
-            <a:extLst>
-              <a:ext uri="{FF2B5EF4-FFF2-40B4-BE49-F238E27FC236}">
-                <a16:creationId xmlns:a16="http://schemas.microsoft.com/office/drawing/2014/main" id="{8530EC29-7FF5-BA4A-808F-7C6C38CE7950}"/>
-              </a:ext>
-            </a:extLst>
-          </p:cNvPr>
-          <p:cNvSpPr/>
-          <p:nvPr/>
-        </p:nvSpPr>
-        <p:spPr>
-          <a:xfrm>
-            <a:off x="0" y="1914483"/>
-            <a:ext cx="2646465" cy="993383"/>
-          </a:xfrm>
-          <a:prstGeom prst="roundRect">
-            <a:avLst/>
-          </a:prstGeom>
-        </p:spPr>
-        <p:style>
-          <a:lnRef idx="1">
-            <a:schemeClr val="accent6"/>
-          </a:lnRef>
-          <a:fillRef idx="3">
-            <a:schemeClr val="accent6"/>
-          </a:fillRef>
-          <a:effectRef idx="2">
-            <a:schemeClr val="accent6"/>
-          </a:effectRef>
-          <a:fontRef idx="minor">
-            <a:schemeClr val="lt1"/>
-          </a:fontRef>
-        </p:style>
-        <p:txBody>
-          <a:bodyPr rtlCol="0" anchor="ctr"/>
-          <a:lstStyle/>
-          <a:p>
-            <a:pPr algn="ctr"/>
-            <a:r>
-              <a:rPr lang="en-US" sz="1600" dirty="0" err="1"/>
-              <a:t>DisplayRecord.java</a:t>
-            </a:r>
-            <a:r>
-              <a:rPr lang="en-US" sz="1600" dirty="0"/>
-              <a:t> created</a:t>
-            </a:r>
-          </a:p>
-          <a:p>
-            <a:pPr algn="ctr"/>
-            <a:r>
-              <a:rPr lang="en-US" sz="1600" dirty="0" err="1"/>
-              <a:t>Record.java</a:t>
-            </a:r>
-            <a:r>
-              <a:rPr lang="en-US" sz="1600" dirty="0"/>
-              <a:t> created</a:t>
-            </a:r>
-          </a:p>
-        </p:txBody>
-      </p:sp>
-      <p:sp>
-        <p:nvSpPr>
-          <p:cNvPr id="22" name="Rounded Rectangle 21">
-            <a:extLst>
-              <a:ext uri="{FF2B5EF4-FFF2-40B4-BE49-F238E27FC236}">
-                <a16:creationId xmlns:a16="http://schemas.microsoft.com/office/drawing/2014/main" id="{C64CBEAB-C805-8E45-87ED-19BFF96E6244}"/>
-              </a:ext>
-            </a:extLst>
-          </p:cNvPr>
-          <p:cNvSpPr/>
-          <p:nvPr/>
-        </p:nvSpPr>
-        <p:spPr>
-          <a:xfrm>
-            <a:off x="7460200" y="4310204"/>
-            <a:ext cx="2929565" cy="724348"/>
-          </a:xfrm>
-          <a:prstGeom prst="roundRect">
-            <a:avLst/>
-          </a:prstGeom>
-        </p:spPr>
-        <p:style>
-          <a:lnRef idx="2">
-            <a:schemeClr val="accent2">
-              <a:shade val="50000"/>
-            </a:schemeClr>
-          </a:lnRef>
-          <a:fillRef idx="1">
-            <a:schemeClr val="accent2"/>
-          </a:fillRef>
-          <a:effectRef idx="0">
-            <a:schemeClr val="accent2"/>
-          </a:effectRef>
-          <a:fontRef idx="minor">
-            <a:schemeClr val="lt1"/>
-          </a:fontRef>
-        </p:style>
-        <p:txBody>
-          <a:bodyPr rtlCol="0" anchor="ctr"/>
-          <a:lstStyle/>
-          <a:p>
-            <a:pPr algn="ctr"/>
-            <a:r>
-              <a:rPr lang="en-US" dirty="0"/>
-              <a:t>Content updated from </a:t>
-            </a:r>
-            <a:r>
-              <a:rPr lang="en-US" dirty="0" err="1"/>
-              <a:t>patient.sql</a:t>
-            </a:r>
-            <a:r>
-              <a:rPr lang="en-US" dirty="0"/>
-              <a:t> and </a:t>
-            </a:r>
-            <a:r>
-              <a:rPr lang="en-US" dirty="0" err="1"/>
-              <a:t>doctor.sql</a:t>
-            </a:r>
-            <a:endParaRPr lang="en-US" dirty="0"/>
-          </a:p>
-        </p:txBody>
-      </p:sp>
-      <p:sp>
-        <p:nvSpPr>
-          <p:cNvPr id="23" name="Rounded Rectangle 22">
-            <a:extLst>
-              <a:ext uri="{FF2B5EF4-FFF2-40B4-BE49-F238E27FC236}">
-                <a16:creationId xmlns:a16="http://schemas.microsoft.com/office/drawing/2014/main" id="{7F7D9FEF-CA9F-A449-B796-21378A1A7FB9}"/>
-              </a:ext>
-            </a:extLst>
-          </p:cNvPr>
-          <p:cNvSpPr/>
-          <p:nvPr/>
-        </p:nvSpPr>
-        <p:spPr>
-          <a:xfrm>
-            <a:off x="80395" y="3143026"/>
-            <a:ext cx="2473354" cy="744345"/>
-          </a:xfrm>
-          <a:prstGeom prst="roundRect">
-            <a:avLst/>
-          </a:prstGeom>
-        </p:spPr>
-        <p:style>
-          <a:lnRef idx="2">
-            <a:schemeClr val="accent2">
-              <a:shade val="50000"/>
-            </a:schemeClr>
-          </a:lnRef>
-          <a:fillRef idx="1">
-            <a:schemeClr val="accent2"/>
-          </a:fillRef>
-          <a:effectRef idx="0">
-            <a:schemeClr val="accent2"/>
-          </a:effectRef>
-          <a:fontRef idx="minor">
-            <a:schemeClr val="lt1"/>
-          </a:fontRef>
-        </p:style>
-        <p:txBody>
-          <a:bodyPr rtlCol="0" anchor="ctr"/>
-          <a:lstStyle/>
-          <a:p>
-            <a:pPr algn="ctr"/>
-            <a:r>
-              <a:rPr lang="en-US" sz="1600" dirty="0"/>
-              <a:t>Create </a:t>
-            </a:r>
-            <a:r>
-              <a:rPr lang="en-US" sz="1600" dirty="0" err="1"/>
-              <a:t>displayRecordServlet.java</a:t>
-            </a:r>
-            <a:endParaRPr lang="en-US" sz="1600" dirty="0"/>
-          </a:p>
-          <a:p>
-            <a:pPr algn="ctr"/>
-            <a:r>
-              <a:rPr lang="en-US" sz="1600" dirty="0"/>
-              <a:t>Create </a:t>
-            </a:r>
-            <a:r>
-              <a:rPr lang="en-US" sz="1600" dirty="0" err="1"/>
-              <a:t>RecordQuery.java</a:t>
-            </a:r>
-            <a:endParaRPr lang="en-US" sz="1600" dirty="0"/>
-          </a:p>
-        </p:txBody>
-      </p:sp>
-      <p:sp>
-        <p:nvSpPr>
-          <p:cNvPr id="25" name="TextBox 24">
-            <a:extLst>
-              <a:ext uri="{FF2B5EF4-FFF2-40B4-BE49-F238E27FC236}">
-                <a16:creationId xmlns:a16="http://schemas.microsoft.com/office/drawing/2014/main" id="{8DC7382B-783D-B944-A257-7E6CAD79FC06}"/>
-              </a:ext>
-            </a:extLst>
-          </p:cNvPr>
-          <p:cNvSpPr txBox="1"/>
-          <p:nvPr/>
-        </p:nvSpPr>
-        <p:spPr>
-          <a:xfrm>
-            <a:off x="10814807" y="921973"/>
-            <a:ext cx="1073791" cy="523220"/>
-          </a:xfrm>
-          <a:prstGeom prst="rect">
-            <a:avLst/>
-          </a:prstGeom>
-          <a:noFill/>
-        </p:spPr>
-        <p:txBody>
-          <a:bodyPr wrap="square" rtlCol="0">
-            <a:spAutoFit/>
-          </a:bodyPr>
-          <a:lstStyle/>
-          <a:p>
-            <a:r>
-              <a:rPr lang="en-US" sz="1400" dirty="0"/>
-              <a:t>Sign out</a:t>
-            </a:r>
-          </a:p>
-          <a:p>
-            <a:r>
-              <a:rPr lang="en-US" sz="1400" dirty="0">
-                <a:solidFill>
-                  <a:schemeClr val="accent5"/>
-                </a:solidFill>
-              </a:rPr>
-              <a:t>(</a:t>
-            </a:r>
-            <a:r>
-              <a:rPr lang="en-US" sz="1400" dirty="0" err="1">
-                <a:solidFill>
-                  <a:schemeClr val="accent5"/>
-                </a:solidFill>
-              </a:rPr>
-              <a:t>url.signout</a:t>
-            </a:r>
-            <a:r>
-              <a:rPr lang="en-US" sz="1400" dirty="0">
-                <a:solidFill>
-                  <a:schemeClr val="accent5"/>
-                </a:solidFill>
-              </a:rPr>
-              <a:t>)</a:t>
-            </a:r>
-            <a:endParaRPr lang="en-US" sz="1400" dirty="0"/>
-          </a:p>
-        </p:txBody>
-      </p:sp>
-    </p:spTree>
-    <p:extLst>
-      <p:ext uri="{BB962C8B-B14F-4D97-AF65-F5344CB8AC3E}">
-        <p14:creationId xmlns:p14="http://schemas.microsoft.com/office/powerpoint/2010/main" val="2821977786"/>
-      </p:ext>
-    </p:extLst>
-  </p:cSld>
-  <p:clrMapOvr>
-    <a:masterClrMapping/>
-  </p:clrMapOvr>
-</p:sld>
-</file>
-
-<file path=ppt/slides/slide13.xml><?xml version="1.0" encoding="utf-8"?>
-<p:sld xmlns:a="http://schemas.openxmlformats.org/drawingml/2006/main" xmlns:r="http://schemas.openxmlformats.org/officeDocument/2006/relationships" xmlns:p="http://schemas.openxmlformats.org/presentationml/2006/main">
-  <p:cSld>
-    <p:spTree>
-      <p:nvGrpSpPr>
-        <p:cNvPr id="1" name=""/>
-        <p:cNvGrpSpPr/>
-        <p:nvPr/>
-      </p:nvGrpSpPr>
-      <p:grpSpPr>
-        <a:xfrm>
-          <a:off x="0" y="0"/>
-          <a:ext cx="0" cy="0"/>
-          <a:chOff x="0" y="0"/>
-          <a:chExt cx="0" cy="0"/>
-        </a:xfrm>
-      </p:grpSpPr>
-      <p:sp>
-        <p:nvSpPr>
-          <p:cNvPr id="11" name="Rectangle 10">
-            <a:extLst>
-              <a:ext uri="{FF2B5EF4-FFF2-40B4-BE49-F238E27FC236}">
-                <a16:creationId xmlns:a16="http://schemas.microsoft.com/office/drawing/2014/main" id="{7834B01E-90EF-8942-9E82-155BF03FC169}"/>
-              </a:ext>
-            </a:extLst>
-          </p:cNvPr>
-          <p:cNvSpPr/>
-          <p:nvPr/>
-        </p:nvSpPr>
-        <p:spPr>
-          <a:xfrm>
-            <a:off x="2634144" y="1754144"/>
-            <a:ext cx="7122252" cy="3329584"/>
-          </a:xfrm>
-          <a:prstGeom prst="rect">
-            <a:avLst/>
-          </a:prstGeom>
-          <a:noFill/>
-          <a:ln w="19050"/>
-        </p:spPr>
-        <p:style>
-          <a:lnRef idx="2">
-            <a:schemeClr val="accent1">
-              <a:shade val="50000"/>
-            </a:schemeClr>
-          </a:lnRef>
-          <a:fillRef idx="1">
-            <a:schemeClr val="accent1"/>
-          </a:fillRef>
-          <a:effectRef idx="0">
-            <a:schemeClr val="accent1"/>
-          </a:effectRef>
-          <a:fontRef idx="minor">
-            <a:schemeClr val="lt1"/>
-          </a:fontRef>
-        </p:style>
-        <p:txBody>
-          <a:bodyPr rtlCol="0" anchor="ctr"/>
-          <a:lstStyle/>
-          <a:p>
-            <a:pPr algn="ctr"/>
-            <a:endParaRPr lang="en-US"/>
-          </a:p>
-        </p:txBody>
-      </p:sp>
-      <p:sp>
-        <p:nvSpPr>
-          <p:cNvPr id="4" name="TextBox 3">
-            <a:extLst>
-              <a:ext uri="{FF2B5EF4-FFF2-40B4-BE49-F238E27FC236}">
-                <a16:creationId xmlns:a16="http://schemas.microsoft.com/office/drawing/2014/main" id="{9210F2CD-7CF4-5743-A46C-D4B07EDCEBC8}"/>
-              </a:ext>
-            </a:extLst>
-          </p:cNvPr>
-          <p:cNvSpPr txBox="1"/>
-          <p:nvPr/>
-        </p:nvSpPr>
-        <p:spPr>
-          <a:xfrm>
-            <a:off x="303402" y="207218"/>
-            <a:ext cx="11585196" cy="1291904"/>
-          </a:xfrm>
-          <a:prstGeom prst="rect">
-            <a:avLst/>
-          </a:prstGeom>
-          <a:noFill/>
-          <a:ln>
-            <a:solidFill>
-              <a:schemeClr val="accent1"/>
-            </a:solidFill>
-          </a:ln>
-        </p:spPr>
-        <p:txBody>
-          <a:bodyPr wrap="square" rtlCol="0">
-            <a:spAutoFit/>
-          </a:bodyPr>
-          <a:lstStyle/>
-          <a:p>
-            <a:endParaRPr lang="en-US" dirty="0"/>
-          </a:p>
-        </p:txBody>
-      </p:sp>
-      <p:sp>
-        <p:nvSpPr>
-          <p:cNvPr id="5" name="TextBox 4">
-            <a:extLst>
-              <a:ext uri="{FF2B5EF4-FFF2-40B4-BE49-F238E27FC236}">
-                <a16:creationId xmlns:a16="http://schemas.microsoft.com/office/drawing/2014/main" id="{D31B94CC-5680-654F-9BA4-E0A04DF451FB}"/>
-              </a:ext>
-            </a:extLst>
-          </p:cNvPr>
-          <p:cNvSpPr txBox="1"/>
-          <p:nvPr/>
-        </p:nvSpPr>
-        <p:spPr>
-          <a:xfrm>
-            <a:off x="479571" y="5389927"/>
-            <a:ext cx="11585196" cy="1291904"/>
-          </a:xfrm>
-          <a:prstGeom prst="rect">
-            <a:avLst/>
-          </a:prstGeom>
-          <a:noFill/>
-          <a:ln>
-            <a:solidFill>
-              <a:schemeClr val="accent1"/>
-            </a:solidFill>
-          </a:ln>
-        </p:spPr>
-        <p:txBody>
-          <a:bodyPr wrap="square" rtlCol="0">
-            <a:spAutoFit/>
-          </a:bodyPr>
-          <a:lstStyle/>
-          <a:p>
-            <a:endParaRPr lang="en-US" dirty="0"/>
-          </a:p>
-        </p:txBody>
-      </p:sp>
-      <p:sp>
-        <p:nvSpPr>
-          <p:cNvPr id="7" name="TextBox 6">
-            <a:extLst>
-              <a:ext uri="{FF2B5EF4-FFF2-40B4-BE49-F238E27FC236}">
-                <a16:creationId xmlns:a16="http://schemas.microsoft.com/office/drawing/2014/main" id="{E7D745A2-1954-874D-B978-521F0D0FBC58}"/>
-              </a:ext>
-            </a:extLst>
-          </p:cNvPr>
-          <p:cNvSpPr txBox="1"/>
-          <p:nvPr/>
-        </p:nvSpPr>
-        <p:spPr>
-          <a:xfrm>
-            <a:off x="604007" y="360728"/>
-            <a:ext cx="1702965" cy="369332"/>
-          </a:xfrm>
-          <a:prstGeom prst="rect">
-            <a:avLst/>
-          </a:prstGeom>
-          <a:noFill/>
-        </p:spPr>
-        <p:txBody>
-          <a:bodyPr wrap="square" rtlCol="0">
-            <a:spAutoFit/>
-          </a:bodyPr>
-          <a:lstStyle/>
-          <a:p>
-            <a:r>
-              <a:rPr lang="en-US" dirty="0"/>
-              <a:t>LOGO</a:t>
-            </a:r>
-          </a:p>
-        </p:txBody>
-      </p:sp>
-      <p:sp>
-        <p:nvSpPr>
-          <p:cNvPr id="8" name="TextBox 7">
-            <a:extLst>
-              <a:ext uri="{FF2B5EF4-FFF2-40B4-BE49-F238E27FC236}">
-                <a16:creationId xmlns:a16="http://schemas.microsoft.com/office/drawing/2014/main" id="{955242FB-1453-5E4A-B9AC-9E4ACD40FBE2}"/>
-              </a:ext>
-            </a:extLst>
-          </p:cNvPr>
-          <p:cNvSpPr txBox="1"/>
-          <p:nvPr/>
-        </p:nvSpPr>
-        <p:spPr>
-          <a:xfrm>
-            <a:off x="4769140" y="2821768"/>
-            <a:ext cx="2292991" cy="307777"/>
-          </a:xfrm>
-          <a:prstGeom prst="rect">
-            <a:avLst/>
-          </a:prstGeom>
-          <a:noFill/>
-        </p:spPr>
-        <p:txBody>
-          <a:bodyPr wrap="square" rtlCol="0">
-            <a:spAutoFit/>
-          </a:bodyPr>
-          <a:lstStyle/>
-          <a:p>
-            <a:r>
-              <a:rPr lang="en-US" sz="1400" dirty="0"/>
-              <a:t>You have now signed out</a:t>
-            </a:r>
-          </a:p>
-        </p:txBody>
-      </p:sp>
-      <p:sp>
-        <p:nvSpPr>
-          <p:cNvPr id="14" name="TextBox 13">
-            <a:extLst>
-              <a:ext uri="{FF2B5EF4-FFF2-40B4-BE49-F238E27FC236}">
-                <a16:creationId xmlns:a16="http://schemas.microsoft.com/office/drawing/2014/main" id="{7234AEA2-AEC3-0844-BDC9-78282380EB27}"/>
-              </a:ext>
-            </a:extLst>
-          </p:cNvPr>
-          <p:cNvSpPr txBox="1"/>
-          <p:nvPr/>
-        </p:nvSpPr>
-        <p:spPr>
-          <a:xfrm>
-            <a:off x="1149292" y="5403711"/>
-            <a:ext cx="1266738" cy="646331"/>
-          </a:xfrm>
-          <a:prstGeom prst="rect">
-            <a:avLst/>
-          </a:prstGeom>
-          <a:noFill/>
-        </p:spPr>
-        <p:txBody>
-          <a:bodyPr wrap="square" rtlCol="0">
-            <a:spAutoFit/>
-          </a:bodyPr>
-          <a:lstStyle/>
-          <a:p>
-            <a:r>
-              <a:rPr lang="en-US" dirty="0"/>
-              <a:t>Contact Details</a:t>
-            </a:r>
-          </a:p>
-        </p:txBody>
-      </p:sp>
-      <p:sp>
-        <p:nvSpPr>
-          <p:cNvPr id="15" name="TextBox 14">
-            <a:extLst>
-              <a:ext uri="{FF2B5EF4-FFF2-40B4-BE49-F238E27FC236}">
-                <a16:creationId xmlns:a16="http://schemas.microsoft.com/office/drawing/2014/main" id="{BBB57AFB-704D-B24F-8BE1-DE3DB4972EF5}"/>
-              </a:ext>
-            </a:extLst>
-          </p:cNvPr>
-          <p:cNvSpPr txBox="1"/>
-          <p:nvPr/>
-        </p:nvSpPr>
-        <p:spPr>
-          <a:xfrm>
-            <a:off x="5395817" y="1922215"/>
-            <a:ext cx="896125" cy="369332"/>
-          </a:xfrm>
-          <a:prstGeom prst="rect">
-            <a:avLst/>
-          </a:prstGeom>
-          <a:noFill/>
-        </p:spPr>
-        <p:txBody>
-          <a:bodyPr wrap="square" rtlCol="0">
-            <a:spAutoFit/>
-          </a:bodyPr>
-          <a:lstStyle/>
-          <a:p>
-            <a:r>
-              <a:rPr lang="en-US" dirty="0" err="1"/>
-              <a:t>Signout</a:t>
-            </a:r>
-            <a:endParaRPr lang="en-US" dirty="0"/>
-          </a:p>
-        </p:txBody>
-      </p:sp>
-      <p:sp>
-        <p:nvSpPr>
-          <p:cNvPr id="17" name="TextBox 16">
-            <a:extLst>
-              <a:ext uri="{FF2B5EF4-FFF2-40B4-BE49-F238E27FC236}">
-                <a16:creationId xmlns:a16="http://schemas.microsoft.com/office/drawing/2014/main" id="{050A665A-C98A-B44A-8A44-D61414C70B12}"/>
-              </a:ext>
-            </a:extLst>
-          </p:cNvPr>
-          <p:cNvSpPr txBox="1"/>
-          <p:nvPr/>
-        </p:nvSpPr>
-        <p:spPr>
-          <a:xfrm>
-            <a:off x="10389765" y="5462434"/>
-            <a:ext cx="1266738" cy="369332"/>
-          </a:xfrm>
-          <a:prstGeom prst="rect">
-            <a:avLst/>
-          </a:prstGeom>
-          <a:noFill/>
-        </p:spPr>
-        <p:txBody>
-          <a:bodyPr wrap="square" rtlCol="0">
-            <a:spAutoFit/>
-          </a:bodyPr>
-          <a:lstStyle/>
-          <a:p>
-            <a:r>
-              <a:rPr lang="en-US" dirty="0"/>
-              <a:t>Copyright</a:t>
-            </a:r>
-          </a:p>
-        </p:txBody>
-      </p:sp>
-      <p:sp>
-        <p:nvSpPr>
-          <p:cNvPr id="16" name="TextBox 15">
-            <a:extLst>
-              <a:ext uri="{FF2B5EF4-FFF2-40B4-BE49-F238E27FC236}">
-                <a16:creationId xmlns:a16="http://schemas.microsoft.com/office/drawing/2014/main" id="{0FCB1B51-4883-AD4B-9ED0-88A8A75B1338}"/>
-              </a:ext>
-            </a:extLst>
-          </p:cNvPr>
-          <p:cNvSpPr txBox="1"/>
-          <p:nvPr/>
-        </p:nvSpPr>
-        <p:spPr>
-          <a:xfrm>
-            <a:off x="10507311" y="1053263"/>
-            <a:ext cx="1073791" cy="523220"/>
-          </a:xfrm>
-          <a:prstGeom prst="rect">
-            <a:avLst/>
-          </a:prstGeom>
-          <a:noFill/>
-        </p:spPr>
-        <p:txBody>
-          <a:bodyPr wrap="square" rtlCol="0">
-            <a:spAutoFit/>
-          </a:bodyPr>
-          <a:lstStyle/>
-          <a:p>
-            <a:r>
-              <a:rPr lang="en-US" sz="1400" dirty="0"/>
-              <a:t>Sign out </a:t>
-            </a:r>
-            <a:r>
-              <a:rPr lang="en-US" sz="1400" dirty="0">
-                <a:solidFill>
-                  <a:schemeClr val="accent5"/>
-                </a:solidFill>
-              </a:rPr>
-              <a:t>(button</a:t>
-            </a:r>
-            <a:r>
-              <a:rPr lang="en-US" sz="1400" dirty="0"/>
-              <a:t>)</a:t>
-            </a:r>
-          </a:p>
-        </p:txBody>
-      </p:sp>
-      <p:sp>
-        <p:nvSpPr>
-          <p:cNvPr id="18" name="TextBox 17">
-            <a:extLst>
-              <a:ext uri="{FF2B5EF4-FFF2-40B4-BE49-F238E27FC236}">
-                <a16:creationId xmlns:a16="http://schemas.microsoft.com/office/drawing/2014/main" id="{8FC63D9F-4ADE-254E-B387-9628DD1A8FA5}"/>
-              </a:ext>
-            </a:extLst>
-          </p:cNvPr>
-          <p:cNvSpPr txBox="1"/>
-          <p:nvPr/>
-        </p:nvSpPr>
-        <p:spPr>
-          <a:xfrm>
-            <a:off x="587228" y="834694"/>
-            <a:ext cx="1736522" cy="646331"/>
-          </a:xfrm>
-          <a:prstGeom prst="rect">
-            <a:avLst/>
-          </a:prstGeom>
-          <a:noFill/>
-        </p:spPr>
-        <p:txBody>
-          <a:bodyPr wrap="square" rtlCol="0">
-            <a:spAutoFit/>
-          </a:bodyPr>
-          <a:lstStyle/>
-          <a:p>
-            <a:r>
-              <a:rPr lang="en-US" dirty="0"/>
-              <a:t>Home </a:t>
-            </a:r>
-            <a:r>
-              <a:rPr lang="en-US" dirty="0">
-                <a:solidFill>
-                  <a:schemeClr val="accent5"/>
-                </a:solidFill>
-              </a:rPr>
-              <a:t>(</a:t>
-            </a:r>
-            <a:r>
-              <a:rPr lang="en-US" dirty="0" err="1">
-                <a:solidFill>
-                  <a:schemeClr val="accent5"/>
-                </a:solidFill>
-              </a:rPr>
-              <a:t>index.jsp</a:t>
-            </a:r>
-            <a:r>
-              <a:rPr lang="en-US" dirty="0">
-                <a:solidFill>
-                  <a:schemeClr val="accent5"/>
-                </a:solidFill>
-              </a:rPr>
-              <a:t>)</a:t>
-            </a:r>
-          </a:p>
-        </p:txBody>
-      </p:sp>
-      <p:sp>
-        <p:nvSpPr>
-          <p:cNvPr id="19" name="TextBox 18">
-            <a:extLst>
-              <a:ext uri="{FF2B5EF4-FFF2-40B4-BE49-F238E27FC236}">
-                <a16:creationId xmlns:a16="http://schemas.microsoft.com/office/drawing/2014/main" id="{6A0A51C1-9F6B-3F41-9D2B-B0303F935BEF}"/>
-              </a:ext>
-            </a:extLst>
-          </p:cNvPr>
-          <p:cNvSpPr txBox="1"/>
-          <p:nvPr/>
-        </p:nvSpPr>
-        <p:spPr>
-          <a:xfrm>
-            <a:off x="3381812" y="1053263"/>
-            <a:ext cx="2964559" cy="369332"/>
-          </a:xfrm>
-          <a:prstGeom prst="rect">
-            <a:avLst/>
-          </a:prstGeom>
-          <a:noFill/>
-        </p:spPr>
-        <p:txBody>
-          <a:bodyPr wrap="square" rtlCol="0">
-            <a:spAutoFit/>
-          </a:bodyPr>
-          <a:lstStyle/>
-          <a:p>
-            <a:r>
-              <a:rPr lang="en-US" dirty="0"/>
-              <a:t>Booking </a:t>
-            </a:r>
-            <a:r>
-              <a:rPr lang="en-US" dirty="0">
-                <a:solidFill>
-                  <a:schemeClr val="accent5"/>
-                </a:solidFill>
-              </a:rPr>
-              <a:t>(</a:t>
-            </a:r>
-            <a:r>
-              <a:rPr lang="en-US" dirty="0" err="1">
-                <a:solidFill>
-                  <a:schemeClr val="accent5"/>
-                </a:solidFill>
-              </a:rPr>
-              <a:t>bookings.jsp</a:t>
-            </a:r>
-            <a:r>
-              <a:rPr lang="en-US" dirty="0">
-                <a:solidFill>
-                  <a:schemeClr val="accent5"/>
-                </a:solidFill>
-              </a:rPr>
-              <a:t>)</a:t>
-            </a:r>
-          </a:p>
-        </p:txBody>
-      </p:sp>
-      <p:sp>
-        <p:nvSpPr>
-          <p:cNvPr id="20" name="TextBox 19">
-            <a:extLst>
-              <a:ext uri="{FF2B5EF4-FFF2-40B4-BE49-F238E27FC236}">
-                <a16:creationId xmlns:a16="http://schemas.microsoft.com/office/drawing/2014/main" id="{0CEA809B-7174-2C4A-A2EB-C0B50945D8C9}"/>
-              </a:ext>
-            </a:extLst>
-          </p:cNvPr>
-          <p:cNvSpPr txBox="1"/>
-          <p:nvPr/>
-        </p:nvSpPr>
-        <p:spPr>
-          <a:xfrm>
-            <a:off x="7108121" y="845256"/>
-            <a:ext cx="2860646" cy="646331"/>
-          </a:xfrm>
-          <a:prstGeom prst="rect">
-            <a:avLst/>
-          </a:prstGeom>
-          <a:noFill/>
-        </p:spPr>
-        <p:txBody>
-          <a:bodyPr wrap="square" rtlCol="0">
-            <a:spAutoFit/>
-          </a:bodyPr>
-          <a:lstStyle/>
-          <a:p>
-            <a:r>
-              <a:rPr lang="en-US" dirty="0"/>
-              <a:t>Treatment </a:t>
-            </a:r>
-            <a:r>
-              <a:rPr lang="en-US" dirty="0">
-                <a:solidFill>
-                  <a:schemeClr val="accent5"/>
-                </a:solidFill>
-              </a:rPr>
-              <a:t>(</a:t>
-            </a:r>
-            <a:r>
-              <a:rPr lang="en-US" dirty="0" err="1">
-                <a:solidFill>
-                  <a:schemeClr val="accent5"/>
-                </a:solidFill>
-              </a:rPr>
-              <a:t>displayRecord.jsp</a:t>
-            </a:r>
-            <a:r>
-              <a:rPr lang="en-US" dirty="0">
-                <a:solidFill>
-                  <a:schemeClr val="accent5"/>
-                </a:solidFill>
-              </a:rPr>
-              <a:t>)</a:t>
-            </a:r>
-          </a:p>
-        </p:txBody>
-      </p:sp>
-      <p:sp>
-        <p:nvSpPr>
-          <p:cNvPr id="21" name="Rounded Rectangle 20">
-            <a:extLst>
-              <a:ext uri="{FF2B5EF4-FFF2-40B4-BE49-F238E27FC236}">
-                <a16:creationId xmlns:a16="http://schemas.microsoft.com/office/drawing/2014/main" id="{07686512-B7B0-D74C-A69A-155006B57B37}"/>
-              </a:ext>
-            </a:extLst>
-          </p:cNvPr>
-          <p:cNvSpPr/>
-          <p:nvPr/>
-        </p:nvSpPr>
-        <p:spPr>
-          <a:xfrm>
-            <a:off x="500743" y="2260744"/>
-            <a:ext cx="1624268" cy="1777856"/>
-          </a:xfrm>
-          <a:prstGeom prst="roundRect">
-            <a:avLst/>
-          </a:prstGeom>
-          <a:solidFill>
-            <a:schemeClr val="accent4"/>
-          </a:solidFill>
-        </p:spPr>
-        <p:style>
-          <a:lnRef idx="2">
-            <a:schemeClr val="accent2">
-              <a:shade val="50000"/>
-            </a:schemeClr>
-          </a:lnRef>
-          <a:fillRef idx="1">
-            <a:schemeClr val="accent2"/>
-          </a:fillRef>
-          <a:effectRef idx="0">
-            <a:schemeClr val="accent2"/>
-          </a:effectRef>
-          <a:fontRef idx="minor">
-            <a:schemeClr val="lt1"/>
-          </a:fontRef>
-        </p:style>
-        <p:txBody>
-          <a:bodyPr rtlCol="0" anchor="ctr"/>
-          <a:lstStyle/>
-          <a:p>
-            <a:pPr algn="ctr"/>
-            <a:r>
-              <a:rPr lang="en-US" dirty="0"/>
               <a:t>Return Sys out msg as on </a:t>
             </a:r>
             <a:r>
@@ -7768,6 +5720,42 @@
           </a:p>
         </p:txBody>
       </p:sp>
+      <p:pic>
+        <p:nvPicPr>
+          <p:cNvPr id="22" name="Graphic 21" descr="Warning with solid fill">
+            <a:extLst>
+              <a:ext uri="{FF2B5EF4-FFF2-40B4-BE49-F238E27FC236}">
+                <a16:creationId xmlns:a16="http://schemas.microsoft.com/office/drawing/2014/main" id="{25E032FF-EE9D-0C42-B9BF-61D7E3A1F928}"/>
+              </a:ext>
+            </a:extLst>
+          </p:cNvPr>
+          <p:cNvPicPr>
+            <a:picLocks noChangeAspect="1"/>
+          </p:cNvPicPr>
+          <p:nvPr/>
+        </p:nvPicPr>
+        <p:blipFill>
+          <a:blip r:embed="rId2">
+            <a:extLst>
+              <a:ext uri="{96DAC541-7B7A-43D3-8B79-37D633B846F1}">
+                <asvg:svgBlip xmlns:asvg="http://schemas.microsoft.com/office/drawing/2016/SVG/main" r:embed="rId3"/>
+              </a:ext>
+            </a:extLst>
+          </a:blip>
+          <a:stretch>
+            <a:fillRect/>
+          </a:stretch>
+        </p:blipFill>
+        <p:spPr>
+          <a:xfrm>
+            <a:off x="11150367" y="2850449"/>
+            <a:ext cx="914400" cy="914400"/>
+          </a:xfrm>
+          <a:prstGeom prst="rect">
+            <a:avLst/>
+          </a:prstGeom>
+        </p:spPr>
+      </p:pic>
     </p:spTree>
     <p:extLst>
       <p:ext uri="{BB962C8B-B14F-4D97-AF65-F5344CB8AC3E}">
@@ -8236,8 +6224,8 @@
         </p:nvSpPr>
         <p:spPr>
           <a:xfrm>
-            <a:off x="479570" y="1807296"/>
-            <a:ext cx="2167149" cy="564558"/>
+            <a:off x="479570" y="1807295"/>
+            <a:ext cx="2763693" cy="864467"/>
           </a:xfrm>
           <a:prstGeom prst="roundRect">
             <a:avLst/>
@@ -8271,63 +6259,62 @@
               <a:t> created</a:t>
             </a:r>
           </a:p>
-        </p:txBody>
-      </p:sp>
-      <p:sp>
-        <p:nvSpPr>
-          <p:cNvPr id="30" name="Rounded Rectangle 29">
-            <a:extLst>
-              <a:ext uri="{FF2B5EF4-FFF2-40B4-BE49-F238E27FC236}">
-                <a16:creationId xmlns:a16="http://schemas.microsoft.com/office/drawing/2014/main" id="{AE97A1CB-176C-C147-BE06-7376CC72F764}"/>
-              </a:ext>
-            </a:extLst>
-          </p:cNvPr>
-          <p:cNvSpPr/>
-          <p:nvPr/>
-        </p:nvSpPr>
-        <p:spPr>
-          <a:xfrm>
-            <a:off x="479570" y="2473122"/>
-            <a:ext cx="2167149" cy="564558"/>
-          </a:xfrm>
-          <a:prstGeom prst="roundRect">
-            <a:avLst/>
-          </a:prstGeom>
-          <a:solidFill>
-            <a:schemeClr val="accent2"/>
-          </a:solidFill>
-        </p:spPr>
-        <p:style>
-          <a:lnRef idx="1">
-            <a:schemeClr val="accent6"/>
-          </a:lnRef>
-          <a:fillRef idx="3">
-            <a:schemeClr val="accent6"/>
-          </a:fillRef>
-          <a:effectRef idx="2">
-            <a:schemeClr val="accent6"/>
-          </a:effectRef>
-          <a:fontRef idx="minor">
-            <a:schemeClr val="lt1"/>
-          </a:fontRef>
-        </p:style>
-        <p:txBody>
-          <a:bodyPr rtlCol="0" anchor="ctr"/>
-          <a:lstStyle/>
           <a:p>
             <a:pPr algn="ctr"/>
             <a:r>
               <a:rPr lang="en-US" dirty="0"/>
-              <a:t>Create </a:t>
-            </a:r>
+              <a:t>Input form created</a:t>
+            </a:r>
+          </a:p>
+          <a:p>
+            <a:pPr algn="ctr"/>
             <a:r>
               <a:rPr lang="en-US" dirty="0" err="1"/>
               <a:t>PregServlet.java</a:t>
             </a:r>
-            <a:endParaRPr lang="en-US" dirty="0"/>
-          </a:p>
-        </p:txBody>
-      </p:sp>
+            <a:r>
+              <a:rPr lang="en-US" dirty="0"/>
+              <a:t> created</a:t>
+            </a:r>
+          </a:p>
+        </p:txBody>
+      </p:sp>
+      <p:pic>
+        <p:nvPicPr>
+          <p:cNvPr id="4" name="Graphic 3" descr="Shield Tick with solid fill">
+            <a:extLst>
+              <a:ext uri="{FF2B5EF4-FFF2-40B4-BE49-F238E27FC236}">
+                <a16:creationId xmlns:a16="http://schemas.microsoft.com/office/drawing/2014/main" id="{3246B3D6-86AF-C043-892F-C96A7341A071}"/>
+              </a:ext>
+            </a:extLst>
+          </p:cNvPr>
+          <p:cNvPicPr>
+            <a:picLocks noChangeAspect="1"/>
+          </p:cNvPicPr>
+          <p:nvPr/>
+        </p:nvPicPr>
+        <p:blipFill>
+          <a:blip r:embed="rId2">
+            <a:extLst>
+              <a:ext uri="{96DAC541-7B7A-43D3-8B79-37D633B846F1}">
+                <asvg:svgBlip xmlns:asvg="http://schemas.microsoft.com/office/drawing/2016/SVG/main" r:embed="rId3"/>
+              </a:ext>
+            </a:extLst>
+          </a:blip>
+          <a:stretch>
+            <a:fillRect/>
+          </a:stretch>
+        </p:blipFill>
+        <p:spPr>
+          <a:xfrm>
+            <a:off x="10687575" y="285750"/>
+            <a:ext cx="914400" cy="914400"/>
+          </a:xfrm>
+          <a:prstGeom prst="rect">
+            <a:avLst/>
+          </a:prstGeom>
+        </p:spPr>
+      </p:pic>
     </p:spTree>
     <p:extLst>
       <p:ext uri="{BB962C8B-B14F-4D97-AF65-F5344CB8AC3E}">
@@ -8622,7 +6609,7 @@
         <p:spPr>
           <a:xfrm>
             <a:off x="205430" y="1983580"/>
-            <a:ext cx="2860646" cy="688581"/>
+            <a:ext cx="2860646" cy="849304"/>
           </a:xfrm>
           <a:prstGeom prst="roundRect">
             <a:avLst/>
@@ -8654,6 +6641,13 @@
             <a:r>
               <a:rPr lang="en-US" dirty="0"/>
               <a:t> created</a:t>
+            </a:r>
+          </a:p>
+          <a:p>
+            <a:pPr algn="ctr"/>
+            <a:r>
+              <a:rPr lang="en-US" dirty="0"/>
+              <a:t>Input form created</a:t>
             </a:r>
           </a:p>
           <a:p>
@@ -8967,6 +6961,42 @@
           </a:fontRef>
         </p:style>
       </p:cxnSp>
+      <p:pic>
+        <p:nvPicPr>
+          <p:cNvPr id="16" name="Graphic 15" descr="Shield Tick with solid fill">
+            <a:extLst>
+              <a:ext uri="{FF2B5EF4-FFF2-40B4-BE49-F238E27FC236}">
+                <a16:creationId xmlns:a16="http://schemas.microsoft.com/office/drawing/2014/main" id="{CD1C5219-F4D4-164E-94FC-C73E18ADB4D9}"/>
+              </a:ext>
+            </a:extLst>
+          </p:cNvPr>
+          <p:cNvPicPr>
+            <a:picLocks noChangeAspect="1"/>
+          </p:cNvPicPr>
+          <p:nvPr/>
+        </p:nvPicPr>
+        <p:blipFill>
+          <a:blip r:embed="rId2">
+            <a:extLst>
+              <a:ext uri="{96DAC541-7B7A-43D3-8B79-37D633B846F1}">
+                <asvg:svgBlip xmlns:asvg="http://schemas.microsoft.com/office/drawing/2016/SVG/main" r:embed="rId3"/>
+              </a:ext>
+            </a:extLst>
+          </a:blip>
+          <a:stretch>
+            <a:fillRect/>
+          </a:stretch>
+        </p:blipFill>
+        <p:spPr>
+          <a:xfrm>
+            <a:off x="10687575" y="285750"/>
+            <a:ext cx="914400" cy="914400"/>
+          </a:xfrm>
+          <a:prstGeom prst="rect">
+            <a:avLst/>
+          </a:prstGeom>
+        </p:spPr>
+      </p:pic>
     </p:spTree>
     <p:extLst>
       <p:ext uri="{BB962C8B-B14F-4D97-AF65-F5344CB8AC3E}">
@@ -9226,7 +7256,7 @@
         <p:spPr>
           <a:xfrm>
             <a:off x="337158" y="1725765"/>
-            <a:ext cx="1922074" cy="564558"/>
+            <a:ext cx="2877530" cy="874560"/>
           </a:xfrm>
           <a:prstGeom prst="roundRect">
             <a:avLst/>
@@ -9254,6 +7284,24 @@
             <a:r>
               <a:rPr lang="en-US" dirty="0" err="1"/>
               <a:t>plog.jsp</a:t>
+            </a:r>
+            <a:r>
+              <a:rPr lang="en-US" dirty="0"/>
+              <a:t> created</a:t>
+            </a:r>
+          </a:p>
+          <a:p>
+            <a:pPr algn="ctr"/>
+            <a:r>
+              <a:rPr lang="en-US" dirty="0"/>
+              <a:t>Input form created</a:t>
+            </a:r>
+          </a:p>
+          <a:p>
+            <a:pPr algn="ctr"/>
+            <a:r>
+              <a:rPr lang="en-US" dirty="0" err="1"/>
+              <a:t>PlogServlet.java</a:t>
             </a:r>
             <a:r>
               <a:rPr lang="en-US" dirty="0"/>
@@ -9360,61 +7408,42 @@
           </a:fontRef>
         </p:style>
       </p:cxnSp>
-      <p:sp>
-        <p:nvSpPr>
-          <p:cNvPr id="25" name="Rounded Rectangle 24">
-            <a:extLst>
-              <a:ext uri="{FF2B5EF4-FFF2-40B4-BE49-F238E27FC236}">
-                <a16:creationId xmlns:a16="http://schemas.microsoft.com/office/drawing/2014/main" id="{FB573B1F-2701-8D49-BD36-DF54CAC77577}"/>
-              </a:ext>
-            </a:extLst>
-          </p:cNvPr>
-          <p:cNvSpPr/>
-          <p:nvPr/>
-        </p:nvSpPr>
-        <p:spPr>
-          <a:xfrm>
-            <a:off x="321978" y="2413774"/>
-            <a:ext cx="1937254" cy="564558"/>
-          </a:xfrm>
-          <a:prstGeom prst="roundRect">
-            <a:avLst/>
-          </a:prstGeom>
-          <a:solidFill>
-            <a:schemeClr val="accent2"/>
-          </a:solidFill>
-        </p:spPr>
-        <p:style>
-          <a:lnRef idx="1">
-            <a:schemeClr val="accent6"/>
-          </a:lnRef>
-          <a:fillRef idx="3">
-            <a:schemeClr val="accent6"/>
-          </a:fillRef>
-          <a:effectRef idx="2">
-            <a:schemeClr val="accent6"/>
-          </a:effectRef>
-          <a:fontRef idx="minor">
-            <a:schemeClr val="lt1"/>
-          </a:fontRef>
-        </p:style>
-        <p:txBody>
-          <a:bodyPr rtlCol="0" anchor="ctr"/>
-          <a:lstStyle/>
-          <a:p>
-            <a:pPr algn="ctr"/>
-            <a:r>
-              <a:rPr lang="en-US" dirty="0"/>
-              <a:t>Create </a:t>
-            </a:r>
-            <a:r>
-              <a:rPr lang="en-US" dirty="0" err="1"/>
-              <a:t>plogservlet.java</a:t>
-            </a:r>
-            <a:endParaRPr lang="en-US" dirty="0"/>
-          </a:p>
-        </p:txBody>
-      </p:sp>
+      <p:pic>
+        <p:nvPicPr>
+          <p:cNvPr id="11" name="Graphic 10" descr="Shield Tick with solid fill">
+            <a:extLst>
+              <a:ext uri="{FF2B5EF4-FFF2-40B4-BE49-F238E27FC236}">
+                <a16:creationId xmlns:a16="http://schemas.microsoft.com/office/drawing/2014/main" id="{95173F6F-9727-6F45-BDFE-FD36780F7068}"/>
+              </a:ext>
+            </a:extLst>
+          </p:cNvPr>
+          <p:cNvPicPr>
+            <a:picLocks noChangeAspect="1"/>
+          </p:cNvPicPr>
+          <p:nvPr/>
+        </p:nvPicPr>
+        <p:blipFill>
+          <a:blip r:embed="rId2">
+            <a:extLst>
+              <a:ext uri="{96DAC541-7B7A-43D3-8B79-37D633B846F1}">
+                <asvg:svgBlip xmlns:asvg="http://schemas.microsoft.com/office/drawing/2016/SVG/main" r:embed="rId3"/>
+              </a:ext>
+            </a:extLst>
+          </a:blip>
+          <a:stretch>
+            <a:fillRect/>
+          </a:stretch>
+        </p:blipFill>
+        <p:spPr>
+          <a:xfrm>
+            <a:off x="10687575" y="285750"/>
+            <a:ext cx="914400" cy="914400"/>
+          </a:xfrm>
+          <a:prstGeom prst="rect">
+            <a:avLst/>
+          </a:prstGeom>
+        </p:spPr>
+      </p:pic>
     </p:spTree>
     <p:extLst>
       <p:ext uri="{BB962C8B-B14F-4D97-AF65-F5344CB8AC3E}">
@@ -10034,7 +8063,7 @@
             <a:pPr algn="ctr"/>
             <a:r>
               <a:rPr lang="en-US" sz="1600" dirty="0" err="1"/>
-              <a:t>Doctor.jsp</a:t>
+              <a:t>doctor.jsp</a:t>
             </a:r>
             <a:r>
               <a:rPr lang="en-US" sz="1600" dirty="0"/>
@@ -10150,6 +8179,42 @@
           </a:fontRef>
         </p:style>
       </p:cxnSp>
+      <p:pic>
+        <p:nvPicPr>
+          <p:cNvPr id="27" name="Graphic 26" descr="Shield Tick with solid fill">
+            <a:extLst>
+              <a:ext uri="{FF2B5EF4-FFF2-40B4-BE49-F238E27FC236}">
+                <a16:creationId xmlns:a16="http://schemas.microsoft.com/office/drawing/2014/main" id="{668F782B-9CD9-5B4B-94A4-2AD40D5EB366}"/>
+              </a:ext>
+            </a:extLst>
+          </p:cNvPr>
+          <p:cNvPicPr>
+            <a:picLocks noChangeAspect="1"/>
+          </p:cNvPicPr>
+          <p:nvPr/>
+        </p:nvPicPr>
+        <p:blipFill>
+          <a:blip r:embed="rId2">
+            <a:extLst>
+              <a:ext uri="{96DAC541-7B7A-43D3-8B79-37D633B846F1}">
+                <asvg:svgBlip xmlns:asvg="http://schemas.microsoft.com/office/drawing/2016/SVG/main" r:embed="rId3"/>
+              </a:ext>
+            </a:extLst>
+          </a:blip>
+          <a:stretch>
+            <a:fillRect/>
+          </a:stretch>
+        </p:blipFill>
+        <p:spPr>
+          <a:xfrm>
+            <a:off x="10687575" y="285750"/>
+            <a:ext cx="914400" cy="914400"/>
+          </a:xfrm>
+          <a:prstGeom prst="rect">
+            <a:avLst/>
+          </a:prstGeom>
+        </p:spPr>
+      </p:pic>
     </p:spTree>
     <p:extLst>
       <p:ext uri="{BB962C8B-B14F-4D97-AF65-F5344CB8AC3E}">
@@ -10565,63 +8630,62 @@
               <a:t> Created</a:t>
             </a:r>
           </a:p>
-        </p:txBody>
-      </p:sp>
-      <p:sp>
-        <p:nvSpPr>
-          <p:cNvPr id="38" name="Rounded Rectangle 37">
-            <a:extLst>
-              <a:ext uri="{FF2B5EF4-FFF2-40B4-BE49-F238E27FC236}">
-                <a16:creationId xmlns:a16="http://schemas.microsoft.com/office/drawing/2014/main" id="{9A679DA8-EC81-B641-AF17-6C1CAFF05E6B}"/>
-              </a:ext>
-            </a:extLst>
-          </p:cNvPr>
-          <p:cNvSpPr/>
-          <p:nvPr/>
-        </p:nvSpPr>
-        <p:spPr>
-          <a:xfrm>
-            <a:off x="84995" y="2821456"/>
-            <a:ext cx="2470311" cy="607544"/>
-          </a:xfrm>
-          <a:prstGeom prst="roundRect">
-            <a:avLst/>
-          </a:prstGeom>
-          <a:solidFill>
-            <a:schemeClr val="accent2"/>
-          </a:solidFill>
-        </p:spPr>
-        <p:style>
-          <a:lnRef idx="1">
-            <a:schemeClr val="accent6"/>
-          </a:lnRef>
-          <a:fillRef idx="3">
-            <a:schemeClr val="accent6"/>
-          </a:fillRef>
-          <a:effectRef idx="2">
-            <a:schemeClr val="accent6"/>
-          </a:effectRef>
-          <a:fontRef idx="minor">
-            <a:schemeClr val="lt1"/>
-          </a:fontRef>
-        </p:style>
-        <p:txBody>
-          <a:bodyPr rtlCol="0" anchor="ctr"/>
-          <a:lstStyle/>
           <a:p>
             <a:pPr algn="ctr"/>
             <a:r>
               <a:rPr lang="en-US" sz="1600" dirty="0"/>
-              <a:t>Complete </a:t>
-            </a:r>
+              <a:t>Input form created</a:t>
+            </a:r>
+          </a:p>
+          <a:p>
+            <a:pPr algn="ctr"/>
             <a:r>
               <a:rPr lang="en-US" sz="1600" dirty="0" err="1"/>
-              <a:t>DlogServlet.java</a:t>
-            </a:r>
-            <a:endParaRPr lang="en-US" sz="1600" dirty="0"/>
-          </a:p>
-        </p:txBody>
-      </p:sp>
+              <a:t>DllogServlet.java</a:t>
+            </a:r>
+            <a:r>
+              <a:rPr lang="en-US" sz="1600" dirty="0"/>
+              <a:t> created</a:t>
+            </a:r>
+          </a:p>
+        </p:txBody>
+      </p:sp>
+      <p:pic>
+        <p:nvPicPr>
+          <p:cNvPr id="11" name="Graphic 10" descr="Shield Tick with solid fill">
+            <a:extLst>
+              <a:ext uri="{FF2B5EF4-FFF2-40B4-BE49-F238E27FC236}">
+                <a16:creationId xmlns:a16="http://schemas.microsoft.com/office/drawing/2014/main" id="{1FDC78FB-62C4-144C-BCD6-F1DCBFBF92BF}"/>
+              </a:ext>
+            </a:extLst>
+          </p:cNvPr>
+          <p:cNvPicPr>
+            <a:picLocks noChangeAspect="1"/>
+          </p:cNvPicPr>
+          <p:nvPr/>
+        </p:nvPicPr>
+        <p:blipFill>
+          <a:blip r:embed="rId2">
+            <a:extLst>
+              <a:ext uri="{96DAC541-7B7A-43D3-8B79-37D633B846F1}">
+                <asvg:svgBlip xmlns:asvg="http://schemas.microsoft.com/office/drawing/2016/SVG/main" r:embed="rId3"/>
+              </a:ext>
+            </a:extLst>
+          </a:blip>
+          <a:stretch>
+            <a:fillRect/>
+          </a:stretch>
+        </p:blipFill>
+        <p:spPr>
+          <a:xfrm>
+            <a:off x="10687575" y="285750"/>
+            <a:ext cx="914400" cy="914400"/>
+          </a:xfrm>
+          <a:prstGeom prst="rect">
+            <a:avLst/>
+          </a:prstGeom>
+        </p:spPr>
+      </p:pic>
     </p:spTree>
     <p:extLst>
       <p:ext uri="{BB962C8B-B14F-4D97-AF65-F5344CB8AC3E}">
@@ -10636,7 +8700,7 @@
 </file>
 
 <file path=ppt/slides/slide7.xml><?xml version="1.0" encoding="utf-8"?>
-<p:sld xmlns:a="http://schemas.openxmlformats.org/drawingml/2006/main" xmlns:r="http://schemas.openxmlformats.org/officeDocument/2006/relationships" xmlns:p="http://schemas.openxmlformats.org/presentationml/2006/main" show="0">
+<p:sld xmlns:a="http://schemas.openxmlformats.org/drawingml/2006/main" xmlns:r="http://schemas.openxmlformats.org/officeDocument/2006/relationships" xmlns:p="http://schemas.openxmlformats.org/presentationml/2006/main">
   <p:cSld>
     <p:spTree>
       <p:nvGrpSpPr>
@@ -10654,154 +8718,10 @@
       </p:grpSpPr>
       <p:sp>
         <p:nvSpPr>
-          <p:cNvPr id="4" name="TextBox 3">
-            <a:extLst>
-              <a:ext uri="{FF2B5EF4-FFF2-40B4-BE49-F238E27FC236}">
-                <a16:creationId xmlns:a16="http://schemas.microsoft.com/office/drawing/2014/main" id="{9210F2CD-7CF4-5743-A46C-D4B07EDCEBC8}"/>
-              </a:ext>
-            </a:extLst>
-          </p:cNvPr>
-          <p:cNvSpPr txBox="1"/>
-          <p:nvPr/>
-        </p:nvSpPr>
-        <p:spPr>
-          <a:xfrm>
-            <a:off x="303402" y="176169"/>
-            <a:ext cx="11585196" cy="1291904"/>
-          </a:xfrm>
-          <a:prstGeom prst="rect">
-            <a:avLst/>
-          </a:prstGeom>
-          <a:noFill/>
-          <a:ln>
-            <a:solidFill>
-              <a:schemeClr val="accent1"/>
-            </a:solidFill>
-          </a:ln>
-        </p:spPr>
-        <p:txBody>
-          <a:bodyPr wrap="square" rtlCol="0">
-            <a:spAutoFit/>
-          </a:bodyPr>
-          <a:lstStyle/>
-          <a:p>
-            <a:endParaRPr lang="en-US" dirty="0"/>
-          </a:p>
-        </p:txBody>
-      </p:sp>
-      <p:sp>
-        <p:nvSpPr>
-          <p:cNvPr id="5" name="TextBox 4">
-            <a:extLst>
-              <a:ext uri="{FF2B5EF4-FFF2-40B4-BE49-F238E27FC236}">
-                <a16:creationId xmlns:a16="http://schemas.microsoft.com/office/drawing/2014/main" id="{D31B94CC-5680-654F-9BA4-E0A04DF451FB}"/>
-              </a:ext>
-            </a:extLst>
-          </p:cNvPr>
-          <p:cNvSpPr txBox="1"/>
-          <p:nvPr/>
-        </p:nvSpPr>
-        <p:spPr>
-          <a:xfrm>
-            <a:off x="479571" y="5389927"/>
-            <a:ext cx="11585196" cy="1291904"/>
-          </a:xfrm>
-          <a:prstGeom prst="rect">
-            <a:avLst/>
-          </a:prstGeom>
-          <a:noFill/>
-          <a:ln>
-            <a:solidFill>
-              <a:schemeClr val="accent1"/>
-            </a:solidFill>
-          </a:ln>
-        </p:spPr>
-        <p:txBody>
-          <a:bodyPr wrap="square" rtlCol="0">
-            <a:spAutoFit/>
-          </a:bodyPr>
-          <a:lstStyle/>
-          <a:p>
-            <a:endParaRPr lang="en-US" dirty="0"/>
-          </a:p>
-        </p:txBody>
-      </p:sp>
-      <p:sp>
-        <p:nvSpPr>
-          <p:cNvPr id="7" name="TextBox 6">
-            <a:extLst>
-              <a:ext uri="{FF2B5EF4-FFF2-40B4-BE49-F238E27FC236}">
-                <a16:creationId xmlns:a16="http://schemas.microsoft.com/office/drawing/2014/main" id="{E7D745A2-1954-874D-B978-521F0D0FBC58}"/>
-              </a:ext>
-            </a:extLst>
-          </p:cNvPr>
-          <p:cNvSpPr txBox="1"/>
-          <p:nvPr/>
-        </p:nvSpPr>
-        <p:spPr>
-          <a:xfrm>
-            <a:off x="604007" y="360728"/>
-            <a:ext cx="1702965" cy="369332"/>
-          </a:xfrm>
-          <a:prstGeom prst="rect">
-            <a:avLst/>
-          </a:prstGeom>
-          <a:noFill/>
-        </p:spPr>
-        <p:txBody>
-          <a:bodyPr wrap="square" rtlCol="0">
-            <a:spAutoFit/>
-          </a:bodyPr>
-          <a:lstStyle/>
-          <a:p>
-            <a:r>
-              <a:rPr lang="en-US" dirty="0"/>
-              <a:t>LOGO</a:t>
-            </a:r>
-          </a:p>
-        </p:txBody>
-      </p:sp>
-      <p:sp>
-        <p:nvSpPr>
-          <p:cNvPr id="10" name="TextBox 9">
-            <a:extLst>
-              <a:ext uri="{FF2B5EF4-FFF2-40B4-BE49-F238E27FC236}">
-                <a16:creationId xmlns:a16="http://schemas.microsoft.com/office/drawing/2014/main" id="{AD602A5F-B4C2-6E46-8889-94758D922528}"/>
-              </a:ext>
-            </a:extLst>
-          </p:cNvPr>
-          <p:cNvSpPr txBox="1"/>
-          <p:nvPr/>
-        </p:nvSpPr>
-        <p:spPr>
-          <a:xfrm>
-            <a:off x="4952998" y="2782669"/>
-            <a:ext cx="2169954" cy="369332"/>
-          </a:xfrm>
-          <a:prstGeom prst="rect">
-            <a:avLst/>
-          </a:prstGeom>
-          <a:noFill/>
-        </p:spPr>
-        <p:txBody>
-          <a:bodyPr wrap="square" rtlCol="0">
-            <a:spAutoFit/>
-          </a:bodyPr>
-          <a:lstStyle/>
-          <a:p>
-            <a:r>
-              <a:rPr lang="en-US" dirty="0"/>
-              <a:t>Phone number</a:t>
-            </a:r>
-          </a:p>
-        </p:txBody>
-      </p:sp>
-      <p:sp>
-        <p:nvSpPr>
-          <p:cNvPr id="12" name="Rectangle 11">
-            <a:extLst>
-              <a:ext uri="{FF2B5EF4-FFF2-40B4-BE49-F238E27FC236}">
-                <a16:creationId xmlns:a16="http://schemas.microsoft.com/office/drawing/2014/main" id="{BE47EEE8-FC06-7742-B098-6010EAC23EB9}"/>
+          <p:cNvPr id="11" name="Rectangle 10">
+            <a:extLst>
+              <a:ext uri="{FF2B5EF4-FFF2-40B4-BE49-F238E27FC236}">
+                <a16:creationId xmlns:a16="http://schemas.microsoft.com/office/drawing/2014/main" id="{7834B01E-90EF-8942-9E82-155BF03FC169}"/>
               </a:ext>
             </a:extLst>
           </p:cNvPr>
@@ -10810,8 +8730,8 @@
         </p:nvSpPr>
         <p:spPr>
           <a:xfrm>
-            <a:off x="1015069" y="1515523"/>
-            <a:ext cx="10129706" cy="3671868"/>
+            <a:off x="2634144" y="1754144"/>
+            <a:ext cx="7122252" cy="3329584"/>
           </a:xfrm>
           <a:prstGeom prst="rect">
             <a:avLst/>
@@ -10846,10 +8766,10 @@
       </p:sp>
       <p:sp>
         <p:nvSpPr>
-          <p:cNvPr id="13" name="TextBox 12">
-            <a:extLst>
-              <a:ext uri="{FF2B5EF4-FFF2-40B4-BE49-F238E27FC236}">
-                <a16:creationId xmlns:a16="http://schemas.microsoft.com/office/drawing/2014/main" id="{6D3B998B-4F2D-1944-A306-E02E48B4D9C8}"/>
+          <p:cNvPr id="4" name="TextBox 3">
+            <a:extLst>
+              <a:ext uri="{FF2B5EF4-FFF2-40B4-BE49-F238E27FC236}">
+                <a16:creationId xmlns:a16="http://schemas.microsoft.com/office/drawing/2014/main" id="{9210F2CD-7CF4-5743-A46C-D4B07EDCEBC8}"/>
               </a:ext>
             </a:extLst>
           </p:cNvPr>
@@ -10858,13 +8778,18 @@
         </p:nvSpPr>
         <p:spPr>
           <a:xfrm>
-            <a:off x="679508" y="1007059"/>
-            <a:ext cx="1266738" cy="369332"/>
+            <a:off x="64715" y="258935"/>
+            <a:ext cx="11585196" cy="1291904"/>
           </a:xfrm>
           <a:prstGeom prst="rect">
             <a:avLst/>
           </a:prstGeom>
           <a:noFill/>
+          <a:ln>
+            <a:solidFill>
+              <a:schemeClr val="accent1"/>
+            </a:solidFill>
+          </a:ln>
         </p:spPr>
         <p:txBody>
           <a:bodyPr wrap="square" rtlCol="0">
@@ -10872,19 +8797,16 @@
           </a:bodyPr>
           <a:lstStyle/>
           <a:p>
-            <a:r>
-              <a:rPr lang="en-US" dirty="0"/>
-              <a:t>Home</a:t>
-            </a:r>
-          </a:p>
-        </p:txBody>
-      </p:sp>
-      <p:sp>
-        <p:nvSpPr>
-          <p:cNvPr id="14" name="TextBox 13">
-            <a:extLst>
-              <a:ext uri="{FF2B5EF4-FFF2-40B4-BE49-F238E27FC236}">
-                <a16:creationId xmlns:a16="http://schemas.microsoft.com/office/drawing/2014/main" id="{7234AEA2-AEC3-0844-BDC9-78282380EB27}"/>
+            <a:endParaRPr lang="en-US" dirty="0"/>
+          </a:p>
+        </p:txBody>
+      </p:sp>
+      <p:sp>
+        <p:nvSpPr>
+          <p:cNvPr id="5" name="TextBox 4">
+            <a:extLst>
+              <a:ext uri="{FF2B5EF4-FFF2-40B4-BE49-F238E27FC236}">
+                <a16:creationId xmlns:a16="http://schemas.microsoft.com/office/drawing/2014/main" id="{D31B94CC-5680-654F-9BA4-E0A04DF451FB}"/>
               </a:ext>
             </a:extLst>
           </p:cNvPr>
@@ -10893,13 +8815,18 @@
         </p:nvSpPr>
         <p:spPr>
           <a:xfrm>
-            <a:off x="1149292" y="5403711"/>
-            <a:ext cx="1266738" cy="646331"/>
+            <a:off x="479571" y="5389927"/>
+            <a:ext cx="11585196" cy="1291904"/>
           </a:xfrm>
           <a:prstGeom prst="rect">
             <a:avLst/>
           </a:prstGeom>
           <a:noFill/>
+          <a:ln>
+            <a:solidFill>
+              <a:schemeClr val="accent1"/>
+            </a:solidFill>
+          </a:ln>
         </p:spPr>
         <p:txBody>
           <a:bodyPr wrap="square" rtlCol="0">
@@ -10907,19 +8834,16 @@
           </a:bodyPr>
           <a:lstStyle/>
           <a:p>
-            <a:r>
-              <a:rPr lang="en-US" dirty="0"/>
-              <a:t>Contact Details</a:t>
-            </a:r>
-          </a:p>
-        </p:txBody>
-      </p:sp>
-      <p:sp>
-        <p:nvSpPr>
-          <p:cNvPr id="15" name="TextBox 14">
-            <a:extLst>
-              <a:ext uri="{FF2B5EF4-FFF2-40B4-BE49-F238E27FC236}">
-                <a16:creationId xmlns:a16="http://schemas.microsoft.com/office/drawing/2014/main" id="{BBB57AFB-704D-B24F-8BE1-DE3DB4972EF5}"/>
+            <a:endParaRPr lang="en-US" dirty="0"/>
+          </a:p>
+        </p:txBody>
+      </p:sp>
+      <p:sp>
+        <p:nvSpPr>
+          <p:cNvPr id="6" name="TextBox 5">
+            <a:extLst>
+              <a:ext uri="{FF2B5EF4-FFF2-40B4-BE49-F238E27FC236}">
+                <a16:creationId xmlns:a16="http://schemas.microsoft.com/office/drawing/2014/main" id="{6506E7B0-7FC8-5A45-A350-6AFE042386A6}"/>
               </a:ext>
             </a:extLst>
           </p:cNvPr>
@@ -10928,8 +8852,8 @@
         </p:nvSpPr>
         <p:spPr>
           <a:xfrm>
-            <a:off x="4836252" y="223618"/>
-            <a:ext cx="2403447" cy="646331"/>
+            <a:off x="9968767" y="1137632"/>
+            <a:ext cx="2860646" cy="338554"/>
           </a:xfrm>
           <a:prstGeom prst="rect">
             <a:avLst/>
@@ -10943,24 +8867,18 @@
           <a:lstStyle/>
           <a:p>
             <a:r>
-              <a:rPr lang="en-US" dirty="0"/>
-              <a:t>Forgotten Password</a:t>
-            </a:r>
-          </a:p>
-          <a:p>
-            <a:r>
-              <a:rPr lang="en-US" dirty="0"/>
-              <a:t>(Hospital Name)</a:t>
-            </a:r>
-          </a:p>
-        </p:txBody>
-      </p:sp>
-      <p:sp>
-        <p:nvSpPr>
-          <p:cNvPr id="16" name="TextBox 15">
-            <a:extLst>
-              <a:ext uri="{FF2B5EF4-FFF2-40B4-BE49-F238E27FC236}">
-                <a16:creationId xmlns:a16="http://schemas.microsoft.com/office/drawing/2014/main" id="{9D3D5B5A-A641-CB44-A02E-E1634756113D}"/>
+              <a:rPr lang="en-US" sz="1600" dirty="0"/>
+              <a:t>Hi, (patient name)</a:t>
+            </a:r>
+          </a:p>
+        </p:txBody>
+      </p:sp>
+      <p:sp>
+        <p:nvSpPr>
+          <p:cNvPr id="7" name="TextBox 6">
+            <a:extLst>
+              <a:ext uri="{FF2B5EF4-FFF2-40B4-BE49-F238E27FC236}">
+                <a16:creationId xmlns:a16="http://schemas.microsoft.com/office/drawing/2014/main" id="{E7D745A2-1954-874D-B978-521F0D0FBC58}"/>
               </a:ext>
             </a:extLst>
           </p:cNvPr>
@@ -10969,8 +8887,8 @@
         </p:nvSpPr>
         <p:spPr>
           <a:xfrm>
-            <a:off x="10389765" y="5462434"/>
-            <a:ext cx="1266738" cy="369332"/>
+            <a:off x="604007" y="360728"/>
+            <a:ext cx="1702965" cy="369332"/>
           </a:xfrm>
           <a:prstGeom prst="rect">
             <a:avLst/>
@@ -10985,17 +8903,17 @@
           <a:p>
             <a:r>
               <a:rPr lang="en-US" dirty="0"/>
-              <a:t>Copyright</a:t>
-            </a:r>
-          </a:p>
-        </p:txBody>
-      </p:sp>
-      <p:sp>
-        <p:nvSpPr>
-          <p:cNvPr id="17" name="TextBox 16">
-            <a:extLst>
-              <a:ext uri="{FF2B5EF4-FFF2-40B4-BE49-F238E27FC236}">
-                <a16:creationId xmlns:a16="http://schemas.microsoft.com/office/drawing/2014/main" id="{9F1C97D4-7A20-8041-B716-528967B1043D}"/>
+              <a:t>LOGO</a:t>
+            </a:r>
+          </a:p>
+        </p:txBody>
+      </p:sp>
+      <p:sp>
+        <p:nvSpPr>
+          <p:cNvPr id="13" name="TextBox 12">
+            <a:extLst>
+              <a:ext uri="{FF2B5EF4-FFF2-40B4-BE49-F238E27FC236}">
+                <a16:creationId xmlns:a16="http://schemas.microsoft.com/office/drawing/2014/main" id="{6D3B998B-4F2D-1944-A306-E02E48B4D9C8}"/>
               </a:ext>
             </a:extLst>
           </p:cNvPr>
@@ -11004,8 +8922,8 @@
         </p:nvSpPr>
         <p:spPr>
           <a:xfrm>
-            <a:off x="2306972" y="2505670"/>
-            <a:ext cx="2169954" cy="923330"/>
+            <a:off x="587228" y="834694"/>
+            <a:ext cx="1736522" cy="646331"/>
           </a:xfrm>
           <a:prstGeom prst="rect">
             <a:avLst/>
@@ -11020,17 +8938,41 @@
           <a:p>
             <a:r>
               <a:rPr lang="en-US" dirty="0"/>
-              <a:t>Enter phone number to receive link to reset password:</a:t>
-            </a:r>
-          </a:p>
-        </p:txBody>
-      </p:sp>
-      <p:sp>
-        <p:nvSpPr>
-          <p:cNvPr id="18" name="TextBox 17">
-            <a:extLst>
-              <a:ext uri="{FF2B5EF4-FFF2-40B4-BE49-F238E27FC236}">
-                <a16:creationId xmlns:a16="http://schemas.microsoft.com/office/drawing/2014/main" id="{92024BBC-5F0B-7243-B3D8-D68B6C1E9D98}"/>
+              <a:t>Home </a:t>
+            </a:r>
+            <a:r>
+              <a:rPr lang="en-US" dirty="0">
+                <a:solidFill>
+                  <a:schemeClr val="accent5"/>
+                </a:solidFill>
+              </a:rPr>
+              <a:t>(</a:t>
+            </a:r>
+            <a:r>
+              <a:rPr lang="en-US" dirty="0" err="1">
+                <a:solidFill>
+                  <a:schemeClr val="accent5"/>
+                </a:solidFill>
+              </a:rPr>
+              <a:t>index.jsp</a:t>
+            </a:r>
+            <a:r>
+              <a:rPr lang="en-US" dirty="0">
+                <a:solidFill>
+                  <a:schemeClr val="accent5"/>
+                </a:solidFill>
+              </a:rPr>
+              <a:t>)</a:t>
+            </a:r>
+          </a:p>
+        </p:txBody>
+      </p:sp>
+      <p:sp>
+        <p:nvSpPr>
+          <p:cNvPr id="14" name="TextBox 13">
+            <a:extLst>
+              <a:ext uri="{FF2B5EF4-FFF2-40B4-BE49-F238E27FC236}">
+                <a16:creationId xmlns:a16="http://schemas.microsoft.com/office/drawing/2014/main" id="{7234AEA2-AEC3-0844-BDC9-78282380EB27}"/>
               </a:ext>
             </a:extLst>
           </p:cNvPr>
@@ -11039,8 +8981,8 @@
         </p:nvSpPr>
         <p:spPr>
           <a:xfrm>
-            <a:off x="7122952" y="2782669"/>
-            <a:ext cx="2169954" cy="369332"/>
+            <a:off x="1149292" y="5403711"/>
+            <a:ext cx="1266738" cy="646331"/>
           </a:xfrm>
           <a:prstGeom prst="rect">
             <a:avLst/>
@@ -11055,17 +8997,449 @@
           <a:p>
             <a:r>
               <a:rPr lang="en-US" dirty="0"/>
-              <a:t>Send</a:t>
-            </a:r>
-          </a:p>
-        </p:txBody>
-      </p:sp>
-      <p:sp>
-        <p:nvSpPr>
-          <p:cNvPr id="19" name="Rounded Rectangle 18">
-            <a:extLst>
-              <a:ext uri="{FF2B5EF4-FFF2-40B4-BE49-F238E27FC236}">
-                <a16:creationId xmlns:a16="http://schemas.microsoft.com/office/drawing/2014/main" id="{3CB3ABB2-4629-FC45-A8CA-9329765D22FE}"/>
+              <a:t>Contact Details</a:t>
+            </a:r>
+          </a:p>
+        </p:txBody>
+      </p:sp>
+      <p:sp>
+        <p:nvSpPr>
+          <p:cNvPr id="15" name="TextBox 14">
+            <a:extLst>
+              <a:ext uri="{FF2B5EF4-FFF2-40B4-BE49-F238E27FC236}">
+                <a16:creationId xmlns:a16="http://schemas.microsoft.com/office/drawing/2014/main" id="{BBB57AFB-704D-B24F-8BE1-DE3DB4972EF5}"/>
+              </a:ext>
+            </a:extLst>
+          </p:cNvPr>
+          <p:cNvSpPr txBox="1"/>
+          <p:nvPr/>
+        </p:nvSpPr>
+        <p:spPr>
+          <a:xfrm>
+            <a:off x="5029566" y="1857038"/>
+            <a:ext cx="2688205" cy="646331"/>
+          </a:xfrm>
+          <a:prstGeom prst="rect">
+            <a:avLst/>
+          </a:prstGeom>
+          <a:noFill/>
+        </p:spPr>
+        <p:txBody>
+          <a:bodyPr wrap="square" rtlCol="0">
+            <a:spAutoFit/>
+          </a:bodyPr>
+          <a:lstStyle/>
+          <a:p>
+            <a:r>
+              <a:rPr lang="en-US" dirty="0"/>
+              <a:t>Appointment Bookings</a:t>
+            </a:r>
+          </a:p>
+          <a:p>
+            <a:r>
+              <a:rPr lang="en-US" dirty="0">
+                <a:solidFill>
+                  <a:schemeClr val="accent5"/>
+                </a:solidFill>
+              </a:rPr>
+              <a:t>(</a:t>
+            </a:r>
+            <a:r>
+              <a:rPr lang="en-US" dirty="0" err="1">
+                <a:solidFill>
+                  <a:schemeClr val="accent5"/>
+                </a:solidFill>
+              </a:rPr>
+              <a:t>patientAccess.jsp</a:t>
+            </a:r>
+            <a:r>
+              <a:rPr lang="en-US" dirty="0">
+                <a:solidFill>
+                  <a:schemeClr val="accent5"/>
+                </a:solidFill>
+              </a:rPr>
+              <a:t>)</a:t>
+            </a:r>
+          </a:p>
+        </p:txBody>
+      </p:sp>
+      <p:sp>
+        <p:nvSpPr>
+          <p:cNvPr id="16" name="TextBox 15">
+            <a:extLst>
+              <a:ext uri="{FF2B5EF4-FFF2-40B4-BE49-F238E27FC236}">
+                <a16:creationId xmlns:a16="http://schemas.microsoft.com/office/drawing/2014/main" id="{4CE9F10F-C850-0B40-ADEF-4FB1BB68B7A2}"/>
+              </a:ext>
+            </a:extLst>
+          </p:cNvPr>
+          <p:cNvSpPr txBox="1"/>
+          <p:nvPr/>
+        </p:nvSpPr>
+        <p:spPr>
+          <a:xfrm>
+            <a:off x="3381812" y="1053263"/>
+            <a:ext cx="2964559" cy="369332"/>
+          </a:xfrm>
+          <a:prstGeom prst="rect">
+            <a:avLst/>
+          </a:prstGeom>
+          <a:noFill/>
+        </p:spPr>
+        <p:txBody>
+          <a:bodyPr wrap="square" rtlCol="0">
+            <a:spAutoFit/>
+          </a:bodyPr>
+          <a:lstStyle/>
+          <a:p>
+            <a:r>
+              <a:rPr lang="en-US" dirty="0"/>
+              <a:t>Booking </a:t>
+            </a:r>
+            <a:r>
+              <a:rPr lang="en-US" dirty="0">
+                <a:solidFill>
+                  <a:schemeClr val="accent5"/>
+                </a:solidFill>
+              </a:rPr>
+              <a:t>(</a:t>
+            </a:r>
+            <a:r>
+              <a:rPr lang="en-US" dirty="0" err="1">
+                <a:solidFill>
+                  <a:schemeClr val="accent5"/>
+                </a:solidFill>
+              </a:rPr>
+              <a:t>bookings.jsp</a:t>
+            </a:r>
+            <a:r>
+              <a:rPr lang="en-US" dirty="0">
+                <a:solidFill>
+                  <a:schemeClr val="accent5"/>
+                </a:solidFill>
+              </a:rPr>
+              <a:t>)</a:t>
+            </a:r>
+          </a:p>
+        </p:txBody>
+      </p:sp>
+      <p:sp>
+        <p:nvSpPr>
+          <p:cNvPr id="17" name="TextBox 16">
+            <a:extLst>
+              <a:ext uri="{FF2B5EF4-FFF2-40B4-BE49-F238E27FC236}">
+                <a16:creationId xmlns:a16="http://schemas.microsoft.com/office/drawing/2014/main" id="{050A665A-C98A-B44A-8A44-D61414C70B12}"/>
+              </a:ext>
+            </a:extLst>
+          </p:cNvPr>
+          <p:cNvSpPr txBox="1"/>
+          <p:nvPr/>
+        </p:nvSpPr>
+        <p:spPr>
+          <a:xfrm>
+            <a:off x="10389765" y="5462434"/>
+            <a:ext cx="1266738" cy="369332"/>
+          </a:xfrm>
+          <a:prstGeom prst="rect">
+            <a:avLst/>
+          </a:prstGeom>
+          <a:noFill/>
+        </p:spPr>
+        <p:txBody>
+          <a:bodyPr wrap="square" rtlCol="0">
+            <a:spAutoFit/>
+          </a:bodyPr>
+          <a:lstStyle/>
+          <a:p>
+            <a:r>
+              <a:rPr lang="en-US" dirty="0"/>
+              <a:t>Copyright</a:t>
+            </a:r>
+          </a:p>
+        </p:txBody>
+      </p:sp>
+      <p:sp>
+        <p:nvSpPr>
+          <p:cNvPr id="20" name="TextBox 19">
+            <a:extLst>
+              <a:ext uri="{FF2B5EF4-FFF2-40B4-BE49-F238E27FC236}">
+                <a16:creationId xmlns:a16="http://schemas.microsoft.com/office/drawing/2014/main" id="{CC7689EE-3C59-2445-89B7-7E7BC7106C27}"/>
+              </a:ext>
+            </a:extLst>
+          </p:cNvPr>
+          <p:cNvSpPr txBox="1"/>
+          <p:nvPr/>
+        </p:nvSpPr>
+        <p:spPr>
+          <a:xfrm>
+            <a:off x="5149602" y="3030352"/>
+            <a:ext cx="1572237" cy="307777"/>
+          </a:xfrm>
+          <a:prstGeom prst="rect">
+            <a:avLst/>
+          </a:prstGeom>
+          <a:noFill/>
+        </p:spPr>
+        <p:txBody>
+          <a:bodyPr wrap="square" rtlCol="0">
+            <a:spAutoFit/>
+          </a:bodyPr>
+          <a:lstStyle/>
+          <a:p>
+            <a:r>
+              <a:rPr lang="en-US" sz="1400" dirty="0"/>
+              <a:t>Date of Birth</a:t>
+            </a:r>
+          </a:p>
+        </p:txBody>
+      </p:sp>
+      <p:sp>
+        <p:nvSpPr>
+          <p:cNvPr id="21" name="TextBox 20">
+            <a:extLst>
+              <a:ext uri="{FF2B5EF4-FFF2-40B4-BE49-F238E27FC236}">
+                <a16:creationId xmlns:a16="http://schemas.microsoft.com/office/drawing/2014/main" id="{7B7232E0-FEEC-D142-B64A-BEAAED46A0D3}"/>
+              </a:ext>
+            </a:extLst>
+          </p:cNvPr>
+          <p:cNvSpPr txBox="1"/>
+          <p:nvPr/>
+        </p:nvSpPr>
+        <p:spPr>
+          <a:xfrm>
+            <a:off x="5149601" y="3558037"/>
+            <a:ext cx="1572237" cy="523220"/>
+          </a:xfrm>
+          <a:prstGeom prst="rect">
+            <a:avLst/>
+          </a:prstGeom>
+          <a:noFill/>
+        </p:spPr>
+        <p:txBody>
+          <a:bodyPr wrap="square" rtlCol="0">
+            <a:spAutoFit/>
+          </a:bodyPr>
+          <a:lstStyle/>
+          <a:p>
+            <a:r>
+              <a:rPr lang="en-US" sz="1400" dirty="0">
+                <a:solidFill>
+                  <a:schemeClr val="accent6"/>
+                </a:solidFill>
+              </a:rPr>
+              <a:t>Select doctor </a:t>
+            </a:r>
+            <a:r>
+              <a:rPr lang="en-US" sz="1400" dirty="0"/>
+              <a:t>- dropdown</a:t>
+            </a:r>
+          </a:p>
+        </p:txBody>
+      </p:sp>
+      <p:sp>
+        <p:nvSpPr>
+          <p:cNvPr id="22" name="TextBox 21">
+            <a:extLst>
+              <a:ext uri="{FF2B5EF4-FFF2-40B4-BE49-F238E27FC236}">
+                <a16:creationId xmlns:a16="http://schemas.microsoft.com/office/drawing/2014/main" id="{D910F3D3-03EA-A746-8500-CA622E5CAC69}"/>
+              </a:ext>
+            </a:extLst>
+          </p:cNvPr>
+          <p:cNvSpPr txBox="1"/>
+          <p:nvPr/>
+        </p:nvSpPr>
+        <p:spPr>
+          <a:xfrm>
+            <a:off x="5254507" y="3289894"/>
+            <a:ext cx="1572237" cy="307777"/>
+          </a:xfrm>
+          <a:prstGeom prst="rect">
+            <a:avLst/>
+          </a:prstGeom>
+          <a:noFill/>
+        </p:spPr>
+        <p:txBody>
+          <a:bodyPr wrap="square" rtlCol="0">
+            <a:spAutoFit/>
+          </a:bodyPr>
+          <a:lstStyle/>
+          <a:p>
+            <a:r>
+              <a:rPr lang="en-US" sz="1400" dirty="0"/>
+              <a:t>Problem</a:t>
+            </a:r>
+          </a:p>
+        </p:txBody>
+      </p:sp>
+      <p:sp>
+        <p:nvSpPr>
+          <p:cNvPr id="23" name="TextBox 22">
+            <a:extLst>
+              <a:ext uri="{FF2B5EF4-FFF2-40B4-BE49-F238E27FC236}">
+                <a16:creationId xmlns:a16="http://schemas.microsoft.com/office/drawing/2014/main" id="{A6C432AD-33FD-344C-A624-A462B6AC87FB}"/>
+              </a:ext>
+            </a:extLst>
+          </p:cNvPr>
+          <p:cNvSpPr txBox="1"/>
+          <p:nvPr/>
+        </p:nvSpPr>
+        <p:spPr>
+          <a:xfrm>
+            <a:off x="4833410" y="4550201"/>
+            <a:ext cx="2047806" cy="369332"/>
+          </a:xfrm>
+          <a:prstGeom prst="rect">
+            <a:avLst/>
+          </a:prstGeom>
+          <a:noFill/>
+        </p:spPr>
+        <p:txBody>
+          <a:bodyPr wrap="square" rtlCol="0">
+            <a:spAutoFit/>
+          </a:bodyPr>
+          <a:lstStyle/>
+          <a:p>
+            <a:r>
+              <a:rPr lang="en-US" dirty="0"/>
+              <a:t>Book</a:t>
+            </a:r>
+          </a:p>
+        </p:txBody>
+      </p:sp>
+      <p:sp>
+        <p:nvSpPr>
+          <p:cNvPr id="24" name="TextBox 23">
+            <a:extLst>
+              <a:ext uri="{FF2B5EF4-FFF2-40B4-BE49-F238E27FC236}">
+                <a16:creationId xmlns:a16="http://schemas.microsoft.com/office/drawing/2014/main" id="{0225D049-2947-0045-BEF4-4ACD313D6965}"/>
+              </a:ext>
+            </a:extLst>
+          </p:cNvPr>
+          <p:cNvSpPr txBox="1"/>
+          <p:nvPr/>
+        </p:nvSpPr>
+        <p:spPr>
+          <a:xfrm>
+            <a:off x="5640445" y="4570150"/>
+            <a:ext cx="1010175" cy="369332"/>
+          </a:xfrm>
+          <a:prstGeom prst="rect">
+            <a:avLst/>
+          </a:prstGeom>
+          <a:noFill/>
+        </p:spPr>
+        <p:txBody>
+          <a:bodyPr wrap="square" rtlCol="0">
+            <a:spAutoFit/>
+          </a:bodyPr>
+          <a:lstStyle/>
+          <a:p>
+            <a:r>
+              <a:rPr lang="en-US" dirty="0"/>
+              <a:t>Clear</a:t>
+            </a:r>
+          </a:p>
+        </p:txBody>
+      </p:sp>
+      <p:sp>
+        <p:nvSpPr>
+          <p:cNvPr id="27" name="TextBox 26">
+            <a:extLst>
+              <a:ext uri="{FF2B5EF4-FFF2-40B4-BE49-F238E27FC236}">
+                <a16:creationId xmlns:a16="http://schemas.microsoft.com/office/drawing/2014/main" id="{48627E93-0795-4049-92FC-32AB5BAA21E6}"/>
+              </a:ext>
+            </a:extLst>
+          </p:cNvPr>
+          <p:cNvSpPr txBox="1"/>
+          <p:nvPr/>
+        </p:nvSpPr>
+        <p:spPr>
+          <a:xfrm>
+            <a:off x="7108121" y="845256"/>
+            <a:ext cx="2860646" cy="646331"/>
+          </a:xfrm>
+          <a:prstGeom prst="rect">
+            <a:avLst/>
+          </a:prstGeom>
+          <a:noFill/>
+        </p:spPr>
+        <p:txBody>
+          <a:bodyPr wrap="square" rtlCol="0">
+            <a:spAutoFit/>
+          </a:bodyPr>
+          <a:lstStyle/>
+          <a:p>
+            <a:r>
+              <a:rPr lang="en-US" dirty="0"/>
+              <a:t>Treatment </a:t>
+            </a:r>
+            <a:r>
+              <a:rPr lang="en-US" dirty="0">
+                <a:solidFill>
+                  <a:schemeClr val="accent5"/>
+                </a:solidFill>
+              </a:rPr>
+              <a:t>(</a:t>
+            </a:r>
+            <a:r>
+              <a:rPr lang="en-US" dirty="0" err="1">
+                <a:solidFill>
+                  <a:schemeClr val="accent5"/>
+                </a:solidFill>
+              </a:rPr>
+              <a:t>displayRecord.jsp</a:t>
+            </a:r>
+            <a:r>
+              <a:rPr lang="en-US" dirty="0">
+                <a:solidFill>
+                  <a:schemeClr val="accent5"/>
+                </a:solidFill>
+              </a:rPr>
+              <a:t>)</a:t>
+            </a:r>
+          </a:p>
+        </p:txBody>
+      </p:sp>
+      <p:sp>
+        <p:nvSpPr>
+          <p:cNvPr id="28" name="TextBox 27">
+            <a:extLst>
+              <a:ext uri="{FF2B5EF4-FFF2-40B4-BE49-F238E27FC236}">
+                <a16:creationId xmlns:a16="http://schemas.microsoft.com/office/drawing/2014/main" id="{2B755557-3838-3047-964E-3F06034A40A5}"/>
+              </a:ext>
+            </a:extLst>
+          </p:cNvPr>
+          <p:cNvSpPr txBox="1"/>
+          <p:nvPr/>
+        </p:nvSpPr>
+        <p:spPr>
+          <a:xfrm>
+            <a:off x="5445121" y="2535324"/>
+            <a:ext cx="876881" cy="307777"/>
+          </a:xfrm>
+          <a:prstGeom prst="rect">
+            <a:avLst/>
+          </a:prstGeom>
+          <a:noFill/>
+        </p:spPr>
+        <p:txBody>
+          <a:bodyPr wrap="square" rtlCol="0">
+            <a:spAutoFit/>
+          </a:bodyPr>
+          <a:lstStyle/>
+          <a:p>
+            <a:r>
+              <a:rPr lang="en-US" sz="1400" dirty="0"/>
+              <a:t>Phone</a:t>
+            </a:r>
+          </a:p>
+        </p:txBody>
+      </p:sp>
+      <p:sp>
+        <p:nvSpPr>
+          <p:cNvPr id="30" name="Rounded Rectangle 29">
+            <a:extLst>
+              <a:ext uri="{FF2B5EF4-FFF2-40B4-BE49-F238E27FC236}">
+                <a16:creationId xmlns:a16="http://schemas.microsoft.com/office/drawing/2014/main" id="{0EE5F47A-7997-E344-9E49-CF9665371C6B}"/>
               </a:ext>
             </a:extLst>
           </p:cNvPr>
@@ -11074,12 +9448,684 @@
         </p:nvSpPr>
         <p:spPr>
           <a:xfrm>
-            <a:off x="1946246" y="360728"/>
-            <a:ext cx="1624268" cy="564558"/>
+            <a:off x="1" y="1857038"/>
+            <a:ext cx="2555306" cy="1377232"/>
           </a:xfrm>
           <a:prstGeom prst="roundRect">
             <a:avLst/>
           </a:prstGeom>
+        </p:spPr>
+        <p:style>
+          <a:lnRef idx="1">
+            <a:schemeClr val="accent6"/>
+          </a:lnRef>
+          <a:fillRef idx="3">
+            <a:schemeClr val="accent6"/>
+          </a:fillRef>
+          <a:effectRef idx="2">
+            <a:schemeClr val="accent6"/>
+          </a:effectRef>
+          <a:fontRef idx="minor">
+            <a:schemeClr val="lt1"/>
+          </a:fontRef>
+        </p:style>
+        <p:txBody>
+          <a:bodyPr rtlCol="0" anchor="ctr"/>
+          <a:lstStyle/>
+          <a:p>
+            <a:pPr algn="ctr"/>
+            <a:r>
+              <a:rPr lang="en-US" sz="1600" dirty="0" err="1"/>
+              <a:t>patientAccess.jsp</a:t>
+            </a:r>
+            <a:r>
+              <a:rPr lang="en-US" sz="1600" dirty="0"/>
+              <a:t> Created</a:t>
+            </a:r>
+          </a:p>
+          <a:p>
+            <a:pPr algn="ctr"/>
+            <a:r>
+              <a:rPr lang="en-US" sz="1600" dirty="0" err="1"/>
+              <a:t>Patient.java</a:t>
+            </a:r>
+            <a:r>
+              <a:rPr lang="en-US" sz="1600" dirty="0"/>
+              <a:t> created</a:t>
+            </a:r>
+          </a:p>
+          <a:p>
+            <a:pPr algn="ctr"/>
+            <a:r>
+              <a:rPr lang="en-US" sz="1600" dirty="0" err="1"/>
+              <a:t>PatientQuery.java</a:t>
+            </a:r>
+            <a:r>
+              <a:rPr lang="en-US" sz="1600" dirty="0"/>
+              <a:t> created</a:t>
+            </a:r>
+          </a:p>
+          <a:p>
+            <a:pPr algn="ctr"/>
+            <a:r>
+              <a:rPr lang="en-US" sz="1600" dirty="0"/>
+              <a:t>Input form created</a:t>
+            </a:r>
+          </a:p>
+          <a:p>
+            <a:pPr algn="ctr"/>
+            <a:r>
+              <a:rPr lang="en-US" sz="1600" dirty="0" err="1"/>
+              <a:t>Record.java</a:t>
+            </a:r>
+            <a:r>
+              <a:rPr lang="en-US" sz="1600" dirty="0"/>
+              <a:t> created</a:t>
+            </a:r>
+          </a:p>
+        </p:txBody>
+      </p:sp>
+      <p:sp>
+        <p:nvSpPr>
+          <p:cNvPr id="33" name="TextBox 32">
+            <a:extLst>
+              <a:ext uri="{FF2B5EF4-FFF2-40B4-BE49-F238E27FC236}">
+                <a16:creationId xmlns:a16="http://schemas.microsoft.com/office/drawing/2014/main" id="{7B73F0A8-A360-0845-AC8B-3FA164596CD2}"/>
+              </a:ext>
+            </a:extLst>
+          </p:cNvPr>
+          <p:cNvSpPr txBox="1"/>
+          <p:nvPr/>
+        </p:nvSpPr>
+        <p:spPr>
+          <a:xfrm>
+            <a:off x="10552252" y="239069"/>
+            <a:ext cx="1073791" cy="523220"/>
+          </a:xfrm>
+          <a:prstGeom prst="rect">
+            <a:avLst/>
+          </a:prstGeom>
+          <a:noFill/>
+        </p:spPr>
+        <p:txBody>
+          <a:bodyPr wrap="square" rtlCol="0">
+            <a:spAutoFit/>
+          </a:bodyPr>
+          <a:lstStyle/>
+          <a:p>
+            <a:r>
+              <a:rPr lang="en-US" sz="1400" dirty="0"/>
+              <a:t>Sign out</a:t>
+            </a:r>
+          </a:p>
+          <a:p>
+            <a:r>
+              <a:rPr lang="en-US" sz="1400" dirty="0">
+                <a:solidFill>
+                  <a:schemeClr val="accent5"/>
+                </a:solidFill>
+              </a:rPr>
+              <a:t>(</a:t>
+            </a:r>
+            <a:r>
+              <a:rPr lang="en-US" sz="1400" dirty="0" err="1">
+                <a:solidFill>
+                  <a:schemeClr val="accent5"/>
+                </a:solidFill>
+              </a:rPr>
+              <a:t>url.signout</a:t>
+            </a:r>
+            <a:r>
+              <a:rPr lang="en-US" sz="1400" dirty="0">
+                <a:solidFill>
+                  <a:schemeClr val="accent5"/>
+                </a:solidFill>
+              </a:rPr>
+              <a:t>)</a:t>
+            </a:r>
+            <a:endParaRPr lang="en-US" sz="1400" dirty="0"/>
+          </a:p>
+        </p:txBody>
+      </p:sp>
+      <p:sp>
+        <p:nvSpPr>
+          <p:cNvPr id="26" name="Rounded Rectangle 25">
+            <a:extLst>
+              <a:ext uri="{FF2B5EF4-FFF2-40B4-BE49-F238E27FC236}">
+                <a16:creationId xmlns:a16="http://schemas.microsoft.com/office/drawing/2014/main" id="{784C24D5-5791-5C4A-96F3-AFB33EA610E9}"/>
+              </a:ext>
+            </a:extLst>
+          </p:cNvPr>
+          <p:cNvSpPr/>
+          <p:nvPr/>
+        </p:nvSpPr>
+        <p:spPr>
+          <a:xfrm>
+            <a:off x="160860" y="3529109"/>
+            <a:ext cx="2389445" cy="1377232"/>
+          </a:xfrm>
+          <a:prstGeom prst="roundRect">
+            <a:avLst/>
+          </a:prstGeom>
+          <a:solidFill>
+            <a:schemeClr val="accent2"/>
+          </a:solidFill>
+        </p:spPr>
+        <p:style>
+          <a:lnRef idx="1">
+            <a:schemeClr val="accent6"/>
+          </a:lnRef>
+          <a:fillRef idx="3">
+            <a:schemeClr val="accent6"/>
+          </a:fillRef>
+          <a:effectRef idx="2">
+            <a:schemeClr val="accent6"/>
+          </a:effectRef>
+          <a:fontRef idx="minor">
+            <a:schemeClr val="lt1"/>
+          </a:fontRef>
+        </p:style>
+        <p:txBody>
+          <a:bodyPr rtlCol="0" anchor="ctr"/>
+          <a:lstStyle/>
+          <a:p>
+            <a:pPr algn="ctr"/>
+            <a:r>
+              <a:rPr lang="en-US" dirty="0"/>
+              <a:t>Change page title</a:t>
+            </a:r>
+          </a:p>
+          <a:p>
+            <a:pPr algn="ctr"/>
+            <a:r>
+              <a:rPr lang="en-US" dirty="0"/>
+              <a:t>Change input form</a:t>
+            </a:r>
+          </a:p>
+          <a:p>
+            <a:pPr algn="ctr"/>
+            <a:r>
+              <a:rPr lang="en-US" dirty="0"/>
+              <a:t>Create </a:t>
+            </a:r>
+            <a:r>
+              <a:rPr lang="en-US" dirty="0" err="1"/>
+              <a:t>PAccessServlet.java</a:t>
+            </a:r>
+            <a:endParaRPr lang="en-US" dirty="0"/>
+          </a:p>
+        </p:txBody>
+      </p:sp>
+      <p:pic>
+        <p:nvPicPr>
+          <p:cNvPr id="31" name="Graphic 30" descr="Construction Barricade with solid fill">
+            <a:extLst>
+              <a:ext uri="{FF2B5EF4-FFF2-40B4-BE49-F238E27FC236}">
+                <a16:creationId xmlns:a16="http://schemas.microsoft.com/office/drawing/2014/main" id="{CB483B2E-B1E2-3141-AA86-ACF45412899D}"/>
+              </a:ext>
+            </a:extLst>
+          </p:cNvPr>
+          <p:cNvPicPr>
+            <a:picLocks noChangeAspect="1"/>
+          </p:cNvPicPr>
+          <p:nvPr/>
+        </p:nvPicPr>
+        <p:blipFill>
+          <a:blip r:embed="rId2">
+            <a:extLst>
+              <a:ext uri="{96DAC541-7B7A-43D3-8B79-37D633B846F1}">
+                <asvg:svgBlip xmlns:asvg="http://schemas.microsoft.com/office/drawing/2016/SVG/main" r:embed="rId3"/>
+              </a:ext>
+            </a:extLst>
+          </a:blip>
+          <a:stretch>
+            <a:fillRect/>
+          </a:stretch>
+        </p:blipFill>
+        <p:spPr>
+          <a:xfrm>
+            <a:off x="11130793" y="3049017"/>
+            <a:ext cx="914400" cy="914400"/>
+          </a:xfrm>
+          <a:prstGeom prst="rect">
+            <a:avLst/>
+          </a:prstGeom>
+        </p:spPr>
+      </p:pic>
+      <p:sp>
+        <p:nvSpPr>
+          <p:cNvPr id="34" name="TextBox 33">
+            <a:extLst>
+              <a:ext uri="{FF2B5EF4-FFF2-40B4-BE49-F238E27FC236}">
+                <a16:creationId xmlns:a16="http://schemas.microsoft.com/office/drawing/2014/main" id="{E87A4737-D0F1-424F-890A-6A5408356BF7}"/>
+              </a:ext>
+            </a:extLst>
+          </p:cNvPr>
+          <p:cNvSpPr txBox="1"/>
+          <p:nvPr/>
+        </p:nvSpPr>
+        <p:spPr>
+          <a:xfrm>
+            <a:off x="5359413" y="2782838"/>
+            <a:ext cx="1572237" cy="307777"/>
+          </a:xfrm>
+          <a:prstGeom prst="rect">
+            <a:avLst/>
+          </a:prstGeom>
+          <a:noFill/>
+        </p:spPr>
+        <p:txBody>
+          <a:bodyPr wrap="square" rtlCol="0">
+            <a:spAutoFit/>
+          </a:bodyPr>
+          <a:lstStyle/>
+          <a:p>
+            <a:r>
+              <a:rPr lang="en-US" sz="1400" dirty="0"/>
+              <a:t>Address</a:t>
+            </a:r>
+          </a:p>
+        </p:txBody>
+      </p:sp>
+      <p:sp>
+        <p:nvSpPr>
+          <p:cNvPr id="36" name="Rounded Rectangular Callout 35">
+            <a:extLst>
+              <a:ext uri="{FF2B5EF4-FFF2-40B4-BE49-F238E27FC236}">
+                <a16:creationId xmlns:a16="http://schemas.microsoft.com/office/drawing/2014/main" id="{7EA8D483-7AED-D34D-A7A7-7CC85A26619B}"/>
+              </a:ext>
+            </a:extLst>
+          </p:cNvPr>
+          <p:cNvSpPr/>
+          <p:nvPr/>
+        </p:nvSpPr>
+        <p:spPr>
+          <a:xfrm>
+            <a:off x="3991474" y="5452426"/>
+            <a:ext cx="4709794" cy="1102479"/>
+          </a:xfrm>
+          <a:prstGeom prst="wedgeRoundRectCallout">
+            <a:avLst>
+              <a:gd name="adj1" fmla="val -27669"/>
+              <a:gd name="adj2" fmla="val -100354"/>
+              <a:gd name="adj3" fmla="val 16667"/>
+            </a:avLst>
+          </a:prstGeom>
+        </p:spPr>
+        <p:style>
+          <a:lnRef idx="0">
+            <a:schemeClr val="accent4"/>
+          </a:lnRef>
+          <a:fillRef idx="3">
+            <a:schemeClr val="accent4"/>
+          </a:fillRef>
+          <a:effectRef idx="3">
+            <a:schemeClr val="accent4"/>
+          </a:effectRef>
+          <a:fontRef idx="minor">
+            <a:schemeClr val="lt1"/>
+          </a:fontRef>
+        </p:style>
+        <p:txBody>
+          <a:bodyPr rtlCol="0" anchor="ctr"/>
+          <a:lstStyle/>
+          <a:p>
+            <a:pPr algn="ctr"/>
+            <a:r>
+              <a:rPr lang="en-US" dirty="0"/>
+              <a:t>onclick inserts to return writes </a:t>
+            </a:r>
+            <a:r>
+              <a:rPr lang="en-US" dirty="0" err="1"/>
+              <a:t>sout</a:t>
+            </a:r>
+            <a:r>
+              <a:rPr lang="en-US" dirty="0"/>
+              <a:t> to patient </a:t>
+            </a:r>
+            <a:r>
+              <a:rPr lang="en-US" dirty="0" err="1"/>
+              <a:t>confirning</a:t>
+            </a:r>
+            <a:r>
+              <a:rPr lang="en-US" dirty="0"/>
+              <a:t> details entered, if okay save to </a:t>
+            </a:r>
+            <a:r>
+              <a:rPr lang="en-US" dirty="0" err="1"/>
+              <a:t>record.java</a:t>
+            </a:r>
+            <a:r>
+              <a:rPr lang="en-US" dirty="0"/>
+              <a:t>. If not ok, return to </a:t>
+            </a:r>
+            <a:r>
+              <a:rPr lang="en-US" dirty="0" err="1"/>
+              <a:t>bookings.jsp</a:t>
+            </a:r>
+            <a:endParaRPr lang="en-US" dirty="0"/>
+          </a:p>
+          <a:p>
+            <a:pPr algn="ctr"/>
+            <a:endParaRPr lang="en-US" dirty="0"/>
+          </a:p>
+        </p:txBody>
+      </p:sp>
+    </p:spTree>
+    <p:extLst>
+      <p:ext uri="{BB962C8B-B14F-4D97-AF65-F5344CB8AC3E}">
+        <p14:creationId xmlns:p14="http://schemas.microsoft.com/office/powerpoint/2010/main" val="3600791983"/>
+      </p:ext>
+    </p:extLst>
+  </p:cSld>
+  <p:clrMapOvr>
+    <a:masterClrMapping/>
+  </p:clrMapOvr>
+</p:sld>
+</file>
+
+<file path=ppt/slides/slide8.xml><?xml version="1.0" encoding="utf-8"?>
+<p:sld xmlns:a="http://schemas.openxmlformats.org/drawingml/2006/main" xmlns:r="http://schemas.openxmlformats.org/officeDocument/2006/relationships" xmlns:p="http://schemas.openxmlformats.org/presentationml/2006/main">
+  <p:cSld>
+    <p:spTree>
+      <p:nvGrpSpPr>
+        <p:cNvPr id="1" name=""/>
+        <p:cNvGrpSpPr/>
+        <p:nvPr/>
+      </p:nvGrpSpPr>
+      <p:grpSpPr>
+        <a:xfrm>
+          <a:off x="0" y="0"/>
+          <a:ext cx="0" cy="0"/>
+          <a:chOff x="0" y="0"/>
+          <a:chExt cx="0" cy="0"/>
+        </a:xfrm>
+      </p:grpSpPr>
+      <p:sp>
+        <p:nvSpPr>
+          <p:cNvPr id="11" name="Rectangle 10">
+            <a:extLst>
+              <a:ext uri="{FF2B5EF4-FFF2-40B4-BE49-F238E27FC236}">
+                <a16:creationId xmlns:a16="http://schemas.microsoft.com/office/drawing/2014/main" id="{7834B01E-90EF-8942-9E82-155BF03FC169}"/>
+              </a:ext>
+            </a:extLst>
+          </p:cNvPr>
+          <p:cNvSpPr/>
+          <p:nvPr/>
+        </p:nvSpPr>
+        <p:spPr>
+          <a:xfrm>
+            <a:off x="2634144" y="1754144"/>
+            <a:ext cx="7122252" cy="3329584"/>
+          </a:xfrm>
+          <a:prstGeom prst="rect">
+            <a:avLst/>
+          </a:prstGeom>
+          <a:noFill/>
+          <a:ln w="19050"/>
+        </p:spPr>
+        <p:style>
+          <a:lnRef idx="2">
+            <a:schemeClr val="accent1">
+              <a:shade val="50000"/>
+            </a:schemeClr>
+          </a:lnRef>
+          <a:fillRef idx="1">
+            <a:schemeClr val="accent1"/>
+          </a:fillRef>
+          <a:effectRef idx="0">
+            <a:schemeClr val="accent1"/>
+          </a:effectRef>
+          <a:fontRef idx="minor">
+            <a:schemeClr val="lt1"/>
+          </a:fontRef>
+        </p:style>
+        <p:txBody>
+          <a:bodyPr rtlCol="0" anchor="ctr"/>
+          <a:lstStyle/>
+          <a:p>
+            <a:pPr algn="ctr"/>
+            <a:endParaRPr lang="en-US"/>
+          </a:p>
+        </p:txBody>
+      </p:sp>
+      <p:sp>
+        <p:nvSpPr>
+          <p:cNvPr id="4" name="TextBox 3">
+            <a:extLst>
+              <a:ext uri="{FF2B5EF4-FFF2-40B4-BE49-F238E27FC236}">
+                <a16:creationId xmlns:a16="http://schemas.microsoft.com/office/drawing/2014/main" id="{9210F2CD-7CF4-5743-A46C-D4B07EDCEBC8}"/>
+              </a:ext>
+            </a:extLst>
+          </p:cNvPr>
+          <p:cNvSpPr txBox="1"/>
+          <p:nvPr/>
+        </p:nvSpPr>
+        <p:spPr>
+          <a:xfrm>
+            <a:off x="303402" y="326664"/>
+            <a:ext cx="11585196" cy="1291904"/>
+          </a:xfrm>
+          <a:prstGeom prst="rect">
+            <a:avLst/>
+          </a:prstGeom>
+          <a:noFill/>
+          <a:ln>
+            <a:solidFill>
+              <a:schemeClr val="accent1"/>
+            </a:solidFill>
+          </a:ln>
+        </p:spPr>
+        <p:txBody>
+          <a:bodyPr wrap="square" rtlCol="0">
+            <a:spAutoFit/>
+          </a:bodyPr>
+          <a:lstStyle/>
+          <a:p>
+            <a:endParaRPr lang="en-US" dirty="0"/>
+          </a:p>
+        </p:txBody>
+      </p:sp>
+      <p:sp>
+        <p:nvSpPr>
+          <p:cNvPr id="5" name="TextBox 4">
+            <a:extLst>
+              <a:ext uri="{FF2B5EF4-FFF2-40B4-BE49-F238E27FC236}">
+                <a16:creationId xmlns:a16="http://schemas.microsoft.com/office/drawing/2014/main" id="{D31B94CC-5680-654F-9BA4-E0A04DF451FB}"/>
+              </a:ext>
+            </a:extLst>
+          </p:cNvPr>
+          <p:cNvSpPr txBox="1"/>
+          <p:nvPr/>
+        </p:nvSpPr>
+        <p:spPr>
+          <a:xfrm>
+            <a:off x="479571" y="5389927"/>
+            <a:ext cx="11585196" cy="1291904"/>
+          </a:xfrm>
+          <a:prstGeom prst="rect">
+            <a:avLst/>
+          </a:prstGeom>
+          <a:noFill/>
+          <a:ln>
+            <a:solidFill>
+              <a:schemeClr val="accent1"/>
+            </a:solidFill>
+          </a:ln>
+        </p:spPr>
+        <p:txBody>
+          <a:bodyPr wrap="square" rtlCol="0">
+            <a:spAutoFit/>
+          </a:bodyPr>
+          <a:lstStyle/>
+          <a:p>
+            <a:endParaRPr lang="en-US" dirty="0"/>
+          </a:p>
+        </p:txBody>
+      </p:sp>
+      <p:sp>
+        <p:nvSpPr>
+          <p:cNvPr id="7" name="TextBox 6">
+            <a:extLst>
+              <a:ext uri="{FF2B5EF4-FFF2-40B4-BE49-F238E27FC236}">
+                <a16:creationId xmlns:a16="http://schemas.microsoft.com/office/drawing/2014/main" id="{E7D745A2-1954-874D-B978-521F0D0FBC58}"/>
+              </a:ext>
+            </a:extLst>
+          </p:cNvPr>
+          <p:cNvSpPr txBox="1"/>
+          <p:nvPr/>
+        </p:nvSpPr>
+        <p:spPr>
+          <a:xfrm>
+            <a:off x="604007" y="360728"/>
+            <a:ext cx="1702965" cy="369332"/>
+          </a:xfrm>
+          <a:prstGeom prst="rect">
+            <a:avLst/>
+          </a:prstGeom>
+          <a:noFill/>
+        </p:spPr>
+        <p:txBody>
+          <a:bodyPr wrap="square" rtlCol="0">
+            <a:spAutoFit/>
+          </a:bodyPr>
+          <a:lstStyle/>
+          <a:p>
+            <a:r>
+              <a:rPr lang="en-US" dirty="0"/>
+              <a:t>LOGO</a:t>
+            </a:r>
+          </a:p>
+        </p:txBody>
+      </p:sp>
+      <p:sp>
+        <p:nvSpPr>
+          <p:cNvPr id="14" name="TextBox 13">
+            <a:extLst>
+              <a:ext uri="{FF2B5EF4-FFF2-40B4-BE49-F238E27FC236}">
+                <a16:creationId xmlns:a16="http://schemas.microsoft.com/office/drawing/2014/main" id="{7234AEA2-AEC3-0844-BDC9-78282380EB27}"/>
+              </a:ext>
+            </a:extLst>
+          </p:cNvPr>
+          <p:cNvSpPr txBox="1"/>
+          <p:nvPr/>
+        </p:nvSpPr>
+        <p:spPr>
+          <a:xfrm>
+            <a:off x="1149292" y="5403711"/>
+            <a:ext cx="1266738" cy="646331"/>
+          </a:xfrm>
+          <a:prstGeom prst="rect">
+            <a:avLst/>
+          </a:prstGeom>
+          <a:noFill/>
+        </p:spPr>
+        <p:txBody>
+          <a:bodyPr wrap="square" rtlCol="0">
+            <a:spAutoFit/>
+          </a:bodyPr>
+          <a:lstStyle/>
+          <a:p>
+            <a:r>
+              <a:rPr lang="en-US" dirty="0"/>
+              <a:t>Contact Details</a:t>
+            </a:r>
+          </a:p>
+        </p:txBody>
+      </p:sp>
+      <p:sp>
+        <p:nvSpPr>
+          <p:cNvPr id="17" name="TextBox 16">
+            <a:extLst>
+              <a:ext uri="{FF2B5EF4-FFF2-40B4-BE49-F238E27FC236}">
+                <a16:creationId xmlns:a16="http://schemas.microsoft.com/office/drawing/2014/main" id="{050A665A-C98A-B44A-8A44-D61414C70B12}"/>
+              </a:ext>
+            </a:extLst>
+          </p:cNvPr>
+          <p:cNvSpPr txBox="1"/>
+          <p:nvPr/>
+        </p:nvSpPr>
+        <p:spPr>
+          <a:xfrm>
+            <a:off x="10389765" y="5462434"/>
+            <a:ext cx="1266738" cy="369332"/>
+          </a:xfrm>
+          <a:prstGeom prst="rect">
+            <a:avLst/>
+          </a:prstGeom>
+          <a:noFill/>
+        </p:spPr>
+        <p:txBody>
+          <a:bodyPr wrap="square" rtlCol="0">
+            <a:spAutoFit/>
+          </a:bodyPr>
+          <a:lstStyle/>
+          <a:p>
+            <a:r>
+              <a:rPr lang="en-US" dirty="0"/>
+              <a:t>Copyright</a:t>
+            </a:r>
+          </a:p>
+        </p:txBody>
+      </p:sp>
+      <p:sp>
+        <p:nvSpPr>
+          <p:cNvPr id="25" name="TextBox 24">
+            <a:extLst>
+              <a:ext uri="{FF2B5EF4-FFF2-40B4-BE49-F238E27FC236}">
+                <a16:creationId xmlns:a16="http://schemas.microsoft.com/office/drawing/2014/main" id="{1BFA3CFC-E9F0-1D4D-B22F-9E62711B9D7A}"/>
+              </a:ext>
+            </a:extLst>
+          </p:cNvPr>
+          <p:cNvSpPr txBox="1"/>
+          <p:nvPr/>
+        </p:nvSpPr>
+        <p:spPr>
+          <a:xfrm>
+            <a:off x="5059610" y="3078179"/>
+            <a:ext cx="2271319" cy="369332"/>
+          </a:xfrm>
+          <a:prstGeom prst="rect">
+            <a:avLst/>
+          </a:prstGeom>
+          <a:noFill/>
+        </p:spPr>
+        <p:txBody>
+          <a:bodyPr wrap="square" rtlCol="0">
+            <a:spAutoFit/>
+          </a:bodyPr>
+          <a:lstStyle/>
+          <a:p>
+            <a:r>
+              <a:rPr lang="en-US" dirty="0"/>
+              <a:t>Details of Booking</a:t>
+            </a:r>
+          </a:p>
+        </p:txBody>
+      </p:sp>
+      <p:sp>
+        <p:nvSpPr>
+          <p:cNvPr id="21" name="Rounded Rectangle 20">
+            <a:extLst>
+              <a:ext uri="{FF2B5EF4-FFF2-40B4-BE49-F238E27FC236}">
+                <a16:creationId xmlns:a16="http://schemas.microsoft.com/office/drawing/2014/main" id="{45C55365-1102-FC4C-9592-6CF104CD54A1}"/>
+              </a:ext>
+            </a:extLst>
+          </p:cNvPr>
+          <p:cNvSpPr/>
+          <p:nvPr/>
+        </p:nvSpPr>
+        <p:spPr>
+          <a:xfrm>
+            <a:off x="500743" y="2260744"/>
+            <a:ext cx="1624268" cy="1777856"/>
+          </a:xfrm>
+          <a:prstGeom prst="roundRect">
+            <a:avLst/>
+          </a:prstGeom>
+          <a:solidFill>
+            <a:schemeClr val="accent4"/>
+          </a:solidFill>
         </p:spPr>
         <p:style>
           <a:lnRef idx="2">
@@ -11104,47 +10150,17 @@
             <a:pPr algn="ctr"/>
             <a:r>
               <a:rPr lang="en-US" dirty="0"/>
-              <a:t>Page incomplete</a:t>
-            </a:r>
-          </a:p>
-        </p:txBody>
-      </p:sp>
-    </p:spTree>
-    <p:extLst>
-      <p:ext uri="{BB962C8B-B14F-4D97-AF65-F5344CB8AC3E}">
-        <p14:creationId xmlns:p14="http://schemas.microsoft.com/office/powerpoint/2010/main" val="3036182028"/>
-      </p:ext>
-    </p:extLst>
-  </p:cSld>
-  <p:clrMapOvr>
-    <a:masterClrMapping/>
-  </p:clrMapOvr>
-</p:sld>
-</file>
-
-<file path=ppt/slides/slide8.xml><?xml version="1.0" encoding="utf-8"?>
-<p:sld xmlns:a="http://schemas.openxmlformats.org/drawingml/2006/main" xmlns:r="http://schemas.openxmlformats.org/officeDocument/2006/relationships" xmlns:p="http://schemas.openxmlformats.org/presentationml/2006/main" show="0">
-  <p:cSld>
-    <p:spTree>
-      <p:nvGrpSpPr>
-        <p:cNvPr id="1" name=""/>
-        <p:cNvGrpSpPr/>
-        <p:nvPr/>
-      </p:nvGrpSpPr>
-      <p:grpSpPr>
-        <a:xfrm>
-          <a:off x="0" y="0"/>
-          <a:ext cx="0" cy="0"/>
-          <a:chOff x="0" y="0"/>
-          <a:chExt cx="0" cy="0"/>
-        </a:xfrm>
-      </p:grpSpPr>
-      <p:sp>
-        <p:nvSpPr>
-          <p:cNvPr id="4" name="TextBox 3">
-            <a:extLst>
-              <a:ext uri="{FF2B5EF4-FFF2-40B4-BE49-F238E27FC236}">
-                <a16:creationId xmlns:a16="http://schemas.microsoft.com/office/drawing/2014/main" id="{9210F2CD-7CF4-5743-A46C-D4B07EDCEBC8}"/>
+              <a:t>Return Sys out msg as confirmation instead of page</a:t>
+            </a:r>
+          </a:p>
+        </p:txBody>
+      </p:sp>
+      <p:sp>
+        <p:nvSpPr>
+          <p:cNvPr id="23" name="TextBox 22">
+            <a:extLst>
+              <a:ext uri="{FF2B5EF4-FFF2-40B4-BE49-F238E27FC236}">
+                <a16:creationId xmlns:a16="http://schemas.microsoft.com/office/drawing/2014/main" id="{8140EAEF-D43E-B440-B5B6-8470B7B2207B}"/>
               </a:ext>
             </a:extLst>
           </p:cNvPr>
@@ -11153,18 +10169,13 @@
         </p:nvSpPr>
         <p:spPr>
           <a:xfrm>
-            <a:off x="303402" y="176169"/>
-            <a:ext cx="11585196" cy="1291904"/>
+            <a:off x="587228" y="834694"/>
+            <a:ext cx="1736522" cy="646331"/>
           </a:xfrm>
           <a:prstGeom prst="rect">
             <a:avLst/>
           </a:prstGeom>
           <a:noFill/>
-          <a:ln>
-            <a:solidFill>
-              <a:schemeClr val="accent1"/>
-            </a:solidFill>
-          </a:ln>
         </p:spPr>
         <p:txBody>
           <a:bodyPr wrap="square" rtlCol="0">
@@ -11172,16 +10183,43 @@
           </a:bodyPr>
           <a:lstStyle/>
           <a:p>
-            <a:endParaRPr lang="en-US" dirty="0"/>
-          </a:p>
-        </p:txBody>
-      </p:sp>
-      <p:sp>
-        <p:nvSpPr>
-          <p:cNvPr id="5" name="TextBox 4">
-            <a:extLst>
-              <a:ext uri="{FF2B5EF4-FFF2-40B4-BE49-F238E27FC236}">
-                <a16:creationId xmlns:a16="http://schemas.microsoft.com/office/drawing/2014/main" id="{D31B94CC-5680-654F-9BA4-E0A04DF451FB}"/>
+            <a:r>
+              <a:rPr lang="en-US" dirty="0"/>
+              <a:t>Home </a:t>
+            </a:r>
+            <a:r>
+              <a:rPr lang="en-US" dirty="0">
+                <a:solidFill>
+                  <a:schemeClr val="accent5"/>
+                </a:solidFill>
+              </a:rPr>
+              <a:t>(</a:t>
+            </a:r>
+            <a:r>
+              <a:rPr lang="en-US" dirty="0" err="1">
+                <a:solidFill>
+                  <a:schemeClr val="accent5"/>
+                </a:solidFill>
+              </a:rPr>
+              <a:t>index.jsp</a:t>
+            </a:r>
+            <a:r>
+              <a:rPr lang="en-US" dirty="0">
+                <a:solidFill>
+                  <a:schemeClr val="accent5"/>
+                </a:solidFill>
+              </a:rPr>
+              <a:t>)</a:t>
+            </a:r>
+          </a:p>
+        </p:txBody>
+      </p:sp>
+      <p:sp>
+        <p:nvSpPr>
+          <p:cNvPr id="24" name="TextBox 23">
+            <a:extLst>
+              <a:ext uri="{FF2B5EF4-FFF2-40B4-BE49-F238E27FC236}">
+                <a16:creationId xmlns:a16="http://schemas.microsoft.com/office/drawing/2014/main" id="{1C1503D0-DDA6-FB4E-9BF1-138981A08AEA}"/>
               </a:ext>
             </a:extLst>
           </p:cNvPr>
@@ -11190,18 +10228,13 @@
         </p:nvSpPr>
         <p:spPr>
           <a:xfrm>
-            <a:off x="479571" y="5389927"/>
-            <a:ext cx="11585196" cy="1291904"/>
+            <a:off x="3381812" y="1053263"/>
+            <a:ext cx="2964559" cy="369332"/>
           </a:xfrm>
           <a:prstGeom prst="rect">
             <a:avLst/>
           </a:prstGeom>
           <a:noFill/>
-          <a:ln>
-            <a:solidFill>
-              <a:schemeClr val="accent1"/>
-            </a:solidFill>
-          </a:ln>
         </p:spPr>
         <p:txBody>
           <a:bodyPr wrap="square" rtlCol="0">
@@ -11209,16 +10242,43 @@
           </a:bodyPr>
           <a:lstStyle/>
           <a:p>
-            <a:endParaRPr lang="en-US" dirty="0"/>
-          </a:p>
-        </p:txBody>
-      </p:sp>
-      <p:sp>
-        <p:nvSpPr>
-          <p:cNvPr id="7" name="TextBox 6">
-            <a:extLst>
-              <a:ext uri="{FF2B5EF4-FFF2-40B4-BE49-F238E27FC236}">
-                <a16:creationId xmlns:a16="http://schemas.microsoft.com/office/drawing/2014/main" id="{E7D745A2-1954-874D-B978-521F0D0FBC58}"/>
+            <a:r>
+              <a:rPr lang="en-US" dirty="0"/>
+              <a:t>Booking </a:t>
+            </a:r>
+            <a:r>
+              <a:rPr lang="en-US" dirty="0">
+                <a:solidFill>
+                  <a:schemeClr val="accent5"/>
+                </a:solidFill>
+              </a:rPr>
+              <a:t>(</a:t>
+            </a:r>
+            <a:r>
+              <a:rPr lang="en-US" dirty="0" err="1">
+                <a:solidFill>
+                  <a:schemeClr val="accent5"/>
+                </a:solidFill>
+              </a:rPr>
+              <a:t>bookings.jsp</a:t>
+            </a:r>
+            <a:r>
+              <a:rPr lang="en-US" dirty="0">
+                <a:solidFill>
+                  <a:schemeClr val="accent5"/>
+                </a:solidFill>
+              </a:rPr>
+              <a:t>)</a:t>
+            </a:r>
+          </a:p>
+        </p:txBody>
+      </p:sp>
+      <p:sp>
+        <p:nvSpPr>
+          <p:cNvPr id="26" name="TextBox 25">
+            <a:extLst>
+              <a:ext uri="{FF2B5EF4-FFF2-40B4-BE49-F238E27FC236}">
+                <a16:creationId xmlns:a16="http://schemas.microsoft.com/office/drawing/2014/main" id="{348A5660-1758-D549-991F-15AD9432BA24}"/>
               </a:ext>
             </a:extLst>
           </p:cNvPr>
@@ -11227,8 +10287,8 @@
         </p:nvSpPr>
         <p:spPr>
           <a:xfrm>
-            <a:off x="604007" y="360728"/>
-            <a:ext cx="1702965" cy="369332"/>
+            <a:off x="7108121" y="845256"/>
+            <a:ext cx="2860646" cy="646331"/>
           </a:xfrm>
           <a:prstGeom prst="rect">
             <a:avLst/>
@@ -11243,52 +10303,41 @@
           <a:p>
             <a:r>
               <a:rPr lang="en-US" dirty="0"/>
-              <a:t>LOGO</a:t>
-            </a:r>
-          </a:p>
-        </p:txBody>
-      </p:sp>
-      <p:sp>
-        <p:nvSpPr>
-          <p:cNvPr id="10" name="TextBox 9">
-            <a:extLst>
-              <a:ext uri="{FF2B5EF4-FFF2-40B4-BE49-F238E27FC236}">
-                <a16:creationId xmlns:a16="http://schemas.microsoft.com/office/drawing/2014/main" id="{AD602A5F-B4C2-6E46-8889-94758D922528}"/>
-              </a:ext>
-            </a:extLst>
-          </p:cNvPr>
-          <p:cNvSpPr txBox="1"/>
-          <p:nvPr/>
-        </p:nvSpPr>
-        <p:spPr>
-          <a:xfrm>
-            <a:off x="4476926" y="2505670"/>
-            <a:ext cx="2169954" cy="369332"/>
-          </a:xfrm>
-          <a:prstGeom prst="rect">
-            <a:avLst/>
-          </a:prstGeom>
-          <a:noFill/>
-        </p:spPr>
-        <p:txBody>
-          <a:bodyPr wrap="square" rtlCol="0">
-            <a:spAutoFit/>
-          </a:bodyPr>
-          <a:lstStyle/>
-          <a:p>
-            <a:r>
-              <a:rPr lang="en-US" dirty="0"/>
-              <a:t>New password</a:t>
-            </a:r>
-          </a:p>
-        </p:txBody>
-      </p:sp>
-      <p:sp>
-        <p:nvSpPr>
-          <p:cNvPr id="12" name="Rectangle 11">
-            <a:extLst>
-              <a:ext uri="{FF2B5EF4-FFF2-40B4-BE49-F238E27FC236}">
-                <a16:creationId xmlns:a16="http://schemas.microsoft.com/office/drawing/2014/main" id="{BE47EEE8-FC06-7742-B098-6010EAC23EB9}"/>
+              <a:t>Treatment </a:t>
+            </a:r>
+            <a:r>
+              <a:rPr lang="en-US" dirty="0">
+                <a:solidFill>
+                  <a:schemeClr val="accent5"/>
+                </a:solidFill>
+              </a:rPr>
+              <a:t>(</a:t>
+            </a:r>
+            <a:r>
+              <a:rPr lang="en-US" dirty="0" err="1">
+                <a:solidFill>
+                  <a:schemeClr val="accent5"/>
+                </a:solidFill>
+              </a:rPr>
+              <a:t>displayRecord.jsp</a:t>
+            </a:r>
+            <a:r>
+              <a:rPr lang="en-US" dirty="0">
+                <a:solidFill>
+                  <a:schemeClr val="accent5"/>
+                </a:solidFill>
+              </a:rPr>
+              <a:t>)</a:t>
+            </a:r>
+          </a:p>
+        </p:txBody>
+      </p:sp>
+      <p:sp>
+        <p:nvSpPr>
+          <p:cNvPr id="18" name="Rounded Rectangle 17">
+            <a:extLst>
+              <a:ext uri="{FF2B5EF4-FFF2-40B4-BE49-F238E27FC236}">
+                <a16:creationId xmlns:a16="http://schemas.microsoft.com/office/drawing/2014/main" id="{6A463F32-CE55-204D-89B2-605D13EC079D}"/>
               </a:ext>
             </a:extLst>
           </p:cNvPr>
@@ -11297,307 +10346,8 @@
         </p:nvSpPr>
         <p:spPr>
           <a:xfrm>
-            <a:off x="1015069" y="1515523"/>
-            <a:ext cx="10129706" cy="3671868"/>
-          </a:xfrm>
-          <a:prstGeom prst="rect">
-            <a:avLst/>
-          </a:prstGeom>
-          <a:noFill/>
-          <a:ln w="19050"/>
-        </p:spPr>
-        <p:style>
-          <a:lnRef idx="2">
-            <a:schemeClr val="accent1">
-              <a:shade val="50000"/>
-            </a:schemeClr>
-          </a:lnRef>
-          <a:fillRef idx="1">
-            <a:schemeClr val="accent1"/>
-          </a:fillRef>
-          <a:effectRef idx="0">
-            <a:schemeClr val="accent1"/>
-          </a:effectRef>
-          <a:fontRef idx="minor">
-            <a:schemeClr val="lt1"/>
-          </a:fontRef>
-        </p:style>
-        <p:txBody>
-          <a:bodyPr rtlCol="0" anchor="ctr"/>
-          <a:lstStyle/>
-          <a:p>
-            <a:pPr algn="ctr"/>
-            <a:endParaRPr lang="en-US"/>
-          </a:p>
-        </p:txBody>
-      </p:sp>
-      <p:sp>
-        <p:nvSpPr>
-          <p:cNvPr id="13" name="TextBox 12">
-            <a:extLst>
-              <a:ext uri="{FF2B5EF4-FFF2-40B4-BE49-F238E27FC236}">
-                <a16:creationId xmlns:a16="http://schemas.microsoft.com/office/drawing/2014/main" id="{6D3B998B-4F2D-1944-A306-E02E48B4D9C8}"/>
-              </a:ext>
-            </a:extLst>
-          </p:cNvPr>
-          <p:cNvSpPr txBox="1"/>
-          <p:nvPr/>
-        </p:nvSpPr>
-        <p:spPr>
-          <a:xfrm>
-            <a:off x="679508" y="1007059"/>
-            <a:ext cx="1266738" cy="369332"/>
-          </a:xfrm>
-          <a:prstGeom prst="rect">
-            <a:avLst/>
-          </a:prstGeom>
-          <a:noFill/>
-        </p:spPr>
-        <p:txBody>
-          <a:bodyPr wrap="square" rtlCol="0">
-            <a:spAutoFit/>
-          </a:bodyPr>
-          <a:lstStyle/>
-          <a:p>
-            <a:r>
-              <a:rPr lang="en-US" dirty="0"/>
-              <a:t>Home</a:t>
-            </a:r>
-          </a:p>
-        </p:txBody>
-      </p:sp>
-      <p:sp>
-        <p:nvSpPr>
-          <p:cNvPr id="14" name="TextBox 13">
-            <a:extLst>
-              <a:ext uri="{FF2B5EF4-FFF2-40B4-BE49-F238E27FC236}">
-                <a16:creationId xmlns:a16="http://schemas.microsoft.com/office/drawing/2014/main" id="{7234AEA2-AEC3-0844-BDC9-78282380EB27}"/>
-              </a:ext>
-            </a:extLst>
-          </p:cNvPr>
-          <p:cNvSpPr txBox="1"/>
-          <p:nvPr/>
-        </p:nvSpPr>
-        <p:spPr>
-          <a:xfrm>
-            <a:off x="1149292" y="5403711"/>
-            <a:ext cx="1266738" cy="646331"/>
-          </a:xfrm>
-          <a:prstGeom prst="rect">
-            <a:avLst/>
-          </a:prstGeom>
-          <a:noFill/>
-        </p:spPr>
-        <p:txBody>
-          <a:bodyPr wrap="square" rtlCol="0">
-            <a:spAutoFit/>
-          </a:bodyPr>
-          <a:lstStyle/>
-          <a:p>
-            <a:r>
-              <a:rPr lang="en-US" dirty="0"/>
-              <a:t>Contact Details</a:t>
-            </a:r>
-          </a:p>
-        </p:txBody>
-      </p:sp>
-      <p:sp>
-        <p:nvSpPr>
-          <p:cNvPr id="15" name="TextBox 14">
-            <a:extLst>
-              <a:ext uri="{FF2B5EF4-FFF2-40B4-BE49-F238E27FC236}">
-                <a16:creationId xmlns:a16="http://schemas.microsoft.com/office/drawing/2014/main" id="{BBB57AFB-704D-B24F-8BE1-DE3DB4972EF5}"/>
-              </a:ext>
-            </a:extLst>
-          </p:cNvPr>
-          <p:cNvSpPr txBox="1"/>
-          <p:nvPr/>
-        </p:nvSpPr>
-        <p:spPr>
-          <a:xfrm>
-            <a:off x="4836252" y="223618"/>
-            <a:ext cx="2403447" cy="646331"/>
-          </a:xfrm>
-          <a:prstGeom prst="rect">
-            <a:avLst/>
-          </a:prstGeom>
-          <a:noFill/>
-        </p:spPr>
-        <p:txBody>
-          <a:bodyPr wrap="square" rtlCol="0">
-            <a:spAutoFit/>
-          </a:bodyPr>
-          <a:lstStyle/>
-          <a:p>
-            <a:r>
-              <a:rPr lang="en-US" dirty="0"/>
-              <a:t>Reset Password</a:t>
-            </a:r>
-          </a:p>
-          <a:p>
-            <a:r>
-              <a:rPr lang="en-US" dirty="0"/>
-              <a:t>(Hospital Name)</a:t>
-            </a:r>
-          </a:p>
-        </p:txBody>
-      </p:sp>
-      <p:sp>
-        <p:nvSpPr>
-          <p:cNvPr id="16" name="TextBox 15">
-            <a:extLst>
-              <a:ext uri="{FF2B5EF4-FFF2-40B4-BE49-F238E27FC236}">
-                <a16:creationId xmlns:a16="http://schemas.microsoft.com/office/drawing/2014/main" id="{9D3D5B5A-A641-CB44-A02E-E1634756113D}"/>
-              </a:ext>
-            </a:extLst>
-          </p:cNvPr>
-          <p:cNvSpPr txBox="1"/>
-          <p:nvPr/>
-        </p:nvSpPr>
-        <p:spPr>
-          <a:xfrm>
-            <a:off x="10389765" y="5462434"/>
-            <a:ext cx="1266738" cy="369332"/>
-          </a:xfrm>
-          <a:prstGeom prst="rect">
-            <a:avLst/>
-          </a:prstGeom>
-          <a:noFill/>
-        </p:spPr>
-        <p:txBody>
-          <a:bodyPr wrap="square" rtlCol="0">
-            <a:spAutoFit/>
-          </a:bodyPr>
-          <a:lstStyle/>
-          <a:p>
-            <a:r>
-              <a:rPr lang="en-US" dirty="0"/>
-              <a:t>Copyright</a:t>
-            </a:r>
-          </a:p>
-        </p:txBody>
-      </p:sp>
-      <p:sp>
-        <p:nvSpPr>
-          <p:cNvPr id="17" name="TextBox 16">
-            <a:extLst>
-              <a:ext uri="{FF2B5EF4-FFF2-40B4-BE49-F238E27FC236}">
-                <a16:creationId xmlns:a16="http://schemas.microsoft.com/office/drawing/2014/main" id="{9F1C97D4-7A20-8041-B716-528967B1043D}"/>
-              </a:ext>
-            </a:extLst>
-          </p:cNvPr>
-          <p:cNvSpPr txBox="1"/>
-          <p:nvPr/>
-        </p:nvSpPr>
-        <p:spPr>
-          <a:xfrm>
-            <a:off x="2306972" y="2505670"/>
-            <a:ext cx="2169954" cy="369332"/>
-          </a:xfrm>
-          <a:prstGeom prst="rect">
-            <a:avLst/>
-          </a:prstGeom>
-          <a:noFill/>
-        </p:spPr>
-        <p:txBody>
-          <a:bodyPr wrap="square" rtlCol="0">
-            <a:spAutoFit/>
-          </a:bodyPr>
-          <a:lstStyle/>
-          <a:p>
-            <a:r>
-              <a:rPr lang="en-US" dirty="0"/>
-              <a:t>Reset Password:</a:t>
-            </a:r>
-          </a:p>
-        </p:txBody>
-      </p:sp>
-      <p:sp>
-        <p:nvSpPr>
-          <p:cNvPr id="18" name="TextBox 17">
-            <a:extLst>
-              <a:ext uri="{FF2B5EF4-FFF2-40B4-BE49-F238E27FC236}">
-                <a16:creationId xmlns:a16="http://schemas.microsoft.com/office/drawing/2014/main" id="{92024BBC-5F0B-7243-B3D8-D68B6C1E9D98}"/>
-              </a:ext>
-            </a:extLst>
-          </p:cNvPr>
-          <p:cNvSpPr txBox="1"/>
-          <p:nvPr/>
-        </p:nvSpPr>
-        <p:spPr>
-          <a:xfrm>
-            <a:off x="4476926" y="3545401"/>
-            <a:ext cx="2169954" cy="369332"/>
-          </a:xfrm>
-          <a:prstGeom prst="rect">
-            <a:avLst/>
-          </a:prstGeom>
-          <a:noFill/>
-        </p:spPr>
-        <p:txBody>
-          <a:bodyPr wrap="square" rtlCol="0">
-            <a:spAutoFit/>
-          </a:bodyPr>
-          <a:lstStyle/>
-          <a:p>
-            <a:r>
-              <a:rPr lang="en-US" dirty="0"/>
-              <a:t>Confirm (button)</a:t>
-            </a:r>
-          </a:p>
-        </p:txBody>
-      </p:sp>
-      <p:sp>
-        <p:nvSpPr>
-          <p:cNvPr id="19" name="TextBox 18">
-            <a:extLst>
-              <a:ext uri="{FF2B5EF4-FFF2-40B4-BE49-F238E27FC236}">
-                <a16:creationId xmlns:a16="http://schemas.microsoft.com/office/drawing/2014/main" id="{53E07BA4-E848-F846-BAA2-36F7EE2FB257}"/>
-              </a:ext>
-            </a:extLst>
-          </p:cNvPr>
-          <p:cNvSpPr txBox="1"/>
-          <p:nvPr/>
-        </p:nvSpPr>
-        <p:spPr>
-          <a:xfrm>
-            <a:off x="4476926" y="2963175"/>
-            <a:ext cx="2169954" cy="369332"/>
-          </a:xfrm>
-          <a:prstGeom prst="rect">
-            <a:avLst/>
-          </a:prstGeom>
-          <a:noFill/>
-        </p:spPr>
-        <p:txBody>
-          <a:bodyPr wrap="square" rtlCol="0">
-            <a:spAutoFit/>
-          </a:bodyPr>
-          <a:lstStyle/>
-          <a:p>
-            <a:r>
-              <a:rPr lang="en-US" dirty="0"/>
-              <a:t>Confirm password</a:t>
-            </a:r>
-          </a:p>
-        </p:txBody>
-      </p:sp>
-      <p:sp>
-        <p:nvSpPr>
-          <p:cNvPr id="20" name="Rounded Rectangle 19">
-            <a:extLst>
-              <a:ext uri="{FF2B5EF4-FFF2-40B4-BE49-F238E27FC236}">
-                <a16:creationId xmlns:a16="http://schemas.microsoft.com/office/drawing/2014/main" id="{0F3BB925-828F-E14C-B67E-45575F26CDA0}"/>
-              </a:ext>
-            </a:extLst>
-          </p:cNvPr>
-          <p:cNvSpPr/>
-          <p:nvPr/>
-        </p:nvSpPr>
-        <p:spPr>
-          <a:xfrm>
-            <a:off x="1946246" y="360728"/>
-            <a:ext cx="1624268" cy="564558"/>
+            <a:off x="2125011" y="428839"/>
+            <a:ext cx="1978903" cy="573836"/>
           </a:xfrm>
           <a:prstGeom prst="roundRect">
             <a:avLst/>
@@ -11626,7 +10376,171 @@
             <a:pPr algn="ctr"/>
             <a:r>
               <a:rPr lang="en-US" dirty="0"/>
-              <a:t>Page incomplete</a:t>
+              <a:t>Update Patient </a:t>
+            </a:r>
+            <a:r>
+              <a:rPr lang="en-US" dirty="0" err="1"/>
+              <a:t>AccessServlet.java</a:t>
+            </a:r>
+            <a:endParaRPr lang="en-US" dirty="0"/>
+          </a:p>
+        </p:txBody>
+      </p:sp>
+      <p:pic>
+        <p:nvPicPr>
+          <p:cNvPr id="22" name="Graphic 21" descr="Warning with solid fill">
+            <a:extLst>
+              <a:ext uri="{FF2B5EF4-FFF2-40B4-BE49-F238E27FC236}">
+                <a16:creationId xmlns:a16="http://schemas.microsoft.com/office/drawing/2014/main" id="{E673CE4A-C487-DF46-8AA7-D14AED28887B}"/>
+              </a:ext>
+            </a:extLst>
+          </p:cNvPr>
+          <p:cNvPicPr>
+            <a:picLocks noChangeAspect="1"/>
+          </p:cNvPicPr>
+          <p:nvPr/>
+        </p:nvPicPr>
+        <p:blipFill>
+          <a:blip r:embed="rId2">
+            <a:extLst>
+              <a:ext uri="{96DAC541-7B7A-43D3-8B79-37D633B846F1}">
+                <asvg:svgBlip xmlns:asvg="http://schemas.microsoft.com/office/drawing/2016/SVG/main" r:embed="rId3"/>
+              </a:ext>
+            </a:extLst>
+          </a:blip>
+          <a:stretch>
+            <a:fillRect/>
+          </a:stretch>
+        </p:blipFill>
+        <p:spPr>
+          <a:xfrm>
+            <a:off x="11150367" y="2850449"/>
+            <a:ext cx="914400" cy="914400"/>
+          </a:xfrm>
+          <a:prstGeom prst="rect">
+            <a:avLst/>
+          </a:prstGeom>
+        </p:spPr>
+      </p:pic>
+      <p:sp>
+        <p:nvSpPr>
+          <p:cNvPr id="30" name="TextBox 29">
+            <a:extLst>
+              <a:ext uri="{FF2B5EF4-FFF2-40B4-BE49-F238E27FC236}">
+                <a16:creationId xmlns:a16="http://schemas.microsoft.com/office/drawing/2014/main" id="{35443C91-0262-2743-B258-30046A466EAF}"/>
+              </a:ext>
+            </a:extLst>
+          </p:cNvPr>
+          <p:cNvSpPr txBox="1"/>
+          <p:nvPr/>
+        </p:nvSpPr>
+        <p:spPr>
+          <a:xfrm>
+            <a:off x="10552252" y="239069"/>
+            <a:ext cx="1073791" cy="523220"/>
+          </a:xfrm>
+          <a:prstGeom prst="rect">
+            <a:avLst/>
+          </a:prstGeom>
+          <a:noFill/>
+        </p:spPr>
+        <p:txBody>
+          <a:bodyPr wrap="square" rtlCol="0">
+            <a:spAutoFit/>
+          </a:bodyPr>
+          <a:lstStyle/>
+          <a:p>
+            <a:r>
+              <a:rPr lang="en-US" sz="1400" dirty="0"/>
+              <a:t>Sign out</a:t>
+            </a:r>
+          </a:p>
+          <a:p>
+            <a:r>
+              <a:rPr lang="en-US" sz="1400" dirty="0">
+                <a:solidFill>
+                  <a:schemeClr val="accent5"/>
+                </a:solidFill>
+              </a:rPr>
+              <a:t>(</a:t>
+            </a:r>
+            <a:r>
+              <a:rPr lang="en-US" sz="1400" dirty="0" err="1">
+                <a:solidFill>
+                  <a:schemeClr val="accent5"/>
+                </a:solidFill>
+              </a:rPr>
+              <a:t>url.signout</a:t>
+            </a:r>
+            <a:r>
+              <a:rPr lang="en-US" sz="1400" dirty="0">
+                <a:solidFill>
+                  <a:schemeClr val="accent5"/>
+                </a:solidFill>
+              </a:rPr>
+              <a:t>)</a:t>
+            </a:r>
+            <a:endParaRPr lang="en-US" sz="1400" dirty="0"/>
+          </a:p>
+        </p:txBody>
+      </p:sp>
+      <p:sp>
+        <p:nvSpPr>
+          <p:cNvPr id="31" name="TextBox 30">
+            <a:extLst>
+              <a:ext uri="{FF2B5EF4-FFF2-40B4-BE49-F238E27FC236}">
+                <a16:creationId xmlns:a16="http://schemas.microsoft.com/office/drawing/2014/main" id="{2E3A95EB-1B0B-724E-B980-AD621E594C18}"/>
+              </a:ext>
+            </a:extLst>
+          </p:cNvPr>
+          <p:cNvSpPr txBox="1"/>
+          <p:nvPr/>
+        </p:nvSpPr>
+        <p:spPr>
+          <a:xfrm>
+            <a:off x="5002268" y="1895020"/>
+            <a:ext cx="2688205" cy="646331"/>
+          </a:xfrm>
+          <a:prstGeom prst="rect">
+            <a:avLst/>
+          </a:prstGeom>
+          <a:noFill/>
+        </p:spPr>
+        <p:txBody>
+          <a:bodyPr wrap="square" rtlCol="0">
+            <a:spAutoFit/>
+          </a:bodyPr>
+          <a:lstStyle/>
+          <a:p>
+            <a:r>
+              <a:rPr lang="en-US" dirty="0"/>
+              <a:t>Booking Confirmation</a:t>
+            </a:r>
+          </a:p>
+          <a:p>
+            <a:r>
+              <a:rPr lang="en-US" dirty="0">
+                <a:solidFill>
+                  <a:schemeClr val="accent5"/>
+                </a:solidFill>
+              </a:rPr>
+              <a:t>(</a:t>
+            </a:r>
+            <a:r>
+              <a:rPr lang="en-US" dirty="0" err="1">
+                <a:solidFill>
+                  <a:schemeClr val="accent5"/>
+                </a:solidFill>
+              </a:rPr>
+              <a:t>patientAccess.jsp</a:t>
+            </a:r>
+            <a:r>
+              <a:rPr lang="en-US" dirty="0">
+                <a:solidFill>
+                  <a:schemeClr val="accent5"/>
+                </a:solidFill>
+              </a:rPr>
+              <a:t>)</a:t>
             </a:r>
           </a:p>
         </p:txBody>
@@ -11634,7 +10548,7 @@
     </p:spTree>
     <p:extLst>
       <p:ext uri="{BB962C8B-B14F-4D97-AF65-F5344CB8AC3E}">
-        <p14:creationId xmlns:p14="http://schemas.microsoft.com/office/powerpoint/2010/main" val="459799909"/>
+        <p14:creationId xmlns:p14="http://schemas.microsoft.com/office/powerpoint/2010/main" val="3530130337"/>
       </p:ext>
     </p:extLst>
   </p:cSld>
@@ -11723,7 +10637,7 @@
         </p:nvSpPr>
         <p:spPr>
           <a:xfrm>
-            <a:off x="64715" y="258935"/>
+            <a:off x="303402" y="207218"/>
             <a:ext cx="11585196" cy="1291904"/>
           </a:xfrm>
           <a:prstGeom prst="rect">
@@ -11760,7 +10674,7 @@
         </p:nvSpPr>
         <p:spPr>
           <a:xfrm>
-            <a:off x="479571" y="5389927"/>
+            <a:off x="254167" y="5318891"/>
             <a:ext cx="11585196" cy="1291904"/>
           </a:xfrm>
           <a:prstGeom prst="rect">
@@ -11797,7 +10711,7 @@
         </p:nvSpPr>
         <p:spPr>
           <a:xfrm>
-            <a:off x="9968767" y="1137632"/>
+            <a:off x="10086014" y="1097523"/>
             <a:ext cx="2860646" cy="338554"/>
           </a:xfrm>
           <a:prstGeom prst="rect">
@@ -11813,7 +10727,7 @@
           <a:p>
             <a:r>
               <a:rPr lang="en-US" sz="1600" dirty="0"/>
-              <a:t>Hi, (patient name)</a:t>
+              <a:t>Hi, (Doctor name)</a:t>
             </a:r>
           </a:p>
         </p:txBody>
@@ -11855,10 +10769,10 @@
       </p:sp>
       <p:sp>
         <p:nvSpPr>
-          <p:cNvPr id="13" name="TextBox 12">
-            <a:extLst>
-              <a:ext uri="{FF2B5EF4-FFF2-40B4-BE49-F238E27FC236}">
-                <a16:creationId xmlns:a16="http://schemas.microsoft.com/office/drawing/2014/main" id="{6D3B998B-4F2D-1944-A306-E02E48B4D9C8}"/>
+          <p:cNvPr id="14" name="TextBox 13">
+            <a:extLst>
+              <a:ext uri="{FF2B5EF4-FFF2-40B4-BE49-F238E27FC236}">
+                <a16:creationId xmlns:a16="http://schemas.microsoft.com/office/drawing/2014/main" id="{7234AEA2-AEC3-0844-BDC9-78282380EB27}"/>
               </a:ext>
             </a:extLst>
           </p:cNvPr>
@@ -11867,8 +10781,8 @@
         </p:nvSpPr>
         <p:spPr>
           <a:xfrm>
-            <a:off x="587228" y="834694"/>
-            <a:ext cx="1736522" cy="646331"/>
+            <a:off x="1149292" y="5403711"/>
+            <a:ext cx="1266738" cy="646331"/>
           </a:xfrm>
           <a:prstGeom prst="rect">
             <a:avLst/>
@@ -11883,41 +10797,17 @@
           <a:p>
             <a:r>
               <a:rPr lang="en-US" dirty="0"/>
-              <a:t>Home </a:t>
-            </a:r>
-            <a:r>
-              <a:rPr lang="en-US" dirty="0">
-                <a:solidFill>
-                  <a:schemeClr val="accent5"/>
-                </a:solidFill>
-              </a:rPr>
-              <a:t>(</a:t>
-            </a:r>
-            <a:r>
-              <a:rPr lang="en-US" dirty="0" err="1">
-                <a:solidFill>
-                  <a:schemeClr val="accent5"/>
-                </a:solidFill>
-              </a:rPr>
-              <a:t>index.jsp</a:t>
-            </a:r>
-            <a:r>
-              <a:rPr lang="en-US" dirty="0">
-                <a:solidFill>
-                  <a:schemeClr val="accent5"/>
-                </a:solidFill>
-              </a:rPr>
-              <a:t>)</a:t>
-            </a:r>
-          </a:p>
-        </p:txBody>
-      </p:sp>
-      <p:sp>
-        <p:nvSpPr>
-          <p:cNvPr id="14" name="TextBox 13">
-            <a:extLst>
-              <a:ext uri="{FF2B5EF4-FFF2-40B4-BE49-F238E27FC236}">
-                <a16:creationId xmlns:a16="http://schemas.microsoft.com/office/drawing/2014/main" id="{7234AEA2-AEC3-0844-BDC9-78282380EB27}"/>
+              <a:t>Contact Details</a:t>
+            </a:r>
+          </a:p>
+        </p:txBody>
+      </p:sp>
+      <p:sp>
+        <p:nvSpPr>
+          <p:cNvPr id="15" name="TextBox 14">
+            <a:extLst>
+              <a:ext uri="{FF2B5EF4-FFF2-40B4-BE49-F238E27FC236}">
+                <a16:creationId xmlns:a16="http://schemas.microsoft.com/office/drawing/2014/main" id="{BBB57AFB-704D-B24F-8BE1-DE3DB4972EF5}"/>
               </a:ext>
             </a:extLst>
           </p:cNvPr>
@@ -11926,8 +10816,8 @@
         </p:nvSpPr>
         <p:spPr>
           <a:xfrm>
-            <a:off x="1149292" y="5403711"/>
-            <a:ext cx="1266738" cy="646331"/>
+            <a:off x="4769140" y="356344"/>
+            <a:ext cx="2189527" cy="646331"/>
           </a:xfrm>
           <a:prstGeom prst="rect">
             <a:avLst/>
@@ -11942,17 +10832,39 @@
           <a:p>
             <a:r>
               <a:rPr lang="en-US" dirty="0"/>
-              <a:t>Contact Details</a:t>
-            </a:r>
-          </a:p>
-        </p:txBody>
-      </p:sp>
-      <p:sp>
-        <p:nvSpPr>
-          <p:cNvPr id="15" name="TextBox 14">
-            <a:extLst>
-              <a:ext uri="{FF2B5EF4-FFF2-40B4-BE49-F238E27FC236}">
-                <a16:creationId xmlns:a16="http://schemas.microsoft.com/office/drawing/2014/main" id="{BBB57AFB-704D-B24F-8BE1-DE3DB4972EF5}"/>
+              <a:t>Doctor Access</a:t>
+            </a:r>
+          </a:p>
+          <a:p>
+            <a:r>
+              <a:rPr lang="en-US" dirty="0"/>
+              <a:t>(</a:t>
+            </a:r>
+            <a:r>
+              <a:rPr lang="en-US" dirty="0" err="1">
+                <a:solidFill>
+                  <a:schemeClr val="accent5"/>
+                </a:solidFill>
+              </a:rPr>
+              <a:t>doctorAccess.jsp</a:t>
+            </a:r>
+            <a:r>
+              <a:rPr lang="en-US" dirty="0">
+                <a:solidFill>
+                  <a:schemeClr val="accent5"/>
+                </a:solidFill>
+              </a:rPr>
+              <a:t>)</a:t>
+            </a:r>
+          </a:p>
+        </p:txBody>
+      </p:sp>
+      <p:sp>
+        <p:nvSpPr>
+          <p:cNvPr id="17" name="TextBox 16">
+            <a:extLst>
+              <a:ext uri="{FF2B5EF4-FFF2-40B4-BE49-F238E27FC236}">
+                <a16:creationId xmlns:a16="http://schemas.microsoft.com/office/drawing/2014/main" id="{050A665A-C98A-B44A-8A44-D61414C70B12}"/>
               </a:ext>
             </a:extLst>
           </p:cNvPr>
@@ -11961,8 +10873,8 @@
         </p:nvSpPr>
         <p:spPr>
           <a:xfrm>
-            <a:off x="5612833" y="1857038"/>
-            <a:ext cx="2189527" cy="646331"/>
+            <a:off x="10389765" y="5462434"/>
+            <a:ext cx="1266738" cy="369332"/>
           </a:xfrm>
           <a:prstGeom prst="rect">
             <a:avLst/>
@@ -11977,43 +10889,17 @@
           <a:p>
             <a:r>
               <a:rPr lang="en-US" dirty="0"/>
-              <a:t>Patient Access</a:t>
-            </a:r>
-          </a:p>
-          <a:p>
-            <a:r>
-              <a:rPr lang="en-US" dirty="0">
-                <a:solidFill>
-                  <a:schemeClr val="accent5"/>
-                </a:solidFill>
-              </a:rPr>
-              <a:t>(</a:t>
-            </a:r>
-            <a:r>
-              <a:rPr lang="en-US" dirty="0" err="1">
-                <a:solidFill>
-                  <a:schemeClr val="accent5"/>
-                </a:solidFill>
-              </a:rPr>
-              <a:t>patientAccess.jsp</a:t>
-            </a:r>
-            <a:r>
-              <a:rPr lang="en-US" dirty="0">
-                <a:solidFill>
-                  <a:schemeClr val="accent5"/>
-                </a:solidFill>
-              </a:rPr>
-              <a:t>)</a:t>
-            </a:r>
-          </a:p>
-        </p:txBody>
-      </p:sp>
-      <p:sp>
-        <p:nvSpPr>
-          <p:cNvPr id="16" name="TextBox 15">
-            <a:extLst>
-              <a:ext uri="{FF2B5EF4-FFF2-40B4-BE49-F238E27FC236}">
-                <a16:creationId xmlns:a16="http://schemas.microsoft.com/office/drawing/2014/main" id="{4CE9F10F-C850-0B40-ADEF-4FB1BB68B7A2}"/>
+              <a:t>Copyright</a:t>
+            </a:r>
+          </a:p>
+        </p:txBody>
+      </p:sp>
+      <p:sp>
+        <p:nvSpPr>
+          <p:cNvPr id="20" name="TextBox 19">
+            <a:extLst>
+              <a:ext uri="{FF2B5EF4-FFF2-40B4-BE49-F238E27FC236}">
+                <a16:creationId xmlns:a16="http://schemas.microsoft.com/office/drawing/2014/main" id="{CC7689EE-3C59-2445-89B7-7E7BC7106C27}"/>
               </a:ext>
             </a:extLst>
           </p:cNvPr>
@@ -12022,8 +10908,8 @@
         </p:nvSpPr>
         <p:spPr>
           <a:xfrm>
-            <a:off x="3381812" y="1053263"/>
-            <a:ext cx="2964559" cy="369332"/>
+            <a:off x="5036886" y="1770686"/>
+            <a:ext cx="2764173" cy="646331"/>
           </a:xfrm>
           <a:prstGeom prst="rect">
             <a:avLst/>
@@ -12037,11 +10923,13 @@
           <a:lstStyle/>
           <a:p>
             <a:r>
-              <a:rPr lang="en-US" dirty="0"/>
-              <a:t>Booking </a:t>
-            </a:r>
-            <a:r>
-              <a:rPr lang="en-US" dirty="0">
+              <a:rPr lang="en-US" sz="1200" dirty="0"/>
+              <a:t>Consultation</a:t>
+            </a:r>
+          </a:p>
+          <a:p>
+            <a:r>
+              <a:rPr lang="en-US" sz="1200" dirty="0">
                 <a:solidFill>
                   <a:schemeClr val="accent5"/>
                 </a:solidFill>
@@ -12049,30 +10937,34 @@
               <a:t>(</a:t>
             </a:r>
             <a:r>
-              <a:rPr lang="en-US" dirty="0" err="1">
+              <a:rPr lang="en-US" sz="1200" dirty="0" err="1">
                 <a:solidFill>
                   <a:schemeClr val="accent5"/>
                 </a:solidFill>
               </a:rPr>
-              <a:t>bookings.jsp</a:t>
-            </a:r>
-            <a:r>
-              <a:rPr lang="en-US" dirty="0">
+              <a:t>doctorAccess.jsp</a:t>
+            </a:r>
+            <a:r>
+              <a:rPr lang="en-US" sz="1200" dirty="0">
                 <a:solidFill>
                   <a:schemeClr val="accent5"/>
                 </a:solidFill>
               </a:rPr>
               <a:t>)</a:t>
             </a:r>
-          </a:p>
-        </p:txBody>
-      </p:sp>
-      <p:sp>
-        <p:nvSpPr>
-          <p:cNvPr id="17" name="TextBox 16">
-            <a:extLst>
-              <a:ext uri="{FF2B5EF4-FFF2-40B4-BE49-F238E27FC236}">
-                <a16:creationId xmlns:a16="http://schemas.microsoft.com/office/drawing/2014/main" id="{050A665A-C98A-B44A-8A44-D61414C70B12}"/>
+            <a:endParaRPr lang="en-US" sz="1200" dirty="0"/>
+          </a:p>
+          <a:p>
+            <a:endParaRPr lang="en-US" sz="1200" dirty="0"/>
+          </a:p>
+        </p:txBody>
+      </p:sp>
+      <p:sp>
+        <p:nvSpPr>
+          <p:cNvPr id="25" name="TextBox 24">
+            <a:extLst>
+              <a:ext uri="{FF2B5EF4-FFF2-40B4-BE49-F238E27FC236}">
+                <a16:creationId xmlns:a16="http://schemas.microsoft.com/office/drawing/2014/main" id="{1BFA3CFC-E9F0-1D4D-B22F-9E62711B9D7A}"/>
               </a:ext>
             </a:extLst>
           </p:cNvPr>
@@ -12081,8 +10973,8 @@
         </p:nvSpPr>
         <p:spPr>
           <a:xfrm>
-            <a:off x="10389765" y="5462434"/>
-            <a:ext cx="1266738" cy="369332"/>
+            <a:off x="5005955" y="2450888"/>
+            <a:ext cx="2271319" cy="461665"/>
           </a:xfrm>
           <a:prstGeom prst="rect">
             <a:avLst/>
@@ -12096,18 +10988,26 @@
           <a:lstStyle/>
           <a:p>
             <a:r>
-              <a:rPr lang="en-US" dirty="0"/>
-              <a:t>Copyright</a:t>
-            </a:r>
-          </a:p>
-        </p:txBody>
-      </p:sp>
-      <p:sp>
-        <p:nvSpPr>
-          <p:cNvPr id="20" name="TextBox 19">
-            <a:extLst>
-              <a:ext uri="{FF2B5EF4-FFF2-40B4-BE49-F238E27FC236}">
-                <a16:creationId xmlns:a16="http://schemas.microsoft.com/office/drawing/2014/main" id="{CC7689EE-3C59-2445-89B7-7E7BC7106C27}"/>
+              <a:rPr lang="en-US" sz="1200" dirty="0">
+                <a:solidFill>
+                  <a:schemeClr val="accent6"/>
+                </a:solidFill>
+              </a:rPr>
+              <a:t>Select Patient  </a:t>
+            </a:r>
+            <a:r>
+              <a:rPr lang="en-US" sz="1200" dirty="0"/>
+              <a:t>(dropdown displays patient record in table)</a:t>
+            </a:r>
+          </a:p>
+        </p:txBody>
+      </p:sp>
+      <p:sp>
+        <p:nvSpPr>
+          <p:cNvPr id="21" name="TextBox 20">
+            <a:extLst>
+              <a:ext uri="{FF2B5EF4-FFF2-40B4-BE49-F238E27FC236}">
+                <a16:creationId xmlns:a16="http://schemas.microsoft.com/office/drawing/2014/main" id="{E7A802C5-ED52-3745-8A57-7A1ED52EC361}"/>
               </a:ext>
             </a:extLst>
           </p:cNvPr>
@@ -12116,8 +11016,8 @@
         </p:nvSpPr>
         <p:spPr>
           <a:xfrm>
-            <a:off x="5535884" y="3234270"/>
-            <a:ext cx="1572237" cy="369332"/>
+            <a:off x="9756396" y="2521194"/>
+            <a:ext cx="2764173" cy="923330"/>
           </a:xfrm>
           <a:prstGeom prst="rect">
             <a:avLst/>
@@ -12131,18 +11031,22 @@
           <a:lstStyle/>
           <a:p>
             <a:r>
-              <a:rPr lang="en-US" dirty="0"/>
-              <a:t>Booking Date</a:t>
-            </a:r>
-          </a:p>
-        </p:txBody>
-      </p:sp>
-      <p:sp>
-        <p:nvSpPr>
-          <p:cNvPr id="21" name="TextBox 20">
-            <a:extLst>
-              <a:ext uri="{FF2B5EF4-FFF2-40B4-BE49-F238E27FC236}">
-                <a16:creationId xmlns:a16="http://schemas.microsoft.com/office/drawing/2014/main" id="{7B7232E0-FEEC-D142-B64A-BEAAED46A0D3}"/>
+              <a:rPr lang="en-US" dirty="0">
+                <a:solidFill>
+                  <a:srgbClr val="00B0F0"/>
+                </a:solidFill>
+              </a:rPr>
+              <a:t>Historical Patient Record (list in descending order (date))</a:t>
+            </a:r>
+          </a:p>
+        </p:txBody>
+      </p:sp>
+      <p:sp>
+        <p:nvSpPr>
+          <p:cNvPr id="38" name="TextBox 37">
+            <a:extLst>
+              <a:ext uri="{FF2B5EF4-FFF2-40B4-BE49-F238E27FC236}">
+                <a16:creationId xmlns:a16="http://schemas.microsoft.com/office/drawing/2014/main" id="{6F85AAAA-F39E-0C42-A2FA-A5DC7AE22FEA}"/>
               </a:ext>
             </a:extLst>
           </p:cNvPr>
@@ -12151,8 +11055,8 @@
         </p:nvSpPr>
         <p:spPr>
           <a:xfrm>
-            <a:off x="7866707" y="3213680"/>
-            <a:ext cx="1572237" cy="369332"/>
+            <a:off x="587228" y="834694"/>
+            <a:ext cx="1736522" cy="646331"/>
           </a:xfrm>
           <a:prstGeom prst="rect">
             <a:avLst/>
@@ -12167,17 +11071,41 @@
           <a:p>
             <a:r>
               <a:rPr lang="en-US" dirty="0"/>
-              <a:t>Select doctor</a:t>
-            </a:r>
-          </a:p>
-        </p:txBody>
-      </p:sp>
-      <p:sp>
-        <p:nvSpPr>
-          <p:cNvPr id="22" name="TextBox 21">
-            <a:extLst>
-              <a:ext uri="{FF2B5EF4-FFF2-40B4-BE49-F238E27FC236}">
-                <a16:creationId xmlns:a16="http://schemas.microsoft.com/office/drawing/2014/main" id="{D910F3D3-03EA-A746-8500-CA622E5CAC69}"/>
+              <a:t>Home </a:t>
+            </a:r>
+            <a:r>
+              <a:rPr lang="en-US" dirty="0">
+                <a:solidFill>
+                  <a:schemeClr val="accent5"/>
+                </a:solidFill>
+              </a:rPr>
+              <a:t>(</a:t>
+            </a:r>
+            <a:r>
+              <a:rPr lang="en-US" dirty="0" err="1">
+                <a:solidFill>
+                  <a:schemeClr val="accent5"/>
+                </a:solidFill>
+              </a:rPr>
+              <a:t>index.jsp</a:t>
+            </a:r>
+            <a:r>
+              <a:rPr lang="en-US" dirty="0">
+                <a:solidFill>
+                  <a:schemeClr val="accent5"/>
+                </a:solidFill>
+              </a:rPr>
+              <a:t>)</a:t>
+            </a:r>
+          </a:p>
+        </p:txBody>
+      </p:sp>
+      <p:sp>
+        <p:nvSpPr>
+          <p:cNvPr id="39" name="TextBox 38">
+            <a:extLst>
+              <a:ext uri="{FF2B5EF4-FFF2-40B4-BE49-F238E27FC236}">
+                <a16:creationId xmlns:a16="http://schemas.microsoft.com/office/drawing/2014/main" id="{45A89CDF-A7EF-CE4B-B036-ACBEFDB2DDED}"/>
               </a:ext>
             </a:extLst>
           </p:cNvPr>
@@ -12186,8 +11114,8 @@
         </p:nvSpPr>
         <p:spPr>
           <a:xfrm>
-            <a:off x="3052182" y="3207638"/>
-            <a:ext cx="1572237" cy="369332"/>
+            <a:off x="3381812" y="1053263"/>
+            <a:ext cx="2964559" cy="369332"/>
           </a:xfrm>
           <a:prstGeom prst="rect">
             <a:avLst/>
@@ -12202,17 +11130,41 @@
           <a:p>
             <a:r>
               <a:rPr lang="en-US" dirty="0"/>
-              <a:t>Problem</a:t>
-            </a:r>
-          </a:p>
-        </p:txBody>
-      </p:sp>
-      <p:sp>
-        <p:nvSpPr>
-          <p:cNvPr id="23" name="TextBox 22">
-            <a:extLst>
-              <a:ext uri="{FF2B5EF4-FFF2-40B4-BE49-F238E27FC236}">
-                <a16:creationId xmlns:a16="http://schemas.microsoft.com/office/drawing/2014/main" id="{A6C432AD-33FD-344C-A624-A462B6AC87FB}"/>
+              <a:t>Booking </a:t>
+            </a:r>
+            <a:r>
+              <a:rPr lang="en-US" dirty="0">
+                <a:solidFill>
+                  <a:schemeClr val="accent5"/>
+                </a:solidFill>
+              </a:rPr>
+              <a:t>(</a:t>
+            </a:r>
+            <a:r>
+              <a:rPr lang="en-US" dirty="0" err="1">
+                <a:solidFill>
+                  <a:schemeClr val="accent5"/>
+                </a:solidFill>
+              </a:rPr>
+              <a:t>bookings.jsp</a:t>
+            </a:r>
+            <a:r>
+              <a:rPr lang="en-US" dirty="0">
+                <a:solidFill>
+                  <a:schemeClr val="accent5"/>
+                </a:solidFill>
+              </a:rPr>
+              <a:t>)</a:t>
+            </a:r>
+          </a:p>
+        </p:txBody>
+      </p:sp>
+      <p:sp>
+        <p:nvSpPr>
+          <p:cNvPr id="40" name="TextBox 39">
+            <a:extLst>
+              <a:ext uri="{FF2B5EF4-FFF2-40B4-BE49-F238E27FC236}">
+                <a16:creationId xmlns:a16="http://schemas.microsoft.com/office/drawing/2014/main" id="{BD16A298-3BEA-9B45-B29E-481CEAE303D9}"/>
               </a:ext>
             </a:extLst>
           </p:cNvPr>
@@ -12221,8 +11173,8 @@
         </p:nvSpPr>
         <p:spPr>
           <a:xfrm>
-            <a:off x="4588930" y="4334503"/>
-            <a:ext cx="2047806" cy="369332"/>
+            <a:off x="7108121" y="845256"/>
+            <a:ext cx="2860646" cy="646331"/>
           </a:xfrm>
           <a:prstGeom prst="rect">
             <a:avLst/>
@@ -12237,17 +11189,41 @@
           <a:p>
             <a:r>
               <a:rPr lang="en-US" dirty="0"/>
-              <a:t>Book</a:t>
-            </a:r>
-          </a:p>
-        </p:txBody>
-      </p:sp>
-      <p:sp>
-        <p:nvSpPr>
-          <p:cNvPr id="24" name="TextBox 23">
-            <a:extLst>
-              <a:ext uri="{FF2B5EF4-FFF2-40B4-BE49-F238E27FC236}">
-                <a16:creationId xmlns:a16="http://schemas.microsoft.com/office/drawing/2014/main" id="{0225D049-2947-0045-BEF4-4ACD313D6965}"/>
+              <a:t>Treatment </a:t>
+            </a:r>
+            <a:r>
+              <a:rPr lang="en-US" dirty="0">
+                <a:solidFill>
+                  <a:schemeClr val="accent5"/>
+                </a:solidFill>
+              </a:rPr>
+              <a:t>(</a:t>
+            </a:r>
+            <a:r>
+              <a:rPr lang="en-US" dirty="0" err="1">
+                <a:solidFill>
+                  <a:schemeClr val="accent5"/>
+                </a:solidFill>
+              </a:rPr>
+              <a:t>displayRecord.jsp</a:t>
+            </a:r>
+            <a:r>
+              <a:rPr lang="en-US" dirty="0">
+                <a:solidFill>
+                  <a:schemeClr val="accent5"/>
+                </a:solidFill>
+              </a:rPr>
+              <a:t>)</a:t>
+            </a:r>
+          </a:p>
+        </p:txBody>
+      </p:sp>
+      <p:sp>
+        <p:nvSpPr>
+          <p:cNvPr id="42" name="TextBox 41">
+            <a:extLst>
+              <a:ext uri="{FF2B5EF4-FFF2-40B4-BE49-F238E27FC236}">
+                <a16:creationId xmlns:a16="http://schemas.microsoft.com/office/drawing/2014/main" id="{CD767DAD-AE8D-2C40-AB4E-7F0F706C80F7}"/>
               </a:ext>
             </a:extLst>
           </p:cNvPr>
@@ -12256,8 +11232,8 @@
         </p:nvSpPr>
         <p:spPr>
           <a:xfrm>
-            <a:off x="6707596" y="4354632"/>
-            <a:ext cx="1010175" cy="369332"/>
+            <a:off x="6006516" y="4613811"/>
+            <a:ext cx="1904301" cy="338554"/>
           </a:xfrm>
           <a:prstGeom prst="rect">
             <a:avLst/>
@@ -12271,18 +11247,18 @@
           <a:lstStyle/>
           <a:p>
             <a:r>
-              <a:rPr lang="en-US" dirty="0"/>
-              <a:t>Clear</a:t>
-            </a:r>
-          </a:p>
-        </p:txBody>
-      </p:sp>
-      <p:sp>
-        <p:nvSpPr>
-          <p:cNvPr id="27" name="TextBox 26">
-            <a:extLst>
-              <a:ext uri="{FF2B5EF4-FFF2-40B4-BE49-F238E27FC236}">
-                <a16:creationId xmlns:a16="http://schemas.microsoft.com/office/drawing/2014/main" id="{48627E93-0795-4049-92FC-32AB5BAA21E6}"/>
+              <a:rPr lang="en-US" sz="1600" dirty="0"/>
+              <a:t>Save</a:t>
+            </a:r>
+          </a:p>
+        </p:txBody>
+      </p:sp>
+      <p:sp>
+        <p:nvSpPr>
+          <p:cNvPr id="43" name="TextBox 42">
+            <a:extLst>
+              <a:ext uri="{FF2B5EF4-FFF2-40B4-BE49-F238E27FC236}">
+                <a16:creationId xmlns:a16="http://schemas.microsoft.com/office/drawing/2014/main" id="{61953216-8D28-8C46-8C83-58B81436E432}"/>
               </a:ext>
             </a:extLst>
           </p:cNvPr>
@@ -12291,8 +11267,8 @@
         </p:nvSpPr>
         <p:spPr>
           <a:xfrm>
-            <a:off x="7108121" y="845256"/>
-            <a:ext cx="2860646" cy="646331"/>
+            <a:off x="7388602" y="4619739"/>
+            <a:ext cx="1904301" cy="338554"/>
           </a:xfrm>
           <a:prstGeom prst="rect">
             <a:avLst/>
@@ -12306,112 +11282,18 @@
           <a:lstStyle/>
           <a:p>
             <a:r>
-              <a:rPr lang="en-US" dirty="0"/>
-              <a:t>Treatment </a:t>
-            </a:r>
-            <a:r>
-              <a:rPr lang="en-US" dirty="0">
-                <a:solidFill>
-                  <a:schemeClr val="accent5"/>
-                </a:solidFill>
-              </a:rPr>
-              <a:t>(</a:t>
-            </a:r>
-            <a:r>
-              <a:rPr lang="en-US" dirty="0" err="1">
-                <a:solidFill>
-                  <a:schemeClr val="accent5"/>
-                </a:solidFill>
-              </a:rPr>
-              <a:t>displayRecord.jsp</a:t>
-            </a:r>
-            <a:r>
-              <a:rPr lang="en-US" dirty="0">
-                <a:solidFill>
-                  <a:schemeClr val="accent5"/>
-                </a:solidFill>
-              </a:rPr>
-              <a:t>)</a:t>
-            </a:r>
-          </a:p>
-        </p:txBody>
-      </p:sp>
-      <p:sp>
-        <p:nvSpPr>
-          <p:cNvPr id="28" name="TextBox 27">
-            <a:extLst>
-              <a:ext uri="{FF2B5EF4-FFF2-40B4-BE49-F238E27FC236}">
-                <a16:creationId xmlns:a16="http://schemas.microsoft.com/office/drawing/2014/main" id="{2B755557-3838-3047-964E-3F06034A40A5}"/>
-              </a:ext>
-            </a:extLst>
-          </p:cNvPr>
-          <p:cNvSpPr txBox="1"/>
-          <p:nvPr/>
-        </p:nvSpPr>
-        <p:spPr>
-          <a:xfrm>
-            <a:off x="3052182" y="2650174"/>
-            <a:ext cx="1572237" cy="369332"/>
-          </a:xfrm>
-          <a:prstGeom prst="rect">
-            <a:avLst/>
-          </a:prstGeom>
-          <a:noFill/>
-        </p:spPr>
-        <p:txBody>
-          <a:bodyPr wrap="square" rtlCol="0">
-            <a:spAutoFit/>
-          </a:bodyPr>
-          <a:lstStyle/>
-          <a:p>
-            <a:r>
-              <a:rPr lang="en-US" dirty="0"/>
-              <a:t>Phone number</a:t>
-            </a:r>
-          </a:p>
-        </p:txBody>
-      </p:sp>
-      <p:sp>
-        <p:nvSpPr>
-          <p:cNvPr id="29" name="TextBox 28">
-            <a:extLst>
-              <a:ext uri="{FF2B5EF4-FFF2-40B4-BE49-F238E27FC236}">
-                <a16:creationId xmlns:a16="http://schemas.microsoft.com/office/drawing/2014/main" id="{A7DDC63A-D45C-A248-A2EF-977CF0B9A286}"/>
-              </a:ext>
-            </a:extLst>
-          </p:cNvPr>
-          <p:cNvSpPr txBox="1"/>
-          <p:nvPr/>
-        </p:nvSpPr>
-        <p:spPr>
-          <a:xfrm>
-            <a:off x="5618170" y="2636790"/>
-            <a:ext cx="1572237" cy="369332"/>
-          </a:xfrm>
-          <a:prstGeom prst="rect">
-            <a:avLst/>
-          </a:prstGeom>
-          <a:noFill/>
-        </p:spPr>
-        <p:txBody>
-          <a:bodyPr wrap="square" rtlCol="0">
-            <a:spAutoFit/>
-          </a:bodyPr>
-          <a:lstStyle/>
-          <a:p>
-            <a:r>
-              <a:rPr lang="en-US" dirty="0"/>
-              <a:t>DOB</a:t>
-            </a:r>
-          </a:p>
-        </p:txBody>
-      </p:sp>
-      <p:sp>
-        <p:nvSpPr>
-          <p:cNvPr id="30" name="Rounded Rectangle 29">
-            <a:extLst>
-              <a:ext uri="{FF2B5EF4-FFF2-40B4-BE49-F238E27FC236}">
-                <a16:creationId xmlns:a16="http://schemas.microsoft.com/office/drawing/2014/main" id="{0EE5F47A-7997-E344-9E49-CF9665371C6B}"/>
+              <a:rPr lang="en-US" sz="1600" dirty="0"/>
+              <a:t>Cancel</a:t>
+            </a:r>
+          </a:p>
+        </p:txBody>
+      </p:sp>
+      <p:sp>
+        <p:nvSpPr>
+          <p:cNvPr id="46" name="Rounded Rectangle 45">
+            <a:extLst>
+              <a:ext uri="{FF2B5EF4-FFF2-40B4-BE49-F238E27FC236}">
+                <a16:creationId xmlns:a16="http://schemas.microsoft.com/office/drawing/2014/main" id="{38879453-DAFD-364B-BF32-3C5E5350F2E8}"/>
               </a:ext>
             </a:extLst>
           </p:cNvPr>
@@ -12420,8 +11302,8 @@
         </p:nvSpPr>
         <p:spPr>
           <a:xfrm>
-            <a:off x="165861" y="1857038"/>
-            <a:ext cx="2389445" cy="721532"/>
+            <a:off x="1907573" y="252039"/>
+            <a:ext cx="1624268" cy="564558"/>
           </a:xfrm>
           <a:prstGeom prst="roundRect">
             <a:avLst/>
@@ -12447,33 +11329,134 @@
           <a:p>
             <a:pPr algn="ctr"/>
             <a:r>
-              <a:rPr lang="en-US" sz="1600" dirty="0" err="1"/>
-              <a:t>PatientAcces.jsp</a:t>
-            </a:r>
-            <a:r>
-              <a:rPr lang="en-US" sz="1600" dirty="0"/>
-              <a:t> Created</a:t>
-            </a:r>
-          </a:p>
+              <a:rPr lang="en-US" dirty="0"/>
+              <a:t>Page Created</a:t>
+            </a:r>
+          </a:p>
+        </p:txBody>
+      </p:sp>
+      <p:sp>
+        <p:nvSpPr>
+          <p:cNvPr id="33" name="Rounded Rectangle 32">
+            <a:extLst>
+              <a:ext uri="{FF2B5EF4-FFF2-40B4-BE49-F238E27FC236}">
+                <a16:creationId xmlns:a16="http://schemas.microsoft.com/office/drawing/2014/main" id="{B22E056B-76E2-7F41-849B-C5A4F20A3582}"/>
+              </a:ext>
+            </a:extLst>
+          </p:cNvPr>
+          <p:cNvSpPr/>
+          <p:nvPr/>
+        </p:nvSpPr>
+        <p:spPr>
+          <a:xfrm>
+            <a:off x="1824057" y="906603"/>
+            <a:ext cx="1621021" cy="601568"/>
+          </a:xfrm>
+          <a:prstGeom prst="roundRect">
+            <a:avLst/>
+          </a:prstGeom>
+        </p:spPr>
+        <p:style>
+          <a:lnRef idx="2">
+            <a:schemeClr val="accent2">
+              <a:shade val="50000"/>
+            </a:schemeClr>
+          </a:lnRef>
+          <a:fillRef idx="1">
+            <a:schemeClr val="accent2"/>
+          </a:fillRef>
+          <a:effectRef idx="0">
+            <a:schemeClr val="accent2"/>
+          </a:effectRef>
+          <a:fontRef idx="minor">
+            <a:schemeClr val="lt1"/>
+          </a:fontRef>
+        </p:style>
+        <p:txBody>
+          <a:bodyPr rtlCol="0" anchor="ctr"/>
+          <a:lstStyle/>
           <a:p>
             <a:pPr algn="ctr"/>
             <a:r>
-              <a:rPr lang="en-US" sz="1600" dirty="0" err="1"/>
-              <a:t>Patient.java</a:t>
-            </a:r>
-            <a:r>
-              <a:rPr lang="en-US" sz="1600" dirty="0"/>
-              <a:t> created</a:t>
-            </a:r>
-          </a:p>
-        </p:txBody>
-      </p:sp>
-      <p:sp>
-        <p:nvSpPr>
-          <p:cNvPr id="32" name="Rounded Rectangle 31">
-            <a:extLst>
-              <a:ext uri="{FF2B5EF4-FFF2-40B4-BE49-F238E27FC236}">
-                <a16:creationId xmlns:a16="http://schemas.microsoft.com/office/drawing/2014/main" id="{BBA9D6AC-36F2-9B46-BF3E-3ED1722C1C6C}"/>
+              <a:rPr lang="en-US" dirty="0"/>
+              <a:t>Patient </a:t>
+            </a:r>
+            <a:r>
+              <a:rPr lang="en-US" dirty="0" err="1"/>
+              <a:t>DoctorServlet</a:t>
+            </a:r>
+            <a:endParaRPr lang="en-US" dirty="0"/>
+          </a:p>
+        </p:txBody>
+      </p:sp>
+      <p:sp>
+        <p:nvSpPr>
+          <p:cNvPr id="34" name="TextBox 33">
+            <a:extLst>
+              <a:ext uri="{FF2B5EF4-FFF2-40B4-BE49-F238E27FC236}">
+                <a16:creationId xmlns:a16="http://schemas.microsoft.com/office/drawing/2014/main" id="{DDA38BC2-5B41-9344-BAD5-7D561D3917F1}"/>
+              </a:ext>
+            </a:extLst>
+          </p:cNvPr>
+          <p:cNvSpPr txBox="1"/>
+          <p:nvPr/>
+        </p:nvSpPr>
+        <p:spPr>
+          <a:xfrm>
+            <a:off x="10765572" y="223578"/>
+            <a:ext cx="1073791" cy="523220"/>
+          </a:xfrm>
+          <a:prstGeom prst="rect">
+            <a:avLst/>
+          </a:prstGeom>
+          <a:noFill/>
+        </p:spPr>
+        <p:txBody>
+          <a:bodyPr wrap="square" rtlCol="0">
+            <a:spAutoFit/>
+          </a:bodyPr>
+          <a:lstStyle/>
+          <a:p>
+            <a:r>
+              <a:rPr lang="en-US" sz="1400" dirty="0"/>
+              <a:t>Sign out</a:t>
+            </a:r>
+          </a:p>
+          <a:p>
+            <a:r>
+              <a:rPr lang="en-US" sz="1400" dirty="0">
+                <a:solidFill>
+                  <a:schemeClr val="accent5"/>
+                </a:solidFill>
+              </a:rPr>
+              <a:t>(</a:t>
+            </a:r>
+            <a:r>
+              <a:rPr lang="en-US" sz="1400" dirty="0" err="1">
+                <a:solidFill>
+                  <a:schemeClr val="accent5"/>
+                </a:solidFill>
+              </a:rPr>
+              <a:t>url.signout</a:t>
+            </a:r>
+            <a:r>
+              <a:rPr lang="en-US" sz="1400" dirty="0">
+                <a:solidFill>
+                  <a:schemeClr val="accent5"/>
+                </a:solidFill>
+              </a:rPr>
+              <a:t>)</a:t>
+            </a:r>
+            <a:endParaRPr lang="en-US" sz="1400" dirty="0"/>
+          </a:p>
+        </p:txBody>
+      </p:sp>
+      <p:sp>
+        <p:nvSpPr>
+          <p:cNvPr id="30" name="Rounded Rectangle 29">
+            <a:extLst>
+              <a:ext uri="{FF2B5EF4-FFF2-40B4-BE49-F238E27FC236}">
+                <a16:creationId xmlns:a16="http://schemas.microsoft.com/office/drawing/2014/main" id="{247E08B4-CC8D-474F-8D2A-8BF6D321CC20}"/>
               </a:ext>
             </a:extLst>
           </p:cNvPr>
@@ -12482,8 +11465,8 @@
         </p:nvSpPr>
         <p:spPr>
           <a:xfrm>
-            <a:off x="84995" y="2821456"/>
-            <a:ext cx="2470311" cy="1037126"/>
+            <a:off x="82931" y="3426428"/>
+            <a:ext cx="2389445" cy="1377232"/>
           </a:xfrm>
           <a:prstGeom prst="roundRect">
             <a:avLst/>
@@ -12512,102 +11495,523 @@
           <a:p>
             <a:pPr algn="ctr"/>
             <a:r>
+              <a:rPr lang="en-US" dirty="0"/>
+              <a:t>Change page title</a:t>
+            </a:r>
+          </a:p>
+          <a:p>
+            <a:pPr algn="ctr"/>
+            <a:r>
+              <a:rPr lang="en-US" dirty="0"/>
+              <a:t>Change input form</a:t>
+            </a:r>
+          </a:p>
+          <a:p>
+            <a:pPr algn="ctr"/>
+            <a:r>
+              <a:rPr lang="en-US" dirty="0"/>
+              <a:t>complete </a:t>
+            </a:r>
+            <a:r>
+              <a:rPr lang="en-US" dirty="0" err="1"/>
+              <a:t>DAccessServlet.java</a:t>
+            </a:r>
+            <a:endParaRPr lang="en-US" dirty="0"/>
+          </a:p>
+        </p:txBody>
+      </p:sp>
+      <p:pic>
+        <p:nvPicPr>
+          <p:cNvPr id="31" name="Graphic 30" descr="Construction Barricade with solid fill">
+            <a:extLst>
+              <a:ext uri="{FF2B5EF4-FFF2-40B4-BE49-F238E27FC236}">
+                <a16:creationId xmlns:a16="http://schemas.microsoft.com/office/drawing/2014/main" id="{59B42CD6-6E01-914C-9E45-4D6D23ED0422}"/>
+              </a:ext>
+            </a:extLst>
+          </p:cNvPr>
+          <p:cNvPicPr>
+            <a:picLocks noChangeAspect="1"/>
+          </p:cNvPicPr>
+          <p:nvPr/>
+        </p:nvPicPr>
+        <p:blipFill>
+          <a:blip r:embed="rId2">
+            <a:extLst>
+              <a:ext uri="{96DAC541-7B7A-43D3-8B79-37D633B846F1}">
+                <asvg:svgBlip xmlns:asvg="http://schemas.microsoft.com/office/drawing/2016/SVG/main" r:embed="rId3"/>
+              </a:ext>
+            </a:extLst>
+          </a:blip>
+          <a:stretch>
+            <a:fillRect/>
+          </a:stretch>
+        </p:blipFill>
+        <p:spPr>
+          <a:xfrm>
+            <a:off x="9100281" y="176893"/>
+            <a:ext cx="914400" cy="914400"/>
+          </a:xfrm>
+          <a:prstGeom prst="rect">
+            <a:avLst/>
+          </a:prstGeom>
+        </p:spPr>
+      </p:pic>
+      <p:sp>
+        <p:nvSpPr>
+          <p:cNvPr id="35" name="Rounded Rectangle 34">
+            <a:extLst>
+              <a:ext uri="{FF2B5EF4-FFF2-40B4-BE49-F238E27FC236}">
+                <a16:creationId xmlns:a16="http://schemas.microsoft.com/office/drawing/2014/main" id="{47C2B212-1C90-7047-9FD8-8FA23622BF02}"/>
+              </a:ext>
+            </a:extLst>
+          </p:cNvPr>
+          <p:cNvSpPr/>
+          <p:nvPr/>
+        </p:nvSpPr>
+        <p:spPr>
+          <a:xfrm>
+            <a:off x="1" y="1857038"/>
+            <a:ext cx="2555306" cy="1377232"/>
+          </a:xfrm>
+          <a:prstGeom prst="roundRect">
+            <a:avLst/>
+          </a:prstGeom>
+        </p:spPr>
+        <p:style>
+          <a:lnRef idx="1">
+            <a:schemeClr val="accent6"/>
+          </a:lnRef>
+          <a:fillRef idx="3">
+            <a:schemeClr val="accent6"/>
+          </a:fillRef>
+          <a:effectRef idx="2">
+            <a:schemeClr val="accent6"/>
+          </a:effectRef>
+          <a:fontRef idx="minor">
+            <a:schemeClr val="lt1"/>
+          </a:fontRef>
+        </p:style>
+        <p:txBody>
+          <a:bodyPr rtlCol="0" anchor="ctr"/>
+          <a:lstStyle/>
+          <a:p>
+            <a:pPr algn="ctr"/>
+            <a:r>
+              <a:rPr lang="en-US" sz="1600" dirty="0" err="1"/>
+              <a:t>doctorAccess.jsp</a:t>
+            </a:r>
+            <a:r>
               <a:rPr lang="en-US" sz="1600" dirty="0"/>
-              <a:t>Update layout </a:t>
+              <a:t> Created</a:t>
             </a:r>
           </a:p>
           <a:p>
             <a:pPr algn="ctr"/>
             <a:r>
+              <a:rPr lang="en-US" sz="1600" dirty="0" err="1"/>
+              <a:t>Record.java</a:t>
+            </a:r>
+            <a:r>
               <a:rPr lang="en-US" sz="1600" dirty="0"/>
-              <a:t>Create </a:t>
-            </a:r>
+              <a:t> created</a:t>
+            </a:r>
+          </a:p>
+          <a:p>
+            <a:pPr algn="ctr"/>
             <a:r>
               <a:rPr lang="en-US" sz="1600" dirty="0" err="1"/>
-              <a:t>PregServlet.java</a:t>
-            </a:r>
-            <a:endParaRPr lang="en-US" sz="1600" dirty="0"/>
-          </a:p>
+              <a:t>ConsultationQuery.java</a:t>
+            </a:r>
+            <a:r>
+              <a:rPr lang="en-US" sz="1600" dirty="0"/>
+              <a:t> created</a:t>
+            </a:r>
+          </a:p>
+        </p:txBody>
+      </p:sp>
+      <p:graphicFrame>
+        <p:nvGraphicFramePr>
+          <p:cNvPr id="36" name="Table 2">
+            <a:extLst>
+              <a:ext uri="{FF2B5EF4-FFF2-40B4-BE49-F238E27FC236}">
+                <a16:creationId xmlns:a16="http://schemas.microsoft.com/office/drawing/2014/main" id="{F90B1501-0FF8-B141-8AB5-1ADEB1DB1FB0}"/>
+              </a:ext>
+            </a:extLst>
+          </p:cNvPr>
+          <p:cNvGraphicFramePr>
+            <a:graphicFrameLocks noGrp="1"/>
+          </p:cNvGraphicFramePr>
+          <p:nvPr>
+            <p:extLst>
+              <p:ext uri="{D42A27DB-BD31-4B8C-83A1-F6EECF244321}">
+                <p14:modId xmlns:p14="http://schemas.microsoft.com/office/powerpoint/2010/main" val="606610643"/>
+              </p:ext>
+            </p:extLst>
+          </p:nvPr>
+        </p:nvGraphicFramePr>
+        <p:xfrm>
+          <a:off x="3434793" y="2910410"/>
+          <a:ext cx="5162113" cy="802566"/>
+        </p:xfrm>
+        <a:graphic>
+          <a:graphicData uri="http://schemas.openxmlformats.org/drawingml/2006/table">
+            <a:tbl>
+              <a:tblPr firstRow="1" bandRow="1">
+                <a:tableStyleId>{F5AB1C69-6EDB-4FF4-983F-18BD219EF322}</a:tableStyleId>
+              </a:tblPr>
+              <a:tblGrid>
+                <a:gridCol w="1259791">
+                  <a:extLst>
+                    <a:ext uri="{9D8B030D-6E8A-4147-A177-3AD203B41FA5}">
+                      <a16:colId xmlns:a16="http://schemas.microsoft.com/office/drawing/2014/main" val="484706619"/>
+                    </a:ext>
+                  </a:extLst>
+                </a:gridCol>
+                <a:gridCol w="1259791">
+                  <a:extLst>
+                    <a:ext uri="{9D8B030D-6E8A-4147-A177-3AD203B41FA5}">
+                      <a16:colId xmlns:a16="http://schemas.microsoft.com/office/drawing/2014/main" val="82939911"/>
+                    </a:ext>
+                  </a:extLst>
+                </a:gridCol>
+                <a:gridCol w="1259791">
+                  <a:extLst>
+                    <a:ext uri="{9D8B030D-6E8A-4147-A177-3AD203B41FA5}">
+                      <a16:colId xmlns:a16="http://schemas.microsoft.com/office/drawing/2014/main" val="930562621"/>
+                    </a:ext>
+                  </a:extLst>
+                </a:gridCol>
+                <a:gridCol w="1382740">
+                  <a:extLst>
+                    <a:ext uri="{9D8B030D-6E8A-4147-A177-3AD203B41FA5}">
+                      <a16:colId xmlns:a16="http://schemas.microsoft.com/office/drawing/2014/main" val="2014208457"/>
+                    </a:ext>
+                  </a:extLst>
+                </a:gridCol>
+              </a:tblGrid>
+              <a:tr h="225051">
+                <a:tc>
+                  <a:txBody>
+                    <a:bodyPr/>
+                    <a:lstStyle/>
+                    <a:p>
+                      <a:r>
+                        <a:rPr lang="en-US" sz="1200" dirty="0"/>
+                        <a:t>Name</a:t>
+                      </a:r>
+                    </a:p>
+                  </a:txBody>
+                  <a:tcPr/>
+                </a:tc>
+                <a:tc>
+                  <a:txBody>
+                    <a:bodyPr/>
+                    <a:lstStyle/>
+                    <a:p>
+                      <a:r>
+                        <a:rPr lang="en-US" sz="1200" dirty="0"/>
+                        <a:t>Phone</a:t>
+                      </a:r>
+                    </a:p>
+                  </a:txBody>
+                  <a:tcPr/>
+                </a:tc>
+                <a:tc>
+                  <a:txBody>
+                    <a:bodyPr/>
+                    <a:lstStyle/>
+                    <a:p>
+                      <a:r>
+                        <a:rPr lang="en-US" sz="1200" dirty="0"/>
+                        <a:t>Date of Birth</a:t>
+                      </a:r>
+                    </a:p>
+                  </a:txBody>
+                  <a:tcPr/>
+                </a:tc>
+                <a:tc>
+                  <a:txBody>
+                    <a:bodyPr/>
+                    <a:lstStyle/>
+                    <a:p>
+                      <a:r>
+                        <a:rPr lang="en-US" sz="1200" dirty="0"/>
+                        <a:t>problem</a:t>
+                      </a:r>
+                    </a:p>
+                  </a:txBody>
+                  <a:tcPr/>
+                </a:tc>
+                <a:extLst>
+                  <a:ext uri="{0D108BD9-81ED-4DB2-BD59-A6C34878D82A}">
+                    <a16:rowId xmlns:a16="http://schemas.microsoft.com/office/drawing/2014/main" val="1704761114"/>
+                  </a:ext>
+                </a:extLst>
+              </a:tr>
+              <a:tr h="528246">
+                <a:tc>
+                  <a:txBody>
+                    <a:bodyPr/>
+                    <a:lstStyle/>
+                    <a:p>
+                      <a:endParaRPr lang="en-US" sz="1200" dirty="0"/>
+                    </a:p>
+                  </a:txBody>
+                  <a:tcPr/>
+                </a:tc>
+                <a:tc>
+                  <a:txBody>
+                    <a:bodyPr/>
+                    <a:lstStyle/>
+                    <a:p>
+                      <a:endParaRPr lang="en-US" sz="1200" dirty="0"/>
+                    </a:p>
+                  </a:txBody>
+                  <a:tcPr/>
+                </a:tc>
+                <a:tc>
+                  <a:txBody>
+                    <a:bodyPr/>
+                    <a:lstStyle/>
+                    <a:p>
+                      <a:endParaRPr lang="en-US" sz="1200" dirty="0"/>
+                    </a:p>
+                  </a:txBody>
+                  <a:tcPr/>
+                </a:tc>
+                <a:tc>
+                  <a:txBody>
+                    <a:bodyPr/>
+                    <a:lstStyle/>
+                    <a:p>
+                      <a:endParaRPr lang="en-US" sz="1200" dirty="0"/>
+                    </a:p>
+                  </a:txBody>
+                  <a:tcPr/>
+                </a:tc>
+                <a:extLst>
+                  <a:ext uri="{0D108BD9-81ED-4DB2-BD59-A6C34878D82A}">
+                    <a16:rowId xmlns:a16="http://schemas.microsoft.com/office/drawing/2014/main" val="714643636"/>
+                  </a:ext>
+                </a:extLst>
+              </a:tr>
+            </a:tbl>
+          </a:graphicData>
+        </a:graphic>
+      </p:graphicFrame>
+      <p:sp>
+        <p:nvSpPr>
+          <p:cNvPr id="9" name="Rectangle 8">
+            <a:extLst>
+              <a:ext uri="{FF2B5EF4-FFF2-40B4-BE49-F238E27FC236}">
+                <a16:creationId xmlns:a16="http://schemas.microsoft.com/office/drawing/2014/main" id="{D106F317-70FA-4F4C-87E7-B184F50DB146}"/>
+              </a:ext>
+            </a:extLst>
+          </p:cNvPr>
+          <p:cNvSpPr/>
+          <p:nvPr/>
+        </p:nvSpPr>
+        <p:spPr>
+          <a:xfrm>
+            <a:off x="3424447" y="3791341"/>
+            <a:ext cx="2554022" cy="668890"/>
+          </a:xfrm>
+          <a:prstGeom prst="rect">
+            <a:avLst/>
+          </a:prstGeom>
+        </p:spPr>
+        <p:style>
+          <a:lnRef idx="3">
+            <a:schemeClr val="lt1"/>
+          </a:lnRef>
+          <a:fillRef idx="1">
+            <a:schemeClr val="accent3"/>
+          </a:fillRef>
+          <a:effectRef idx="1">
+            <a:schemeClr val="accent3"/>
+          </a:effectRef>
+          <a:fontRef idx="minor">
+            <a:schemeClr val="lt1"/>
+          </a:fontRef>
+        </p:style>
+        <p:txBody>
+          <a:bodyPr rtlCol="0" anchor="ctr"/>
+          <a:lstStyle/>
           <a:p>
             <a:pPr algn="ctr"/>
             <a:r>
-              <a:rPr lang="en-US" sz="1600" dirty="0"/>
-              <a:t>Create </a:t>
-            </a:r>
-            <a:r>
-              <a:rPr lang="en-US" sz="1600" dirty="0" err="1"/>
-              <a:t>PatientQuery.java</a:t>
-            </a:r>
-            <a:endParaRPr lang="en-US" sz="1600" dirty="0"/>
-          </a:p>
-        </p:txBody>
-      </p:sp>
-      <p:sp>
-        <p:nvSpPr>
-          <p:cNvPr id="33" name="TextBox 32">
-            <a:extLst>
-              <a:ext uri="{FF2B5EF4-FFF2-40B4-BE49-F238E27FC236}">
-                <a16:creationId xmlns:a16="http://schemas.microsoft.com/office/drawing/2014/main" id="{7B73F0A8-A360-0845-AC8B-3FA164596CD2}"/>
-              </a:ext>
-            </a:extLst>
-          </p:cNvPr>
-          <p:cNvSpPr txBox="1"/>
-          <p:nvPr/>
-        </p:nvSpPr>
-        <p:spPr>
-          <a:xfrm>
-            <a:off x="10552252" y="239069"/>
-            <a:ext cx="1073791" cy="523220"/>
-          </a:xfrm>
-          <a:prstGeom prst="rect">
-            <a:avLst/>
-          </a:prstGeom>
-          <a:noFill/>
-        </p:spPr>
-        <p:txBody>
-          <a:bodyPr wrap="square" rtlCol="0">
-            <a:spAutoFit/>
-          </a:bodyPr>
-          <a:lstStyle/>
-          <a:p>
-            <a:r>
-              <a:rPr lang="en-US" sz="1400" dirty="0"/>
-              <a:t>Sign out</a:t>
-            </a:r>
-          </a:p>
-          <a:p>
-            <a:r>
-              <a:rPr lang="en-US" sz="1400" dirty="0">
-                <a:solidFill>
-                  <a:schemeClr val="accent5"/>
-                </a:solidFill>
-              </a:rPr>
-              <a:t>(</a:t>
-            </a:r>
-            <a:r>
-              <a:rPr lang="en-US" sz="1400" dirty="0" err="1">
-                <a:solidFill>
-                  <a:schemeClr val="accent5"/>
-                </a:solidFill>
-              </a:rPr>
-              <a:t>url.signout</a:t>
-            </a:r>
-            <a:r>
-              <a:rPr lang="en-US" sz="1400" dirty="0">
-                <a:solidFill>
-                  <a:schemeClr val="accent5"/>
-                </a:solidFill>
-              </a:rPr>
+              <a:rPr lang="en-US" dirty="0"/>
+              <a:t>Prescribe Treatment</a:t>
+            </a:r>
+          </a:p>
+        </p:txBody>
+      </p:sp>
+      <p:sp>
+        <p:nvSpPr>
+          <p:cNvPr id="37" name="Rectangle 36">
+            <a:extLst>
+              <a:ext uri="{FF2B5EF4-FFF2-40B4-BE49-F238E27FC236}">
+                <a16:creationId xmlns:a16="http://schemas.microsoft.com/office/drawing/2014/main" id="{E37FE78C-4D0A-B644-81B4-CAD0B5E96E9F}"/>
+              </a:ext>
+            </a:extLst>
+          </p:cNvPr>
+          <p:cNvSpPr/>
+          <p:nvPr/>
+        </p:nvSpPr>
+        <p:spPr>
+          <a:xfrm>
+            <a:off x="5951430" y="3791341"/>
+            <a:ext cx="2645476" cy="668890"/>
+          </a:xfrm>
+          <a:prstGeom prst="rect">
+            <a:avLst/>
+          </a:prstGeom>
+        </p:spPr>
+        <p:style>
+          <a:lnRef idx="3">
+            <a:schemeClr val="lt1"/>
+          </a:lnRef>
+          <a:fillRef idx="1">
+            <a:schemeClr val="accent3"/>
+          </a:fillRef>
+          <a:effectRef idx="1">
+            <a:schemeClr val="accent3"/>
+          </a:effectRef>
+          <a:fontRef idx="minor">
+            <a:schemeClr val="lt1"/>
+          </a:fontRef>
+        </p:style>
+        <p:txBody>
+          <a:bodyPr rtlCol="0" anchor="ctr"/>
+          <a:lstStyle/>
+          <a:p>
+            <a:pPr algn="ctr"/>
+            <a:r>
+              <a:rPr lang="en-US" dirty="0"/>
+              <a:t>Prescribe Test</a:t>
+            </a:r>
+          </a:p>
+        </p:txBody>
+      </p:sp>
+      <p:sp>
+        <p:nvSpPr>
+          <p:cNvPr id="10" name="Rounded Rectangular Callout 9">
+            <a:extLst>
+              <a:ext uri="{FF2B5EF4-FFF2-40B4-BE49-F238E27FC236}">
+                <a16:creationId xmlns:a16="http://schemas.microsoft.com/office/drawing/2014/main" id="{E9779956-C330-B646-A7B4-6534E69B3058}"/>
+              </a:ext>
+            </a:extLst>
+          </p:cNvPr>
+          <p:cNvSpPr/>
+          <p:nvPr/>
+        </p:nvSpPr>
+        <p:spPr>
+          <a:xfrm>
+            <a:off x="9825968" y="3981249"/>
+            <a:ext cx="1830535" cy="1102479"/>
+          </a:xfrm>
+          <a:prstGeom prst="wedgeRoundRectCallout">
+            <a:avLst>
+              <a:gd name="adj1" fmla="val -169729"/>
+              <a:gd name="adj2" fmla="val -110722"/>
+              <a:gd name="adj3" fmla="val 16667"/>
+            </a:avLst>
+          </a:prstGeom>
+        </p:spPr>
+        <p:style>
+          <a:lnRef idx="0">
+            <a:schemeClr val="accent4"/>
+          </a:lnRef>
+          <a:fillRef idx="3">
+            <a:schemeClr val="accent4"/>
+          </a:fillRef>
+          <a:effectRef idx="3">
+            <a:schemeClr val="accent4"/>
+          </a:effectRef>
+          <a:fontRef idx="minor">
+            <a:schemeClr val="lt1"/>
+          </a:fontRef>
+        </p:style>
+        <p:txBody>
+          <a:bodyPr rtlCol="0" anchor="ctr"/>
+          <a:lstStyle/>
+          <a:p>
+            <a:pPr algn="ctr"/>
+            <a:r>
+              <a:rPr lang="en-US" dirty="0"/>
+              <a:t>display from patient booking (</a:t>
+            </a:r>
+            <a:r>
+              <a:rPr lang="en-US" dirty="0" err="1"/>
+              <a:t>record.java</a:t>
+            </a:r>
+            <a:r>
+              <a:rPr lang="en-US" dirty="0"/>
               <a:t>)</a:t>
             </a:r>
-            <a:endParaRPr lang="en-US" sz="1400" dirty="0"/>
+          </a:p>
+        </p:txBody>
+      </p:sp>
+      <p:sp>
+        <p:nvSpPr>
+          <p:cNvPr id="47" name="Rounded Rectangular Callout 46">
+            <a:extLst>
+              <a:ext uri="{FF2B5EF4-FFF2-40B4-BE49-F238E27FC236}">
+                <a16:creationId xmlns:a16="http://schemas.microsoft.com/office/drawing/2014/main" id="{8267CA8B-E08F-2440-B349-9A19426F44EB}"/>
+              </a:ext>
+            </a:extLst>
+          </p:cNvPr>
+          <p:cNvSpPr/>
+          <p:nvPr/>
+        </p:nvSpPr>
+        <p:spPr>
+          <a:xfrm>
+            <a:off x="2719707" y="5472817"/>
+            <a:ext cx="1688810" cy="1102479"/>
+          </a:xfrm>
+          <a:prstGeom prst="wedgeRoundRectCallout">
+            <a:avLst>
+              <a:gd name="adj1" fmla="val 156851"/>
+              <a:gd name="adj2" fmla="val -102946"/>
+              <a:gd name="adj3" fmla="val 16667"/>
+            </a:avLst>
+          </a:prstGeom>
+        </p:spPr>
+        <p:style>
+          <a:lnRef idx="0">
+            <a:schemeClr val="accent4"/>
+          </a:lnRef>
+          <a:fillRef idx="3">
+            <a:schemeClr val="accent4"/>
+          </a:fillRef>
+          <a:effectRef idx="3">
+            <a:schemeClr val="accent4"/>
+          </a:effectRef>
+          <a:fontRef idx="minor">
+            <a:schemeClr val="lt1"/>
+          </a:fontRef>
+        </p:style>
+        <p:txBody>
+          <a:bodyPr rtlCol="0" anchor="ctr"/>
+          <a:lstStyle/>
+          <a:p>
+            <a:pPr algn="ctr"/>
+            <a:r>
+              <a:rPr lang="en-US" dirty="0"/>
+              <a:t>Action updates </a:t>
+            </a:r>
+            <a:r>
+              <a:rPr lang="en-US" dirty="0" err="1"/>
+              <a:t>record.java</a:t>
+            </a:r>
+            <a:endParaRPr lang="en-US" dirty="0"/>
           </a:p>
         </p:txBody>
       </p:sp>
     </p:spTree>
     <p:extLst>
       <p:ext uri="{BB962C8B-B14F-4D97-AF65-F5344CB8AC3E}">
-        <p14:creationId xmlns:p14="http://schemas.microsoft.com/office/powerpoint/2010/main" val="3600791983"/>
+        <p14:creationId xmlns:p14="http://schemas.microsoft.com/office/powerpoint/2010/main" val="2024253038"/>
       </p:ext>
     </p:extLst>
   </p:cSld>

--- a/Hospital Management Designv2.pptx
+++ b/Hospital Management Designv2.pptx
@@ -8,14 +8,15 @@
     <p:sldId id="256" r:id="rId2"/>
     <p:sldId id="258" r:id="rId3"/>
     <p:sldId id="274" r:id="rId4"/>
-    <p:sldId id="262" r:id="rId5"/>
-    <p:sldId id="259" r:id="rId6"/>
-    <p:sldId id="263" r:id="rId7"/>
-    <p:sldId id="260" r:id="rId8"/>
-    <p:sldId id="266" r:id="rId9"/>
-    <p:sldId id="269" r:id="rId10"/>
-    <p:sldId id="272" r:id="rId11"/>
-    <p:sldId id="273" r:id="rId12"/>
+    <p:sldId id="275" r:id="rId5"/>
+    <p:sldId id="262" r:id="rId6"/>
+    <p:sldId id="259" r:id="rId7"/>
+    <p:sldId id="263" r:id="rId8"/>
+    <p:sldId id="260" r:id="rId9"/>
+    <p:sldId id="266" r:id="rId10"/>
+    <p:sldId id="269" r:id="rId11"/>
+    <p:sldId id="272" r:id="rId12"/>
+    <p:sldId id="273" r:id="rId13"/>
   </p:sldIdLst>
   <p:sldSz cx="12192000" cy="6858000"/>
   <p:notesSz cx="6858000" cy="9144000"/>
@@ -271,7 +272,7 @@
           <a:p>
             <a:fld id="{2A24D100-F615-184E-A0AE-323F58089210}" type="datetimeFigureOut">
               <a:rPr lang="en-US" smtClean="0"/>
-              <a:t>7/21/21</a:t>
+              <a:t>7/22/21</a:t>
             </a:fld>
             <a:endParaRPr lang="en-US"/>
           </a:p>
@@ -471,7 +472,7 @@
           <a:p>
             <a:fld id="{2A24D100-F615-184E-A0AE-323F58089210}" type="datetimeFigureOut">
               <a:rPr lang="en-US" smtClean="0"/>
-              <a:t>7/21/21</a:t>
+              <a:t>7/22/21</a:t>
             </a:fld>
             <a:endParaRPr lang="en-US"/>
           </a:p>
@@ -681,7 +682,7 @@
           <a:p>
             <a:fld id="{2A24D100-F615-184E-A0AE-323F58089210}" type="datetimeFigureOut">
               <a:rPr lang="en-US" smtClean="0"/>
-              <a:t>7/21/21</a:t>
+              <a:t>7/22/21</a:t>
             </a:fld>
             <a:endParaRPr lang="en-US"/>
           </a:p>
@@ -881,7 +882,7 @@
           <a:p>
             <a:fld id="{2A24D100-F615-184E-A0AE-323F58089210}" type="datetimeFigureOut">
               <a:rPr lang="en-US" smtClean="0"/>
-              <a:t>7/21/21</a:t>
+              <a:t>7/22/21</a:t>
             </a:fld>
             <a:endParaRPr lang="en-US"/>
           </a:p>
@@ -1157,7 +1158,7 @@
           <a:p>
             <a:fld id="{2A24D100-F615-184E-A0AE-323F58089210}" type="datetimeFigureOut">
               <a:rPr lang="en-US" smtClean="0"/>
-              <a:t>7/21/21</a:t>
+              <a:t>7/22/21</a:t>
             </a:fld>
             <a:endParaRPr lang="en-US"/>
           </a:p>
@@ -1425,7 +1426,7 @@
           <a:p>
             <a:fld id="{2A24D100-F615-184E-A0AE-323F58089210}" type="datetimeFigureOut">
               <a:rPr lang="en-US" smtClean="0"/>
-              <a:t>7/21/21</a:t>
+              <a:t>7/22/21</a:t>
             </a:fld>
             <a:endParaRPr lang="en-US"/>
           </a:p>
@@ -1840,7 +1841,7 @@
           <a:p>
             <a:fld id="{2A24D100-F615-184E-A0AE-323F58089210}" type="datetimeFigureOut">
               <a:rPr lang="en-US" smtClean="0"/>
-              <a:t>7/21/21</a:t>
+              <a:t>7/22/21</a:t>
             </a:fld>
             <a:endParaRPr lang="en-US"/>
           </a:p>
@@ -1982,7 +1983,7 @@
           <a:p>
             <a:fld id="{2A24D100-F615-184E-A0AE-323F58089210}" type="datetimeFigureOut">
               <a:rPr lang="en-US" smtClean="0"/>
-              <a:t>7/21/21</a:t>
+              <a:t>7/22/21</a:t>
             </a:fld>
             <a:endParaRPr lang="en-US"/>
           </a:p>
@@ -2095,7 +2096,7 @@
           <a:p>
             <a:fld id="{2A24D100-F615-184E-A0AE-323F58089210}" type="datetimeFigureOut">
               <a:rPr lang="en-US" smtClean="0"/>
-              <a:t>7/21/21</a:t>
+              <a:t>7/22/21</a:t>
             </a:fld>
             <a:endParaRPr lang="en-US"/>
           </a:p>
@@ -2408,7 +2409,7 @@
           <a:p>
             <a:fld id="{2A24D100-F615-184E-A0AE-323F58089210}" type="datetimeFigureOut">
               <a:rPr lang="en-US" smtClean="0"/>
-              <a:t>7/21/21</a:t>
+              <a:t>7/22/21</a:t>
             </a:fld>
             <a:endParaRPr lang="en-US"/>
           </a:p>
@@ -2697,7 +2698,7 @@
           <a:p>
             <a:fld id="{2A24D100-F615-184E-A0AE-323F58089210}" type="datetimeFigureOut">
               <a:rPr lang="en-US" smtClean="0"/>
-              <a:t>7/21/21</a:t>
+              <a:t>7/22/21</a:t>
             </a:fld>
             <a:endParaRPr lang="en-US"/>
           </a:p>
@@ -2940,7 +2941,7 @@
           <a:p>
             <a:fld id="{2A24D100-F615-184E-A0AE-323F58089210}" type="datetimeFigureOut">
               <a:rPr lang="en-US" smtClean="0"/>
-              <a:t>7/21/21</a:t>
+              <a:t>7/22/21</a:t>
             </a:fld>
             <a:endParaRPr lang="en-US"/>
           </a:p>
@@ -3980,6 +3981,1469 @@
 </file>
 
 <file path=ppt/slides/slide10.xml><?xml version="1.0" encoding="utf-8"?>
+<p:sld xmlns:a="http://schemas.openxmlformats.org/drawingml/2006/main" xmlns:r="http://schemas.openxmlformats.org/officeDocument/2006/relationships" xmlns:p="http://schemas.openxmlformats.org/presentationml/2006/main">
+  <p:cSld>
+    <p:spTree>
+      <p:nvGrpSpPr>
+        <p:cNvPr id="1" name=""/>
+        <p:cNvGrpSpPr/>
+        <p:nvPr/>
+      </p:nvGrpSpPr>
+      <p:grpSpPr>
+        <a:xfrm>
+          <a:off x="0" y="0"/>
+          <a:ext cx="0" cy="0"/>
+          <a:chOff x="0" y="0"/>
+          <a:chExt cx="0" cy="0"/>
+        </a:xfrm>
+      </p:grpSpPr>
+      <p:sp>
+        <p:nvSpPr>
+          <p:cNvPr id="11" name="Rectangle 10">
+            <a:extLst>
+              <a:ext uri="{FF2B5EF4-FFF2-40B4-BE49-F238E27FC236}">
+                <a16:creationId xmlns:a16="http://schemas.microsoft.com/office/drawing/2014/main" id="{7834B01E-90EF-8942-9E82-155BF03FC169}"/>
+              </a:ext>
+            </a:extLst>
+          </p:cNvPr>
+          <p:cNvSpPr/>
+          <p:nvPr/>
+        </p:nvSpPr>
+        <p:spPr>
+          <a:xfrm>
+            <a:off x="2634144" y="1754144"/>
+            <a:ext cx="7122252" cy="3329584"/>
+          </a:xfrm>
+          <a:prstGeom prst="rect">
+            <a:avLst/>
+          </a:prstGeom>
+          <a:noFill/>
+          <a:ln w="19050"/>
+        </p:spPr>
+        <p:style>
+          <a:lnRef idx="2">
+            <a:schemeClr val="accent1">
+              <a:shade val="50000"/>
+            </a:schemeClr>
+          </a:lnRef>
+          <a:fillRef idx="1">
+            <a:schemeClr val="accent1"/>
+          </a:fillRef>
+          <a:effectRef idx="0">
+            <a:schemeClr val="accent1"/>
+          </a:effectRef>
+          <a:fontRef idx="minor">
+            <a:schemeClr val="lt1"/>
+          </a:fontRef>
+        </p:style>
+        <p:txBody>
+          <a:bodyPr rtlCol="0" anchor="ctr"/>
+          <a:lstStyle/>
+          <a:p>
+            <a:pPr algn="ctr"/>
+            <a:endParaRPr lang="en-US"/>
+          </a:p>
+        </p:txBody>
+      </p:sp>
+      <p:sp>
+        <p:nvSpPr>
+          <p:cNvPr id="4" name="TextBox 3">
+            <a:extLst>
+              <a:ext uri="{FF2B5EF4-FFF2-40B4-BE49-F238E27FC236}">
+                <a16:creationId xmlns:a16="http://schemas.microsoft.com/office/drawing/2014/main" id="{9210F2CD-7CF4-5743-A46C-D4B07EDCEBC8}"/>
+              </a:ext>
+            </a:extLst>
+          </p:cNvPr>
+          <p:cNvSpPr txBox="1"/>
+          <p:nvPr/>
+        </p:nvSpPr>
+        <p:spPr>
+          <a:xfrm>
+            <a:off x="303402" y="207218"/>
+            <a:ext cx="11585196" cy="1291904"/>
+          </a:xfrm>
+          <a:prstGeom prst="rect">
+            <a:avLst/>
+          </a:prstGeom>
+          <a:noFill/>
+          <a:ln>
+            <a:solidFill>
+              <a:schemeClr val="accent1"/>
+            </a:solidFill>
+          </a:ln>
+        </p:spPr>
+        <p:txBody>
+          <a:bodyPr wrap="square" rtlCol="0">
+            <a:spAutoFit/>
+          </a:bodyPr>
+          <a:lstStyle/>
+          <a:p>
+            <a:endParaRPr lang="en-US" dirty="0"/>
+          </a:p>
+        </p:txBody>
+      </p:sp>
+      <p:sp>
+        <p:nvSpPr>
+          <p:cNvPr id="5" name="TextBox 4">
+            <a:extLst>
+              <a:ext uri="{FF2B5EF4-FFF2-40B4-BE49-F238E27FC236}">
+                <a16:creationId xmlns:a16="http://schemas.microsoft.com/office/drawing/2014/main" id="{D31B94CC-5680-654F-9BA4-E0A04DF451FB}"/>
+              </a:ext>
+            </a:extLst>
+          </p:cNvPr>
+          <p:cNvSpPr txBox="1"/>
+          <p:nvPr/>
+        </p:nvSpPr>
+        <p:spPr>
+          <a:xfrm>
+            <a:off x="254167" y="5318891"/>
+            <a:ext cx="11585196" cy="1291904"/>
+          </a:xfrm>
+          <a:prstGeom prst="rect">
+            <a:avLst/>
+          </a:prstGeom>
+          <a:noFill/>
+          <a:ln>
+            <a:solidFill>
+              <a:schemeClr val="accent1"/>
+            </a:solidFill>
+          </a:ln>
+        </p:spPr>
+        <p:txBody>
+          <a:bodyPr wrap="square" rtlCol="0">
+            <a:spAutoFit/>
+          </a:bodyPr>
+          <a:lstStyle/>
+          <a:p>
+            <a:endParaRPr lang="en-US" dirty="0"/>
+          </a:p>
+        </p:txBody>
+      </p:sp>
+      <p:sp>
+        <p:nvSpPr>
+          <p:cNvPr id="6" name="TextBox 5">
+            <a:extLst>
+              <a:ext uri="{FF2B5EF4-FFF2-40B4-BE49-F238E27FC236}">
+                <a16:creationId xmlns:a16="http://schemas.microsoft.com/office/drawing/2014/main" id="{6506E7B0-7FC8-5A45-A350-6AFE042386A6}"/>
+              </a:ext>
+            </a:extLst>
+          </p:cNvPr>
+          <p:cNvSpPr txBox="1"/>
+          <p:nvPr/>
+        </p:nvSpPr>
+        <p:spPr>
+          <a:xfrm>
+            <a:off x="10086014" y="1097523"/>
+            <a:ext cx="2860646" cy="338554"/>
+          </a:xfrm>
+          <a:prstGeom prst="rect">
+            <a:avLst/>
+          </a:prstGeom>
+          <a:noFill/>
+        </p:spPr>
+        <p:txBody>
+          <a:bodyPr wrap="square" rtlCol="0">
+            <a:spAutoFit/>
+          </a:bodyPr>
+          <a:lstStyle/>
+          <a:p>
+            <a:r>
+              <a:rPr lang="en-US" sz="1600" dirty="0"/>
+              <a:t>Hi, (Doctor name)</a:t>
+            </a:r>
+          </a:p>
+        </p:txBody>
+      </p:sp>
+      <p:sp>
+        <p:nvSpPr>
+          <p:cNvPr id="7" name="TextBox 6">
+            <a:extLst>
+              <a:ext uri="{FF2B5EF4-FFF2-40B4-BE49-F238E27FC236}">
+                <a16:creationId xmlns:a16="http://schemas.microsoft.com/office/drawing/2014/main" id="{E7D745A2-1954-874D-B978-521F0D0FBC58}"/>
+              </a:ext>
+            </a:extLst>
+          </p:cNvPr>
+          <p:cNvSpPr txBox="1"/>
+          <p:nvPr/>
+        </p:nvSpPr>
+        <p:spPr>
+          <a:xfrm>
+            <a:off x="604007" y="360728"/>
+            <a:ext cx="1702965" cy="369332"/>
+          </a:xfrm>
+          <a:prstGeom prst="rect">
+            <a:avLst/>
+          </a:prstGeom>
+          <a:noFill/>
+        </p:spPr>
+        <p:txBody>
+          <a:bodyPr wrap="square" rtlCol="0">
+            <a:spAutoFit/>
+          </a:bodyPr>
+          <a:lstStyle/>
+          <a:p>
+            <a:r>
+              <a:rPr lang="en-US" dirty="0"/>
+              <a:t>LOGO</a:t>
+            </a:r>
+          </a:p>
+        </p:txBody>
+      </p:sp>
+      <p:sp>
+        <p:nvSpPr>
+          <p:cNvPr id="14" name="TextBox 13">
+            <a:extLst>
+              <a:ext uri="{FF2B5EF4-FFF2-40B4-BE49-F238E27FC236}">
+                <a16:creationId xmlns:a16="http://schemas.microsoft.com/office/drawing/2014/main" id="{7234AEA2-AEC3-0844-BDC9-78282380EB27}"/>
+              </a:ext>
+            </a:extLst>
+          </p:cNvPr>
+          <p:cNvSpPr txBox="1"/>
+          <p:nvPr/>
+        </p:nvSpPr>
+        <p:spPr>
+          <a:xfrm>
+            <a:off x="1149292" y="5403711"/>
+            <a:ext cx="1266738" cy="646331"/>
+          </a:xfrm>
+          <a:prstGeom prst="rect">
+            <a:avLst/>
+          </a:prstGeom>
+          <a:noFill/>
+        </p:spPr>
+        <p:txBody>
+          <a:bodyPr wrap="square" rtlCol="0">
+            <a:spAutoFit/>
+          </a:bodyPr>
+          <a:lstStyle/>
+          <a:p>
+            <a:r>
+              <a:rPr lang="en-US" dirty="0"/>
+              <a:t>Contact Details</a:t>
+            </a:r>
+          </a:p>
+        </p:txBody>
+      </p:sp>
+      <p:sp>
+        <p:nvSpPr>
+          <p:cNvPr id="15" name="TextBox 14">
+            <a:extLst>
+              <a:ext uri="{FF2B5EF4-FFF2-40B4-BE49-F238E27FC236}">
+                <a16:creationId xmlns:a16="http://schemas.microsoft.com/office/drawing/2014/main" id="{BBB57AFB-704D-B24F-8BE1-DE3DB4972EF5}"/>
+              </a:ext>
+            </a:extLst>
+          </p:cNvPr>
+          <p:cNvSpPr txBox="1"/>
+          <p:nvPr/>
+        </p:nvSpPr>
+        <p:spPr>
+          <a:xfrm>
+            <a:off x="4769140" y="356344"/>
+            <a:ext cx="2189527" cy="646331"/>
+          </a:xfrm>
+          <a:prstGeom prst="rect">
+            <a:avLst/>
+          </a:prstGeom>
+          <a:noFill/>
+        </p:spPr>
+        <p:txBody>
+          <a:bodyPr wrap="square" rtlCol="0">
+            <a:spAutoFit/>
+          </a:bodyPr>
+          <a:lstStyle/>
+          <a:p>
+            <a:r>
+              <a:rPr lang="en-US" dirty="0"/>
+              <a:t>Doctor Access</a:t>
+            </a:r>
+          </a:p>
+          <a:p>
+            <a:r>
+              <a:rPr lang="en-US" dirty="0"/>
+              <a:t>(</a:t>
+            </a:r>
+            <a:r>
+              <a:rPr lang="en-US" dirty="0" err="1">
+                <a:solidFill>
+                  <a:schemeClr val="accent5"/>
+                </a:solidFill>
+              </a:rPr>
+              <a:t>doctorAccess.jsp</a:t>
+            </a:r>
+            <a:r>
+              <a:rPr lang="en-US" dirty="0">
+                <a:solidFill>
+                  <a:schemeClr val="accent5"/>
+                </a:solidFill>
+              </a:rPr>
+              <a:t>)</a:t>
+            </a:r>
+          </a:p>
+        </p:txBody>
+      </p:sp>
+      <p:sp>
+        <p:nvSpPr>
+          <p:cNvPr id="17" name="TextBox 16">
+            <a:extLst>
+              <a:ext uri="{FF2B5EF4-FFF2-40B4-BE49-F238E27FC236}">
+                <a16:creationId xmlns:a16="http://schemas.microsoft.com/office/drawing/2014/main" id="{050A665A-C98A-B44A-8A44-D61414C70B12}"/>
+              </a:ext>
+            </a:extLst>
+          </p:cNvPr>
+          <p:cNvSpPr txBox="1"/>
+          <p:nvPr/>
+        </p:nvSpPr>
+        <p:spPr>
+          <a:xfrm>
+            <a:off x="10389765" y="5462434"/>
+            <a:ext cx="1266738" cy="369332"/>
+          </a:xfrm>
+          <a:prstGeom prst="rect">
+            <a:avLst/>
+          </a:prstGeom>
+          <a:noFill/>
+        </p:spPr>
+        <p:txBody>
+          <a:bodyPr wrap="square" rtlCol="0">
+            <a:spAutoFit/>
+          </a:bodyPr>
+          <a:lstStyle/>
+          <a:p>
+            <a:r>
+              <a:rPr lang="en-US" dirty="0"/>
+              <a:t>Copyright</a:t>
+            </a:r>
+          </a:p>
+        </p:txBody>
+      </p:sp>
+      <p:sp>
+        <p:nvSpPr>
+          <p:cNvPr id="20" name="TextBox 19">
+            <a:extLst>
+              <a:ext uri="{FF2B5EF4-FFF2-40B4-BE49-F238E27FC236}">
+                <a16:creationId xmlns:a16="http://schemas.microsoft.com/office/drawing/2014/main" id="{CC7689EE-3C59-2445-89B7-7E7BC7106C27}"/>
+              </a:ext>
+            </a:extLst>
+          </p:cNvPr>
+          <p:cNvSpPr txBox="1"/>
+          <p:nvPr/>
+        </p:nvSpPr>
+        <p:spPr>
+          <a:xfrm>
+            <a:off x="5036886" y="1770686"/>
+            <a:ext cx="2764173" cy="646331"/>
+          </a:xfrm>
+          <a:prstGeom prst="rect">
+            <a:avLst/>
+          </a:prstGeom>
+          <a:noFill/>
+        </p:spPr>
+        <p:txBody>
+          <a:bodyPr wrap="square" rtlCol="0">
+            <a:spAutoFit/>
+          </a:bodyPr>
+          <a:lstStyle/>
+          <a:p>
+            <a:r>
+              <a:rPr lang="en-US" sz="1200" dirty="0"/>
+              <a:t>Consultation</a:t>
+            </a:r>
+          </a:p>
+          <a:p>
+            <a:r>
+              <a:rPr lang="en-US" sz="1200" dirty="0">
+                <a:solidFill>
+                  <a:schemeClr val="accent5"/>
+                </a:solidFill>
+              </a:rPr>
+              <a:t>(</a:t>
+            </a:r>
+            <a:r>
+              <a:rPr lang="en-US" sz="1200" dirty="0" err="1">
+                <a:solidFill>
+                  <a:schemeClr val="accent5"/>
+                </a:solidFill>
+              </a:rPr>
+              <a:t>doctorAccess.jsp</a:t>
+            </a:r>
+            <a:r>
+              <a:rPr lang="en-US" sz="1200" dirty="0">
+                <a:solidFill>
+                  <a:schemeClr val="accent5"/>
+                </a:solidFill>
+              </a:rPr>
+              <a:t>)</a:t>
+            </a:r>
+            <a:endParaRPr lang="en-US" sz="1200" dirty="0"/>
+          </a:p>
+          <a:p>
+            <a:endParaRPr lang="en-US" sz="1200" dirty="0"/>
+          </a:p>
+        </p:txBody>
+      </p:sp>
+      <p:sp>
+        <p:nvSpPr>
+          <p:cNvPr id="25" name="TextBox 24">
+            <a:extLst>
+              <a:ext uri="{FF2B5EF4-FFF2-40B4-BE49-F238E27FC236}">
+                <a16:creationId xmlns:a16="http://schemas.microsoft.com/office/drawing/2014/main" id="{1BFA3CFC-E9F0-1D4D-B22F-9E62711B9D7A}"/>
+              </a:ext>
+            </a:extLst>
+          </p:cNvPr>
+          <p:cNvSpPr txBox="1"/>
+          <p:nvPr/>
+        </p:nvSpPr>
+        <p:spPr>
+          <a:xfrm>
+            <a:off x="5005955" y="2450888"/>
+            <a:ext cx="2271319" cy="461665"/>
+          </a:xfrm>
+          <a:prstGeom prst="rect">
+            <a:avLst/>
+          </a:prstGeom>
+          <a:noFill/>
+        </p:spPr>
+        <p:txBody>
+          <a:bodyPr wrap="square" rtlCol="0">
+            <a:spAutoFit/>
+          </a:bodyPr>
+          <a:lstStyle/>
+          <a:p>
+            <a:r>
+              <a:rPr lang="en-US" sz="1200" dirty="0">
+                <a:solidFill>
+                  <a:schemeClr val="accent6"/>
+                </a:solidFill>
+              </a:rPr>
+              <a:t>Select Patient  </a:t>
+            </a:r>
+            <a:r>
+              <a:rPr lang="en-US" sz="1200" dirty="0"/>
+              <a:t>(dropdown displays patient record in table)</a:t>
+            </a:r>
+          </a:p>
+        </p:txBody>
+      </p:sp>
+      <p:sp>
+        <p:nvSpPr>
+          <p:cNvPr id="21" name="TextBox 20">
+            <a:extLst>
+              <a:ext uri="{FF2B5EF4-FFF2-40B4-BE49-F238E27FC236}">
+                <a16:creationId xmlns:a16="http://schemas.microsoft.com/office/drawing/2014/main" id="{E7A802C5-ED52-3745-8A57-7A1ED52EC361}"/>
+              </a:ext>
+            </a:extLst>
+          </p:cNvPr>
+          <p:cNvSpPr txBox="1"/>
+          <p:nvPr/>
+        </p:nvSpPr>
+        <p:spPr>
+          <a:xfrm>
+            <a:off x="9756396" y="2521194"/>
+            <a:ext cx="2764173" cy="923330"/>
+          </a:xfrm>
+          <a:prstGeom prst="rect">
+            <a:avLst/>
+          </a:prstGeom>
+          <a:noFill/>
+        </p:spPr>
+        <p:txBody>
+          <a:bodyPr wrap="square" rtlCol="0">
+            <a:spAutoFit/>
+          </a:bodyPr>
+          <a:lstStyle/>
+          <a:p>
+            <a:r>
+              <a:rPr lang="en-US" dirty="0">
+                <a:solidFill>
+                  <a:srgbClr val="00B0F0"/>
+                </a:solidFill>
+              </a:rPr>
+              <a:t>Historical Patient Record (list in descending order (date))</a:t>
+            </a:r>
+          </a:p>
+        </p:txBody>
+      </p:sp>
+      <p:sp>
+        <p:nvSpPr>
+          <p:cNvPr id="38" name="TextBox 37">
+            <a:extLst>
+              <a:ext uri="{FF2B5EF4-FFF2-40B4-BE49-F238E27FC236}">
+                <a16:creationId xmlns:a16="http://schemas.microsoft.com/office/drawing/2014/main" id="{6F85AAAA-F39E-0C42-A2FA-A5DC7AE22FEA}"/>
+              </a:ext>
+            </a:extLst>
+          </p:cNvPr>
+          <p:cNvSpPr txBox="1"/>
+          <p:nvPr/>
+        </p:nvSpPr>
+        <p:spPr>
+          <a:xfrm>
+            <a:off x="587228" y="834694"/>
+            <a:ext cx="1736522" cy="646331"/>
+          </a:xfrm>
+          <a:prstGeom prst="rect">
+            <a:avLst/>
+          </a:prstGeom>
+          <a:noFill/>
+        </p:spPr>
+        <p:txBody>
+          <a:bodyPr wrap="square" rtlCol="0">
+            <a:spAutoFit/>
+          </a:bodyPr>
+          <a:lstStyle/>
+          <a:p>
+            <a:r>
+              <a:rPr lang="en-US" dirty="0"/>
+              <a:t>Home </a:t>
+            </a:r>
+            <a:r>
+              <a:rPr lang="en-US" dirty="0">
+                <a:solidFill>
+                  <a:schemeClr val="accent5"/>
+                </a:solidFill>
+              </a:rPr>
+              <a:t>(</a:t>
+            </a:r>
+            <a:r>
+              <a:rPr lang="en-US" dirty="0" err="1">
+                <a:solidFill>
+                  <a:schemeClr val="accent5"/>
+                </a:solidFill>
+              </a:rPr>
+              <a:t>index.jsp</a:t>
+            </a:r>
+            <a:r>
+              <a:rPr lang="en-US" dirty="0">
+                <a:solidFill>
+                  <a:schemeClr val="accent5"/>
+                </a:solidFill>
+              </a:rPr>
+              <a:t>)</a:t>
+            </a:r>
+          </a:p>
+        </p:txBody>
+      </p:sp>
+      <p:sp>
+        <p:nvSpPr>
+          <p:cNvPr id="39" name="TextBox 38">
+            <a:extLst>
+              <a:ext uri="{FF2B5EF4-FFF2-40B4-BE49-F238E27FC236}">
+                <a16:creationId xmlns:a16="http://schemas.microsoft.com/office/drawing/2014/main" id="{45A89CDF-A7EF-CE4B-B036-ACBEFDB2DDED}"/>
+              </a:ext>
+            </a:extLst>
+          </p:cNvPr>
+          <p:cNvSpPr txBox="1"/>
+          <p:nvPr/>
+        </p:nvSpPr>
+        <p:spPr>
+          <a:xfrm>
+            <a:off x="3381812" y="1053263"/>
+            <a:ext cx="2964559" cy="369332"/>
+          </a:xfrm>
+          <a:prstGeom prst="rect">
+            <a:avLst/>
+          </a:prstGeom>
+          <a:noFill/>
+        </p:spPr>
+        <p:txBody>
+          <a:bodyPr wrap="square" rtlCol="0">
+            <a:spAutoFit/>
+          </a:bodyPr>
+          <a:lstStyle/>
+          <a:p>
+            <a:r>
+              <a:rPr lang="en-US" dirty="0"/>
+              <a:t>Booking </a:t>
+            </a:r>
+            <a:r>
+              <a:rPr lang="en-US" dirty="0">
+                <a:solidFill>
+                  <a:schemeClr val="accent5"/>
+                </a:solidFill>
+              </a:rPr>
+              <a:t>(</a:t>
+            </a:r>
+            <a:r>
+              <a:rPr lang="en-US" dirty="0" err="1">
+                <a:solidFill>
+                  <a:schemeClr val="accent5"/>
+                </a:solidFill>
+              </a:rPr>
+              <a:t>bookings.jsp</a:t>
+            </a:r>
+            <a:r>
+              <a:rPr lang="en-US" dirty="0">
+                <a:solidFill>
+                  <a:schemeClr val="accent5"/>
+                </a:solidFill>
+              </a:rPr>
+              <a:t>)</a:t>
+            </a:r>
+          </a:p>
+        </p:txBody>
+      </p:sp>
+      <p:sp>
+        <p:nvSpPr>
+          <p:cNvPr id="40" name="TextBox 39">
+            <a:extLst>
+              <a:ext uri="{FF2B5EF4-FFF2-40B4-BE49-F238E27FC236}">
+                <a16:creationId xmlns:a16="http://schemas.microsoft.com/office/drawing/2014/main" id="{BD16A298-3BEA-9B45-B29E-481CEAE303D9}"/>
+              </a:ext>
+            </a:extLst>
+          </p:cNvPr>
+          <p:cNvSpPr txBox="1"/>
+          <p:nvPr/>
+        </p:nvSpPr>
+        <p:spPr>
+          <a:xfrm>
+            <a:off x="7108121" y="845256"/>
+            <a:ext cx="2860646" cy="646331"/>
+          </a:xfrm>
+          <a:prstGeom prst="rect">
+            <a:avLst/>
+          </a:prstGeom>
+          <a:noFill/>
+        </p:spPr>
+        <p:txBody>
+          <a:bodyPr wrap="square" rtlCol="0">
+            <a:spAutoFit/>
+          </a:bodyPr>
+          <a:lstStyle/>
+          <a:p>
+            <a:r>
+              <a:rPr lang="en-US" dirty="0"/>
+              <a:t>Treatment </a:t>
+            </a:r>
+            <a:r>
+              <a:rPr lang="en-US" dirty="0">
+                <a:solidFill>
+                  <a:schemeClr val="accent5"/>
+                </a:solidFill>
+              </a:rPr>
+              <a:t>(</a:t>
+            </a:r>
+            <a:r>
+              <a:rPr lang="en-US" dirty="0" err="1">
+                <a:solidFill>
+                  <a:schemeClr val="accent5"/>
+                </a:solidFill>
+              </a:rPr>
+              <a:t>displayRecord.jsp</a:t>
+            </a:r>
+            <a:r>
+              <a:rPr lang="en-US" dirty="0">
+                <a:solidFill>
+                  <a:schemeClr val="accent5"/>
+                </a:solidFill>
+              </a:rPr>
+              <a:t>)</a:t>
+            </a:r>
+          </a:p>
+        </p:txBody>
+      </p:sp>
+      <p:sp>
+        <p:nvSpPr>
+          <p:cNvPr id="42" name="TextBox 41">
+            <a:extLst>
+              <a:ext uri="{FF2B5EF4-FFF2-40B4-BE49-F238E27FC236}">
+                <a16:creationId xmlns:a16="http://schemas.microsoft.com/office/drawing/2014/main" id="{CD767DAD-AE8D-2C40-AB4E-7F0F706C80F7}"/>
+              </a:ext>
+            </a:extLst>
+          </p:cNvPr>
+          <p:cNvSpPr txBox="1"/>
+          <p:nvPr/>
+        </p:nvSpPr>
+        <p:spPr>
+          <a:xfrm>
+            <a:off x="6006516" y="4613811"/>
+            <a:ext cx="1904301" cy="338554"/>
+          </a:xfrm>
+          <a:prstGeom prst="rect">
+            <a:avLst/>
+          </a:prstGeom>
+          <a:noFill/>
+        </p:spPr>
+        <p:txBody>
+          <a:bodyPr wrap="square" rtlCol="0">
+            <a:spAutoFit/>
+          </a:bodyPr>
+          <a:lstStyle/>
+          <a:p>
+            <a:r>
+              <a:rPr lang="en-US" sz="1600" dirty="0"/>
+              <a:t>Save</a:t>
+            </a:r>
+          </a:p>
+        </p:txBody>
+      </p:sp>
+      <p:sp>
+        <p:nvSpPr>
+          <p:cNvPr id="43" name="TextBox 42">
+            <a:extLst>
+              <a:ext uri="{FF2B5EF4-FFF2-40B4-BE49-F238E27FC236}">
+                <a16:creationId xmlns:a16="http://schemas.microsoft.com/office/drawing/2014/main" id="{61953216-8D28-8C46-8C83-58B81436E432}"/>
+              </a:ext>
+            </a:extLst>
+          </p:cNvPr>
+          <p:cNvSpPr txBox="1"/>
+          <p:nvPr/>
+        </p:nvSpPr>
+        <p:spPr>
+          <a:xfrm>
+            <a:off x="7388602" y="4619739"/>
+            <a:ext cx="1904301" cy="338554"/>
+          </a:xfrm>
+          <a:prstGeom prst="rect">
+            <a:avLst/>
+          </a:prstGeom>
+          <a:noFill/>
+        </p:spPr>
+        <p:txBody>
+          <a:bodyPr wrap="square" rtlCol="0">
+            <a:spAutoFit/>
+          </a:bodyPr>
+          <a:lstStyle/>
+          <a:p>
+            <a:r>
+              <a:rPr lang="en-US" sz="1600" dirty="0"/>
+              <a:t>Cancel</a:t>
+            </a:r>
+          </a:p>
+        </p:txBody>
+      </p:sp>
+      <p:sp>
+        <p:nvSpPr>
+          <p:cNvPr id="46" name="Rounded Rectangle 45">
+            <a:extLst>
+              <a:ext uri="{FF2B5EF4-FFF2-40B4-BE49-F238E27FC236}">
+                <a16:creationId xmlns:a16="http://schemas.microsoft.com/office/drawing/2014/main" id="{38879453-DAFD-364B-BF32-3C5E5350F2E8}"/>
+              </a:ext>
+            </a:extLst>
+          </p:cNvPr>
+          <p:cNvSpPr/>
+          <p:nvPr/>
+        </p:nvSpPr>
+        <p:spPr>
+          <a:xfrm>
+            <a:off x="1907573" y="252039"/>
+            <a:ext cx="1624268" cy="564558"/>
+          </a:xfrm>
+          <a:prstGeom prst="roundRect">
+            <a:avLst/>
+          </a:prstGeom>
+        </p:spPr>
+        <p:style>
+          <a:lnRef idx="1">
+            <a:schemeClr val="accent6"/>
+          </a:lnRef>
+          <a:fillRef idx="3">
+            <a:schemeClr val="accent6"/>
+          </a:fillRef>
+          <a:effectRef idx="2">
+            <a:schemeClr val="accent6"/>
+          </a:effectRef>
+          <a:fontRef idx="minor">
+            <a:schemeClr val="lt1"/>
+          </a:fontRef>
+        </p:style>
+        <p:txBody>
+          <a:bodyPr rtlCol="0" anchor="ctr"/>
+          <a:lstStyle/>
+          <a:p>
+            <a:pPr algn="ctr"/>
+            <a:r>
+              <a:rPr lang="en-US" dirty="0"/>
+              <a:t>Page Created</a:t>
+            </a:r>
+          </a:p>
+        </p:txBody>
+      </p:sp>
+      <p:sp>
+        <p:nvSpPr>
+          <p:cNvPr id="33" name="Rounded Rectangle 32">
+            <a:extLst>
+              <a:ext uri="{FF2B5EF4-FFF2-40B4-BE49-F238E27FC236}">
+                <a16:creationId xmlns:a16="http://schemas.microsoft.com/office/drawing/2014/main" id="{B22E056B-76E2-7F41-849B-C5A4F20A3582}"/>
+              </a:ext>
+            </a:extLst>
+          </p:cNvPr>
+          <p:cNvSpPr/>
+          <p:nvPr/>
+        </p:nvSpPr>
+        <p:spPr>
+          <a:xfrm>
+            <a:off x="1824057" y="906603"/>
+            <a:ext cx="1621021" cy="601568"/>
+          </a:xfrm>
+          <a:prstGeom prst="roundRect">
+            <a:avLst/>
+          </a:prstGeom>
+        </p:spPr>
+        <p:style>
+          <a:lnRef idx="2">
+            <a:schemeClr val="accent2">
+              <a:shade val="50000"/>
+            </a:schemeClr>
+          </a:lnRef>
+          <a:fillRef idx="1">
+            <a:schemeClr val="accent2"/>
+          </a:fillRef>
+          <a:effectRef idx="0">
+            <a:schemeClr val="accent2"/>
+          </a:effectRef>
+          <a:fontRef idx="minor">
+            <a:schemeClr val="lt1"/>
+          </a:fontRef>
+        </p:style>
+        <p:txBody>
+          <a:bodyPr rtlCol="0" anchor="ctr"/>
+          <a:lstStyle/>
+          <a:p>
+            <a:pPr algn="ctr"/>
+            <a:r>
+              <a:rPr lang="en-US" dirty="0"/>
+              <a:t>Patient </a:t>
+            </a:r>
+            <a:r>
+              <a:rPr lang="en-US" dirty="0" err="1"/>
+              <a:t>DoctorServlet</a:t>
+            </a:r>
+            <a:endParaRPr lang="en-US" dirty="0"/>
+          </a:p>
+        </p:txBody>
+      </p:sp>
+      <p:sp>
+        <p:nvSpPr>
+          <p:cNvPr id="34" name="TextBox 33">
+            <a:extLst>
+              <a:ext uri="{FF2B5EF4-FFF2-40B4-BE49-F238E27FC236}">
+                <a16:creationId xmlns:a16="http://schemas.microsoft.com/office/drawing/2014/main" id="{DDA38BC2-5B41-9344-BAD5-7D561D3917F1}"/>
+              </a:ext>
+            </a:extLst>
+          </p:cNvPr>
+          <p:cNvSpPr txBox="1"/>
+          <p:nvPr/>
+        </p:nvSpPr>
+        <p:spPr>
+          <a:xfrm>
+            <a:off x="10765572" y="223578"/>
+            <a:ext cx="1073791" cy="523220"/>
+          </a:xfrm>
+          <a:prstGeom prst="rect">
+            <a:avLst/>
+          </a:prstGeom>
+          <a:noFill/>
+        </p:spPr>
+        <p:txBody>
+          <a:bodyPr wrap="square" rtlCol="0">
+            <a:spAutoFit/>
+          </a:bodyPr>
+          <a:lstStyle/>
+          <a:p>
+            <a:r>
+              <a:rPr lang="en-US" sz="1400" dirty="0"/>
+              <a:t>Sign out</a:t>
+            </a:r>
+          </a:p>
+          <a:p>
+            <a:r>
+              <a:rPr lang="en-US" sz="1400" dirty="0">
+                <a:solidFill>
+                  <a:schemeClr val="accent5"/>
+                </a:solidFill>
+              </a:rPr>
+              <a:t>(</a:t>
+            </a:r>
+            <a:r>
+              <a:rPr lang="en-US" sz="1400" dirty="0" err="1">
+                <a:solidFill>
+                  <a:schemeClr val="accent5"/>
+                </a:solidFill>
+              </a:rPr>
+              <a:t>url.signout</a:t>
+            </a:r>
+            <a:r>
+              <a:rPr lang="en-US" sz="1400" dirty="0">
+                <a:solidFill>
+                  <a:schemeClr val="accent5"/>
+                </a:solidFill>
+              </a:rPr>
+              <a:t>)</a:t>
+            </a:r>
+            <a:endParaRPr lang="en-US" sz="1400" dirty="0"/>
+          </a:p>
+        </p:txBody>
+      </p:sp>
+      <p:sp>
+        <p:nvSpPr>
+          <p:cNvPr id="30" name="Rounded Rectangle 29">
+            <a:extLst>
+              <a:ext uri="{FF2B5EF4-FFF2-40B4-BE49-F238E27FC236}">
+                <a16:creationId xmlns:a16="http://schemas.microsoft.com/office/drawing/2014/main" id="{247E08B4-CC8D-474F-8D2A-8BF6D321CC20}"/>
+              </a:ext>
+            </a:extLst>
+          </p:cNvPr>
+          <p:cNvSpPr/>
+          <p:nvPr/>
+        </p:nvSpPr>
+        <p:spPr>
+          <a:xfrm>
+            <a:off x="82931" y="3426428"/>
+            <a:ext cx="2389445" cy="1377232"/>
+          </a:xfrm>
+          <a:prstGeom prst="roundRect">
+            <a:avLst/>
+          </a:prstGeom>
+          <a:solidFill>
+            <a:schemeClr val="accent2"/>
+          </a:solidFill>
+        </p:spPr>
+        <p:style>
+          <a:lnRef idx="1">
+            <a:schemeClr val="accent6"/>
+          </a:lnRef>
+          <a:fillRef idx="3">
+            <a:schemeClr val="accent6"/>
+          </a:fillRef>
+          <a:effectRef idx="2">
+            <a:schemeClr val="accent6"/>
+          </a:effectRef>
+          <a:fontRef idx="minor">
+            <a:schemeClr val="lt1"/>
+          </a:fontRef>
+        </p:style>
+        <p:txBody>
+          <a:bodyPr rtlCol="0" anchor="ctr"/>
+          <a:lstStyle/>
+          <a:p>
+            <a:pPr algn="ctr"/>
+            <a:r>
+              <a:rPr lang="en-US" dirty="0"/>
+              <a:t>Change page title</a:t>
+            </a:r>
+          </a:p>
+          <a:p>
+            <a:pPr algn="ctr"/>
+            <a:r>
+              <a:rPr lang="en-US" dirty="0"/>
+              <a:t>Change input form</a:t>
+            </a:r>
+          </a:p>
+          <a:p>
+            <a:pPr algn="ctr"/>
+            <a:r>
+              <a:rPr lang="en-US" dirty="0"/>
+              <a:t>complete </a:t>
+            </a:r>
+            <a:r>
+              <a:rPr lang="en-US" dirty="0" err="1"/>
+              <a:t>DAccessServlet.java</a:t>
+            </a:r>
+            <a:endParaRPr lang="en-US" dirty="0"/>
+          </a:p>
+        </p:txBody>
+      </p:sp>
+      <p:pic>
+        <p:nvPicPr>
+          <p:cNvPr id="31" name="Graphic 30" descr="Construction Barricade with solid fill">
+            <a:extLst>
+              <a:ext uri="{FF2B5EF4-FFF2-40B4-BE49-F238E27FC236}">
+                <a16:creationId xmlns:a16="http://schemas.microsoft.com/office/drawing/2014/main" id="{59B42CD6-6E01-914C-9E45-4D6D23ED0422}"/>
+              </a:ext>
+            </a:extLst>
+          </p:cNvPr>
+          <p:cNvPicPr>
+            <a:picLocks noChangeAspect="1"/>
+          </p:cNvPicPr>
+          <p:nvPr/>
+        </p:nvPicPr>
+        <p:blipFill>
+          <a:blip r:embed="rId2">
+            <a:extLst>
+              <a:ext uri="{96DAC541-7B7A-43D3-8B79-37D633B846F1}">
+                <asvg:svgBlip xmlns:asvg="http://schemas.microsoft.com/office/drawing/2016/SVG/main" r:embed="rId3"/>
+              </a:ext>
+            </a:extLst>
+          </a:blip>
+          <a:stretch>
+            <a:fillRect/>
+          </a:stretch>
+        </p:blipFill>
+        <p:spPr>
+          <a:xfrm>
+            <a:off x="9100281" y="176893"/>
+            <a:ext cx="914400" cy="914400"/>
+          </a:xfrm>
+          <a:prstGeom prst="rect">
+            <a:avLst/>
+          </a:prstGeom>
+        </p:spPr>
+      </p:pic>
+      <p:sp>
+        <p:nvSpPr>
+          <p:cNvPr id="35" name="Rounded Rectangle 34">
+            <a:extLst>
+              <a:ext uri="{FF2B5EF4-FFF2-40B4-BE49-F238E27FC236}">
+                <a16:creationId xmlns:a16="http://schemas.microsoft.com/office/drawing/2014/main" id="{47C2B212-1C90-7047-9FD8-8FA23622BF02}"/>
+              </a:ext>
+            </a:extLst>
+          </p:cNvPr>
+          <p:cNvSpPr/>
+          <p:nvPr/>
+        </p:nvSpPr>
+        <p:spPr>
+          <a:xfrm>
+            <a:off x="1" y="1857038"/>
+            <a:ext cx="2555306" cy="1377232"/>
+          </a:xfrm>
+          <a:prstGeom prst="roundRect">
+            <a:avLst/>
+          </a:prstGeom>
+        </p:spPr>
+        <p:style>
+          <a:lnRef idx="1">
+            <a:schemeClr val="accent6"/>
+          </a:lnRef>
+          <a:fillRef idx="3">
+            <a:schemeClr val="accent6"/>
+          </a:fillRef>
+          <a:effectRef idx="2">
+            <a:schemeClr val="accent6"/>
+          </a:effectRef>
+          <a:fontRef idx="minor">
+            <a:schemeClr val="lt1"/>
+          </a:fontRef>
+        </p:style>
+        <p:txBody>
+          <a:bodyPr rtlCol="0" anchor="ctr"/>
+          <a:lstStyle/>
+          <a:p>
+            <a:pPr algn="ctr"/>
+            <a:r>
+              <a:rPr lang="en-US" sz="1600" dirty="0" err="1"/>
+              <a:t>doctorAccess.jsp</a:t>
+            </a:r>
+            <a:r>
+              <a:rPr lang="en-US" sz="1600" dirty="0"/>
+              <a:t> Created</a:t>
+            </a:r>
+          </a:p>
+          <a:p>
+            <a:pPr algn="ctr"/>
+            <a:r>
+              <a:rPr lang="en-US" sz="1600" dirty="0" err="1"/>
+              <a:t>Record.java</a:t>
+            </a:r>
+            <a:r>
+              <a:rPr lang="en-US" sz="1600" dirty="0"/>
+              <a:t> created</a:t>
+            </a:r>
+          </a:p>
+          <a:p>
+            <a:pPr algn="ctr"/>
+            <a:r>
+              <a:rPr lang="en-US" sz="1600" dirty="0" err="1"/>
+              <a:t>ConsultationQuery.java</a:t>
+            </a:r>
+            <a:r>
+              <a:rPr lang="en-US" sz="1600" dirty="0"/>
+              <a:t> created</a:t>
+            </a:r>
+          </a:p>
+        </p:txBody>
+      </p:sp>
+      <p:graphicFrame>
+        <p:nvGraphicFramePr>
+          <p:cNvPr id="36" name="Table 2">
+            <a:extLst>
+              <a:ext uri="{FF2B5EF4-FFF2-40B4-BE49-F238E27FC236}">
+                <a16:creationId xmlns:a16="http://schemas.microsoft.com/office/drawing/2014/main" id="{F90B1501-0FF8-B141-8AB5-1ADEB1DB1FB0}"/>
+              </a:ext>
+            </a:extLst>
+          </p:cNvPr>
+          <p:cNvGraphicFramePr>
+            <a:graphicFrameLocks noGrp="1"/>
+          </p:cNvGraphicFramePr>
+          <p:nvPr>
+            <p:extLst>
+              <p:ext uri="{D42A27DB-BD31-4B8C-83A1-F6EECF244321}">
+                <p14:modId xmlns:p14="http://schemas.microsoft.com/office/powerpoint/2010/main" val="606610643"/>
+              </p:ext>
+            </p:extLst>
+          </p:nvPr>
+        </p:nvGraphicFramePr>
+        <p:xfrm>
+          <a:off x="3434793" y="2910410"/>
+          <a:ext cx="5162113" cy="802566"/>
+        </p:xfrm>
+        <a:graphic>
+          <a:graphicData uri="http://schemas.openxmlformats.org/drawingml/2006/table">
+            <a:tbl>
+              <a:tblPr firstRow="1" bandRow="1">
+                <a:tableStyleId>{F5AB1C69-6EDB-4FF4-983F-18BD219EF322}</a:tableStyleId>
+              </a:tblPr>
+              <a:tblGrid>
+                <a:gridCol w="1259791">
+                  <a:extLst>
+                    <a:ext uri="{9D8B030D-6E8A-4147-A177-3AD203B41FA5}">
+                      <a16:colId xmlns:a16="http://schemas.microsoft.com/office/drawing/2014/main" val="484706619"/>
+                    </a:ext>
+                  </a:extLst>
+                </a:gridCol>
+                <a:gridCol w="1259791">
+                  <a:extLst>
+                    <a:ext uri="{9D8B030D-6E8A-4147-A177-3AD203B41FA5}">
+                      <a16:colId xmlns:a16="http://schemas.microsoft.com/office/drawing/2014/main" val="82939911"/>
+                    </a:ext>
+                  </a:extLst>
+                </a:gridCol>
+                <a:gridCol w="1259791">
+                  <a:extLst>
+                    <a:ext uri="{9D8B030D-6E8A-4147-A177-3AD203B41FA5}">
+                      <a16:colId xmlns:a16="http://schemas.microsoft.com/office/drawing/2014/main" val="930562621"/>
+                    </a:ext>
+                  </a:extLst>
+                </a:gridCol>
+                <a:gridCol w="1382740">
+                  <a:extLst>
+                    <a:ext uri="{9D8B030D-6E8A-4147-A177-3AD203B41FA5}">
+                      <a16:colId xmlns:a16="http://schemas.microsoft.com/office/drawing/2014/main" val="2014208457"/>
+                    </a:ext>
+                  </a:extLst>
+                </a:gridCol>
+              </a:tblGrid>
+              <a:tr h="225051">
+                <a:tc>
+                  <a:txBody>
+                    <a:bodyPr/>
+                    <a:lstStyle/>
+                    <a:p>
+                      <a:r>
+                        <a:rPr lang="en-US" sz="1200" dirty="0"/>
+                        <a:t>Name</a:t>
+                      </a:r>
+                    </a:p>
+                  </a:txBody>
+                  <a:tcPr/>
+                </a:tc>
+                <a:tc>
+                  <a:txBody>
+                    <a:bodyPr/>
+                    <a:lstStyle/>
+                    <a:p>
+                      <a:r>
+                        <a:rPr lang="en-US" sz="1200" dirty="0"/>
+                        <a:t>Phone</a:t>
+                      </a:r>
+                    </a:p>
+                  </a:txBody>
+                  <a:tcPr/>
+                </a:tc>
+                <a:tc>
+                  <a:txBody>
+                    <a:bodyPr/>
+                    <a:lstStyle/>
+                    <a:p>
+                      <a:r>
+                        <a:rPr lang="en-US" sz="1200" dirty="0"/>
+                        <a:t>Date of Birth</a:t>
+                      </a:r>
+                    </a:p>
+                  </a:txBody>
+                  <a:tcPr/>
+                </a:tc>
+                <a:tc>
+                  <a:txBody>
+                    <a:bodyPr/>
+                    <a:lstStyle/>
+                    <a:p>
+                      <a:r>
+                        <a:rPr lang="en-US" sz="1200" dirty="0"/>
+                        <a:t>problem</a:t>
+                      </a:r>
+                    </a:p>
+                  </a:txBody>
+                  <a:tcPr/>
+                </a:tc>
+                <a:extLst>
+                  <a:ext uri="{0D108BD9-81ED-4DB2-BD59-A6C34878D82A}">
+                    <a16:rowId xmlns:a16="http://schemas.microsoft.com/office/drawing/2014/main" val="1704761114"/>
+                  </a:ext>
+                </a:extLst>
+              </a:tr>
+              <a:tr h="528246">
+                <a:tc>
+                  <a:txBody>
+                    <a:bodyPr/>
+                    <a:lstStyle/>
+                    <a:p>
+                      <a:endParaRPr lang="en-US" sz="1200" dirty="0"/>
+                    </a:p>
+                  </a:txBody>
+                  <a:tcPr/>
+                </a:tc>
+                <a:tc>
+                  <a:txBody>
+                    <a:bodyPr/>
+                    <a:lstStyle/>
+                    <a:p>
+                      <a:endParaRPr lang="en-US" sz="1200" dirty="0"/>
+                    </a:p>
+                  </a:txBody>
+                  <a:tcPr/>
+                </a:tc>
+                <a:tc>
+                  <a:txBody>
+                    <a:bodyPr/>
+                    <a:lstStyle/>
+                    <a:p>
+                      <a:endParaRPr lang="en-US" sz="1200" dirty="0"/>
+                    </a:p>
+                  </a:txBody>
+                  <a:tcPr/>
+                </a:tc>
+                <a:tc>
+                  <a:txBody>
+                    <a:bodyPr/>
+                    <a:lstStyle/>
+                    <a:p>
+                      <a:endParaRPr lang="en-US" sz="1200" dirty="0"/>
+                    </a:p>
+                  </a:txBody>
+                  <a:tcPr/>
+                </a:tc>
+                <a:extLst>
+                  <a:ext uri="{0D108BD9-81ED-4DB2-BD59-A6C34878D82A}">
+                    <a16:rowId xmlns:a16="http://schemas.microsoft.com/office/drawing/2014/main" val="714643636"/>
+                  </a:ext>
+                </a:extLst>
+              </a:tr>
+            </a:tbl>
+          </a:graphicData>
+        </a:graphic>
+      </p:graphicFrame>
+      <p:sp>
+        <p:nvSpPr>
+          <p:cNvPr id="9" name="Rectangle 8">
+            <a:extLst>
+              <a:ext uri="{FF2B5EF4-FFF2-40B4-BE49-F238E27FC236}">
+                <a16:creationId xmlns:a16="http://schemas.microsoft.com/office/drawing/2014/main" id="{D106F317-70FA-4F4C-87E7-B184F50DB146}"/>
+              </a:ext>
+            </a:extLst>
+          </p:cNvPr>
+          <p:cNvSpPr/>
+          <p:nvPr/>
+        </p:nvSpPr>
+        <p:spPr>
+          <a:xfrm>
+            <a:off x="3424447" y="3791341"/>
+            <a:ext cx="2554022" cy="668890"/>
+          </a:xfrm>
+          <a:prstGeom prst="rect">
+            <a:avLst/>
+          </a:prstGeom>
+        </p:spPr>
+        <p:style>
+          <a:lnRef idx="3">
+            <a:schemeClr val="lt1"/>
+          </a:lnRef>
+          <a:fillRef idx="1">
+            <a:schemeClr val="accent3"/>
+          </a:fillRef>
+          <a:effectRef idx="1">
+            <a:schemeClr val="accent3"/>
+          </a:effectRef>
+          <a:fontRef idx="minor">
+            <a:schemeClr val="lt1"/>
+          </a:fontRef>
+        </p:style>
+        <p:txBody>
+          <a:bodyPr rtlCol="0" anchor="ctr"/>
+          <a:lstStyle/>
+          <a:p>
+            <a:pPr algn="ctr"/>
+            <a:r>
+              <a:rPr lang="en-US" dirty="0"/>
+              <a:t>Prescribe Treatment</a:t>
+            </a:r>
+          </a:p>
+        </p:txBody>
+      </p:sp>
+      <p:sp>
+        <p:nvSpPr>
+          <p:cNvPr id="37" name="Rectangle 36">
+            <a:extLst>
+              <a:ext uri="{FF2B5EF4-FFF2-40B4-BE49-F238E27FC236}">
+                <a16:creationId xmlns:a16="http://schemas.microsoft.com/office/drawing/2014/main" id="{E37FE78C-4D0A-B644-81B4-CAD0B5E96E9F}"/>
+              </a:ext>
+            </a:extLst>
+          </p:cNvPr>
+          <p:cNvSpPr/>
+          <p:nvPr/>
+        </p:nvSpPr>
+        <p:spPr>
+          <a:xfrm>
+            <a:off x="5951430" y="3791341"/>
+            <a:ext cx="2645476" cy="668890"/>
+          </a:xfrm>
+          <a:prstGeom prst="rect">
+            <a:avLst/>
+          </a:prstGeom>
+        </p:spPr>
+        <p:style>
+          <a:lnRef idx="3">
+            <a:schemeClr val="lt1"/>
+          </a:lnRef>
+          <a:fillRef idx="1">
+            <a:schemeClr val="accent3"/>
+          </a:fillRef>
+          <a:effectRef idx="1">
+            <a:schemeClr val="accent3"/>
+          </a:effectRef>
+          <a:fontRef idx="minor">
+            <a:schemeClr val="lt1"/>
+          </a:fontRef>
+        </p:style>
+        <p:txBody>
+          <a:bodyPr rtlCol="0" anchor="ctr"/>
+          <a:lstStyle/>
+          <a:p>
+            <a:pPr algn="ctr"/>
+            <a:r>
+              <a:rPr lang="en-US" dirty="0"/>
+              <a:t>Prescribe Test</a:t>
+            </a:r>
+          </a:p>
+        </p:txBody>
+      </p:sp>
+      <p:sp>
+        <p:nvSpPr>
+          <p:cNvPr id="10" name="Rounded Rectangular Callout 9">
+            <a:extLst>
+              <a:ext uri="{FF2B5EF4-FFF2-40B4-BE49-F238E27FC236}">
+                <a16:creationId xmlns:a16="http://schemas.microsoft.com/office/drawing/2014/main" id="{E9779956-C330-B646-A7B4-6534E69B3058}"/>
+              </a:ext>
+            </a:extLst>
+          </p:cNvPr>
+          <p:cNvSpPr/>
+          <p:nvPr/>
+        </p:nvSpPr>
+        <p:spPr>
+          <a:xfrm>
+            <a:off x="9825968" y="3981249"/>
+            <a:ext cx="1830535" cy="1102479"/>
+          </a:xfrm>
+          <a:prstGeom prst="wedgeRoundRectCallout">
+            <a:avLst>
+              <a:gd name="adj1" fmla="val -169729"/>
+              <a:gd name="adj2" fmla="val -110722"/>
+              <a:gd name="adj3" fmla="val 16667"/>
+            </a:avLst>
+          </a:prstGeom>
+        </p:spPr>
+        <p:style>
+          <a:lnRef idx="0">
+            <a:schemeClr val="accent4"/>
+          </a:lnRef>
+          <a:fillRef idx="3">
+            <a:schemeClr val="accent4"/>
+          </a:fillRef>
+          <a:effectRef idx="3">
+            <a:schemeClr val="accent4"/>
+          </a:effectRef>
+          <a:fontRef idx="minor">
+            <a:schemeClr val="lt1"/>
+          </a:fontRef>
+        </p:style>
+        <p:txBody>
+          <a:bodyPr rtlCol="0" anchor="ctr"/>
+          <a:lstStyle/>
+          <a:p>
+            <a:pPr algn="ctr"/>
+            <a:r>
+              <a:rPr lang="en-US" dirty="0"/>
+              <a:t>display from patient booking (</a:t>
+            </a:r>
+            <a:r>
+              <a:rPr lang="en-US" dirty="0" err="1"/>
+              <a:t>record.java</a:t>
+            </a:r>
+            <a:r>
+              <a:rPr lang="en-US" dirty="0"/>
+              <a:t>)</a:t>
+            </a:r>
+          </a:p>
+        </p:txBody>
+      </p:sp>
+      <p:sp>
+        <p:nvSpPr>
+          <p:cNvPr id="47" name="Rounded Rectangular Callout 46">
+            <a:extLst>
+              <a:ext uri="{FF2B5EF4-FFF2-40B4-BE49-F238E27FC236}">
+                <a16:creationId xmlns:a16="http://schemas.microsoft.com/office/drawing/2014/main" id="{8267CA8B-E08F-2440-B349-9A19426F44EB}"/>
+              </a:ext>
+            </a:extLst>
+          </p:cNvPr>
+          <p:cNvSpPr/>
+          <p:nvPr/>
+        </p:nvSpPr>
+        <p:spPr>
+          <a:xfrm>
+            <a:off x="2719707" y="5472817"/>
+            <a:ext cx="1688810" cy="1102479"/>
+          </a:xfrm>
+          <a:prstGeom prst="wedgeRoundRectCallout">
+            <a:avLst>
+              <a:gd name="adj1" fmla="val 156851"/>
+              <a:gd name="adj2" fmla="val -102946"/>
+              <a:gd name="adj3" fmla="val 16667"/>
+            </a:avLst>
+          </a:prstGeom>
+        </p:spPr>
+        <p:style>
+          <a:lnRef idx="0">
+            <a:schemeClr val="accent4"/>
+          </a:lnRef>
+          <a:fillRef idx="3">
+            <a:schemeClr val="accent4"/>
+          </a:fillRef>
+          <a:effectRef idx="3">
+            <a:schemeClr val="accent4"/>
+          </a:effectRef>
+          <a:fontRef idx="minor">
+            <a:schemeClr val="lt1"/>
+          </a:fontRef>
+        </p:style>
+        <p:txBody>
+          <a:bodyPr rtlCol="0" anchor="ctr"/>
+          <a:lstStyle/>
+          <a:p>
+            <a:pPr algn="ctr"/>
+            <a:r>
+              <a:rPr lang="en-US" dirty="0"/>
+              <a:t>Action updates </a:t>
+            </a:r>
+            <a:r>
+              <a:rPr lang="en-US" dirty="0" err="1"/>
+              <a:t>record.java</a:t>
+            </a:r>
+            <a:endParaRPr lang="en-US" dirty="0"/>
+          </a:p>
+        </p:txBody>
+      </p:sp>
+    </p:spTree>
+    <p:extLst>
+      <p:ext uri="{BB962C8B-B14F-4D97-AF65-F5344CB8AC3E}">
+        <p14:creationId xmlns:p14="http://schemas.microsoft.com/office/powerpoint/2010/main" val="2024253038"/>
+      </p:ext>
+    </p:extLst>
+  </p:cSld>
+  <p:clrMapOvr>
+    <a:masterClrMapping/>
+  </p:clrMapOvr>
+</p:sld>
+</file>
+
+<file path=ppt/slides/slide11.xml><?xml version="1.0" encoding="utf-8"?>
 <p:sld xmlns:a="http://schemas.openxmlformats.org/drawingml/2006/main" xmlns:r="http://schemas.openxmlformats.org/officeDocument/2006/relationships" xmlns:p="http://schemas.openxmlformats.org/presentationml/2006/main">
   <p:cSld>
     <p:spTree>
@@ -5124,7 +6588,7 @@
 </p:sld>
 </file>
 
-<file path=ppt/slides/slide11.xml><?xml version="1.0" encoding="utf-8"?>
+<file path=ppt/slides/slide12.xml><?xml version="1.0" encoding="utf-8"?>
 <p:sld xmlns:a="http://schemas.openxmlformats.org/drawingml/2006/main" xmlns:r="http://schemas.openxmlformats.org/officeDocument/2006/relationships" xmlns:p="http://schemas.openxmlformats.org/presentationml/2006/main">
   <p:cSld>
     <p:spTree>
@@ -5382,7 +6846,7 @@
         </p:nvSpPr>
         <p:spPr>
           <a:xfrm>
-            <a:off x="5395817" y="1922215"/>
+            <a:off x="5376044" y="2197414"/>
             <a:ext cx="896125" cy="369332"/>
           </a:xfrm>
           <a:prstGeom prst="rect">
@@ -7041,7 +8505,7 @@
         </p:nvSpPr>
         <p:spPr>
           <a:xfrm>
-            <a:off x="5500280" y="3143980"/>
+            <a:off x="4884488" y="2832884"/>
             <a:ext cx="1395369" cy="369332"/>
           </a:xfrm>
           <a:prstGeom prst="rect">
@@ -7057,7 +8521,7 @@
           <a:p>
             <a:r>
               <a:rPr lang="en-US" dirty="0"/>
-              <a:t>Phone</a:t>
+              <a:t>Select User</a:t>
             </a:r>
           </a:p>
         </p:txBody>
@@ -7124,8 +8588,8 @@
         </p:nvSpPr>
         <p:spPr>
           <a:xfrm>
-            <a:off x="5500280" y="2077448"/>
-            <a:ext cx="2403447" cy="646331"/>
+            <a:off x="4884487" y="1851038"/>
+            <a:ext cx="1679599" cy="646331"/>
           </a:xfrm>
           <a:prstGeom prst="rect">
             <a:avLst/>
@@ -7140,7 +8604,7 @@
           <a:p>
             <a:r>
               <a:rPr lang="en-US" dirty="0"/>
-              <a:t>Patient Login</a:t>
+              <a:t>login</a:t>
             </a:r>
           </a:p>
           <a:p>
@@ -7158,7 +8622,7 @@
                   <a:schemeClr val="accent5"/>
                 </a:solidFill>
               </a:rPr>
-              <a:t>Plog</a:t>
+              <a:t>login.jsp</a:t>
             </a:r>
             <a:r>
               <a:rPr lang="en-US" dirty="0">
@@ -7173,10 +8637,10 @@
       </p:sp>
       <p:sp>
         <p:nvSpPr>
-          <p:cNvPr id="22" name="TextBox 21">
-            <a:extLst>
-              <a:ext uri="{FF2B5EF4-FFF2-40B4-BE49-F238E27FC236}">
-                <a16:creationId xmlns:a16="http://schemas.microsoft.com/office/drawing/2014/main" id="{4E15EDB9-9F80-4C49-9743-25BDD1E44106}"/>
+          <p:cNvPr id="19" name="TextBox 18">
+            <a:extLst>
+              <a:ext uri="{FF2B5EF4-FFF2-40B4-BE49-F238E27FC236}">
+                <a16:creationId xmlns:a16="http://schemas.microsoft.com/office/drawing/2014/main" id="{407C1F0F-6AA2-E744-B308-37DC8D85EFF6}"/>
               </a:ext>
             </a:extLst>
           </p:cNvPr>
@@ -7185,8 +8649,8 @@
         </p:nvSpPr>
         <p:spPr>
           <a:xfrm>
-            <a:off x="5500280" y="3560762"/>
-            <a:ext cx="1491845" cy="369332"/>
+            <a:off x="6186324" y="3362871"/>
+            <a:ext cx="856879" cy="369332"/>
           </a:xfrm>
           <a:prstGeom prst="rect">
             <a:avLst/>
@@ -7201,17 +8665,17 @@
           <a:p>
             <a:r>
               <a:rPr lang="en-US" dirty="0"/>
-              <a:t>Password</a:t>
-            </a:r>
-          </a:p>
-        </p:txBody>
-      </p:sp>
-      <p:sp>
-        <p:nvSpPr>
-          <p:cNvPr id="26" name="TextBox 25">
-            <a:extLst>
-              <a:ext uri="{FF2B5EF4-FFF2-40B4-BE49-F238E27FC236}">
-                <a16:creationId xmlns:a16="http://schemas.microsoft.com/office/drawing/2014/main" id="{D1FDE0C1-BE1C-694A-9960-25E962EC4680}"/>
+              <a:t>Patient</a:t>
+            </a:r>
+          </a:p>
+        </p:txBody>
+      </p:sp>
+      <p:sp>
+        <p:nvSpPr>
+          <p:cNvPr id="20" name="TextBox 19">
+            <a:extLst>
+              <a:ext uri="{FF2B5EF4-FFF2-40B4-BE49-F238E27FC236}">
+                <a16:creationId xmlns:a16="http://schemas.microsoft.com/office/drawing/2014/main" id="{2DD7B125-2B81-CB49-83E6-E47220CB05E7}"/>
               </a:ext>
             </a:extLst>
           </p:cNvPr>
@@ -7220,8 +8684,8 @@
         </p:nvSpPr>
         <p:spPr>
           <a:xfrm>
-            <a:off x="5500280" y="3949556"/>
-            <a:ext cx="1395369" cy="369332"/>
+            <a:off x="4884489" y="3371335"/>
+            <a:ext cx="856878" cy="369332"/>
           </a:xfrm>
           <a:prstGeom prst="rect">
             <a:avLst/>
@@ -7236,17 +8700,52 @@
           <a:p>
             <a:r>
               <a:rPr lang="en-US" dirty="0"/>
-              <a:t>Login</a:t>
-            </a:r>
-          </a:p>
-        </p:txBody>
-      </p:sp>
-      <p:sp>
-        <p:nvSpPr>
-          <p:cNvPr id="18" name="Rounded Rectangle 17">
-            <a:extLst>
-              <a:ext uri="{FF2B5EF4-FFF2-40B4-BE49-F238E27FC236}">
-                <a16:creationId xmlns:a16="http://schemas.microsoft.com/office/drawing/2014/main" id="{A9385002-9D7E-E847-9649-04C758E51B57}"/>
+              <a:t>Doctor</a:t>
+            </a:r>
+          </a:p>
+        </p:txBody>
+      </p:sp>
+      <p:sp>
+        <p:nvSpPr>
+          <p:cNvPr id="24" name="TextBox 23">
+            <a:extLst>
+              <a:ext uri="{FF2B5EF4-FFF2-40B4-BE49-F238E27FC236}">
+                <a16:creationId xmlns:a16="http://schemas.microsoft.com/office/drawing/2014/main" id="{A70E859A-28A0-1F4A-A457-42E172A49F05}"/>
+              </a:ext>
+            </a:extLst>
+          </p:cNvPr>
+          <p:cNvSpPr txBox="1"/>
+          <p:nvPr/>
+        </p:nvSpPr>
+        <p:spPr>
+          <a:xfrm>
+            <a:off x="4884487" y="3983441"/>
+            <a:ext cx="1395369" cy="369332"/>
+          </a:xfrm>
+          <a:prstGeom prst="rect">
+            <a:avLst/>
+          </a:prstGeom>
+          <a:noFill/>
+        </p:spPr>
+        <p:txBody>
+          <a:bodyPr wrap="square" rtlCol="0">
+            <a:spAutoFit/>
+          </a:bodyPr>
+          <a:lstStyle/>
+          <a:p>
+            <a:r>
+              <a:rPr lang="en-US" dirty="0"/>
+              <a:t>Submit</a:t>
+            </a:r>
+          </a:p>
+        </p:txBody>
+      </p:sp>
+      <p:sp>
+        <p:nvSpPr>
+          <p:cNvPr id="2" name="Rounded Rectangle 1">
+            <a:extLst>
+              <a:ext uri="{FF2B5EF4-FFF2-40B4-BE49-F238E27FC236}">
+                <a16:creationId xmlns:a16="http://schemas.microsoft.com/office/drawing/2014/main" id="{D9B70A1D-026B-414E-BD8B-271D0857CF97}"/>
               </a:ext>
             </a:extLst>
           </p:cNvPr>
@@ -7255,8 +8754,8 @@
         </p:nvSpPr>
         <p:spPr>
           <a:xfrm>
-            <a:off x="337158" y="1725765"/>
-            <a:ext cx="2877530" cy="874560"/>
+            <a:off x="205430" y="1983580"/>
+            <a:ext cx="2860646" cy="849304"/>
           </a:xfrm>
           <a:prstGeom prst="roundRect">
             <a:avLst/>
@@ -7283,7 +8782,7 @@
             <a:pPr algn="ctr"/>
             <a:r>
               <a:rPr lang="en-US" dirty="0" err="1"/>
-              <a:t>plog.jsp</a:t>
+              <a:t>login.jsp</a:t>
             </a:r>
             <a:r>
               <a:rPr lang="en-US" dirty="0"/>
@@ -7301,21 +8800,106 @@
             <a:pPr algn="ctr"/>
             <a:r>
               <a:rPr lang="en-US" dirty="0" err="1"/>
-              <a:t>PlogServlet.java</a:t>
-            </a:r>
-            <a:r>
-              <a:rPr lang="en-US" dirty="0"/>
-              <a:t> created</a:t>
-            </a:r>
-          </a:p>
-        </p:txBody>
-      </p:sp>
-      <p:sp>
-        <p:nvSpPr>
-          <p:cNvPr id="23" name="TextBox 22">
-            <a:extLst>
-              <a:ext uri="{FF2B5EF4-FFF2-40B4-BE49-F238E27FC236}">
-                <a16:creationId xmlns:a16="http://schemas.microsoft.com/office/drawing/2014/main" id="{9257DC47-7183-AF4F-87DB-7A8FDA582E7C}"/>
+              <a:t>LoginServlet.java</a:t>
+            </a:r>
+            <a:endParaRPr lang="en-US" dirty="0"/>
+          </a:p>
+        </p:txBody>
+      </p:sp>
+      <p:sp>
+        <p:nvSpPr>
+          <p:cNvPr id="3" name="Oval 2">
+            <a:extLst>
+              <a:ext uri="{FF2B5EF4-FFF2-40B4-BE49-F238E27FC236}">
+                <a16:creationId xmlns:a16="http://schemas.microsoft.com/office/drawing/2014/main" id="{01000C72-256F-F341-A1E6-6332DFEC74BD}"/>
+              </a:ext>
+            </a:extLst>
+          </p:cNvPr>
+          <p:cNvSpPr/>
+          <p:nvPr/>
+        </p:nvSpPr>
+        <p:spPr>
+          <a:xfrm>
+            <a:off x="5741367" y="3451013"/>
+            <a:ext cx="217714" cy="216497"/>
+          </a:xfrm>
+          <a:prstGeom prst="ellipse">
+            <a:avLst/>
+          </a:prstGeom>
+        </p:spPr>
+        <p:style>
+          <a:lnRef idx="2">
+            <a:schemeClr val="dk1"/>
+          </a:lnRef>
+          <a:fillRef idx="1">
+            <a:schemeClr val="lt1"/>
+          </a:fillRef>
+          <a:effectRef idx="0">
+            <a:schemeClr val="dk1"/>
+          </a:effectRef>
+          <a:fontRef idx="minor">
+            <a:schemeClr val="dk1"/>
+          </a:fontRef>
+        </p:style>
+        <p:txBody>
+          <a:bodyPr rtlCol="0" anchor="ctr"/>
+          <a:lstStyle/>
+          <a:p>
+            <a:pPr algn="ctr"/>
+            <a:endParaRPr lang="en-US"/>
+          </a:p>
+        </p:txBody>
+      </p:sp>
+      <p:sp>
+        <p:nvSpPr>
+          <p:cNvPr id="30" name="Oval 29">
+            <a:extLst>
+              <a:ext uri="{FF2B5EF4-FFF2-40B4-BE49-F238E27FC236}">
+                <a16:creationId xmlns:a16="http://schemas.microsoft.com/office/drawing/2014/main" id="{0679E44A-10A5-554F-AE3E-B5FA1341881B}"/>
+              </a:ext>
+            </a:extLst>
+          </p:cNvPr>
+          <p:cNvSpPr/>
+          <p:nvPr/>
+        </p:nvSpPr>
+        <p:spPr>
+          <a:xfrm>
+            <a:off x="7087089" y="3439288"/>
+            <a:ext cx="217714" cy="216497"/>
+          </a:xfrm>
+          <a:prstGeom prst="ellipse">
+            <a:avLst/>
+          </a:prstGeom>
+        </p:spPr>
+        <p:style>
+          <a:lnRef idx="2">
+            <a:schemeClr val="dk1"/>
+          </a:lnRef>
+          <a:fillRef idx="1">
+            <a:schemeClr val="lt1"/>
+          </a:fillRef>
+          <a:effectRef idx="0">
+            <a:schemeClr val="dk1"/>
+          </a:effectRef>
+          <a:fontRef idx="minor">
+            <a:schemeClr val="dk1"/>
+          </a:fontRef>
+        </p:style>
+        <p:txBody>
+          <a:bodyPr rtlCol="0" anchor="ctr"/>
+          <a:lstStyle/>
+          <a:p>
+            <a:pPr algn="ctr"/>
+            <a:endParaRPr lang="en-US"/>
+          </a:p>
+        </p:txBody>
+      </p:sp>
+      <p:sp>
+        <p:nvSpPr>
+          <p:cNvPr id="31" name="TextBox 30">
+            <a:extLst>
+              <a:ext uri="{FF2B5EF4-FFF2-40B4-BE49-F238E27FC236}">
+                <a16:creationId xmlns:a16="http://schemas.microsoft.com/office/drawing/2014/main" id="{D4E077FC-5D2D-AF4A-8E96-8A5E65F8AAFB}"/>
               </a:ext>
             </a:extLst>
           </p:cNvPr>
@@ -7324,8 +8908,8 @@
         </p:nvSpPr>
         <p:spPr>
           <a:xfrm>
-            <a:off x="7677121" y="3808544"/>
-            <a:ext cx="2399706" cy="646331"/>
+            <a:off x="8777225" y="3377701"/>
+            <a:ext cx="2399706" cy="369332"/>
           </a:xfrm>
           <a:prstGeom prst="rect">
             <a:avLst/>
@@ -7343,12 +8927,20 @@
               <a:t>Redirects to </a:t>
             </a:r>
             <a:r>
+              <a:rPr lang="en-US" dirty="0">
+                <a:solidFill>
+                  <a:schemeClr val="accent5"/>
+                </a:solidFill>
+              </a:rPr>
+              <a:t>(</a:t>
+            </a:r>
+            <a:r>
               <a:rPr lang="en-US" dirty="0" err="1">
                 <a:solidFill>
                   <a:schemeClr val="accent5"/>
                 </a:solidFill>
               </a:rPr>
-              <a:t>patientAccess.jsp</a:t>
+              <a:t>plog.jsp</a:t>
             </a:r>
             <a:r>
               <a:rPr lang="en-US" dirty="0">
@@ -7361,12 +8953,119 @@
           </a:p>
         </p:txBody>
       </p:sp>
+      <p:sp>
+        <p:nvSpPr>
+          <p:cNvPr id="32" name="TextBox 31">
+            <a:extLst>
+              <a:ext uri="{FF2B5EF4-FFF2-40B4-BE49-F238E27FC236}">
+                <a16:creationId xmlns:a16="http://schemas.microsoft.com/office/drawing/2014/main" id="{E4551C8C-DD5C-9E40-8724-B82553AE9BDD}"/>
+              </a:ext>
+            </a:extLst>
+          </p:cNvPr>
+          <p:cNvSpPr txBox="1"/>
+          <p:nvPr/>
+        </p:nvSpPr>
+        <p:spPr>
+          <a:xfrm>
+            <a:off x="1455489" y="3371335"/>
+            <a:ext cx="2860646" cy="369332"/>
+          </a:xfrm>
+          <a:prstGeom prst="rect">
+            <a:avLst/>
+          </a:prstGeom>
+          <a:noFill/>
+        </p:spPr>
+        <p:txBody>
+          <a:bodyPr wrap="square" rtlCol="0">
+            <a:spAutoFit/>
+          </a:bodyPr>
+          <a:lstStyle/>
+          <a:p>
+            <a:r>
+              <a:rPr lang="en-US" dirty="0"/>
+              <a:t>Redirects to </a:t>
+            </a:r>
+            <a:r>
+              <a:rPr lang="en-US" dirty="0">
+                <a:solidFill>
+                  <a:schemeClr val="accent5"/>
+                </a:solidFill>
+              </a:rPr>
+              <a:t>(</a:t>
+            </a:r>
+            <a:r>
+              <a:rPr lang="en-US" dirty="0" err="1">
+                <a:solidFill>
+                  <a:schemeClr val="accent5"/>
+                </a:solidFill>
+              </a:rPr>
+              <a:t>dlog.jsp</a:t>
+            </a:r>
+            <a:r>
+              <a:rPr lang="en-US" dirty="0">
+                <a:solidFill>
+                  <a:schemeClr val="accent5"/>
+                </a:solidFill>
+              </a:rPr>
+              <a:t>)</a:t>
+            </a:r>
+          </a:p>
+        </p:txBody>
+      </p:sp>
       <p:cxnSp>
         <p:nvCxnSpPr>
-          <p:cNvPr id="24" name="Straight Arrow Connector 23">
-            <a:extLst>
-              <a:ext uri="{FF2B5EF4-FFF2-40B4-BE49-F238E27FC236}">
-                <a16:creationId xmlns:a16="http://schemas.microsoft.com/office/drawing/2014/main" id="{59694F83-7762-A549-B992-C46FDCAB6052}"/>
+          <p:cNvPr id="8" name="Straight Arrow Connector 7">
+            <a:extLst>
+              <a:ext uri="{FF2B5EF4-FFF2-40B4-BE49-F238E27FC236}">
+                <a16:creationId xmlns:a16="http://schemas.microsoft.com/office/drawing/2014/main" id="{29197BA1-1D22-3D4E-94C3-84671D1C49A0}"/>
+              </a:ext>
+            </a:extLst>
+          </p:cNvPr>
+          <p:cNvCxnSpPr>
+            <a:cxnSpLocks/>
+            <a:stCxn id="20" idx="1"/>
+          </p:cNvCxnSpPr>
+          <p:nvPr/>
+        </p:nvCxnSpPr>
+        <p:spPr>
+          <a:xfrm flipH="1">
+            <a:off x="3635829" y="3556001"/>
+            <a:ext cx="1248660" cy="0"/>
+          </a:xfrm>
+          <a:prstGeom prst="straightConnector1">
+            <a:avLst/>
+          </a:prstGeom>
+          <a:ln w="19050" cap="flat" cmpd="sng" algn="ctr">
+            <a:solidFill>
+              <a:schemeClr val="accent1"/>
+            </a:solidFill>
+            <a:prstDash val="solid"/>
+            <a:round/>
+            <a:headEnd type="none" w="med" len="med"/>
+            <a:tailEnd type="arrow" w="med" len="med"/>
+          </a:ln>
+        </p:spPr>
+        <p:style>
+          <a:lnRef idx="0">
+            <a:scrgbClr r="0" g="0" b="0"/>
+          </a:lnRef>
+          <a:fillRef idx="0">
+            <a:scrgbClr r="0" g="0" b="0"/>
+          </a:fillRef>
+          <a:effectRef idx="0">
+            <a:scrgbClr r="0" g="0" b="0"/>
+          </a:effectRef>
+          <a:fontRef idx="minor">
+            <a:schemeClr val="tx1"/>
+          </a:fontRef>
+        </p:style>
+      </p:cxnSp>
+      <p:cxnSp>
+        <p:nvCxnSpPr>
+          <p:cNvPr id="33" name="Straight Arrow Connector 32">
+            <a:extLst>
+              <a:ext uri="{FF2B5EF4-FFF2-40B4-BE49-F238E27FC236}">
+                <a16:creationId xmlns:a16="http://schemas.microsoft.com/office/drawing/2014/main" id="{6EA6CB32-6653-8D43-8A11-A4D6EE4908B8}"/>
               </a:ext>
             </a:extLst>
           </p:cNvPr>
@@ -7377,7 +9076,7 @@
         </p:nvCxnSpPr>
         <p:spPr>
           <a:xfrm>
-            <a:off x="6294636" y="4131710"/>
+            <a:off x="7394740" y="3556001"/>
             <a:ext cx="1292061" cy="0"/>
           </a:xfrm>
           <a:prstGeom prst="straightConnector1">
@@ -7410,10 +9109,10 @@
       </p:cxnSp>
       <p:pic>
         <p:nvPicPr>
-          <p:cNvPr id="11" name="Graphic 10" descr="Shield Tick with solid fill">
-            <a:extLst>
-              <a:ext uri="{FF2B5EF4-FFF2-40B4-BE49-F238E27FC236}">
-                <a16:creationId xmlns:a16="http://schemas.microsoft.com/office/drawing/2014/main" id="{95173F6F-9727-6F45-BDFE-FD36780F7068}"/>
+          <p:cNvPr id="16" name="Graphic 15" descr="Shield Tick with solid fill">
+            <a:extLst>
+              <a:ext uri="{FF2B5EF4-FFF2-40B4-BE49-F238E27FC236}">
+                <a16:creationId xmlns:a16="http://schemas.microsoft.com/office/drawing/2014/main" id="{CD1C5219-F4D4-164E-94FC-C73E18ADB4D9}"/>
               </a:ext>
             </a:extLst>
           </p:cNvPr>
@@ -7447,7 +9146,7 @@
     </p:spTree>
     <p:extLst>
       <p:ext uri="{BB962C8B-B14F-4D97-AF65-F5344CB8AC3E}">
-        <p14:creationId xmlns:p14="http://schemas.microsoft.com/office/powerpoint/2010/main" val="3572655600"/>
+        <p14:creationId xmlns:p14="http://schemas.microsoft.com/office/powerpoint/2010/main" val="2520405799"/>
       </p:ext>
     </p:extLst>
   </p:cSld>
@@ -7488,7 +9187,7 @@
         </p:nvSpPr>
         <p:spPr>
           <a:xfrm>
-            <a:off x="4179115" y="2296612"/>
+            <a:off x="5500280" y="3143980"/>
             <a:ext cx="1395369" cy="369332"/>
           </a:xfrm>
           <a:prstGeom prst="rect">
@@ -7504,7 +9203,7 @@
           <a:p>
             <a:r>
               <a:rPr lang="en-US" dirty="0"/>
-              <a:t>Name</a:t>
+              <a:t>Phone</a:t>
             </a:r>
           </a:p>
         </p:txBody>
@@ -7571,8 +9270,8 @@
         </p:nvSpPr>
         <p:spPr>
           <a:xfrm>
-            <a:off x="4704674" y="1563365"/>
-            <a:ext cx="2762926" cy="646331"/>
+            <a:off x="5500280" y="2077448"/>
+            <a:ext cx="2403447" cy="646331"/>
           </a:xfrm>
           <a:prstGeom prst="rect">
             <a:avLst/>
@@ -7587,25 +9286,43 @@
           <a:p>
             <a:r>
               <a:rPr lang="en-US" dirty="0"/>
-              <a:t>Registration form Doctor </a:t>
-            </a:r>
+              <a:t>Patient Login</a:t>
+            </a:r>
+          </a:p>
+          <a:p>
             <a:r>
               <a:rPr lang="en-US" dirty="0">
                 <a:solidFill>
                   <a:schemeClr val="accent5"/>
                 </a:solidFill>
               </a:rPr>
-              <a:t>(dreg)</a:t>
-            </a:r>
-          </a:p>
-        </p:txBody>
-      </p:sp>
-      <p:sp>
-        <p:nvSpPr>
-          <p:cNvPr id="18" name="TextBox 17">
-            <a:extLst>
-              <a:ext uri="{FF2B5EF4-FFF2-40B4-BE49-F238E27FC236}">
-                <a16:creationId xmlns:a16="http://schemas.microsoft.com/office/drawing/2014/main" id="{C4F66FF6-9688-F14C-A3A0-A2E5F5319C55}"/>
+              <a:t>(</a:t>
+            </a:r>
+            <a:r>
+              <a:rPr lang="en-US" dirty="0" err="1">
+                <a:solidFill>
+                  <a:schemeClr val="accent5"/>
+                </a:solidFill>
+              </a:rPr>
+              <a:t>Plog</a:t>
+            </a:r>
+            <a:r>
+              <a:rPr lang="en-US" dirty="0">
+                <a:solidFill>
+                  <a:schemeClr val="accent5"/>
+                </a:solidFill>
+              </a:rPr>
+              <a:t>)</a:t>
+            </a:r>
+          </a:p>
+        </p:txBody>
+      </p:sp>
+      <p:sp>
+        <p:nvSpPr>
+          <p:cNvPr id="22" name="TextBox 21">
+            <a:extLst>
+              <a:ext uri="{FF2B5EF4-FFF2-40B4-BE49-F238E27FC236}">
+                <a16:creationId xmlns:a16="http://schemas.microsoft.com/office/drawing/2014/main" id="{4E15EDB9-9F80-4C49-9743-25BDD1E44106}"/>
               </a:ext>
             </a:extLst>
           </p:cNvPr>
@@ -7614,8 +9331,8 @@
         </p:nvSpPr>
         <p:spPr>
           <a:xfrm>
-            <a:off x="8785768" y="2278805"/>
-            <a:ext cx="1395369" cy="369332"/>
+            <a:off x="5500280" y="3560762"/>
+            <a:ext cx="1491845" cy="369332"/>
           </a:xfrm>
           <a:prstGeom prst="rect">
             <a:avLst/>
@@ -7630,17 +9347,17 @@
           <a:p>
             <a:r>
               <a:rPr lang="en-US" dirty="0"/>
-              <a:t>Degree</a:t>
-            </a:r>
-          </a:p>
-        </p:txBody>
-      </p:sp>
-      <p:sp>
-        <p:nvSpPr>
-          <p:cNvPr id="19" name="TextBox 18">
-            <a:extLst>
-              <a:ext uri="{FF2B5EF4-FFF2-40B4-BE49-F238E27FC236}">
-                <a16:creationId xmlns:a16="http://schemas.microsoft.com/office/drawing/2014/main" id="{407C1F0F-6AA2-E744-B308-37DC8D85EFF6}"/>
+              <a:t>Password</a:t>
+            </a:r>
+          </a:p>
+        </p:txBody>
+      </p:sp>
+      <p:sp>
+        <p:nvSpPr>
+          <p:cNvPr id="26" name="TextBox 25">
+            <a:extLst>
+              <a:ext uri="{FF2B5EF4-FFF2-40B4-BE49-F238E27FC236}">
+                <a16:creationId xmlns:a16="http://schemas.microsoft.com/office/drawing/2014/main" id="{D1FDE0C1-BE1C-694A-9960-25E962EC4680}"/>
               </a:ext>
             </a:extLst>
           </p:cNvPr>
@@ -7649,8 +9366,8 @@
         </p:nvSpPr>
         <p:spPr>
           <a:xfrm>
-            <a:off x="5615032" y="2296612"/>
-            <a:ext cx="1395369" cy="646331"/>
+            <a:off x="5500280" y="3949556"/>
+            <a:ext cx="1395369" cy="369332"/>
           </a:xfrm>
           <a:prstGeom prst="rect">
             <a:avLst/>
@@ -7665,324 +9382,17 @@
           <a:p>
             <a:r>
               <a:rPr lang="en-US" dirty="0"/>
-              <a:t>ID Number</a:t>
-            </a:r>
-          </a:p>
-          <a:p>
-            <a:r>
-              <a:rPr lang="en-US" dirty="0">
-                <a:solidFill>
-                  <a:schemeClr val="accent5"/>
-                </a:solidFill>
-              </a:rPr>
-              <a:t>(</a:t>
-            </a:r>
-            <a:r>
-              <a:rPr lang="en-US" dirty="0" err="1">
-                <a:solidFill>
-                  <a:schemeClr val="accent5"/>
-                </a:solidFill>
-              </a:rPr>
-              <a:t>docid</a:t>
-            </a:r>
-            <a:r>
-              <a:rPr lang="en-US" dirty="0">
-                <a:solidFill>
-                  <a:schemeClr val="accent5"/>
-                </a:solidFill>
-              </a:rPr>
-              <a:t>)</a:t>
-            </a:r>
-          </a:p>
-        </p:txBody>
-      </p:sp>
-      <p:sp>
-        <p:nvSpPr>
-          <p:cNvPr id="20" name="TextBox 19">
-            <a:extLst>
-              <a:ext uri="{FF2B5EF4-FFF2-40B4-BE49-F238E27FC236}">
-                <a16:creationId xmlns:a16="http://schemas.microsoft.com/office/drawing/2014/main" id="{2DD7B125-2B81-CB49-83E6-E47220CB05E7}"/>
-              </a:ext>
-            </a:extLst>
-          </p:cNvPr>
-          <p:cNvSpPr txBox="1"/>
-          <p:nvPr/>
-        </p:nvSpPr>
-        <p:spPr>
-          <a:xfrm>
-            <a:off x="7390399" y="2302741"/>
-            <a:ext cx="1395369" cy="369332"/>
-          </a:xfrm>
-          <a:prstGeom prst="rect">
-            <a:avLst/>
-          </a:prstGeom>
-          <a:noFill/>
-        </p:spPr>
-        <p:txBody>
-          <a:bodyPr wrap="square" rtlCol="0">
-            <a:spAutoFit/>
-          </a:bodyPr>
-          <a:lstStyle/>
-          <a:p>
-            <a:r>
-              <a:rPr lang="en-US" dirty="0"/>
-              <a:t>Address</a:t>
-            </a:r>
-          </a:p>
-        </p:txBody>
-      </p:sp>
-      <p:sp>
-        <p:nvSpPr>
-          <p:cNvPr id="21" name="TextBox 20">
-            <a:extLst>
-              <a:ext uri="{FF2B5EF4-FFF2-40B4-BE49-F238E27FC236}">
-                <a16:creationId xmlns:a16="http://schemas.microsoft.com/office/drawing/2014/main" id="{265EFAF5-9A8D-FB4F-BDB8-84E019352950}"/>
-              </a:ext>
-            </a:extLst>
-          </p:cNvPr>
-          <p:cNvSpPr txBox="1"/>
-          <p:nvPr/>
-        </p:nvSpPr>
-        <p:spPr>
-          <a:xfrm>
-            <a:off x="4179113" y="3003466"/>
-            <a:ext cx="1491845" cy="646331"/>
-          </a:xfrm>
-          <a:prstGeom prst="rect">
-            <a:avLst/>
-          </a:prstGeom>
-          <a:noFill/>
-        </p:spPr>
-        <p:txBody>
-          <a:bodyPr wrap="square" rtlCol="0">
-            <a:spAutoFit/>
-          </a:bodyPr>
-          <a:lstStyle/>
-          <a:p>
-            <a:r>
-              <a:rPr lang="en-US" dirty="0"/>
-              <a:t>Phone number</a:t>
-            </a:r>
-          </a:p>
-        </p:txBody>
-      </p:sp>
-      <p:sp>
-        <p:nvSpPr>
-          <p:cNvPr id="22" name="TextBox 21">
-            <a:extLst>
-              <a:ext uri="{FF2B5EF4-FFF2-40B4-BE49-F238E27FC236}">
-                <a16:creationId xmlns:a16="http://schemas.microsoft.com/office/drawing/2014/main" id="{4E15EDB9-9F80-4C49-9743-25BDD1E44106}"/>
-              </a:ext>
-            </a:extLst>
-          </p:cNvPr>
-          <p:cNvSpPr txBox="1"/>
-          <p:nvPr/>
-        </p:nvSpPr>
-        <p:spPr>
-          <a:xfrm>
-            <a:off x="7293923" y="3047439"/>
-            <a:ext cx="1491845" cy="646331"/>
-          </a:xfrm>
-          <a:prstGeom prst="rect">
-            <a:avLst/>
-          </a:prstGeom>
-          <a:noFill/>
-        </p:spPr>
-        <p:txBody>
-          <a:bodyPr wrap="square" rtlCol="0">
-            <a:spAutoFit/>
-          </a:bodyPr>
-          <a:lstStyle/>
-          <a:p>
-            <a:r>
-              <a:rPr lang="en-US" dirty="0"/>
-              <a:t>Password</a:t>
-            </a:r>
-          </a:p>
-          <a:p>
-            <a:r>
-              <a:rPr lang="en-US" dirty="0">
-                <a:solidFill>
-                  <a:schemeClr val="accent5"/>
-                </a:solidFill>
-              </a:rPr>
-              <a:t>(password)</a:t>
-            </a:r>
-          </a:p>
-        </p:txBody>
-      </p:sp>
-      <p:sp>
-        <p:nvSpPr>
-          <p:cNvPr id="17" name="TextBox 16">
-            <a:extLst>
-              <a:ext uri="{FF2B5EF4-FFF2-40B4-BE49-F238E27FC236}">
-                <a16:creationId xmlns:a16="http://schemas.microsoft.com/office/drawing/2014/main" id="{4A2FA334-5015-B643-AE0D-B3BD6EAB3E14}"/>
-              </a:ext>
-            </a:extLst>
-          </p:cNvPr>
-          <p:cNvSpPr txBox="1"/>
-          <p:nvPr/>
-        </p:nvSpPr>
-        <p:spPr>
-          <a:xfrm>
-            <a:off x="5670958" y="3095799"/>
-            <a:ext cx="1395369" cy="369332"/>
-          </a:xfrm>
-          <a:prstGeom prst="rect">
-            <a:avLst/>
-          </a:prstGeom>
-          <a:noFill/>
-        </p:spPr>
-        <p:txBody>
-          <a:bodyPr wrap="square" rtlCol="0">
-            <a:spAutoFit/>
-          </a:bodyPr>
-          <a:lstStyle/>
-          <a:p>
-            <a:r>
-              <a:rPr lang="en-US" dirty="0"/>
-              <a:t>Specialty</a:t>
-            </a:r>
-          </a:p>
-        </p:txBody>
-      </p:sp>
-      <p:sp>
-        <p:nvSpPr>
-          <p:cNvPr id="23" name="TextBox 22">
-            <a:extLst>
-              <a:ext uri="{FF2B5EF4-FFF2-40B4-BE49-F238E27FC236}">
-                <a16:creationId xmlns:a16="http://schemas.microsoft.com/office/drawing/2014/main" id="{3F648C3C-2930-4A41-98CC-A51D8EC07A6F}"/>
-              </a:ext>
-            </a:extLst>
-          </p:cNvPr>
-          <p:cNvSpPr txBox="1"/>
-          <p:nvPr/>
-        </p:nvSpPr>
-        <p:spPr>
-          <a:xfrm>
-            <a:off x="8785768" y="3061406"/>
-            <a:ext cx="1936661" cy="646331"/>
-          </a:xfrm>
-          <a:prstGeom prst="rect">
-            <a:avLst/>
-          </a:prstGeom>
-          <a:noFill/>
-        </p:spPr>
-        <p:txBody>
-          <a:bodyPr wrap="square" rtlCol="0">
-            <a:spAutoFit/>
-          </a:bodyPr>
-          <a:lstStyle/>
-          <a:p>
-            <a:r>
-              <a:rPr lang="en-US" dirty="0"/>
-              <a:t>Confirm Password</a:t>
-            </a:r>
-          </a:p>
-          <a:p>
-            <a:r>
-              <a:rPr lang="en-US" dirty="0">
-                <a:solidFill>
-                  <a:schemeClr val="accent5"/>
-                </a:solidFill>
-              </a:rPr>
-              <a:t>(</a:t>
-            </a:r>
-            <a:r>
-              <a:rPr lang="en-US" dirty="0" err="1">
-                <a:solidFill>
-                  <a:schemeClr val="accent5"/>
-                </a:solidFill>
-              </a:rPr>
-              <a:t>cpassword</a:t>
-            </a:r>
-            <a:r>
-              <a:rPr lang="en-US" dirty="0">
-                <a:solidFill>
-                  <a:schemeClr val="accent5"/>
-                </a:solidFill>
-              </a:rPr>
-              <a:t>)</a:t>
-            </a:r>
-          </a:p>
-        </p:txBody>
-      </p:sp>
-      <p:sp>
-        <p:nvSpPr>
-          <p:cNvPr id="24" name="TextBox 23">
-            <a:extLst>
-              <a:ext uri="{FF2B5EF4-FFF2-40B4-BE49-F238E27FC236}">
-                <a16:creationId xmlns:a16="http://schemas.microsoft.com/office/drawing/2014/main" id="{863B2A10-CA1F-CD46-AF9C-5DFE17751BDB}"/>
-              </a:ext>
-            </a:extLst>
-          </p:cNvPr>
-          <p:cNvSpPr txBox="1"/>
-          <p:nvPr/>
-        </p:nvSpPr>
-        <p:spPr>
-          <a:xfrm>
-            <a:off x="4179116" y="3921978"/>
-            <a:ext cx="657136" cy="369332"/>
-          </a:xfrm>
-          <a:prstGeom prst="rect">
-            <a:avLst/>
-          </a:prstGeom>
-          <a:noFill/>
-        </p:spPr>
-        <p:txBody>
-          <a:bodyPr wrap="square" rtlCol="0">
-            <a:spAutoFit/>
-          </a:bodyPr>
-          <a:lstStyle/>
-          <a:p>
-            <a:r>
-              <a:rPr lang="en-US" dirty="0"/>
-              <a:t>Save</a:t>
-            </a:r>
-          </a:p>
-        </p:txBody>
-      </p:sp>
-      <p:sp>
-        <p:nvSpPr>
-          <p:cNvPr id="25" name="TextBox 24">
-            <a:extLst>
-              <a:ext uri="{FF2B5EF4-FFF2-40B4-BE49-F238E27FC236}">
-                <a16:creationId xmlns:a16="http://schemas.microsoft.com/office/drawing/2014/main" id="{47FEA6E7-6A11-D548-A117-0F0EE3A5492C}"/>
-              </a:ext>
-            </a:extLst>
-          </p:cNvPr>
-          <p:cNvSpPr txBox="1"/>
-          <p:nvPr/>
-        </p:nvSpPr>
-        <p:spPr>
-          <a:xfrm>
-            <a:off x="5574484" y="3921978"/>
-            <a:ext cx="1395369" cy="369332"/>
-          </a:xfrm>
-          <a:prstGeom prst="rect">
-            <a:avLst/>
-          </a:prstGeom>
-          <a:noFill/>
-        </p:spPr>
-        <p:txBody>
-          <a:bodyPr wrap="square" rtlCol="0">
-            <a:spAutoFit/>
-          </a:bodyPr>
-          <a:lstStyle/>
-          <a:p>
-            <a:r>
-              <a:rPr lang="en-US" dirty="0"/>
-              <a:t>Clear Form</a:t>
-            </a:r>
-          </a:p>
-        </p:txBody>
-      </p:sp>
-      <p:sp>
-        <p:nvSpPr>
-          <p:cNvPr id="26" name="Rounded Rectangle 25">
-            <a:extLst>
-              <a:ext uri="{FF2B5EF4-FFF2-40B4-BE49-F238E27FC236}">
-                <a16:creationId xmlns:a16="http://schemas.microsoft.com/office/drawing/2014/main" id="{BE5CA872-7C1A-D34E-879B-53B2E3ADD914}"/>
+              <a:t>Login</a:t>
+            </a:r>
+          </a:p>
+        </p:txBody>
+      </p:sp>
+      <p:sp>
+        <p:nvSpPr>
+          <p:cNvPr id="18" name="Rounded Rectangle 17">
+            <a:extLst>
+              <a:ext uri="{FF2B5EF4-FFF2-40B4-BE49-F238E27FC236}">
+                <a16:creationId xmlns:a16="http://schemas.microsoft.com/office/drawing/2014/main" id="{A9385002-9D7E-E847-9649-04C758E51B57}"/>
               </a:ext>
             </a:extLst>
           </p:cNvPr>
@@ -7991,8 +9401,8 @@
         </p:nvSpPr>
         <p:spPr>
           <a:xfrm>
-            <a:off x="1149292" y="1602915"/>
-            <a:ext cx="2399451" cy="1748542"/>
+            <a:off x="337158" y="1725765"/>
+            <a:ext cx="2877530" cy="874560"/>
           </a:xfrm>
           <a:prstGeom prst="roundRect">
             <a:avLst/>
@@ -8018,66 +9428,40 @@
           <a:p>
             <a:pPr algn="ctr"/>
             <a:r>
-              <a:rPr lang="en-US" sz="1600" dirty="0" err="1"/>
-              <a:t>dreg.jsp</a:t>
-            </a:r>
-            <a:r>
-              <a:rPr lang="en-US" sz="1600" dirty="0"/>
+              <a:rPr lang="en-US" dirty="0" err="1"/>
+              <a:t>plog.jsp</a:t>
+            </a:r>
+            <a:r>
+              <a:rPr lang="en-US" dirty="0"/>
               <a:t> created</a:t>
             </a:r>
           </a:p>
           <a:p>
             <a:pPr algn="ctr"/>
             <a:r>
-              <a:rPr lang="en-US" sz="1600" dirty="0" err="1"/>
-              <a:t>DregServlet.jsp</a:t>
-            </a:r>
-            <a:r>
-              <a:rPr lang="en-US" sz="1600" dirty="0"/>
+              <a:rPr lang="en-US" dirty="0"/>
+              <a:t>Input form created</a:t>
+            </a:r>
+          </a:p>
+          <a:p>
+            <a:pPr algn="ctr"/>
+            <a:r>
+              <a:rPr lang="en-US" dirty="0" err="1"/>
+              <a:t>PlogServlet.java</a:t>
+            </a:r>
+            <a:r>
+              <a:rPr lang="en-US" dirty="0"/>
               <a:t> created</a:t>
             </a:r>
           </a:p>
-          <a:p>
-            <a:pPr algn="ctr"/>
-            <a:r>
-              <a:rPr lang="en-US" sz="1600" dirty="0" err="1"/>
-              <a:t>MyConnection</a:t>
-            </a:r>
-            <a:r>
-              <a:rPr lang="en-US" sz="1600" dirty="0"/>
-              <a:t> created</a:t>
-            </a:r>
-          </a:p>
-          <a:p>
-            <a:pPr algn="ctr"/>
-            <a:r>
-              <a:rPr lang="en-US" sz="1600" dirty="0" err="1"/>
-              <a:t>DoctorQuery.jsp</a:t>
-            </a:r>
-            <a:r>
-              <a:rPr lang="en-US" sz="1600" dirty="0"/>
-              <a:t> created</a:t>
-            </a:r>
-          </a:p>
-          <a:p>
-            <a:pPr algn="ctr"/>
-            <a:r>
-              <a:rPr lang="en-US" sz="1600" dirty="0" err="1"/>
-              <a:t>doctor.jsp</a:t>
-            </a:r>
-            <a:r>
-              <a:rPr lang="en-US" sz="1600" dirty="0"/>
-              <a:t> created</a:t>
-            </a:r>
-          </a:p>
-        </p:txBody>
-      </p:sp>
-      <p:sp>
-        <p:nvSpPr>
-          <p:cNvPr id="31" name="TextBox 30">
-            <a:extLst>
-              <a:ext uri="{FF2B5EF4-FFF2-40B4-BE49-F238E27FC236}">
-                <a16:creationId xmlns:a16="http://schemas.microsoft.com/office/drawing/2014/main" id="{7EA77B0B-EF18-2B47-88EC-D02F15A6D52F}"/>
+        </p:txBody>
+      </p:sp>
+      <p:sp>
+        <p:nvSpPr>
+          <p:cNvPr id="23" name="TextBox 22">
+            <a:extLst>
+              <a:ext uri="{FF2B5EF4-FFF2-40B4-BE49-F238E27FC236}">
+                <a16:creationId xmlns:a16="http://schemas.microsoft.com/office/drawing/2014/main" id="{9257DC47-7183-AF4F-87DB-7A8FDA582E7C}"/>
               </a:ext>
             </a:extLst>
           </p:cNvPr>
@@ -8086,8 +9470,8 @@
         </p:nvSpPr>
         <p:spPr>
           <a:xfrm>
-            <a:off x="1149292" y="4467248"/>
-            <a:ext cx="2860646" cy="369332"/>
+            <a:off x="7677121" y="3808544"/>
+            <a:ext cx="2399706" cy="646331"/>
           </a:xfrm>
           <a:prstGeom prst="rect">
             <a:avLst/>
@@ -8105,20 +9489,12 @@
               <a:t>Redirects to </a:t>
             </a:r>
             <a:r>
-              <a:rPr lang="en-US" dirty="0">
+              <a:rPr lang="en-US" dirty="0" err="1">
                 <a:solidFill>
                   <a:schemeClr val="accent5"/>
                 </a:solidFill>
               </a:rPr>
-              <a:t>(</a:t>
-            </a:r>
-            <a:r>
-              <a:rPr lang="en-US" dirty="0" err="1">
-                <a:solidFill>
-                  <a:schemeClr val="accent5"/>
-                </a:solidFill>
-              </a:rPr>
-              <a:t>dlog.jsp</a:t>
+              <a:t>patientAccess.jsp</a:t>
             </a:r>
             <a:r>
               <a:rPr lang="en-US" dirty="0">
@@ -8133,30 +9509,29 @@
       </p:sp>
       <p:cxnSp>
         <p:nvCxnSpPr>
-          <p:cNvPr id="3" name="Elbow Connector 2">
-            <a:extLst>
-              <a:ext uri="{FF2B5EF4-FFF2-40B4-BE49-F238E27FC236}">
-                <a16:creationId xmlns:a16="http://schemas.microsoft.com/office/drawing/2014/main" id="{345532B6-66C4-E740-A933-311E640504DE}"/>
+          <p:cNvPr id="24" name="Straight Arrow Connector 23">
+            <a:extLst>
+              <a:ext uri="{FF2B5EF4-FFF2-40B4-BE49-F238E27FC236}">
+                <a16:creationId xmlns:a16="http://schemas.microsoft.com/office/drawing/2014/main" id="{59694F83-7762-A549-B992-C46FDCAB6052}"/>
               </a:ext>
             </a:extLst>
           </p:cNvPr>
           <p:cNvCxnSpPr>
             <a:cxnSpLocks/>
-            <a:stCxn id="24" idx="2"/>
           </p:cNvCxnSpPr>
           <p:nvPr/>
         </p:nvCxnSpPr>
         <p:spPr>
-          <a:xfrm rot="5400000">
-            <a:off x="3702815" y="3886873"/>
-            <a:ext cx="400433" cy="1209307"/>
-          </a:xfrm>
-          <a:prstGeom prst="bentConnector2">
-            <a:avLst/>
-          </a:prstGeom>
-          <a:ln w="12700" cap="flat" cmpd="sng" algn="ctr">
+          <a:xfrm>
+            <a:off x="6294636" y="4131710"/>
+            <a:ext cx="1292061" cy="0"/>
+          </a:xfrm>
+          <a:prstGeom prst="straightConnector1">
+            <a:avLst/>
+          </a:prstGeom>
+          <a:ln w="19050" cap="flat" cmpd="sng" algn="ctr">
             <a:solidFill>
-              <a:schemeClr val="accent5"/>
+              <a:schemeClr val="accent1"/>
             </a:solidFill>
             <a:prstDash val="solid"/>
             <a:round/>
@@ -8181,10 +9556,10 @@
       </p:cxnSp>
       <p:pic>
         <p:nvPicPr>
-          <p:cNvPr id="27" name="Graphic 26" descr="Shield Tick with solid fill">
-            <a:extLst>
-              <a:ext uri="{FF2B5EF4-FFF2-40B4-BE49-F238E27FC236}">
-                <a16:creationId xmlns:a16="http://schemas.microsoft.com/office/drawing/2014/main" id="{668F782B-9CD9-5B4B-94A4-2AD40D5EB366}"/>
+          <p:cNvPr id="11" name="Graphic 10" descr="Shield Tick with solid fill">
+            <a:extLst>
+              <a:ext uri="{FF2B5EF4-FFF2-40B4-BE49-F238E27FC236}">
+                <a16:creationId xmlns:a16="http://schemas.microsoft.com/office/drawing/2014/main" id="{95173F6F-9727-6F45-BDFE-FD36780F7068}"/>
               </a:ext>
             </a:extLst>
           </p:cNvPr>
@@ -8218,7 +9593,7 @@
     </p:spTree>
     <p:extLst>
       <p:ext uri="{BB962C8B-B14F-4D97-AF65-F5344CB8AC3E}">
-        <p14:creationId xmlns:p14="http://schemas.microsoft.com/office/powerpoint/2010/main" val="4057317434"/>
+        <p14:creationId xmlns:p14="http://schemas.microsoft.com/office/powerpoint/2010/main" val="3572655600"/>
       </p:ext>
     </p:extLst>
   </p:cSld>
@@ -8247,6 +9622,41 @@
       </p:grpSpPr>
       <p:sp>
         <p:nvSpPr>
+          <p:cNvPr id="10" name="TextBox 9">
+            <a:extLst>
+              <a:ext uri="{FF2B5EF4-FFF2-40B4-BE49-F238E27FC236}">
+                <a16:creationId xmlns:a16="http://schemas.microsoft.com/office/drawing/2014/main" id="{AD602A5F-B4C2-6E46-8889-94758D922528}"/>
+              </a:ext>
+            </a:extLst>
+          </p:cNvPr>
+          <p:cNvSpPr txBox="1"/>
+          <p:nvPr/>
+        </p:nvSpPr>
+        <p:spPr>
+          <a:xfrm>
+            <a:off x="4179115" y="2296612"/>
+            <a:ext cx="1395369" cy="369332"/>
+          </a:xfrm>
+          <a:prstGeom prst="rect">
+            <a:avLst/>
+          </a:prstGeom>
+          <a:noFill/>
+        </p:spPr>
+        <p:txBody>
+          <a:bodyPr wrap="square" rtlCol="0">
+            <a:spAutoFit/>
+          </a:bodyPr>
+          <a:lstStyle/>
+          <a:p>
+            <a:r>
+              <a:rPr lang="en-US" dirty="0"/>
+              <a:t>Name</a:t>
+            </a:r>
+          </a:p>
+        </p:txBody>
+      </p:sp>
+      <p:sp>
+        <p:nvSpPr>
           <p:cNvPr id="12" name="Rectangle 11">
             <a:extLst>
               <a:ext uri="{FF2B5EF4-FFF2-40B4-BE49-F238E27FC236}">
@@ -8295,10 +9705,10 @@
       </p:sp>
       <p:sp>
         <p:nvSpPr>
-          <p:cNvPr id="18" name="TextBox 17">
-            <a:extLst>
-              <a:ext uri="{FF2B5EF4-FFF2-40B4-BE49-F238E27FC236}">
-                <a16:creationId xmlns:a16="http://schemas.microsoft.com/office/drawing/2014/main" id="{16D78E20-B6F4-934A-87D5-C3BE6CF3CA60}"/>
+          <p:cNvPr id="15" name="TextBox 14">
+            <a:extLst>
+              <a:ext uri="{FF2B5EF4-FFF2-40B4-BE49-F238E27FC236}">
+                <a16:creationId xmlns:a16="http://schemas.microsoft.com/office/drawing/2014/main" id="{BBB57AFB-704D-B24F-8BE1-DE3DB4972EF5}"/>
               </a:ext>
             </a:extLst>
           </p:cNvPr>
@@ -8307,8 +9717,8 @@
         </p:nvSpPr>
         <p:spPr>
           <a:xfrm>
-            <a:off x="5439612" y="2107211"/>
-            <a:ext cx="3105025" cy="646331"/>
+            <a:off x="4704674" y="1563365"/>
+            <a:ext cx="2762926" cy="646331"/>
           </a:xfrm>
           <a:prstGeom prst="rect">
             <a:avLst/>
@@ -8323,43 +9733,25 @@
           <a:p>
             <a:r>
               <a:rPr lang="en-US" dirty="0"/>
-              <a:t>Doctor Login</a:t>
-            </a:r>
-          </a:p>
-          <a:p>
+              <a:t>Registration form Doctor </a:t>
+            </a:r>
             <a:r>
               <a:rPr lang="en-US" dirty="0">
                 <a:solidFill>
                   <a:schemeClr val="accent5"/>
                 </a:solidFill>
               </a:rPr>
-              <a:t>(</a:t>
-            </a:r>
-            <a:r>
-              <a:rPr lang="en-US" dirty="0" err="1">
-                <a:solidFill>
-                  <a:schemeClr val="accent5"/>
-                </a:solidFill>
-              </a:rPr>
-              <a:t>dlog.jsp</a:t>
-            </a:r>
-            <a:r>
-              <a:rPr lang="en-US" dirty="0">
-                <a:solidFill>
-                  <a:schemeClr val="accent5"/>
-                </a:solidFill>
-              </a:rPr>
-              <a:t>)</a:t>
-            </a:r>
-          </a:p>
-        </p:txBody>
-      </p:sp>
-      <p:sp>
-        <p:nvSpPr>
-          <p:cNvPr id="32" name="TextBox 31">
-            <a:extLst>
-              <a:ext uri="{FF2B5EF4-FFF2-40B4-BE49-F238E27FC236}">
-                <a16:creationId xmlns:a16="http://schemas.microsoft.com/office/drawing/2014/main" id="{66CC5D51-985D-4A44-82AC-426EC39A78B9}"/>
+              <a:t>(dreg)</a:t>
+            </a:r>
+          </a:p>
+        </p:txBody>
+      </p:sp>
+      <p:sp>
+        <p:nvSpPr>
+          <p:cNvPr id="18" name="TextBox 17">
+            <a:extLst>
+              <a:ext uri="{FF2B5EF4-FFF2-40B4-BE49-F238E27FC236}">
+                <a16:creationId xmlns:a16="http://schemas.microsoft.com/office/drawing/2014/main" id="{C4F66FF6-9688-F14C-A3A0-A2E5F5319C55}"/>
               </a:ext>
             </a:extLst>
           </p:cNvPr>
@@ -8368,8 +9760,8 @@
         </p:nvSpPr>
         <p:spPr>
           <a:xfrm>
-            <a:off x="5479357" y="3146754"/>
-            <a:ext cx="2197764" cy="369332"/>
+            <a:off x="8785768" y="2278805"/>
+            <a:ext cx="1395369" cy="369332"/>
           </a:xfrm>
           <a:prstGeom prst="rect">
             <a:avLst/>
@@ -8384,41 +9776,17 @@
           <a:p>
             <a:r>
               <a:rPr lang="en-US" dirty="0"/>
-              <a:t>Doctor ID </a:t>
-            </a:r>
-            <a:r>
-              <a:rPr lang="en-US" dirty="0">
-                <a:solidFill>
-                  <a:schemeClr val="accent5"/>
-                </a:solidFill>
-              </a:rPr>
-              <a:t>(</a:t>
-            </a:r>
-            <a:r>
-              <a:rPr lang="en-US" dirty="0" err="1">
-                <a:solidFill>
-                  <a:schemeClr val="accent5"/>
-                </a:solidFill>
-              </a:rPr>
-              <a:t>docid</a:t>
-            </a:r>
-            <a:r>
-              <a:rPr lang="en-US" dirty="0">
-                <a:solidFill>
-                  <a:schemeClr val="accent5"/>
-                </a:solidFill>
-              </a:rPr>
-              <a:t>)</a:t>
-            </a:r>
-          </a:p>
-        </p:txBody>
-      </p:sp>
-      <p:sp>
-        <p:nvSpPr>
-          <p:cNvPr id="33" name="TextBox 32">
-            <a:extLst>
-              <a:ext uri="{FF2B5EF4-FFF2-40B4-BE49-F238E27FC236}">
-                <a16:creationId xmlns:a16="http://schemas.microsoft.com/office/drawing/2014/main" id="{090E600D-E02E-7245-AF32-D7A76D212E33}"/>
+              <a:t>Degree</a:t>
+            </a:r>
+          </a:p>
+        </p:txBody>
+      </p:sp>
+      <p:sp>
+        <p:nvSpPr>
+          <p:cNvPr id="19" name="TextBox 18">
+            <a:extLst>
+              <a:ext uri="{FF2B5EF4-FFF2-40B4-BE49-F238E27FC236}">
+                <a16:creationId xmlns:a16="http://schemas.microsoft.com/office/drawing/2014/main" id="{407C1F0F-6AA2-E744-B308-37DC8D85EFF6}"/>
               </a:ext>
             </a:extLst>
           </p:cNvPr>
@@ -8427,8 +9795,8 @@
         </p:nvSpPr>
         <p:spPr>
           <a:xfrm>
-            <a:off x="5500280" y="3560762"/>
-            <a:ext cx="1491845" cy="369332"/>
+            <a:off x="5615032" y="2296612"/>
+            <a:ext cx="1395369" cy="646331"/>
           </a:xfrm>
           <a:prstGeom prst="rect">
             <a:avLst/>
@@ -8443,17 +9811,43 @@
           <a:p>
             <a:r>
               <a:rPr lang="en-US" dirty="0"/>
-              <a:t>Password</a:t>
-            </a:r>
-          </a:p>
-        </p:txBody>
-      </p:sp>
-      <p:sp>
-        <p:nvSpPr>
-          <p:cNvPr id="34" name="TextBox 33">
-            <a:extLst>
-              <a:ext uri="{FF2B5EF4-FFF2-40B4-BE49-F238E27FC236}">
-                <a16:creationId xmlns:a16="http://schemas.microsoft.com/office/drawing/2014/main" id="{DC56CE85-F52F-3340-A57A-8E67DEF82D84}"/>
+              <a:t>ID Number</a:t>
+            </a:r>
+          </a:p>
+          <a:p>
+            <a:r>
+              <a:rPr lang="en-US" dirty="0">
+                <a:solidFill>
+                  <a:schemeClr val="accent5"/>
+                </a:solidFill>
+              </a:rPr>
+              <a:t>(</a:t>
+            </a:r>
+            <a:r>
+              <a:rPr lang="en-US" dirty="0" err="1">
+                <a:solidFill>
+                  <a:schemeClr val="accent5"/>
+                </a:solidFill>
+              </a:rPr>
+              <a:t>docid</a:t>
+            </a:r>
+            <a:r>
+              <a:rPr lang="en-US" dirty="0">
+                <a:solidFill>
+                  <a:schemeClr val="accent5"/>
+                </a:solidFill>
+              </a:rPr>
+              <a:t>)</a:t>
+            </a:r>
+          </a:p>
+        </p:txBody>
+      </p:sp>
+      <p:sp>
+        <p:nvSpPr>
+          <p:cNvPr id="20" name="TextBox 19">
+            <a:extLst>
+              <a:ext uri="{FF2B5EF4-FFF2-40B4-BE49-F238E27FC236}">
+                <a16:creationId xmlns:a16="http://schemas.microsoft.com/office/drawing/2014/main" id="{2DD7B125-2B81-CB49-83E6-E47220CB05E7}"/>
               </a:ext>
             </a:extLst>
           </p:cNvPr>
@@ -8462,7 +9856,7 @@
         </p:nvSpPr>
         <p:spPr>
           <a:xfrm>
-            <a:off x="5500280" y="3949556"/>
+            <a:off x="7390399" y="2302741"/>
             <a:ext cx="1395369" cy="369332"/>
           </a:xfrm>
           <a:prstGeom prst="rect">
@@ -8478,17 +9872,17 @@
           <a:p>
             <a:r>
               <a:rPr lang="en-US" dirty="0"/>
-              <a:t>Login</a:t>
-            </a:r>
-          </a:p>
-        </p:txBody>
-      </p:sp>
-      <p:sp>
-        <p:nvSpPr>
-          <p:cNvPr id="35" name="TextBox 34">
-            <a:extLst>
-              <a:ext uri="{FF2B5EF4-FFF2-40B4-BE49-F238E27FC236}">
-                <a16:creationId xmlns:a16="http://schemas.microsoft.com/office/drawing/2014/main" id="{1F22C198-8901-E94B-B819-4E2F70B3EBCC}"/>
+              <a:t>Address</a:t>
+            </a:r>
+          </a:p>
+        </p:txBody>
+      </p:sp>
+      <p:sp>
+        <p:nvSpPr>
+          <p:cNvPr id="21" name="TextBox 20">
+            <a:extLst>
+              <a:ext uri="{FF2B5EF4-FFF2-40B4-BE49-F238E27FC236}">
+                <a16:creationId xmlns:a16="http://schemas.microsoft.com/office/drawing/2014/main" id="{265EFAF5-9A8D-FB4F-BDB8-84E019352950}"/>
               </a:ext>
             </a:extLst>
           </p:cNvPr>
@@ -8497,8 +9891,8 @@
         </p:nvSpPr>
         <p:spPr>
           <a:xfrm>
-            <a:off x="7677121" y="3808544"/>
-            <a:ext cx="2399706" cy="646331"/>
+            <a:off x="4179113" y="3003466"/>
+            <a:ext cx="1491845" cy="646331"/>
           </a:xfrm>
           <a:prstGeom prst="rect">
             <a:avLst/>
@@ -8513,7 +9907,132 @@
           <a:p>
             <a:r>
               <a:rPr lang="en-US" dirty="0"/>
-              <a:t>Redirects to </a:t>
+              <a:t>Phone number</a:t>
+            </a:r>
+          </a:p>
+        </p:txBody>
+      </p:sp>
+      <p:sp>
+        <p:nvSpPr>
+          <p:cNvPr id="22" name="TextBox 21">
+            <a:extLst>
+              <a:ext uri="{FF2B5EF4-FFF2-40B4-BE49-F238E27FC236}">
+                <a16:creationId xmlns:a16="http://schemas.microsoft.com/office/drawing/2014/main" id="{4E15EDB9-9F80-4C49-9743-25BDD1E44106}"/>
+              </a:ext>
+            </a:extLst>
+          </p:cNvPr>
+          <p:cNvSpPr txBox="1"/>
+          <p:nvPr/>
+        </p:nvSpPr>
+        <p:spPr>
+          <a:xfrm>
+            <a:off x="7293923" y="3047439"/>
+            <a:ext cx="1491845" cy="646331"/>
+          </a:xfrm>
+          <a:prstGeom prst="rect">
+            <a:avLst/>
+          </a:prstGeom>
+          <a:noFill/>
+        </p:spPr>
+        <p:txBody>
+          <a:bodyPr wrap="square" rtlCol="0">
+            <a:spAutoFit/>
+          </a:bodyPr>
+          <a:lstStyle/>
+          <a:p>
+            <a:r>
+              <a:rPr lang="en-US" dirty="0"/>
+              <a:t>Password</a:t>
+            </a:r>
+          </a:p>
+          <a:p>
+            <a:r>
+              <a:rPr lang="en-US" dirty="0">
+                <a:solidFill>
+                  <a:schemeClr val="accent5"/>
+                </a:solidFill>
+              </a:rPr>
+              <a:t>(password)</a:t>
+            </a:r>
+          </a:p>
+        </p:txBody>
+      </p:sp>
+      <p:sp>
+        <p:nvSpPr>
+          <p:cNvPr id="17" name="TextBox 16">
+            <a:extLst>
+              <a:ext uri="{FF2B5EF4-FFF2-40B4-BE49-F238E27FC236}">
+                <a16:creationId xmlns:a16="http://schemas.microsoft.com/office/drawing/2014/main" id="{4A2FA334-5015-B643-AE0D-B3BD6EAB3E14}"/>
+              </a:ext>
+            </a:extLst>
+          </p:cNvPr>
+          <p:cNvSpPr txBox="1"/>
+          <p:nvPr/>
+        </p:nvSpPr>
+        <p:spPr>
+          <a:xfrm>
+            <a:off x="5670958" y="3095799"/>
+            <a:ext cx="1395369" cy="369332"/>
+          </a:xfrm>
+          <a:prstGeom prst="rect">
+            <a:avLst/>
+          </a:prstGeom>
+          <a:noFill/>
+        </p:spPr>
+        <p:txBody>
+          <a:bodyPr wrap="square" rtlCol="0">
+            <a:spAutoFit/>
+          </a:bodyPr>
+          <a:lstStyle/>
+          <a:p>
+            <a:r>
+              <a:rPr lang="en-US" dirty="0"/>
+              <a:t>Specialty</a:t>
+            </a:r>
+          </a:p>
+        </p:txBody>
+      </p:sp>
+      <p:sp>
+        <p:nvSpPr>
+          <p:cNvPr id="23" name="TextBox 22">
+            <a:extLst>
+              <a:ext uri="{FF2B5EF4-FFF2-40B4-BE49-F238E27FC236}">
+                <a16:creationId xmlns:a16="http://schemas.microsoft.com/office/drawing/2014/main" id="{3F648C3C-2930-4A41-98CC-A51D8EC07A6F}"/>
+              </a:ext>
+            </a:extLst>
+          </p:cNvPr>
+          <p:cNvSpPr txBox="1"/>
+          <p:nvPr/>
+        </p:nvSpPr>
+        <p:spPr>
+          <a:xfrm>
+            <a:off x="8785768" y="3061406"/>
+            <a:ext cx="1936661" cy="646331"/>
+          </a:xfrm>
+          <a:prstGeom prst="rect">
+            <a:avLst/>
+          </a:prstGeom>
+          <a:noFill/>
+        </p:spPr>
+        <p:txBody>
+          <a:bodyPr wrap="square" rtlCol="0">
+            <a:spAutoFit/>
+          </a:bodyPr>
+          <a:lstStyle/>
+          <a:p>
+            <a:r>
+              <a:rPr lang="en-US" dirty="0"/>
+              <a:t>Confirm Password</a:t>
+            </a:r>
+          </a:p>
+          <a:p>
+            <a:r>
+              <a:rPr lang="en-US" dirty="0">
+                <a:solidFill>
+                  <a:schemeClr val="accent5"/>
+                </a:solidFill>
+              </a:rPr>
+              <a:t>(</a:t>
             </a:r>
             <a:r>
               <a:rPr lang="en-US" dirty="0" err="1">
@@ -8521,7 +10040,7 @@
                   <a:schemeClr val="accent5"/>
                 </a:solidFill>
               </a:rPr>
-              <a:t>DoctorAccess.jsp</a:t>
+              <a:t>cpassword</a:t>
             </a:r>
             <a:r>
               <a:rPr lang="en-US" dirty="0">
@@ -8534,31 +10053,256 @@
           </a:p>
         </p:txBody>
       </p:sp>
+      <p:sp>
+        <p:nvSpPr>
+          <p:cNvPr id="24" name="TextBox 23">
+            <a:extLst>
+              <a:ext uri="{FF2B5EF4-FFF2-40B4-BE49-F238E27FC236}">
+                <a16:creationId xmlns:a16="http://schemas.microsoft.com/office/drawing/2014/main" id="{863B2A10-CA1F-CD46-AF9C-5DFE17751BDB}"/>
+              </a:ext>
+            </a:extLst>
+          </p:cNvPr>
+          <p:cNvSpPr txBox="1"/>
+          <p:nvPr/>
+        </p:nvSpPr>
+        <p:spPr>
+          <a:xfrm>
+            <a:off x="4179116" y="3921978"/>
+            <a:ext cx="657136" cy="369332"/>
+          </a:xfrm>
+          <a:prstGeom prst="rect">
+            <a:avLst/>
+          </a:prstGeom>
+          <a:noFill/>
+        </p:spPr>
+        <p:txBody>
+          <a:bodyPr wrap="square" rtlCol="0">
+            <a:spAutoFit/>
+          </a:bodyPr>
+          <a:lstStyle/>
+          <a:p>
+            <a:r>
+              <a:rPr lang="en-US" dirty="0"/>
+              <a:t>Save</a:t>
+            </a:r>
+          </a:p>
+        </p:txBody>
+      </p:sp>
+      <p:sp>
+        <p:nvSpPr>
+          <p:cNvPr id="25" name="TextBox 24">
+            <a:extLst>
+              <a:ext uri="{FF2B5EF4-FFF2-40B4-BE49-F238E27FC236}">
+                <a16:creationId xmlns:a16="http://schemas.microsoft.com/office/drawing/2014/main" id="{47FEA6E7-6A11-D548-A117-0F0EE3A5492C}"/>
+              </a:ext>
+            </a:extLst>
+          </p:cNvPr>
+          <p:cNvSpPr txBox="1"/>
+          <p:nvPr/>
+        </p:nvSpPr>
+        <p:spPr>
+          <a:xfrm>
+            <a:off x="5574484" y="3921978"/>
+            <a:ext cx="1395369" cy="369332"/>
+          </a:xfrm>
+          <a:prstGeom prst="rect">
+            <a:avLst/>
+          </a:prstGeom>
+          <a:noFill/>
+        </p:spPr>
+        <p:txBody>
+          <a:bodyPr wrap="square" rtlCol="0">
+            <a:spAutoFit/>
+          </a:bodyPr>
+          <a:lstStyle/>
+          <a:p>
+            <a:r>
+              <a:rPr lang="en-US" dirty="0"/>
+              <a:t>Clear Form</a:t>
+            </a:r>
+          </a:p>
+        </p:txBody>
+      </p:sp>
+      <p:sp>
+        <p:nvSpPr>
+          <p:cNvPr id="26" name="Rounded Rectangle 25">
+            <a:extLst>
+              <a:ext uri="{FF2B5EF4-FFF2-40B4-BE49-F238E27FC236}">
+                <a16:creationId xmlns:a16="http://schemas.microsoft.com/office/drawing/2014/main" id="{BE5CA872-7C1A-D34E-879B-53B2E3ADD914}"/>
+              </a:ext>
+            </a:extLst>
+          </p:cNvPr>
+          <p:cNvSpPr/>
+          <p:nvPr/>
+        </p:nvSpPr>
+        <p:spPr>
+          <a:xfrm>
+            <a:off x="1149292" y="1602915"/>
+            <a:ext cx="2399451" cy="1748542"/>
+          </a:xfrm>
+          <a:prstGeom prst="roundRect">
+            <a:avLst/>
+          </a:prstGeom>
+        </p:spPr>
+        <p:style>
+          <a:lnRef idx="1">
+            <a:schemeClr val="accent6"/>
+          </a:lnRef>
+          <a:fillRef idx="3">
+            <a:schemeClr val="accent6"/>
+          </a:fillRef>
+          <a:effectRef idx="2">
+            <a:schemeClr val="accent6"/>
+          </a:effectRef>
+          <a:fontRef idx="minor">
+            <a:schemeClr val="lt1"/>
+          </a:fontRef>
+        </p:style>
+        <p:txBody>
+          <a:bodyPr rtlCol="0" anchor="ctr"/>
+          <a:lstStyle/>
+          <a:p>
+            <a:pPr algn="ctr"/>
+            <a:r>
+              <a:rPr lang="en-US" sz="1600" dirty="0" err="1"/>
+              <a:t>dreg.jsp</a:t>
+            </a:r>
+            <a:r>
+              <a:rPr lang="en-US" sz="1600" dirty="0"/>
+              <a:t> created</a:t>
+            </a:r>
+          </a:p>
+          <a:p>
+            <a:pPr algn="ctr"/>
+            <a:r>
+              <a:rPr lang="en-US" sz="1600" dirty="0" err="1"/>
+              <a:t>DregServlet.jsp</a:t>
+            </a:r>
+            <a:r>
+              <a:rPr lang="en-US" sz="1600" dirty="0"/>
+              <a:t> created</a:t>
+            </a:r>
+          </a:p>
+          <a:p>
+            <a:pPr algn="ctr"/>
+            <a:r>
+              <a:rPr lang="en-US" sz="1600" dirty="0" err="1"/>
+              <a:t>MyConnection</a:t>
+            </a:r>
+            <a:r>
+              <a:rPr lang="en-US" sz="1600" dirty="0"/>
+              <a:t> created</a:t>
+            </a:r>
+          </a:p>
+          <a:p>
+            <a:pPr algn="ctr"/>
+            <a:r>
+              <a:rPr lang="en-US" sz="1600" dirty="0" err="1"/>
+              <a:t>DoctorQuery.jsp</a:t>
+            </a:r>
+            <a:r>
+              <a:rPr lang="en-US" sz="1600" dirty="0"/>
+              <a:t> created</a:t>
+            </a:r>
+          </a:p>
+          <a:p>
+            <a:pPr algn="ctr"/>
+            <a:r>
+              <a:rPr lang="en-US" sz="1600" dirty="0" err="1"/>
+              <a:t>doctor.jsp</a:t>
+            </a:r>
+            <a:r>
+              <a:rPr lang="en-US" sz="1600" dirty="0"/>
+              <a:t> created</a:t>
+            </a:r>
+          </a:p>
+        </p:txBody>
+      </p:sp>
+      <p:sp>
+        <p:nvSpPr>
+          <p:cNvPr id="31" name="TextBox 30">
+            <a:extLst>
+              <a:ext uri="{FF2B5EF4-FFF2-40B4-BE49-F238E27FC236}">
+                <a16:creationId xmlns:a16="http://schemas.microsoft.com/office/drawing/2014/main" id="{7EA77B0B-EF18-2B47-88EC-D02F15A6D52F}"/>
+              </a:ext>
+            </a:extLst>
+          </p:cNvPr>
+          <p:cNvSpPr txBox="1"/>
+          <p:nvPr/>
+        </p:nvSpPr>
+        <p:spPr>
+          <a:xfrm>
+            <a:off x="1149292" y="4467248"/>
+            <a:ext cx="2860646" cy="369332"/>
+          </a:xfrm>
+          <a:prstGeom prst="rect">
+            <a:avLst/>
+          </a:prstGeom>
+          <a:noFill/>
+        </p:spPr>
+        <p:txBody>
+          <a:bodyPr wrap="square" rtlCol="0">
+            <a:spAutoFit/>
+          </a:bodyPr>
+          <a:lstStyle/>
+          <a:p>
+            <a:r>
+              <a:rPr lang="en-US" dirty="0"/>
+              <a:t>Redirects to </a:t>
+            </a:r>
+            <a:r>
+              <a:rPr lang="en-US" dirty="0">
+                <a:solidFill>
+                  <a:schemeClr val="accent5"/>
+                </a:solidFill>
+              </a:rPr>
+              <a:t>(</a:t>
+            </a:r>
+            <a:r>
+              <a:rPr lang="en-US" dirty="0" err="1">
+                <a:solidFill>
+                  <a:schemeClr val="accent5"/>
+                </a:solidFill>
+              </a:rPr>
+              <a:t>dlog.jsp</a:t>
+            </a:r>
+            <a:r>
+              <a:rPr lang="en-US" dirty="0">
+                <a:solidFill>
+                  <a:schemeClr val="accent5"/>
+                </a:solidFill>
+              </a:rPr>
+              <a:t>)</a:t>
+            </a:r>
+          </a:p>
+        </p:txBody>
+      </p:sp>
       <p:cxnSp>
         <p:nvCxnSpPr>
-          <p:cNvPr id="36" name="Straight Arrow Connector 35">
-            <a:extLst>
-              <a:ext uri="{FF2B5EF4-FFF2-40B4-BE49-F238E27FC236}">
-                <a16:creationId xmlns:a16="http://schemas.microsoft.com/office/drawing/2014/main" id="{5384E8A5-0BF9-B04B-98E7-3FC005596C4D}"/>
+          <p:cNvPr id="3" name="Elbow Connector 2">
+            <a:extLst>
+              <a:ext uri="{FF2B5EF4-FFF2-40B4-BE49-F238E27FC236}">
+                <a16:creationId xmlns:a16="http://schemas.microsoft.com/office/drawing/2014/main" id="{345532B6-66C4-E740-A933-311E640504DE}"/>
               </a:ext>
             </a:extLst>
           </p:cNvPr>
           <p:cNvCxnSpPr>
             <a:cxnSpLocks/>
+            <a:stCxn id="24" idx="2"/>
           </p:cNvCxnSpPr>
           <p:nvPr/>
         </p:nvCxnSpPr>
         <p:spPr>
-          <a:xfrm>
-            <a:off x="6294636" y="4131710"/>
-            <a:ext cx="1292061" cy="0"/>
-          </a:xfrm>
-          <a:prstGeom prst="straightConnector1">
-            <a:avLst/>
-          </a:prstGeom>
-          <a:ln w="19050" cap="flat" cmpd="sng" algn="ctr">
+          <a:xfrm rot="5400000">
+            <a:off x="3702815" y="3886873"/>
+            <a:ext cx="400433" cy="1209307"/>
+          </a:xfrm>
+          <a:prstGeom prst="bentConnector2">
+            <a:avLst/>
+          </a:prstGeom>
+          <a:ln w="12700" cap="flat" cmpd="sng" algn="ctr">
             <a:solidFill>
-              <a:schemeClr val="accent1"/>
+              <a:schemeClr val="accent5"/>
             </a:solidFill>
             <a:prstDash val="solid"/>
             <a:round/>
@@ -8581,81 +10325,12 @@
           </a:fontRef>
         </p:style>
       </p:cxnSp>
-      <p:sp>
-        <p:nvSpPr>
-          <p:cNvPr id="37" name="Rounded Rectangle 36">
-            <a:extLst>
-              <a:ext uri="{FF2B5EF4-FFF2-40B4-BE49-F238E27FC236}">
-                <a16:creationId xmlns:a16="http://schemas.microsoft.com/office/drawing/2014/main" id="{16204D97-1CDD-5E43-B41E-76FF633CB37C}"/>
-              </a:ext>
-            </a:extLst>
-          </p:cNvPr>
-          <p:cNvSpPr/>
-          <p:nvPr/>
-        </p:nvSpPr>
-        <p:spPr>
-          <a:xfrm>
-            <a:off x="125427" y="1828901"/>
-            <a:ext cx="2389445" cy="721532"/>
-          </a:xfrm>
-          <a:prstGeom prst="roundRect">
-            <a:avLst/>
-          </a:prstGeom>
-        </p:spPr>
-        <p:style>
-          <a:lnRef idx="1">
-            <a:schemeClr val="accent6"/>
-          </a:lnRef>
-          <a:fillRef idx="3">
-            <a:schemeClr val="accent6"/>
-          </a:fillRef>
-          <a:effectRef idx="2">
-            <a:schemeClr val="accent6"/>
-          </a:effectRef>
-          <a:fontRef idx="minor">
-            <a:schemeClr val="lt1"/>
-          </a:fontRef>
-        </p:style>
-        <p:txBody>
-          <a:bodyPr rtlCol="0" anchor="ctr"/>
-          <a:lstStyle/>
-          <a:p>
-            <a:pPr algn="ctr"/>
-            <a:r>
-              <a:rPr lang="en-US" sz="1600" dirty="0" err="1"/>
-              <a:t>dlog.jsp</a:t>
-            </a:r>
-            <a:r>
-              <a:rPr lang="en-US" sz="1600" dirty="0"/>
-              <a:t> Created</a:t>
-            </a:r>
-          </a:p>
-          <a:p>
-            <a:pPr algn="ctr"/>
-            <a:r>
-              <a:rPr lang="en-US" sz="1600" dirty="0"/>
-              <a:t>Input form created</a:t>
-            </a:r>
-          </a:p>
-          <a:p>
-            <a:pPr algn="ctr"/>
-            <a:r>
-              <a:rPr lang="en-US" sz="1600" dirty="0" err="1"/>
-              <a:t>DllogServlet.java</a:t>
-            </a:r>
-            <a:r>
-              <a:rPr lang="en-US" sz="1600" dirty="0"/>
-              <a:t> created</a:t>
-            </a:r>
-          </a:p>
-        </p:txBody>
-      </p:sp>
       <p:pic>
         <p:nvPicPr>
-          <p:cNvPr id="11" name="Graphic 10" descr="Shield Tick with solid fill">
-            <a:extLst>
-              <a:ext uri="{FF2B5EF4-FFF2-40B4-BE49-F238E27FC236}">
-                <a16:creationId xmlns:a16="http://schemas.microsoft.com/office/drawing/2014/main" id="{1FDC78FB-62C4-144C-BCD6-F1DCBFBF92BF}"/>
+          <p:cNvPr id="27" name="Graphic 26" descr="Shield Tick with solid fill">
+            <a:extLst>
+              <a:ext uri="{FF2B5EF4-FFF2-40B4-BE49-F238E27FC236}">
+                <a16:creationId xmlns:a16="http://schemas.microsoft.com/office/drawing/2014/main" id="{668F782B-9CD9-5B4B-94A4-2AD40D5EB366}"/>
               </a:ext>
             </a:extLst>
           </p:cNvPr>
@@ -8689,7 +10364,7 @@
     </p:spTree>
     <p:extLst>
       <p:ext uri="{BB962C8B-B14F-4D97-AF65-F5344CB8AC3E}">
-        <p14:creationId xmlns:p14="http://schemas.microsoft.com/office/powerpoint/2010/main" val="2402271722"/>
+        <p14:creationId xmlns:p14="http://schemas.microsoft.com/office/powerpoint/2010/main" val="4057317434"/>
       </p:ext>
     </p:extLst>
   </p:cSld>
@@ -8718,10 +10393,10 @@
       </p:grpSpPr>
       <p:sp>
         <p:nvSpPr>
-          <p:cNvPr id="11" name="Rectangle 10">
-            <a:extLst>
-              <a:ext uri="{FF2B5EF4-FFF2-40B4-BE49-F238E27FC236}">
-                <a16:creationId xmlns:a16="http://schemas.microsoft.com/office/drawing/2014/main" id="{7834B01E-90EF-8942-9E82-155BF03FC169}"/>
+          <p:cNvPr id="12" name="Rectangle 11">
+            <a:extLst>
+              <a:ext uri="{FF2B5EF4-FFF2-40B4-BE49-F238E27FC236}">
+                <a16:creationId xmlns:a16="http://schemas.microsoft.com/office/drawing/2014/main" id="{BE47EEE8-FC06-7742-B098-6010EAC23EB9}"/>
               </a:ext>
             </a:extLst>
           </p:cNvPr>
@@ -8730,8 +10405,8 @@
         </p:nvSpPr>
         <p:spPr>
           <a:xfrm>
-            <a:off x="2634144" y="1754144"/>
-            <a:ext cx="7122252" cy="3329584"/>
+            <a:off x="1015069" y="1515523"/>
+            <a:ext cx="10129706" cy="3671868"/>
           </a:xfrm>
           <a:prstGeom prst="rect">
             <a:avLst/>
@@ -8766,10 +10441,10 @@
       </p:sp>
       <p:sp>
         <p:nvSpPr>
-          <p:cNvPr id="4" name="TextBox 3">
-            <a:extLst>
-              <a:ext uri="{FF2B5EF4-FFF2-40B4-BE49-F238E27FC236}">
-                <a16:creationId xmlns:a16="http://schemas.microsoft.com/office/drawing/2014/main" id="{9210F2CD-7CF4-5743-A46C-D4B07EDCEBC8}"/>
+          <p:cNvPr id="18" name="TextBox 17">
+            <a:extLst>
+              <a:ext uri="{FF2B5EF4-FFF2-40B4-BE49-F238E27FC236}">
+                <a16:creationId xmlns:a16="http://schemas.microsoft.com/office/drawing/2014/main" id="{16D78E20-B6F4-934A-87D5-C3BE6CF3CA60}"/>
               </a:ext>
             </a:extLst>
           </p:cNvPr>
@@ -8778,668 +10453,286 @@
         </p:nvSpPr>
         <p:spPr>
           <a:xfrm>
-            <a:off x="64715" y="258935"/>
-            <a:ext cx="11585196" cy="1291904"/>
-          </a:xfrm>
-          <a:prstGeom prst="rect">
-            <a:avLst/>
-          </a:prstGeom>
-          <a:noFill/>
-          <a:ln>
+            <a:off x="5439612" y="2107211"/>
+            <a:ext cx="3105025" cy="646331"/>
+          </a:xfrm>
+          <a:prstGeom prst="rect">
+            <a:avLst/>
+          </a:prstGeom>
+          <a:noFill/>
+        </p:spPr>
+        <p:txBody>
+          <a:bodyPr wrap="square" rtlCol="0">
+            <a:spAutoFit/>
+          </a:bodyPr>
+          <a:lstStyle/>
+          <a:p>
+            <a:r>
+              <a:rPr lang="en-US" dirty="0"/>
+              <a:t>Doctor Login</a:t>
+            </a:r>
+          </a:p>
+          <a:p>
+            <a:r>
+              <a:rPr lang="en-US" dirty="0">
+                <a:solidFill>
+                  <a:schemeClr val="accent5"/>
+                </a:solidFill>
+              </a:rPr>
+              <a:t>(</a:t>
+            </a:r>
+            <a:r>
+              <a:rPr lang="en-US" dirty="0" err="1">
+                <a:solidFill>
+                  <a:schemeClr val="accent5"/>
+                </a:solidFill>
+              </a:rPr>
+              <a:t>dlog.jsp</a:t>
+            </a:r>
+            <a:r>
+              <a:rPr lang="en-US" dirty="0">
+                <a:solidFill>
+                  <a:schemeClr val="accent5"/>
+                </a:solidFill>
+              </a:rPr>
+              <a:t>)</a:t>
+            </a:r>
+          </a:p>
+        </p:txBody>
+      </p:sp>
+      <p:sp>
+        <p:nvSpPr>
+          <p:cNvPr id="32" name="TextBox 31">
+            <a:extLst>
+              <a:ext uri="{FF2B5EF4-FFF2-40B4-BE49-F238E27FC236}">
+                <a16:creationId xmlns:a16="http://schemas.microsoft.com/office/drawing/2014/main" id="{66CC5D51-985D-4A44-82AC-426EC39A78B9}"/>
+              </a:ext>
+            </a:extLst>
+          </p:cNvPr>
+          <p:cNvSpPr txBox="1"/>
+          <p:nvPr/>
+        </p:nvSpPr>
+        <p:spPr>
+          <a:xfrm>
+            <a:off x="5479357" y="3146754"/>
+            <a:ext cx="2197764" cy="369332"/>
+          </a:xfrm>
+          <a:prstGeom prst="rect">
+            <a:avLst/>
+          </a:prstGeom>
+          <a:noFill/>
+        </p:spPr>
+        <p:txBody>
+          <a:bodyPr wrap="square" rtlCol="0">
+            <a:spAutoFit/>
+          </a:bodyPr>
+          <a:lstStyle/>
+          <a:p>
+            <a:r>
+              <a:rPr lang="en-US" dirty="0"/>
+              <a:t>Doctor ID </a:t>
+            </a:r>
+            <a:r>
+              <a:rPr lang="en-US" dirty="0">
+                <a:solidFill>
+                  <a:schemeClr val="accent5"/>
+                </a:solidFill>
+              </a:rPr>
+              <a:t>(</a:t>
+            </a:r>
+            <a:r>
+              <a:rPr lang="en-US" dirty="0" err="1">
+                <a:solidFill>
+                  <a:schemeClr val="accent5"/>
+                </a:solidFill>
+              </a:rPr>
+              <a:t>docid</a:t>
+            </a:r>
+            <a:r>
+              <a:rPr lang="en-US" dirty="0">
+                <a:solidFill>
+                  <a:schemeClr val="accent5"/>
+                </a:solidFill>
+              </a:rPr>
+              <a:t>)</a:t>
+            </a:r>
+          </a:p>
+        </p:txBody>
+      </p:sp>
+      <p:sp>
+        <p:nvSpPr>
+          <p:cNvPr id="33" name="TextBox 32">
+            <a:extLst>
+              <a:ext uri="{FF2B5EF4-FFF2-40B4-BE49-F238E27FC236}">
+                <a16:creationId xmlns:a16="http://schemas.microsoft.com/office/drawing/2014/main" id="{090E600D-E02E-7245-AF32-D7A76D212E33}"/>
+              </a:ext>
+            </a:extLst>
+          </p:cNvPr>
+          <p:cNvSpPr txBox="1"/>
+          <p:nvPr/>
+        </p:nvSpPr>
+        <p:spPr>
+          <a:xfrm>
+            <a:off x="5500280" y="3560762"/>
+            <a:ext cx="1491845" cy="369332"/>
+          </a:xfrm>
+          <a:prstGeom prst="rect">
+            <a:avLst/>
+          </a:prstGeom>
+          <a:noFill/>
+        </p:spPr>
+        <p:txBody>
+          <a:bodyPr wrap="square" rtlCol="0">
+            <a:spAutoFit/>
+          </a:bodyPr>
+          <a:lstStyle/>
+          <a:p>
+            <a:r>
+              <a:rPr lang="en-US" dirty="0"/>
+              <a:t>Password</a:t>
+            </a:r>
+          </a:p>
+        </p:txBody>
+      </p:sp>
+      <p:sp>
+        <p:nvSpPr>
+          <p:cNvPr id="34" name="TextBox 33">
+            <a:extLst>
+              <a:ext uri="{FF2B5EF4-FFF2-40B4-BE49-F238E27FC236}">
+                <a16:creationId xmlns:a16="http://schemas.microsoft.com/office/drawing/2014/main" id="{DC56CE85-F52F-3340-A57A-8E67DEF82D84}"/>
+              </a:ext>
+            </a:extLst>
+          </p:cNvPr>
+          <p:cNvSpPr txBox="1"/>
+          <p:nvPr/>
+        </p:nvSpPr>
+        <p:spPr>
+          <a:xfrm>
+            <a:off x="5500280" y="3949556"/>
+            <a:ext cx="1395369" cy="369332"/>
+          </a:xfrm>
+          <a:prstGeom prst="rect">
+            <a:avLst/>
+          </a:prstGeom>
+          <a:noFill/>
+        </p:spPr>
+        <p:txBody>
+          <a:bodyPr wrap="square" rtlCol="0">
+            <a:spAutoFit/>
+          </a:bodyPr>
+          <a:lstStyle/>
+          <a:p>
+            <a:r>
+              <a:rPr lang="en-US" dirty="0"/>
+              <a:t>Login</a:t>
+            </a:r>
+          </a:p>
+        </p:txBody>
+      </p:sp>
+      <p:sp>
+        <p:nvSpPr>
+          <p:cNvPr id="35" name="TextBox 34">
+            <a:extLst>
+              <a:ext uri="{FF2B5EF4-FFF2-40B4-BE49-F238E27FC236}">
+                <a16:creationId xmlns:a16="http://schemas.microsoft.com/office/drawing/2014/main" id="{1F22C198-8901-E94B-B819-4E2F70B3EBCC}"/>
+              </a:ext>
+            </a:extLst>
+          </p:cNvPr>
+          <p:cNvSpPr txBox="1"/>
+          <p:nvPr/>
+        </p:nvSpPr>
+        <p:spPr>
+          <a:xfrm>
+            <a:off x="7677121" y="3808544"/>
+            <a:ext cx="2399706" cy="646331"/>
+          </a:xfrm>
+          <a:prstGeom prst="rect">
+            <a:avLst/>
+          </a:prstGeom>
+          <a:noFill/>
+        </p:spPr>
+        <p:txBody>
+          <a:bodyPr wrap="square" rtlCol="0">
+            <a:spAutoFit/>
+          </a:bodyPr>
+          <a:lstStyle/>
+          <a:p>
+            <a:r>
+              <a:rPr lang="en-US" dirty="0"/>
+              <a:t>Redirects to </a:t>
+            </a:r>
+            <a:r>
+              <a:rPr lang="en-US" dirty="0" err="1">
+                <a:solidFill>
+                  <a:schemeClr val="accent5"/>
+                </a:solidFill>
+              </a:rPr>
+              <a:t>DoctorAccess.jsp</a:t>
+            </a:r>
+            <a:r>
+              <a:rPr lang="en-US" dirty="0">
+                <a:solidFill>
+                  <a:schemeClr val="accent5"/>
+                </a:solidFill>
+              </a:rPr>
+              <a:t>)</a:t>
+            </a:r>
+          </a:p>
+        </p:txBody>
+      </p:sp>
+      <p:cxnSp>
+        <p:nvCxnSpPr>
+          <p:cNvPr id="36" name="Straight Arrow Connector 35">
+            <a:extLst>
+              <a:ext uri="{FF2B5EF4-FFF2-40B4-BE49-F238E27FC236}">
+                <a16:creationId xmlns:a16="http://schemas.microsoft.com/office/drawing/2014/main" id="{5384E8A5-0BF9-B04B-98E7-3FC005596C4D}"/>
+              </a:ext>
+            </a:extLst>
+          </p:cNvPr>
+          <p:cNvCxnSpPr>
+            <a:cxnSpLocks/>
+          </p:cNvCxnSpPr>
+          <p:nvPr/>
+        </p:nvCxnSpPr>
+        <p:spPr>
+          <a:xfrm>
+            <a:off x="6294636" y="4131710"/>
+            <a:ext cx="1292061" cy="0"/>
+          </a:xfrm>
+          <a:prstGeom prst="straightConnector1">
+            <a:avLst/>
+          </a:prstGeom>
+          <a:ln w="19050" cap="flat" cmpd="sng" algn="ctr">
             <a:solidFill>
               <a:schemeClr val="accent1"/>
             </a:solidFill>
+            <a:prstDash val="solid"/>
+            <a:round/>
+            <a:headEnd type="none" w="med" len="med"/>
+            <a:tailEnd type="arrow" w="med" len="med"/>
           </a:ln>
         </p:spPr>
-        <p:txBody>
-          <a:bodyPr wrap="square" rtlCol="0">
-            <a:spAutoFit/>
-          </a:bodyPr>
-          <a:lstStyle/>
-          <a:p>
-            <a:endParaRPr lang="en-US" dirty="0"/>
-          </a:p>
-        </p:txBody>
-      </p:sp>
-      <p:sp>
-        <p:nvSpPr>
-          <p:cNvPr id="5" name="TextBox 4">
-            <a:extLst>
-              <a:ext uri="{FF2B5EF4-FFF2-40B4-BE49-F238E27FC236}">
-                <a16:creationId xmlns:a16="http://schemas.microsoft.com/office/drawing/2014/main" id="{D31B94CC-5680-654F-9BA4-E0A04DF451FB}"/>
-              </a:ext>
-            </a:extLst>
-          </p:cNvPr>
-          <p:cNvSpPr txBox="1"/>
-          <p:nvPr/>
-        </p:nvSpPr>
-        <p:spPr>
-          <a:xfrm>
-            <a:off x="479571" y="5389927"/>
-            <a:ext cx="11585196" cy="1291904"/>
-          </a:xfrm>
-          <a:prstGeom prst="rect">
-            <a:avLst/>
-          </a:prstGeom>
-          <a:noFill/>
-          <a:ln>
-            <a:solidFill>
-              <a:schemeClr val="accent1"/>
-            </a:solidFill>
-          </a:ln>
-        </p:spPr>
-        <p:txBody>
-          <a:bodyPr wrap="square" rtlCol="0">
-            <a:spAutoFit/>
-          </a:bodyPr>
-          <a:lstStyle/>
-          <a:p>
-            <a:endParaRPr lang="en-US" dirty="0"/>
-          </a:p>
-        </p:txBody>
-      </p:sp>
-      <p:sp>
-        <p:nvSpPr>
-          <p:cNvPr id="6" name="TextBox 5">
-            <a:extLst>
-              <a:ext uri="{FF2B5EF4-FFF2-40B4-BE49-F238E27FC236}">
-                <a16:creationId xmlns:a16="http://schemas.microsoft.com/office/drawing/2014/main" id="{6506E7B0-7FC8-5A45-A350-6AFE042386A6}"/>
-              </a:ext>
-            </a:extLst>
-          </p:cNvPr>
-          <p:cNvSpPr txBox="1"/>
-          <p:nvPr/>
-        </p:nvSpPr>
-        <p:spPr>
-          <a:xfrm>
-            <a:off x="9968767" y="1137632"/>
-            <a:ext cx="2860646" cy="338554"/>
-          </a:xfrm>
-          <a:prstGeom prst="rect">
-            <a:avLst/>
-          </a:prstGeom>
-          <a:noFill/>
-        </p:spPr>
-        <p:txBody>
-          <a:bodyPr wrap="square" rtlCol="0">
-            <a:spAutoFit/>
-          </a:bodyPr>
-          <a:lstStyle/>
-          <a:p>
-            <a:r>
-              <a:rPr lang="en-US" sz="1600" dirty="0"/>
-              <a:t>Hi, (patient name)</a:t>
-            </a:r>
-          </a:p>
-        </p:txBody>
-      </p:sp>
-      <p:sp>
-        <p:nvSpPr>
-          <p:cNvPr id="7" name="TextBox 6">
-            <a:extLst>
-              <a:ext uri="{FF2B5EF4-FFF2-40B4-BE49-F238E27FC236}">
-                <a16:creationId xmlns:a16="http://schemas.microsoft.com/office/drawing/2014/main" id="{E7D745A2-1954-874D-B978-521F0D0FBC58}"/>
-              </a:ext>
-            </a:extLst>
-          </p:cNvPr>
-          <p:cNvSpPr txBox="1"/>
-          <p:nvPr/>
-        </p:nvSpPr>
-        <p:spPr>
-          <a:xfrm>
-            <a:off x="604007" y="360728"/>
-            <a:ext cx="1702965" cy="369332"/>
-          </a:xfrm>
-          <a:prstGeom prst="rect">
-            <a:avLst/>
-          </a:prstGeom>
-          <a:noFill/>
-        </p:spPr>
-        <p:txBody>
-          <a:bodyPr wrap="square" rtlCol="0">
-            <a:spAutoFit/>
-          </a:bodyPr>
-          <a:lstStyle/>
-          <a:p>
-            <a:r>
-              <a:rPr lang="en-US" dirty="0"/>
-              <a:t>LOGO</a:t>
-            </a:r>
-          </a:p>
-        </p:txBody>
-      </p:sp>
-      <p:sp>
-        <p:nvSpPr>
-          <p:cNvPr id="13" name="TextBox 12">
-            <a:extLst>
-              <a:ext uri="{FF2B5EF4-FFF2-40B4-BE49-F238E27FC236}">
-                <a16:creationId xmlns:a16="http://schemas.microsoft.com/office/drawing/2014/main" id="{6D3B998B-4F2D-1944-A306-E02E48B4D9C8}"/>
-              </a:ext>
-            </a:extLst>
-          </p:cNvPr>
-          <p:cNvSpPr txBox="1"/>
-          <p:nvPr/>
-        </p:nvSpPr>
-        <p:spPr>
-          <a:xfrm>
-            <a:off x="587228" y="834694"/>
-            <a:ext cx="1736522" cy="646331"/>
-          </a:xfrm>
-          <a:prstGeom prst="rect">
-            <a:avLst/>
-          </a:prstGeom>
-          <a:noFill/>
-        </p:spPr>
-        <p:txBody>
-          <a:bodyPr wrap="square" rtlCol="0">
-            <a:spAutoFit/>
-          </a:bodyPr>
-          <a:lstStyle/>
-          <a:p>
-            <a:r>
-              <a:rPr lang="en-US" dirty="0"/>
-              <a:t>Home </a:t>
-            </a:r>
-            <a:r>
-              <a:rPr lang="en-US" dirty="0">
-                <a:solidFill>
-                  <a:schemeClr val="accent5"/>
-                </a:solidFill>
-              </a:rPr>
-              <a:t>(</a:t>
-            </a:r>
-            <a:r>
-              <a:rPr lang="en-US" dirty="0" err="1">
-                <a:solidFill>
-                  <a:schemeClr val="accent5"/>
-                </a:solidFill>
-              </a:rPr>
-              <a:t>index.jsp</a:t>
-            </a:r>
-            <a:r>
-              <a:rPr lang="en-US" dirty="0">
-                <a:solidFill>
-                  <a:schemeClr val="accent5"/>
-                </a:solidFill>
-              </a:rPr>
-              <a:t>)</a:t>
-            </a:r>
-          </a:p>
-        </p:txBody>
-      </p:sp>
-      <p:sp>
-        <p:nvSpPr>
-          <p:cNvPr id="14" name="TextBox 13">
-            <a:extLst>
-              <a:ext uri="{FF2B5EF4-FFF2-40B4-BE49-F238E27FC236}">
-                <a16:creationId xmlns:a16="http://schemas.microsoft.com/office/drawing/2014/main" id="{7234AEA2-AEC3-0844-BDC9-78282380EB27}"/>
-              </a:ext>
-            </a:extLst>
-          </p:cNvPr>
-          <p:cNvSpPr txBox="1"/>
-          <p:nvPr/>
-        </p:nvSpPr>
-        <p:spPr>
-          <a:xfrm>
-            <a:off x="1149292" y="5403711"/>
-            <a:ext cx="1266738" cy="646331"/>
-          </a:xfrm>
-          <a:prstGeom prst="rect">
-            <a:avLst/>
-          </a:prstGeom>
-          <a:noFill/>
-        </p:spPr>
-        <p:txBody>
-          <a:bodyPr wrap="square" rtlCol="0">
-            <a:spAutoFit/>
-          </a:bodyPr>
-          <a:lstStyle/>
-          <a:p>
-            <a:r>
-              <a:rPr lang="en-US" dirty="0"/>
-              <a:t>Contact Details</a:t>
-            </a:r>
-          </a:p>
-        </p:txBody>
-      </p:sp>
-      <p:sp>
-        <p:nvSpPr>
-          <p:cNvPr id="15" name="TextBox 14">
-            <a:extLst>
-              <a:ext uri="{FF2B5EF4-FFF2-40B4-BE49-F238E27FC236}">
-                <a16:creationId xmlns:a16="http://schemas.microsoft.com/office/drawing/2014/main" id="{BBB57AFB-704D-B24F-8BE1-DE3DB4972EF5}"/>
-              </a:ext>
-            </a:extLst>
-          </p:cNvPr>
-          <p:cNvSpPr txBox="1"/>
-          <p:nvPr/>
-        </p:nvSpPr>
-        <p:spPr>
-          <a:xfrm>
-            <a:off x="5029566" y="1857038"/>
-            <a:ext cx="2688205" cy="646331"/>
-          </a:xfrm>
-          <a:prstGeom prst="rect">
-            <a:avLst/>
-          </a:prstGeom>
-          <a:noFill/>
-        </p:spPr>
-        <p:txBody>
-          <a:bodyPr wrap="square" rtlCol="0">
-            <a:spAutoFit/>
-          </a:bodyPr>
-          <a:lstStyle/>
-          <a:p>
-            <a:r>
-              <a:rPr lang="en-US" dirty="0"/>
-              <a:t>Appointment Bookings</a:t>
-            </a:r>
-          </a:p>
-          <a:p>
-            <a:r>
-              <a:rPr lang="en-US" dirty="0">
-                <a:solidFill>
-                  <a:schemeClr val="accent5"/>
-                </a:solidFill>
-              </a:rPr>
-              <a:t>(</a:t>
-            </a:r>
-            <a:r>
-              <a:rPr lang="en-US" dirty="0" err="1">
-                <a:solidFill>
-                  <a:schemeClr val="accent5"/>
-                </a:solidFill>
-              </a:rPr>
-              <a:t>patientAccess.jsp</a:t>
-            </a:r>
-            <a:r>
-              <a:rPr lang="en-US" dirty="0">
-                <a:solidFill>
-                  <a:schemeClr val="accent5"/>
-                </a:solidFill>
-              </a:rPr>
-              <a:t>)</a:t>
-            </a:r>
-          </a:p>
-        </p:txBody>
-      </p:sp>
-      <p:sp>
-        <p:nvSpPr>
-          <p:cNvPr id="16" name="TextBox 15">
-            <a:extLst>
-              <a:ext uri="{FF2B5EF4-FFF2-40B4-BE49-F238E27FC236}">
-                <a16:creationId xmlns:a16="http://schemas.microsoft.com/office/drawing/2014/main" id="{4CE9F10F-C850-0B40-ADEF-4FB1BB68B7A2}"/>
-              </a:ext>
-            </a:extLst>
-          </p:cNvPr>
-          <p:cNvSpPr txBox="1"/>
-          <p:nvPr/>
-        </p:nvSpPr>
-        <p:spPr>
-          <a:xfrm>
-            <a:off x="3381812" y="1053263"/>
-            <a:ext cx="2964559" cy="369332"/>
-          </a:xfrm>
-          <a:prstGeom prst="rect">
-            <a:avLst/>
-          </a:prstGeom>
-          <a:noFill/>
-        </p:spPr>
-        <p:txBody>
-          <a:bodyPr wrap="square" rtlCol="0">
-            <a:spAutoFit/>
-          </a:bodyPr>
-          <a:lstStyle/>
-          <a:p>
-            <a:r>
-              <a:rPr lang="en-US" dirty="0"/>
-              <a:t>Booking </a:t>
-            </a:r>
-            <a:r>
-              <a:rPr lang="en-US" dirty="0">
-                <a:solidFill>
-                  <a:schemeClr val="accent5"/>
-                </a:solidFill>
-              </a:rPr>
-              <a:t>(</a:t>
-            </a:r>
-            <a:r>
-              <a:rPr lang="en-US" dirty="0" err="1">
-                <a:solidFill>
-                  <a:schemeClr val="accent5"/>
-                </a:solidFill>
-              </a:rPr>
-              <a:t>bookings.jsp</a:t>
-            </a:r>
-            <a:r>
-              <a:rPr lang="en-US" dirty="0">
-                <a:solidFill>
-                  <a:schemeClr val="accent5"/>
-                </a:solidFill>
-              </a:rPr>
-              <a:t>)</a:t>
-            </a:r>
-          </a:p>
-        </p:txBody>
-      </p:sp>
-      <p:sp>
-        <p:nvSpPr>
-          <p:cNvPr id="17" name="TextBox 16">
-            <a:extLst>
-              <a:ext uri="{FF2B5EF4-FFF2-40B4-BE49-F238E27FC236}">
-                <a16:creationId xmlns:a16="http://schemas.microsoft.com/office/drawing/2014/main" id="{050A665A-C98A-B44A-8A44-D61414C70B12}"/>
-              </a:ext>
-            </a:extLst>
-          </p:cNvPr>
-          <p:cNvSpPr txBox="1"/>
-          <p:nvPr/>
-        </p:nvSpPr>
-        <p:spPr>
-          <a:xfrm>
-            <a:off x="10389765" y="5462434"/>
-            <a:ext cx="1266738" cy="369332"/>
-          </a:xfrm>
-          <a:prstGeom prst="rect">
-            <a:avLst/>
-          </a:prstGeom>
-          <a:noFill/>
-        </p:spPr>
-        <p:txBody>
-          <a:bodyPr wrap="square" rtlCol="0">
-            <a:spAutoFit/>
-          </a:bodyPr>
-          <a:lstStyle/>
-          <a:p>
-            <a:r>
-              <a:rPr lang="en-US" dirty="0"/>
-              <a:t>Copyright</a:t>
-            </a:r>
-          </a:p>
-        </p:txBody>
-      </p:sp>
-      <p:sp>
-        <p:nvSpPr>
-          <p:cNvPr id="20" name="TextBox 19">
-            <a:extLst>
-              <a:ext uri="{FF2B5EF4-FFF2-40B4-BE49-F238E27FC236}">
-                <a16:creationId xmlns:a16="http://schemas.microsoft.com/office/drawing/2014/main" id="{CC7689EE-3C59-2445-89B7-7E7BC7106C27}"/>
-              </a:ext>
-            </a:extLst>
-          </p:cNvPr>
-          <p:cNvSpPr txBox="1"/>
-          <p:nvPr/>
-        </p:nvSpPr>
-        <p:spPr>
-          <a:xfrm>
-            <a:off x="5149602" y="3030352"/>
-            <a:ext cx="1572237" cy="307777"/>
-          </a:xfrm>
-          <a:prstGeom prst="rect">
-            <a:avLst/>
-          </a:prstGeom>
-          <a:noFill/>
-        </p:spPr>
-        <p:txBody>
-          <a:bodyPr wrap="square" rtlCol="0">
-            <a:spAutoFit/>
-          </a:bodyPr>
-          <a:lstStyle/>
-          <a:p>
-            <a:r>
-              <a:rPr lang="en-US" sz="1400" dirty="0"/>
-              <a:t>Date of Birth</a:t>
-            </a:r>
-          </a:p>
-        </p:txBody>
-      </p:sp>
-      <p:sp>
-        <p:nvSpPr>
-          <p:cNvPr id="21" name="TextBox 20">
-            <a:extLst>
-              <a:ext uri="{FF2B5EF4-FFF2-40B4-BE49-F238E27FC236}">
-                <a16:creationId xmlns:a16="http://schemas.microsoft.com/office/drawing/2014/main" id="{7B7232E0-FEEC-D142-B64A-BEAAED46A0D3}"/>
-              </a:ext>
-            </a:extLst>
-          </p:cNvPr>
-          <p:cNvSpPr txBox="1"/>
-          <p:nvPr/>
-        </p:nvSpPr>
-        <p:spPr>
-          <a:xfrm>
-            <a:off x="5149601" y="3558037"/>
-            <a:ext cx="1572237" cy="523220"/>
-          </a:xfrm>
-          <a:prstGeom prst="rect">
-            <a:avLst/>
-          </a:prstGeom>
-          <a:noFill/>
-        </p:spPr>
-        <p:txBody>
-          <a:bodyPr wrap="square" rtlCol="0">
-            <a:spAutoFit/>
-          </a:bodyPr>
-          <a:lstStyle/>
-          <a:p>
-            <a:r>
-              <a:rPr lang="en-US" sz="1400" dirty="0">
-                <a:solidFill>
-                  <a:schemeClr val="accent6"/>
-                </a:solidFill>
-              </a:rPr>
-              <a:t>Select doctor </a:t>
-            </a:r>
-            <a:r>
-              <a:rPr lang="en-US" sz="1400" dirty="0"/>
-              <a:t>- dropdown</a:t>
-            </a:r>
-          </a:p>
-        </p:txBody>
-      </p:sp>
-      <p:sp>
-        <p:nvSpPr>
-          <p:cNvPr id="22" name="TextBox 21">
-            <a:extLst>
-              <a:ext uri="{FF2B5EF4-FFF2-40B4-BE49-F238E27FC236}">
-                <a16:creationId xmlns:a16="http://schemas.microsoft.com/office/drawing/2014/main" id="{D910F3D3-03EA-A746-8500-CA622E5CAC69}"/>
-              </a:ext>
-            </a:extLst>
-          </p:cNvPr>
-          <p:cNvSpPr txBox="1"/>
-          <p:nvPr/>
-        </p:nvSpPr>
-        <p:spPr>
-          <a:xfrm>
-            <a:off x="5254507" y="3289894"/>
-            <a:ext cx="1572237" cy="307777"/>
-          </a:xfrm>
-          <a:prstGeom prst="rect">
-            <a:avLst/>
-          </a:prstGeom>
-          <a:noFill/>
-        </p:spPr>
-        <p:txBody>
-          <a:bodyPr wrap="square" rtlCol="0">
-            <a:spAutoFit/>
-          </a:bodyPr>
-          <a:lstStyle/>
-          <a:p>
-            <a:r>
-              <a:rPr lang="en-US" sz="1400" dirty="0"/>
-              <a:t>Problem</a:t>
-            </a:r>
-          </a:p>
-        </p:txBody>
-      </p:sp>
-      <p:sp>
-        <p:nvSpPr>
-          <p:cNvPr id="23" name="TextBox 22">
-            <a:extLst>
-              <a:ext uri="{FF2B5EF4-FFF2-40B4-BE49-F238E27FC236}">
-                <a16:creationId xmlns:a16="http://schemas.microsoft.com/office/drawing/2014/main" id="{A6C432AD-33FD-344C-A624-A462B6AC87FB}"/>
-              </a:ext>
-            </a:extLst>
-          </p:cNvPr>
-          <p:cNvSpPr txBox="1"/>
-          <p:nvPr/>
-        </p:nvSpPr>
-        <p:spPr>
-          <a:xfrm>
-            <a:off x="4833410" y="4550201"/>
-            <a:ext cx="2047806" cy="369332"/>
-          </a:xfrm>
-          <a:prstGeom prst="rect">
-            <a:avLst/>
-          </a:prstGeom>
-          <a:noFill/>
-        </p:spPr>
-        <p:txBody>
-          <a:bodyPr wrap="square" rtlCol="0">
-            <a:spAutoFit/>
-          </a:bodyPr>
-          <a:lstStyle/>
-          <a:p>
-            <a:r>
-              <a:rPr lang="en-US" dirty="0"/>
-              <a:t>Book</a:t>
-            </a:r>
-          </a:p>
-        </p:txBody>
-      </p:sp>
-      <p:sp>
-        <p:nvSpPr>
-          <p:cNvPr id="24" name="TextBox 23">
-            <a:extLst>
-              <a:ext uri="{FF2B5EF4-FFF2-40B4-BE49-F238E27FC236}">
-                <a16:creationId xmlns:a16="http://schemas.microsoft.com/office/drawing/2014/main" id="{0225D049-2947-0045-BEF4-4ACD313D6965}"/>
-              </a:ext>
-            </a:extLst>
-          </p:cNvPr>
-          <p:cNvSpPr txBox="1"/>
-          <p:nvPr/>
-        </p:nvSpPr>
-        <p:spPr>
-          <a:xfrm>
-            <a:off x="5640445" y="4570150"/>
-            <a:ext cx="1010175" cy="369332"/>
-          </a:xfrm>
-          <a:prstGeom prst="rect">
-            <a:avLst/>
-          </a:prstGeom>
-          <a:noFill/>
-        </p:spPr>
-        <p:txBody>
-          <a:bodyPr wrap="square" rtlCol="0">
-            <a:spAutoFit/>
-          </a:bodyPr>
-          <a:lstStyle/>
-          <a:p>
-            <a:r>
-              <a:rPr lang="en-US" dirty="0"/>
-              <a:t>Clear</a:t>
-            </a:r>
-          </a:p>
-        </p:txBody>
-      </p:sp>
-      <p:sp>
-        <p:nvSpPr>
-          <p:cNvPr id="27" name="TextBox 26">
-            <a:extLst>
-              <a:ext uri="{FF2B5EF4-FFF2-40B4-BE49-F238E27FC236}">
-                <a16:creationId xmlns:a16="http://schemas.microsoft.com/office/drawing/2014/main" id="{48627E93-0795-4049-92FC-32AB5BAA21E6}"/>
-              </a:ext>
-            </a:extLst>
-          </p:cNvPr>
-          <p:cNvSpPr txBox="1"/>
-          <p:nvPr/>
-        </p:nvSpPr>
-        <p:spPr>
-          <a:xfrm>
-            <a:off x="7108121" y="845256"/>
-            <a:ext cx="2860646" cy="646331"/>
-          </a:xfrm>
-          <a:prstGeom prst="rect">
-            <a:avLst/>
-          </a:prstGeom>
-          <a:noFill/>
-        </p:spPr>
-        <p:txBody>
-          <a:bodyPr wrap="square" rtlCol="0">
-            <a:spAutoFit/>
-          </a:bodyPr>
-          <a:lstStyle/>
-          <a:p>
-            <a:r>
-              <a:rPr lang="en-US" dirty="0"/>
-              <a:t>Treatment </a:t>
-            </a:r>
-            <a:r>
-              <a:rPr lang="en-US" dirty="0">
-                <a:solidFill>
-                  <a:schemeClr val="accent5"/>
-                </a:solidFill>
-              </a:rPr>
-              <a:t>(</a:t>
-            </a:r>
-            <a:r>
-              <a:rPr lang="en-US" dirty="0" err="1">
-                <a:solidFill>
-                  <a:schemeClr val="accent5"/>
-                </a:solidFill>
-              </a:rPr>
-              <a:t>displayRecord.jsp</a:t>
-            </a:r>
-            <a:r>
-              <a:rPr lang="en-US" dirty="0">
-                <a:solidFill>
-                  <a:schemeClr val="accent5"/>
-                </a:solidFill>
-              </a:rPr>
-              <a:t>)</a:t>
-            </a:r>
-          </a:p>
-        </p:txBody>
-      </p:sp>
-      <p:sp>
-        <p:nvSpPr>
-          <p:cNvPr id="28" name="TextBox 27">
-            <a:extLst>
-              <a:ext uri="{FF2B5EF4-FFF2-40B4-BE49-F238E27FC236}">
-                <a16:creationId xmlns:a16="http://schemas.microsoft.com/office/drawing/2014/main" id="{2B755557-3838-3047-964E-3F06034A40A5}"/>
-              </a:ext>
-            </a:extLst>
-          </p:cNvPr>
-          <p:cNvSpPr txBox="1"/>
-          <p:nvPr/>
-        </p:nvSpPr>
-        <p:spPr>
-          <a:xfrm>
-            <a:off x="5445121" y="2535324"/>
-            <a:ext cx="876881" cy="307777"/>
-          </a:xfrm>
-          <a:prstGeom prst="rect">
-            <a:avLst/>
-          </a:prstGeom>
-          <a:noFill/>
-        </p:spPr>
-        <p:txBody>
-          <a:bodyPr wrap="square" rtlCol="0">
-            <a:spAutoFit/>
-          </a:bodyPr>
-          <a:lstStyle/>
-          <a:p>
-            <a:r>
-              <a:rPr lang="en-US" sz="1400" dirty="0"/>
-              <a:t>Phone</a:t>
-            </a:r>
-          </a:p>
-        </p:txBody>
-      </p:sp>
-      <p:sp>
-        <p:nvSpPr>
-          <p:cNvPr id="30" name="Rounded Rectangle 29">
-            <a:extLst>
-              <a:ext uri="{FF2B5EF4-FFF2-40B4-BE49-F238E27FC236}">
-                <a16:creationId xmlns:a16="http://schemas.microsoft.com/office/drawing/2014/main" id="{0EE5F47A-7997-E344-9E49-CF9665371C6B}"/>
+        <p:style>
+          <a:lnRef idx="0">
+            <a:scrgbClr r="0" g="0" b="0"/>
+          </a:lnRef>
+          <a:fillRef idx="0">
+            <a:scrgbClr r="0" g="0" b="0"/>
+          </a:fillRef>
+          <a:effectRef idx="0">
+            <a:scrgbClr r="0" g="0" b="0"/>
+          </a:effectRef>
+          <a:fontRef idx="minor">
+            <a:schemeClr val="tx1"/>
+          </a:fontRef>
+        </p:style>
+      </p:cxnSp>
+      <p:sp>
+        <p:nvSpPr>
+          <p:cNvPr id="37" name="Rounded Rectangle 36">
+            <a:extLst>
+              <a:ext uri="{FF2B5EF4-FFF2-40B4-BE49-F238E27FC236}">
+                <a16:creationId xmlns:a16="http://schemas.microsoft.com/office/drawing/2014/main" id="{16204D97-1CDD-5E43-B41E-76FF633CB37C}"/>
               </a:ext>
             </a:extLst>
           </p:cNvPr>
@@ -9448,8 +10741,8 @@
         </p:nvSpPr>
         <p:spPr>
           <a:xfrm>
-            <a:off x="1" y="1857038"/>
-            <a:ext cx="2555306" cy="1377232"/>
+            <a:off x="125427" y="1828901"/>
+            <a:ext cx="2389445" cy="721532"/>
           </a:xfrm>
           <a:prstGeom prst="roundRect">
             <a:avLst/>
@@ -9476,7 +10769,7 @@
             <a:pPr algn="ctr"/>
             <a:r>
               <a:rPr lang="en-US" sz="1600" dirty="0" err="1"/>
-              <a:t>patientAccess.jsp</a:t>
+              <a:t>dlog.jsp</a:t>
             </a:r>
             <a:r>
               <a:rPr lang="en-US" sz="1600" dirty="0"/>
@@ -9486,182 +10779,29 @@
           <a:p>
             <a:pPr algn="ctr"/>
             <a:r>
+              <a:rPr lang="en-US" sz="1600" dirty="0"/>
+              <a:t>Input form created</a:t>
+            </a:r>
+          </a:p>
+          <a:p>
+            <a:pPr algn="ctr"/>
+            <a:r>
               <a:rPr lang="en-US" sz="1600" dirty="0" err="1"/>
-              <a:t>Patient.java</a:t>
+              <a:t>DllogServlet.java</a:t>
             </a:r>
             <a:r>
               <a:rPr lang="en-US" sz="1600" dirty="0"/>
               <a:t> created</a:t>
             </a:r>
           </a:p>
-          <a:p>
-            <a:pPr algn="ctr"/>
-            <a:r>
-              <a:rPr lang="en-US" sz="1600" dirty="0" err="1"/>
-              <a:t>PatientQuery.java</a:t>
-            </a:r>
-            <a:r>
-              <a:rPr lang="en-US" sz="1600" dirty="0"/>
-              <a:t> created</a:t>
-            </a:r>
-          </a:p>
-          <a:p>
-            <a:pPr algn="ctr"/>
-            <a:r>
-              <a:rPr lang="en-US" sz="1600" dirty="0"/>
-              <a:t>Input form created</a:t>
-            </a:r>
-          </a:p>
-          <a:p>
-            <a:pPr algn="ctr"/>
-            <a:r>
-              <a:rPr lang="en-US" sz="1600" dirty="0" err="1"/>
-              <a:t>Record.java</a:t>
-            </a:r>
-            <a:r>
-              <a:rPr lang="en-US" sz="1600" dirty="0"/>
-              <a:t> created</a:t>
-            </a:r>
-          </a:p>
-        </p:txBody>
-      </p:sp>
-      <p:sp>
-        <p:nvSpPr>
-          <p:cNvPr id="33" name="TextBox 32">
-            <a:extLst>
-              <a:ext uri="{FF2B5EF4-FFF2-40B4-BE49-F238E27FC236}">
-                <a16:creationId xmlns:a16="http://schemas.microsoft.com/office/drawing/2014/main" id="{7B73F0A8-A360-0845-AC8B-3FA164596CD2}"/>
-              </a:ext>
-            </a:extLst>
-          </p:cNvPr>
-          <p:cNvSpPr txBox="1"/>
-          <p:nvPr/>
-        </p:nvSpPr>
-        <p:spPr>
-          <a:xfrm>
-            <a:off x="10552252" y="239069"/>
-            <a:ext cx="1073791" cy="523220"/>
-          </a:xfrm>
-          <a:prstGeom prst="rect">
-            <a:avLst/>
-          </a:prstGeom>
-          <a:noFill/>
-        </p:spPr>
-        <p:txBody>
-          <a:bodyPr wrap="square" rtlCol="0">
-            <a:spAutoFit/>
-          </a:bodyPr>
-          <a:lstStyle/>
-          <a:p>
-            <a:r>
-              <a:rPr lang="en-US" sz="1400" dirty="0"/>
-              <a:t>Sign out</a:t>
-            </a:r>
-          </a:p>
-          <a:p>
-            <a:r>
-              <a:rPr lang="en-US" sz="1400" dirty="0">
-                <a:solidFill>
-                  <a:schemeClr val="accent5"/>
-                </a:solidFill>
-              </a:rPr>
-              <a:t>(</a:t>
-            </a:r>
-            <a:r>
-              <a:rPr lang="en-US" sz="1400" dirty="0" err="1">
-                <a:solidFill>
-                  <a:schemeClr val="accent5"/>
-                </a:solidFill>
-              </a:rPr>
-              <a:t>url.signout</a:t>
-            </a:r>
-            <a:r>
-              <a:rPr lang="en-US" sz="1400" dirty="0">
-                <a:solidFill>
-                  <a:schemeClr val="accent5"/>
-                </a:solidFill>
-              </a:rPr>
-              <a:t>)</a:t>
-            </a:r>
-            <a:endParaRPr lang="en-US" sz="1400" dirty="0"/>
-          </a:p>
-        </p:txBody>
-      </p:sp>
-      <p:sp>
-        <p:nvSpPr>
-          <p:cNvPr id="26" name="Rounded Rectangle 25">
-            <a:extLst>
-              <a:ext uri="{FF2B5EF4-FFF2-40B4-BE49-F238E27FC236}">
-                <a16:creationId xmlns:a16="http://schemas.microsoft.com/office/drawing/2014/main" id="{784C24D5-5791-5C4A-96F3-AFB33EA610E9}"/>
-              </a:ext>
-            </a:extLst>
-          </p:cNvPr>
-          <p:cNvSpPr/>
-          <p:nvPr/>
-        </p:nvSpPr>
-        <p:spPr>
-          <a:xfrm>
-            <a:off x="160860" y="3529109"/>
-            <a:ext cx="2389445" cy="1377232"/>
-          </a:xfrm>
-          <a:prstGeom prst="roundRect">
-            <a:avLst/>
-          </a:prstGeom>
-          <a:solidFill>
-            <a:schemeClr val="accent2"/>
-          </a:solidFill>
-        </p:spPr>
-        <p:style>
-          <a:lnRef idx="1">
-            <a:schemeClr val="accent6"/>
-          </a:lnRef>
-          <a:fillRef idx="3">
-            <a:schemeClr val="accent6"/>
-          </a:fillRef>
-          <a:effectRef idx="2">
-            <a:schemeClr val="accent6"/>
-          </a:effectRef>
-          <a:fontRef idx="minor">
-            <a:schemeClr val="lt1"/>
-          </a:fontRef>
-        </p:style>
-        <p:txBody>
-          <a:bodyPr rtlCol="0" anchor="ctr"/>
-          <a:lstStyle/>
-          <a:p>
-            <a:pPr algn="ctr"/>
-            <a:r>
-              <a:rPr lang="en-US" dirty="0"/>
-              <a:t>Change page title</a:t>
-            </a:r>
-          </a:p>
-          <a:p>
-            <a:pPr algn="ctr"/>
-            <a:r>
-              <a:rPr lang="en-US" dirty="0"/>
-              <a:t>Change input form</a:t>
-            </a:r>
-          </a:p>
-          <a:p>
-            <a:pPr algn="ctr"/>
-            <a:r>
-              <a:rPr lang="en-US" dirty="0"/>
-              <a:t>Create </a:t>
-            </a:r>
-            <a:r>
-              <a:rPr lang="en-US" dirty="0" err="1"/>
-              <a:t>PAccessServlet.java</a:t>
-            </a:r>
-            <a:endParaRPr lang="en-US" dirty="0"/>
-          </a:p>
         </p:txBody>
       </p:sp>
       <p:pic>
         <p:nvPicPr>
-          <p:cNvPr id="31" name="Graphic 30" descr="Construction Barricade with solid fill">
-            <a:extLst>
-              <a:ext uri="{FF2B5EF4-FFF2-40B4-BE49-F238E27FC236}">
-                <a16:creationId xmlns:a16="http://schemas.microsoft.com/office/drawing/2014/main" id="{CB483B2E-B1E2-3141-AA86-ACF45412899D}"/>
+          <p:cNvPr id="11" name="Graphic 10" descr="Shield Tick with solid fill">
+            <a:extLst>
+              <a:ext uri="{FF2B5EF4-FFF2-40B4-BE49-F238E27FC236}">
+                <a16:creationId xmlns:a16="http://schemas.microsoft.com/office/drawing/2014/main" id="{1FDC78FB-62C4-144C-BCD6-F1DCBFBF92BF}"/>
               </a:ext>
             </a:extLst>
           </p:cNvPr>
@@ -9684,7 +10824,7 @@
         </p:blipFill>
         <p:spPr>
           <a:xfrm>
-            <a:off x="11130793" y="3049017"/>
+            <a:off x="10687575" y="285750"/>
             <a:ext cx="914400" cy="914400"/>
           </a:xfrm>
           <a:prstGeom prst="rect">
@@ -9692,129 +10832,10 @@
           </a:prstGeom>
         </p:spPr>
       </p:pic>
-      <p:sp>
-        <p:nvSpPr>
-          <p:cNvPr id="34" name="TextBox 33">
-            <a:extLst>
-              <a:ext uri="{FF2B5EF4-FFF2-40B4-BE49-F238E27FC236}">
-                <a16:creationId xmlns:a16="http://schemas.microsoft.com/office/drawing/2014/main" id="{E87A4737-D0F1-424F-890A-6A5408356BF7}"/>
-              </a:ext>
-            </a:extLst>
-          </p:cNvPr>
-          <p:cNvSpPr txBox="1"/>
-          <p:nvPr/>
-        </p:nvSpPr>
-        <p:spPr>
-          <a:xfrm>
-            <a:off x="5359413" y="2782838"/>
-            <a:ext cx="1572237" cy="307777"/>
-          </a:xfrm>
-          <a:prstGeom prst="rect">
-            <a:avLst/>
-          </a:prstGeom>
-          <a:noFill/>
-        </p:spPr>
-        <p:txBody>
-          <a:bodyPr wrap="square" rtlCol="0">
-            <a:spAutoFit/>
-          </a:bodyPr>
-          <a:lstStyle/>
-          <a:p>
-            <a:r>
-              <a:rPr lang="en-US" sz="1400" dirty="0"/>
-              <a:t>Address</a:t>
-            </a:r>
-          </a:p>
-        </p:txBody>
-      </p:sp>
-      <p:sp>
-        <p:nvSpPr>
-          <p:cNvPr id="36" name="Rounded Rectangular Callout 35">
-            <a:extLst>
-              <a:ext uri="{FF2B5EF4-FFF2-40B4-BE49-F238E27FC236}">
-                <a16:creationId xmlns:a16="http://schemas.microsoft.com/office/drawing/2014/main" id="{7EA8D483-7AED-D34D-A7A7-7CC85A26619B}"/>
-              </a:ext>
-            </a:extLst>
-          </p:cNvPr>
-          <p:cNvSpPr/>
-          <p:nvPr/>
-        </p:nvSpPr>
-        <p:spPr>
-          <a:xfrm>
-            <a:off x="3991474" y="5452426"/>
-            <a:ext cx="4709794" cy="1102479"/>
-          </a:xfrm>
-          <a:prstGeom prst="wedgeRoundRectCallout">
-            <a:avLst>
-              <a:gd name="adj1" fmla="val -27669"/>
-              <a:gd name="adj2" fmla="val -100354"/>
-              <a:gd name="adj3" fmla="val 16667"/>
-            </a:avLst>
-          </a:prstGeom>
-        </p:spPr>
-        <p:style>
-          <a:lnRef idx="0">
-            <a:schemeClr val="accent4"/>
-          </a:lnRef>
-          <a:fillRef idx="3">
-            <a:schemeClr val="accent4"/>
-          </a:fillRef>
-          <a:effectRef idx="3">
-            <a:schemeClr val="accent4"/>
-          </a:effectRef>
-          <a:fontRef idx="minor">
-            <a:schemeClr val="lt1"/>
-          </a:fontRef>
-        </p:style>
-        <p:txBody>
-          <a:bodyPr rtlCol="0" anchor="ctr"/>
-          <a:lstStyle/>
-          <a:p>
-            <a:pPr algn="ctr"/>
-            <a:r>
-              <a:rPr lang="en-US" dirty="0"/>
-              <a:t>onclick inserts to return writes </a:t>
-            </a:r>
-            <a:r>
-              <a:rPr lang="en-US" dirty="0" err="1"/>
-              <a:t>sout</a:t>
-            </a:r>
-            <a:r>
-              <a:rPr lang="en-US" dirty="0"/>
-              <a:t> to patient </a:t>
-            </a:r>
-            <a:r>
-              <a:rPr lang="en-US" dirty="0" err="1"/>
-              <a:t>confirning</a:t>
-            </a:r>
-            <a:r>
-              <a:rPr lang="en-US" dirty="0"/>
-              <a:t> details entered, if okay save to </a:t>
-            </a:r>
-            <a:r>
-              <a:rPr lang="en-US" dirty="0" err="1"/>
-              <a:t>record.java</a:t>
-            </a:r>
-            <a:r>
-              <a:rPr lang="en-US" dirty="0"/>
-              <a:t>. If not ok, return to </a:t>
-            </a:r>
-            <a:r>
-              <a:rPr lang="en-US" dirty="0" err="1"/>
-              <a:t>bookings.jsp</a:t>
-            </a:r>
-            <a:endParaRPr lang="en-US" dirty="0"/>
-          </a:p>
-          <a:p>
-            <a:pPr algn="ctr"/>
-            <a:endParaRPr lang="en-US" dirty="0"/>
-          </a:p>
-        </p:txBody>
-      </p:sp>
     </p:spTree>
     <p:extLst>
       <p:ext uri="{BB962C8B-B14F-4D97-AF65-F5344CB8AC3E}">
-        <p14:creationId xmlns:p14="http://schemas.microsoft.com/office/powerpoint/2010/main" val="3600791983"/>
+        <p14:creationId xmlns:p14="http://schemas.microsoft.com/office/powerpoint/2010/main" val="2402271722"/>
       </p:ext>
     </p:extLst>
   </p:cSld>
@@ -9903,7 +10924,7 @@
         </p:nvSpPr>
         <p:spPr>
           <a:xfrm>
-            <a:off x="303402" y="326664"/>
+            <a:off x="64715" y="258935"/>
             <a:ext cx="11585196" cy="1291904"/>
           </a:xfrm>
           <a:prstGeom prst="rect">
@@ -9965,10 +10986,10 @@
       </p:sp>
       <p:sp>
         <p:nvSpPr>
-          <p:cNvPr id="7" name="TextBox 6">
-            <a:extLst>
-              <a:ext uri="{FF2B5EF4-FFF2-40B4-BE49-F238E27FC236}">
-                <a16:creationId xmlns:a16="http://schemas.microsoft.com/office/drawing/2014/main" id="{E7D745A2-1954-874D-B978-521F0D0FBC58}"/>
+          <p:cNvPr id="6" name="TextBox 5">
+            <a:extLst>
+              <a:ext uri="{FF2B5EF4-FFF2-40B4-BE49-F238E27FC236}">
+                <a16:creationId xmlns:a16="http://schemas.microsoft.com/office/drawing/2014/main" id="{6506E7B0-7FC8-5A45-A350-6AFE042386A6}"/>
               </a:ext>
             </a:extLst>
           </p:cNvPr>
@@ -9977,8 +10998,8 @@
         </p:nvSpPr>
         <p:spPr>
           <a:xfrm>
-            <a:off x="604007" y="360728"/>
-            <a:ext cx="1702965" cy="369332"/>
+            <a:off x="9968767" y="1137632"/>
+            <a:ext cx="2860646" cy="338554"/>
           </a:xfrm>
           <a:prstGeom prst="rect">
             <a:avLst/>
@@ -9992,18 +11013,18 @@
           <a:lstStyle/>
           <a:p>
             <a:r>
-              <a:rPr lang="en-US" dirty="0"/>
-              <a:t>LOGO</a:t>
-            </a:r>
-          </a:p>
-        </p:txBody>
-      </p:sp>
-      <p:sp>
-        <p:nvSpPr>
-          <p:cNvPr id="14" name="TextBox 13">
-            <a:extLst>
-              <a:ext uri="{FF2B5EF4-FFF2-40B4-BE49-F238E27FC236}">
-                <a16:creationId xmlns:a16="http://schemas.microsoft.com/office/drawing/2014/main" id="{7234AEA2-AEC3-0844-BDC9-78282380EB27}"/>
+              <a:rPr lang="en-US" sz="1600" dirty="0"/>
+              <a:t>Hi, (patient name)</a:t>
+            </a:r>
+          </a:p>
+        </p:txBody>
+      </p:sp>
+      <p:sp>
+        <p:nvSpPr>
+          <p:cNvPr id="7" name="TextBox 6">
+            <a:extLst>
+              <a:ext uri="{FF2B5EF4-FFF2-40B4-BE49-F238E27FC236}">
+                <a16:creationId xmlns:a16="http://schemas.microsoft.com/office/drawing/2014/main" id="{E7D745A2-1954-874D-B978-521F0D0FBC58}"/>
               </a:ext>
             </a:extLst>
           </p:cNvPr>
@@ -10012,8 +11033,8 @@
         </p:nvSpPr>
         <p:spPr>
           <a:xfrm>
-            <a:off x="1149292" y="5403711"/>
-            <a:ext cx="1266738" cy="646331"/>
+            <a:off x="604007" y="360728"/>
+            <a:ext cx="1702965" cy="369332"/>
           </a:xfrm>
           <a:prstGeom prst="rect">
             <a:avLst/>
@@ -10028,17 +11049,17 @@
           <a:p>
             <a:r>
               <a:rPr lang="en-US" dirty="0"/>
-              <a:t>Contact Details</a:t>
-            </a:r>
-          </a:p>
-        </p:txBody>
-      </p:sp>
-      <p:sp>
-        <p:nvSpPr>
-          <p:cNvPr id="17" name="TextBox 16">
-            <a:extLst>
-              <a:ext uri="{FF2B5EF4-FFF2-40B4-BE49-F238E27FC236}">
-                <a16:creationId xmlns:a16="http://schemas.microsoft.com/office/drawing/2014/main" id="{050A665A-C98A-B44A-8A44-D61414C70B12}"/>
+              <a:t>LOGO</a:t>
+            </a:r>
+          </a:p>
+        </p:txBody>
+      </p:sp>
+      <p:sp>
+        <p:nvSpPr>
+          <p:cNvPr id="13" name="TextBox 12">
+            <a:extLst>
+              <a:ext uri="{FF2B5EF4-FFF2-40B4-BE49-F238E27FC236}">
+                <a16:creationId xmlns:a16="http://schemas.microsoft.com/office/drawing/2014/main" id="{6D3B998B-4F2D-1944-A306-E02E48B4D9C8}"/>
               </a:ext>
             </a:extLst>
           </p:cNvPr>
@@ -10047,8 +11068,8 @@
         </p:nvSpPr>
         <p:spPr>
           <a:xfrm>
-            <a:off x="10389765" y="5462434"/>
-            <a:ext cx="1266738" cy="369332"/>
+            <a:off x="587228" y="834694"/>
+            <a:ext cx="1736522" cy="646331"/>
           </a:xfrm>
           <a:prstGeom prst="rect">
             <a:avLst/>
@@ -10063,17 +11084,41 @@
           <a:p>
             <a:r>
               <a:rPr lang="en-US" dirty="0"/>
-              <a:t>Copyright</a:t>
-            </a:r>
-          </a:p>
-        </p:txBody>
-      </p:sp>
-      <p:sp>
-        <p:nvSpPr>
-          <p:cNvPr id="25" name="TextBox 24">
-            <a:extLst>
-              <a:ext uri="{FF2B5EF4-FFF2-40B4-BE49-F238E27FC236}">
-                <a16:creationId xmlns:a16="http://schemas.microsoft.com/office/drawing/2014/main" id="{1BFA3CFC-E9F0-1D4D-B22F-9E62711B9D7A}"/>
+              <a:t>Home </a:t>
+            </a:r>
+            <a:r>
+              <a:rPr lang="en-US" dirty="0">
+                <a:solidFill>
+                  <a:schemeClr val="accent5"/>
+                </a:solidFill>
+              </a:rPr>
+              <a:t>(</a:t>
+            </a:r>
+            <a:r>
+              <a:rPr lang="en-US" dirty="0" err="1">
+                <a:solidFill>
+                  <a:schemeClr val="accent5"/>
+                </a:solidFill>
+              </a:rPr>
+              <a:t>index.jsp</a:t>
+            </a:r>
+            <a:r>
+              <a:rPr lang="en-US" dirty="0">
+                <a:solidFill>
+                  <a:schemeClr val="accent5"/>
+                </a:solidFill>
+              </a:rPr>
+              <a:t>)</a:t>
+            </a:r>
+          </a:p>
+        </p:txBody>
+      </p:sp>
+      <p:sp>
+        <p:nvSpPr>
+          <p:cNvPr id="14" name="TextBox 13">
+            <a:extLst>
+              <a:ext uri="{FF2B5EF4-FFF2-40B4-BE49-F238E27FC236}">
+                <a16:creationId xmlns:a16="http://schemas.microsoft.com/office/drawing/2014/main" id="{7234AEA2-AEC3-0844-BDC9-78282380EB27}"/>
               </a:ext>
             </a:extLst>
           </p:cNvPr>
@@ -10082,8 +11127,8 @@
         </p:nvSpPr>
         <p:spPr>
           <a:xfrm>
-            <a:off x="5059610" y="3078179"/>
-            <a:ext cx="2271319" cy="369332"/>
+            <a:off x="1149292" y="5403711"/>
+            <a:ext cx="1266738" cy="646331"/>
           </a:xfrm>
           <a:prstGeom prst="rect">
             <a:avLst/>
@@ -10098,17 +11143,449 @@
           <a:p>
             <a:r>
               <a:rPr lang="en-US" dirty="0"/>
-              <a:t>Details of Booking</a:t>
-            </a:r>
-          </a:p>
-        </p:txBody>
-      </p:sp>
-      <p:sp>
-        <p:nvSpPr>
-          <p:cNvPr id="21" name="Rounded Rectangle 20">
-            <a:extLst>
-              <a:ext uri="{FF2B5EF4-FFF2-40B4-BE49-F238E27FC236}">
-                <a16:creationId xmlns:a16="http://schemas.microsoft.com/office/drawing/2014/main" id="{45C55365-1102-FC4C-9592-6CF104CD54A1}"/>
+              <a:t>Contact Details</a:t>
+            </a:r>
+          </a:p>
+        </p:txBody>
+      </p:sp>
+      <p:sp>
+        <p:nvSpPr>
+          <p:cNvPr id="15" name="TextBox 14">
+            <a:extLst>
+              <a:ext uri="{FF2B5EF4-FFF2-40B4-BE49-F238E27FC236}">
+                <a16:creationId xmlns:a16="http://schemas.microsoft.com/office/drawing/2014/main" id="{BBB57AFB-704D-B24F-8BE1-DE3DB4972EF5}"/>
+              </a:ext>
+            </a:extLst>
+          </p:cNvPr>
+          <p:cNvSpPr txBox="1"/>
+          <p:nvPr/>
+        </p:nvSpPr>
+        <p:spPr>
+          <a:xfrm>
+            <a:off x="5029566" y="1857038"/>
+            <a:ext cx="2688205" cy="646331"/>
+          </a:xfrm>
+          <a:prstGeom prst="rect">
+            <a:avLst/>
+          </a:prstGeom>
+          <a:noFill/>
+        </p:spPr>
+        <p:txBody>
+          <a:bodyPr wrap="square" rtlCol="0">
+            <a:spAutoFit/>
+          </a:bodyPr>
+          <a:lstStyle/>
+          <a:p>
+            <a:r>
+              <a:rPr lang="en-US" dirty="0"/>
+              <a:t>Appointment Bookings</a:t>
+            </a:r>
+          </a:p>
+          <a:p>
+            <a:r>
+              <a:rPr lang="en-US" dirty="0">
+                <a:solidFill>
+                  <a:schemeClr val="accent5"/>
+                </a:solidFill>
+              </a:rPr>
+              <a:t>(</a:t>
+            </a:r>
+            <a:r>
+              <a:rPr lang="en-US" dirty="0" err="1">
+                <a:solidFill>
+                  <a:schemeClr val="accent5"/>
+                </a:solidFill>
+              </a:rPr>
+              <a:t>patientAccess.jsp</a:t>
+            </a:r>
+            <a:r>
+              <a:rPr lang="en-US" dirty="0">
+                <a:solidFill>
+                  <a:schemeClr val="accent5"/>
+                </a:solidFill>
+              </a:rPr>
+              <a:t>)</a:t>
+            </a:r>
+          </a:p>
+        </p:txBody>
+      </p:sp>
+      <p:sp>
+        <p:nvSpPr>
+          <p:cNvPr id="16" name="TextBox 15">
+            <a:extLst>
+              <a:ext uri="{FF2B5EF4-FFF2-40B4-BE49-F238E27FC236}">
+                <a16:creationId xmlns:a16="http://schemas.microsoft.com/office/drawing/2014/main" id="{4CE9F10F-C850-0B40-ADEF-4FB1BB68B7A2}"/>
+              </a:ext>
+            </a:extLst>
+          </p:cNvPr>
+          <p:cNvSpPr txBox="1"/>
+          <p:nvPr/>
+        </p:nvSpPr>
+        <p:spPr>
+          <a:xfrm>
+            <a:off x="3381812" y="1053263"/>
+            <a:ext cx="2964559" cy="369332"/>
+          </a:xfrm>
+          <a:prstGeom prst="rect">
+            <a:avLst/>
+          </a:prstGeom>
+          <a:noFill/>
+        </p:spPr>
+        <p:txBody>
+          <a:bodyPr wrap="square" rtlCol="0">
+            <a:spAutoFit/>
+          </a:bodyPr>
+          <a:lstStyle/>
+          <a:p>
+            <a:r>
+              <a:rPr lang="en-US" dirty="0"/>
+              <a:t>Booking </a:t>
+            </a:r>
+            <a:r>
+              <a:rPr lang="en-US" dirty="0">
+                <a:solidFill>
+                  <a:schemeClr val="accent5"/>
+                </a:solidFill>
+              </a:rPr>
+              <a:t>(</a:t>
+            </a:r>
+            <a:r>
+              <a:rPr lang="en-US" dirty="0" err="1">
+                <a:solidFill>
+                  <a:schemeClr val="accent5"/>
+                </a:solidFill>
+              </a:rPr>
+              <a:t>bookings.jsp</a:t>
+            </a:r>
+            <a:r>
+              <a:rPr lang="en-US" dirty="0">
+                <a:solidFill>
+                  <a:schemeClr val="accent5"/>
+                </a:solidFill>
+              </a:rPr>
+              <a:t>)</a:t>
+            </a:r>
+          </a:p>
+        </p:txBody>
+      </p:sp>
+      <p:sp>
+        <p:nvSpPr>
+          <p:cNvPr id="17" name="TextBox 16">
+            <a:extLst>
+              <a:ext uri="{FF2B5EF4-FFF2-40B4-BE49-F238E27FC236}">
+                <a16:creationId xmlns:a16="http://schemas.microsoft.com/office/drawing/2014/main" id="{050A665A-C98A-B44A-8A44-D61414C70B12}"/>
+              </a:ext>
+            </a:extLst>
+          </p:cNvPr>
+          <p:cNvSpPr txBox="1"/>
+          <p:nvPr/>
+        </p:nvSpPr>
+        <p:spPr>
+          <a:xfrm>
+            <a:off x="10389765" y="5462434"/>
+            <a:ext cx="1266738" cy="369332"/>
+          </a:xfrm>
+          <a:prstGeom prst="rect">
+            <a:avLst/>
+          </a:prstGeom>
+          <a:noFill/>
+        </p:spPr>
+        <p:txBody>
+          <a:bodyPr wrap="square" rtlCol="0">
+            <a:spAutoFit/>
+          </a:bodyPr>
+          <a:lstStyle/>
+          <a:p>
+            <a:r>
+              <a:rPr lang="en-US" dirty="0"/>
+              <a:t>Copyright</a:t>
+            </a:r>
+          </a:p>
+        </p:txBody>
+      </p:sp>
+      <p:sp>
+        <p:nvSpPr>
+          <p:cNvPr id="20" name="TextBox 19">
+            <a:extLst>
+              <a:ext uri="{FF2B5EF4-FFF2-40B4-BE49-F238E27FC236}">
+                <a16:creationId xmlns:a16="http://schemas.microsoft.com/office/drawing/2014/main" id="{CC7689EE-3C59-2445-89B7-7E7BC7106C27}"/>
+              </a:ext>
+            </a:extLst>
+          </p:cNvPr>
+          <p:cNvSpPr txBox="1"/>
+          <p:nvPr/>
+        </p:nvSpPr>
+        <p:spPr>
+          <a:xfrm>
+            <a:off x="5149602" y="3030352"/>
+            <a:ext cx="1572237" cy="307777"/>
+          </a:xfrm>
+          <a:prstGeom prst="rect">
+            <a:avLst/>
+          </a:prstGeom>
+          <a:noFill/>
+        </p:spPr>
+        <p:txBody>
+          <a:bodyPr wrap="square" rtlCol="0">
+            <a:spAutoFit/>
+          </a:bodyPr>
+          <a:lstStyle/>
+          <a:p>
+            <a:r>
+              <a:rPr lang="en-US" sz="1400" dirty="0"/>
+              <a:t>Date of Birth</a:t>
+            </a:r>
+          </a:p>
+        </p:txBody>
+      </p:sp>
+      <p:sp>
+        <p:nvSpPr>
+          <p:cNvPr id="21" name="TextBox 20">
+            <a:extLst>
+              <a:ext uri="{FF2B5EF4-FFF2-40B4-BE49-F238E27FC236}">
+                <a16:creationId xmlns:a16="http://schemas.microsoft.com/office/drawing/2014/main" id="{7B7232E0-FEEC-D142-B64A-BEAAED46A0D3}"/>
+              </a:ext>
+            </a:extLst>
+          </p:cNvPr>
+          <p:cNvSpPr txBox="1"/>
+          <p:nvPr/>
+        </p:nvSpPr>
+        <p:spPr>
+          <a:xfrm>
+            <a:off x="5149601" y="3558037"/>
+            <a:ext cx="1572237" cy="523220"/>
+          </a:xfrm>
+          <a:prstGeom prst="rect">
+            <a:avLst/>
+          </a:prstGeom>
+          <a:noFill/>
+        </p:spPr>
+        <p:txBody>
+          <a:bodyPr wrap="square" rtlCol="0">
+            <a:spAutoFit/>
+          </a:bodyPr>
+          <a:lstStyle/>
+          <a:p>
+            <a:r>
+              <a:rPr lang="en-US" sz="1400" dirty="0">
+                <a:solidFill>
+                  <a:schemeClr val="accent6"/>
+                </a:solidFill>
+              </a:rPr>
+              <a:t>Select doctor </a:t>
+            </a:r>
+            <a:r>
+              <a:rPr lang="en-US" sz="1400" dirty="0"/>
+              <a:t>- dropdown</a:t>
+            </a:r>
+          </a:p>
+        </p:txBody>
+      </p:sp>
+      <p:sp>
+        <p:nvSpPr>
+          <p:cNvPr id="22" name="TextBox 21">
+            <a:extLst>
+              <a:ext uri="{FF2B5EF4-FFF2-40B4-BE49-F238E27FC236}">
+                <a16:creationId xmlns:a16="http://schemas.microsoft.com/office/drawing/2014/main" id="{D910F3D3-03EA-A746-8500-CA622E5CAC69}"/>
+              </a:ext>
+            </a:extLst>
+          </p:cNvPr>
+          <p:cNvSpPr txBox="1"/>
+          <p:nvPr/>
+        </p:nvSpPr>
+        <p:spPr>
+          <a:xfrm>
+            <a:off x="5254507" y="3289894"/>
+            <a:ext cx="1572237" cy="307777"/>
+          </a:xfrm>
+          <a:prstGeom prst="rect">
+            <a:avLst/>
+          </a:prstGeom>
+          <a:noFill/>
+        </p:spPr>
+        <p:txBody>
+          <a:bodyPr wrap="square" rtlCol="0">
+            <a:spAutoFit/>
+          </a:bodyPr>
+          <a:lstStyle/>
+          <a:p>
+            <a:r>
+              <a:rPr lang="en-US" sz="1400" dirty="0"/>
+              <a:t>Problem</a:t>
+            </a:r>
+          </a:p>
+        </p:txBody>
+      </p:sp>
+      <p:sp>
+        <p:nvSpPr>
+          <p:cNvPr id="23" name="TextBox 22">
+            <a:extLst>
+              <a:ext uri="{FF2B5EF4-FFF2-40B4-BE49-F238E27FC236}">
+                <a16:creationId xmlns:a16="http://schemas.microsoft.com/office/drawing/2014/main" id="{A6C432AD-33FD-344C-A624-A462B6AC87FB}"/>
+              </a:ext>
+            </a:extLst>
+          </p:cNvPr>
+          <p:cNvSpPr txBox="1"/>
+          <p:nvPr/>
+        </p:nvSpPr>
+        <p:spPr>
+          <a:xfrm>
+            <a:off x="4833410" y="4550201"/>
+            <a:ext cx="2047806" cy="369332"/>
+          </a:xfrm>
+          <a:prstGeom prst="rect">
+            <a:avLst/>
+          </a:prstGeom>
+          <a:noFill/>
+        </p:spPr>
+        <p:txBody>
+          <a:bodyPr wrap="square" rtlCol="0">
+            <a:spAutoFit/>
+          </a:bodyPr>
+          <a:lstStyle/>
+          <a:p>
+            <a:r>
+              <a:rPr lang="en-US" dirty="0"/>
+              <a:t>Book</a:t>
+            </a:r>
+          </a:p>
+        </p:txBody>
+      </p:sp>
+      <p:sp>
+        <p:nvSpPr>
+          <p:cNvPr id="24" name="TextBox 23">
+            <a:extLst>
+              <a:ext uri="{FF2B5EF4-FFF2-40B4-BE49-F238E27FC236}">
+                <a16:creationId xmlns:a16="http://schemas.microsoft.com/office/drawing/2014/main" id="{0225D049-2947-0045-BEF4-4ACD313D6965}"/>
+              </a:ext>
+            </a:extLst>
+          </p:cNvPr>
+          <p:cNvSpPr txBox="1"/>
+          <p:nvPr/>
+        </p:nvSpPr>
+        <p:spPr>
+          <a:xfrm>
+            <a:off x="5640445" y="4570150"/>
+            <a:ext cx="1010175" cy="369332"/>
+          </a:xfrm>
+          <a:prstGeom prst="rect">
+            <a:avLst/>
+          </a:prstGeom>
+          <a:noFill/>
+        </p:spPr>
+        <p:txBody>
+          <a:bodyPr wrap="square" rtlCol="0">
+            <a:spAutoFit/>
+          </a:bodyPr>
+          <a:lstStyle/>
+          <a:p>
+            <a:r>
+              <a:rPr lang="en-US" dirty="0"/>
+              <a:t>Clear</a:t>
+            </a:r>
+          </a:p>
+        </p:txBody>
+      </p:sp>
+      <p:sp>
+        <p:nvSpPr>
+          <p:cNvPr id="27" name="TextBox 26">
+            <a:extLst>
+              <a:ext uri="{FF2B5EF4-FFF2-40B4-BE49-F238E27FC236}">
+                <a16:creationId xmlns:a16="http://schemas.microsoft.com/office/drawing/2014/main" id="{48627E93-0795-4049-92FC-32AB5BAA21E6}"/>
+              </a:ext>
+            </a:extLst>
+          </p:cNvPr>
+          <p:cNvSpPr txBox="1"/>
+          <p:nvPr/>
+        </p:nvSpPr>
+        <p:spPr>
+          <a:xfrm>
+            <a:off x="7108121" y="845256"/>
+            <a:ext cx="2860646" cy="646331"/>
+          </a:xfrm>
+          <a:prstGeom prst="rect">
+            <a:avLst/>
+          </a:prstGeom>
+          <a:noFill/>
+        </p:spPr>
+        <p:txBody>
+          <a:bodyPr wrap="square" rtlCol="0">
+            <a:spAutoFit/>
+          </a:bodyPr>
+          <a:lstStyle/>
+          <a:p>
+            <a:r>
+              <a:rPr lang="en-US" dirty="0"/>
+              <a:t>Treatment </a:t>
+            </a:r>
+            <a:r>
+              <a:rPr lang="en-US" dirty="0">
+                <a:solidFill>
+                  <a:schemeClr val="accent5"/>
+                </a:solidFill>
+              </a:rPr>
+              <a:t>(</a:t>
+            </a:r>
+            <a:r>
+              <a:rPr lang="en-US" dirty="0" err="1">
+                <a:solidFill>
+                  <a:schemeClr val="accent5"/>
+                </a:solidFill>
+              </a:rPr>
+              <a:t>displayRecord.jsp</a:t>
+            </a:r>
+            <a:r>
+              <a:rPr lang="en-US" dirty="0">
+                <a:solidFill>
+                  <a:schemeClr val="accent5"/>
+                </a:solidFill>
+              </a:rPr>
+              <a:t>)</a:t>
+            </a:r>
+          </a:p>
+        </p:txBody>
+      </p:sp>
+      <p:sp>
+        <p:nvSpPr>
+          <p:cNvPr id="28" name="TextBox 27">
+            <a:extLst>
+              <a:ext uri="{FF2B5EF4-FFF2-40B4-BE49-F238E27FC236}">
+                <a16:creationId xmlns:a16="http://schemas.microsoft.com/office/drawing/2014/main" id="{2B755557-3838-3047-964E-3F06034A40A5}"/>
+              </a:ext>
+            </a:extLst>
+          </p:cNvPr>
+          <p:cNvSpPr txBox="1"/>
+          <p:nvPr/>
+        </p:nvSpPr>
+        <p:spPr>
+          <a:xfrm>
+            <a:off x="5445121" y="2535324"/>
+            <a:ext cx="876881" cy="307777"/>
+          </a:xfrm>
+          <a:prstGeom prst="rect">
+            <a:avLst/>
+          </a:prstGeom>
+          <a:noFill/>
+        </p:spPr>
+        <p:txBody>
+          <a:bodyPr wrap="square" rtlCol="0">
+            <a:spAutoFit/>
+          </a:bodyPr>
+          <a:lstStyle/>
+          <a:p>
+            <a:r>
+              <a:rPr lang="en-US" sz="1400" dirty="0"/>
+              <a:t>Phone</a:t>
+            </a:r>
+          </a:p>
+        </p:txBody>
+      </p:sp>
+      <p:sp>
+        <p:nvSpPr>
+          <p:cNvPr id="30" name="Rounded Rectangle 29">
+            <a:extLst>
+              <a:ext uri="{FF2B5EF4-FFF2-40B4-BE49-F238E27FC236}">
+                <a16:creationId xmlns:a16="http://schemas.microsoft.com/office/drawing/2014/main" id="{0EE5F47A-7997-E344-9E49-CF9665371C6B}"/>
               </a:ext>
             </a:extLst>
           </p:cNvPr>
@@ -10117,27 +11594,22 @@
         </p:nvSpPr>
         <p:spPr>
           <a:xfrm>
-            <a:off x="500743" y="2260744"/>
-            <a:ext cx="1624268" cy="1777856"/>
+            <a:off x="1" y="1857038"/>
+            <a:ext cx="2555306" cy="1377232"/>
           </a:xfrm>
           <a:prstGeom prst="roundRect">
             <a:avLst/>
           </a:prstGeom>
-          <a:solidFill>
-            <a:schemeClr val="accent4"/>
-          </a:solidFill>
         </p:spPr>
         <p:style>
-          <a:lnRef idx="2">
-            <a:schemeClr val="accent2">
-              <a:shade val="50000"/>
-            </a:schemeClr>
+          <a:lnRef idx="1">
+            <a:schemeClr val="accent6"/>
           </a:lnRef>
-          <a:fillRef idx="1">
-            <a:schemeClr val="accent2"/>
+          <a:fillRef idx="3">
+            <a:schemeClr val="accent6"/>
           </a:fillRef>
-          <a:effectRef idx="0">
-            <a:schemeClr val="accent2"/>
+          <a:effectRef idx="2">
+            <a:schemeClr val="accent6"/>
           </a:effectRef>
           <a:fontRef idx="minor">
             <a:schemeClr val="lt1"/>
@@ -10149,18 +11621,62 @@
           <a:p>
             <a:pPr algn="ctr"/>
             <a:r>
-              <a:rPr lang="en-US" dirty="0"/>
-              <a:t>Return Sys out msg as confirmation instead of page</a:t>
-            </a:r>
-          </a:p>
-        </p:txBody>
-      </p:sp>
-      <p:sp>
-        <p:nvSpPr>
-          <p:cNvPr id="23" name="TextBox 22">
-            <a:extLst>
-              <a:ext uri="{FF2B5EF4-FFF2-40B4-BE49-F238E27FC236}">
-                <a16:creationId xmlns:a16="http://schemas.microsoft.com/office/drawing/2014/main" id="{8140EAEF-D43E-B440-B5B6-8470B7B2207B}"/>
+              <a:rPr lang="en-US" sz="1600" dirty="0" err="1"/>
+              <a:t>patientAccess.jsp</a:t>
+            </a:r>
+            <a:r>
+              <a:rPr lang="en-US" sz="1600" dirty="0"/>
+              <a:t> Created</a:t>
+            </a:r>
+          </a:p>
+          <a:p>
+            <a:pPr algn="ctr"/>
+            <a:r>
+              <a:rPr lang="en-US" sz="1600" dirty="0" err="1"/>
+              <a:t>Patient.java</a:t>
+            </a:r>
+            <a:r>
+              <a:rPr lang="en-US" sz="1600" dirty="0"/>
+              <a:t> created</a:t>
+            </a:r>
+          </a:p>
+          <a:p>
+            <a:pPr algn="ctr"/>
+            <a:r>
+              <a:rPr lang="en-US" sz="1600" dirty="0" err="1"/>
+              <a:t>PatientQuery.java</a:t>
+            </a:r>
+            <a:r>
+              <a:rPr lang="en-US" sz="1600" dirty="0"/>
+              <a:t> created</a:t>
+            </a:r>
+          </a:p>
+          <a:p>
+            <a:pPr algn="ctr"/>
+            <a:r>
+              <a:rPr lang="en-US" sz="1600" dirty="0"/>
+              <a:t>Input form created</a:t>
+            </a:r>
+          </a:p>
+          <a:p>
+            <a:pPr algn="ctr"/>
+            <a:r>
+              <a:rPr lang="en-US" sz="1600" dirty="0" err="1"/>
+              <a:t>Record.java</a:t>
+            </a:r>
+            <a:r>
+              <a:rPr lang="en-US" sz="1600" dirty="0"/>
+              <a:t> created</a:t>
+            </a:r>
+          </a:p>
+        </p:txBody>
+      </p:sp>
+      <p:sp>
+        <p:nvSpPr>
+          <p:cNvPr id="33" name="TextBox 32">
+            <a:extLst>
+              <a:ext uri="{FF2B5EF4-FFF2-40B4-BE49-F238E27FC236}">
+                <a16:creationId xmlns:a16="http://schemas.microsoft.com/office/drawing/2014/main" id="{7B73F0A8-A360-0845-AC8B-3FA164596CD2}"/>
               </a:ext>
             </a:extLst>
           </p:cNvPr>
@@ -10169,8 +11685,8 @@
         </p:nvSpPr>
         <p:spPr>
           <a:xfrm>
-            <a:off x="587228" y="834694"/>
-            <a:ext cx="1736522" cy="646331"/>
+            <a:off x="10552252" y="239069"/>
+            <a:ext cx="1073791" cy="523220"/>
           </a:xfrm>
           <a:prstGeom prst="rect">
             <a:avLst/>
@@ -10184,11 +11700,13 @@
           <a:lstStyle/>
           <a:p>
             <a:r>
-              <a:rPr lang="en-US" dirty="0"/>
-              <a:t>Home </a:t>
-            </a:r>
-            <a:r>
-              <a:rPr lang="en-US" dirty="0">
+              <a:rPr lang="en-US" sz="1400" dirty="0"/>
+              <a:t>Sign out</a:t>
+            </a:r>
+          </a:p>
+          <a:p>
+            <a:r>
+              <a:rPr lang="en-US" sz="1400" dirty="0">
                 <a:solidFill>
                   <a:schemeClr val="accent5"/>
                 </a:solidFill>
@@ -10196,148 +11714,31 @@
               <a:t>(</a:t>
             </a:r>
             <a:r>
-              <a:rPr lang="en-US" dirty="0" err="1">
+              <a:rPr lang="en-US" sz="1400" dirty="0" err="1">
                 <a:solidFill>
                   <a:schemeClr val="accent5"/>
                 </a:solidFill>
               </a:rPr>
-              <a:t>index.jsp</a:t>
-            </a:r>
-            <a:r>
-              <a:rPr lang="en-US" dirty="0">
+              <a:t>url.signout</a:t>
+            </a:r>
+            <a:r>
+              <a:rPr lang="en-US" sz="1400" dirty="0">
                 <a:solidFill>
                   <a:schemeClr val="accent5"/>
                 </a:solidFill>
               </a:rPr>
               <a:t>)</a:t>
             </a:r>
-          </a:p>
-        </p:txBody>
-      </p:sp>
-      <p:sp>
-        <p:nvSpPr>
-          <p:cNvPr id="24" name="TextBox 23">
-            <a:extLst>
-              <a:ext uri="{FF2B5EF4-FFF2-40B4-BE49-F238E27FC236}">
-                <a16:creationId xmlns:a16="http://schemas.microsoft.com/office/drawing/2014/main" id="{1C1503D0-DDA6-FB4E-9BF1-138981A08AEA}"/>
-              </a:ext>
-            </a:extLst>
-          </p:cNvPr>
-          <p:cNvSpPr txBox="1"/>
-          <p:nvPr/>
-        </p:nvSpPr>
-        <p:spPr>
-          <a:xfrm>
-            <a:off x="3381812" y="1053263"/>
-            <a:ext cx="2964559" cy="369332"/>
-          </a:xfrm>
-          <a:prstGeom prst="rect">
-            <a:avLst/>
-          </a:prstGeom>
-          <a:noFill/>
-        </p:spPr>
-        <p:txBody>
-          <a:bodyPr wrap="square" rtlCol="0">
-            <a:spAutoFit/>
-          </a:bodyPr>
-          <a:lstStyle/>
-          <a:p>
-            <a:r>
-              <a:rPr lang="en-US" dirty="0"/>
-              <a:t>Booking </a:t>
-            </a:r>
-            <a:r>
-              <a:rPr lang="en-US" dirty="0">
-                <a:solidFill>
-                  <a:schemeClr val="accent5"/>
-                </a:solidFill>
-              </a:rPr>
-              <a:t>(</a:t>
-            </a:r>
-            <a:r>
-              <a:rPr lang="en-US" dirty="0" err="1">
-                <a:solidFill>
-                  <a:schemeClr val="accent5"/>
-                </a:solidFill>
-              </a:rPr>
-              <a:t>bookings.jsp</a:t>
-            </a:r>
-            <a:r>
-              <a:rPr lang="en-US" dirty="0">
-                <a:solidFill>
-                  <a:schemeClr val="accent5"/>
-                </a:solidFill>
-              </a:rPr>
-              <a:t>)</a:t>
-            </a:r>
-          </a:p>
-        </p:txBody>
-      </p:sp>
-      <p:sp>
-        <p:nvSpPr>
-          <p:cNvPr id="26" name="TextBox 25">
-            <a:extLst>
-              <a:ext uri="{FF2B5EF4-FFF2-40B4-BE49-F238E27FC236}">
-                <a16:creationId xmlns:a16="http://schemas.microsoft.com/office/drawing/2014/main" id="{348A5660-1758-D549-991F-15AD9432BA24}"/>
-              </a:ext>
-            </a:extLst>
-          </p:cNvPr>
-          <p:cNvSpPr txBox="1"/>
-          <p:nvPr/>
-        </p:nvSpPr>
-        <p:spPr>
-          <a:xfrm>
-            <a:off x="7108121" y="845256"/>
-            <a:ext cx="2860646" cy="646331"/>
-          </a:xfrm>
-          <a:prstGeom prst="rect">
-            <a:avLst/>
-          </a:prstGeom>
-          <a:noFill/>
-        </p:spPr>
-        <p:txBody>
-          <a:bodyPr wrap="square" rtlCol="0">
-            <a:spAutoFit/>
-          </a:bodyPr>
-          <a:lstStyle/>
-          <a:p>
-            <a:r>
-              <a:rPr lang="en-US" dirty="0"/>
-              <a:t>Treatment </a:t>
-            </a:r>
-            <a:r>
-              <a:rPr lang="en-US" dirty="0">
-                <a:solidFill>
-                  <a:schemeClr val="accent5"/>
-                </a:solidFill>
-              </a:rPr>
-              <a:t>(</a:t>
-            </a:r>
-            <a:r>
-              <a:rPr lang="en-US" dirty="0" err="1">
-                <a:solidFill>
-                  <a:schemeClr val="accent5"/>
-                </a:solidFill>
-              </a:rPr>
-              <a:t>displayRecord.jsp</a:t>
-            </a:r>
-            <a:r>
-              <a:rPr lang="en-US" dirty="0">
-                <a:solidFill>
-                  <a:schemeClr val="accent5"/>
-                </a:solidFill>
-              </a:rPr>
-              <a:t>)</a:t>
-            </a:r>
-          </a:p>
-        </p:txBody>
-      </p:sp>
-      <p:sp>
-        <p:nvSpPr>
-          <p:cNvPr id="18" name="Rounded Rectangle 17">
-            <a:extLst>
-              <a:ext uri="{FF2B5EF4-FFF2-40B4-BE49-F238E27FC236}">
-                <a16:creationId xmlns:a16="http://schemas.microsoft.com/office/drawing/2014/main" id="{6A463F32-CE55-204D-89B2-605D13EC079D}"/>
+            <a:endParaRPr lang="en-US" sz="1400" dirty="0"/>
+          </a:p>
+        </p:txBody>
+      </p:sp>
+      <p:sp>
+        <p:nvSpPr>
+          <p:cNvPr id="26" name="Rounded Rectangle 25">
+            <a:extLst>
+              <a:ext uri="{FF2B5EF4-FFF2-40B4-BE49-F238E27FC236}">
+                <a16:creationId xmlns:a16="http://schemas.microsoft.com/office/drawing/2014/main" id="{784C24D5-5791-5C4A-96F3-AFB33EA610E9}"/>
               </a:ext>
             </a:extLst>
           </p:cNvPr>
@@ -10346,24 +11747,25 @@
         </p:nvSpPr>
         <p:spPr>
           <a:xfrm>
-            <a:off x="2125011" y="428839"/>
-            <a:ext cx="1978903" cy="573836"/>
+            <a:off x="160860" y="3529109"/>
+            <a:ext cx="2389445" cy="1377232"/>
           </a:xfrm>
           <a:prstGeom prst="roundRect">
             <a:avLst/>
           </a:prstGeom>
+          <a:solidFill>
+            <a:schemeClr val="accent2"/>
+          </a:solidFill>
         </p:spPr>
         <p:style>
-          <a:lnRef idx="2">
-            <a:schemeClr val="accent2">
-              <a:shade val="50000"/>
-            </a:schemeClr>
+          <a:lnRef idx="1">
+            <a:schemeClr val="accent6"/>
           </a:lnRef>
-          <a:fillRef idx="1">
-            <a:schemeClr val="accent2"/>
+          <a:fillRef idx="3">
+            <a:schemeClr val="accent6"/>
           </a:fillRef>
-          <a:effectRef idx="0">
-            <a:schemeClr val="accent2"/>
+          <a:effectRef idx="2">
+            <a:schemeClr val="accent6"/>
           </a:effectRef>
           <a:fontRef idx="minor">
             <a:schemeClr val="lt1"/>
@@ -10376,11 +11778,25 @@
             <a:pPr algn="ctr"/>
             <a:r>
               <a:rPr lang="en-US" dirty="0"/>
-              <a:t>Update Patient </a:t>
+              <a:t>Change page title</a:t>
+            </a:r>
+          </a:p>
+          <a:p>
+            <a:pPr algn="ctr"/>
+            <a:r>
+              <a:rPr lang="en-US" dirty="0"/>
+              <a:t>Change input form</a:t>
+            </a:r>
+          </a:p>
+          <a:p>
+            <a:pPr algn="ctr"/>
+            <a:r>
+              <a:rPr lang="en-US" dirty="0"/>
+              <a:t>Create </a:t>
             </a:r>
             <a:r>
               <a:rPr lang="en-US" dirty="0" err="1"/>
-              <a:t>AccessServlet.java</a:t>
+              <a:t>PAccessServlet.java</a:t>
             </a:r>
             <a:endParaRPr lang="en-US" dirty="0"/>
           </a:p>
@@ -10388,10 +11804,10 @@
       </p:sp>
       <p:pic>
         <p:nvPicPr>
-          <p:cNvPr id="22" name="Graphic 21" descr="Warning with solid fill">
-            <a:extLst>
-              <a:ext uri="{FF2B5EF4-FFF2-40B4-BE49-F238E27FC236}">
-                <a16:creationId xmlns:a16="http://schemas.microsoft.com/office/drawing/2014/main" id="{E673CE4A-C487-DF46-8AA7-D14AED28887B}"/>
+          <p:cNvPr id="31" name="Graphic 30" descr="Construction Barricade with solid fill">
+            <a:extLst>
+              <a:ext uri="{FF2B5EF4-FFF2-40B4-BE49-F238E27FC236}">
+                <a16:creationId xmlns:a16="http://schemas.microsoft.com/office/drawing/2014/main" id="{CB483B2E-B1E2-3141-AA86-ACF45412899D}"/>
               </a:ext>
             </a:extLst>
           </p:cNvPr>
@@ -10414,7 +11830,7 @@
         </p:blipFill>
         <p:spPr>
           <a:xfrm>
-            <a:off x="11150367" y="2850449"/>
+            <a:off x="11130793" y="3049017"/>
             <a:ext cx="914400" cy="914400"/>
           </a:xfrm>
           <a:prstGeom prst="rect">
@@ -10424,10 +11840,10 @@
       </p:pic>
       <p:sp>
         <p:nvSpPr>
-          <p:cNvPr id="30" name="TextBox 29">
-            <a:extLst>
-              <a:ext uri="{FF2B5EF4-FFF2-40B4-BE49-F238E27FC236}">
-                <a16:creationId xmlns:a16="http://schemas.microsoft.com/office/drawing/2014/main" id="{35443C91-0262-2743-B258-30046A466EAF}"/>
+          <p:cNvPr id="34" name="TextBox 33">
+            <a:extLst>
+              <a:ext uri="{FF2B5EF4-FFF2-40B4-BE49-F238E27FC236}">
+                <a16:creationId xmlns:a16="http://schemas.microsoft.com/office/drawing/2014/main" id="{E87A4737-D0F1-424F-890A-6A5408356BF7}"/>
               </a:ext>
             </a:extLst>
           </p:cNvPr>
@@ -10436,8 +11852,8 @@
         </p:nvSpPr>
         <p:spPr>
           <a:xfrm>
-            <a:off x="10552252" y="239069"/>
-            <a:ext cx="1073791" cy="523220"/>
+            <a:off x="5359413" y="2782838"/>
+            <a:ext cx="1572237" cy="307777"/>
           </a:xfrm>
           <a:prstGeom prst="rect">
             <a:avLst/>
@@ -10452,103 +11868,99 @@
           <a:p>
             <a:r>
               <a:rPr lang="en-US" sz="1400" dirty="0"/>
-              <a:t>Sign out</a:t>
-            </a:r>
-          </a:p>
-          <a:p>
-            <a:r>
-              <a:rPr lang="en-US" sz="1400" dirty="0">
-                <a:solidFill>
-                  <a:schemeClr val="accent5"/>
-                </a:solidFill>
-              </a:rPr>
-              <a:t>(</a:t>
-            </a:r>
-            <a:r>
-              <a:rPr lang="en-US" sz="1400" dirty="0" err="1">
-                <a:solidFill>
-                  <a:schemeClr val="accent5"/>
-                </a:solidFill>
-              </a:rPr>
-              <a:t>url.signout</a:t>
-            </a:r>
-            <a:r>
-              <a:rPr lang="en-US" sz="1400" dirty="0">
-                <a:solidFill>
-                  <a:schemeClr val="accent5"/>
-                </a:solidFill>
-              </a:rPr>
-              <a:t>)</a:t>
-            </a:r>
-            <a:endParaRPr lang="en-US" sz="1400" dirty="0"/>
-          </a:p>
-        </p:txBody>
-      </p:sp>
-      <p:sp>
-        <p:nvSpPr>
-          <p:cNvPr id="31" name="TextBox 30">
-            <a:extLst>
-              <a:ext uri="{FF2B5EF4-FFF2-40B4-BE49-F238E27FC236}">
-                <a16:creationId xmlns:a16="http://schemas.microsoft.com/office/drawing/2014/main" id="{2E3A95EB-1B0B-724E-B980-AD621E594C18}"/>
-              </a:ext>
-            </a:extLst>
-          </p:cNvPr>
-          <p:cNvSpPr txBox="1"/>
-          <p:nvPr/>
-        </p:nvSpPr>
-        <p:spPr>
-          <a:xfrm>
-            <a:off x="5002268" y="1895020"/>
-            <a:ext cx="2688205" cy="646331"/>
-          </a:xfrm>
-          <a:prstGeom prst="rect">
-            <a:avLst/>
-          </a:prstGeom>
-          <a:noFill/>
-        </p:spPr>
-        <p:txBody>
-          <a:bodyPr wrap="square" rtlCol="0">
-            <a:spAutoFit/>
-          </a:bodyPr>
-          <a:lstStyle/>
-          <a:p>
+              <a:t>Address</a:t>
+            </a:r>
+          </a:p>
+        </p:txBody>
+      </p:sp>
+      <p:sp>
+        <p:nvSpPr>
+          <p:cNvPr id="36" name="Rounded Rectangular Callout 35">
+            <a:extLst>
+              <a:ext uri="{FF2B5EF4-FFF2-40B4-BE49-F238E27FC236}">
+                <a16:creationId xmlns:a16="http://schemas.microsoft.com/office/drawing/2014/main" id="{7EA8D483-7AED-D34D-A7A7-7CC85A26619B}"/>
+              </a:ext>
+            </a:extLst>
+          </p:cNvPr>
+          <p:cNvSpPr/>
+          <p:nvPr/>
+        </p:nvSpPr>
+        <p:spPr>
+          <a:xfrm>
+            <a:off x="3991474" y="5452426"/>
+            <a:ext cx="4709794" cy="1102479"/>
+          </a:xfrm>
+          <a:prstGeom prst="wedgeRoundRectCallout">
+            <a:avLst>
+              <a:gd name="adj1" fmla="val -27669"/>
+              <a:gd name="adj2" fmla="val -100354"/>
+              <a:gd name="adj3" fmla="val 16667"/>
+            </a:avLst>
+          </a:prstGeom>
+        </p:spPr>
+        <p:style>
+          <a:lnRef idx="0">
+            <a:schemeClr val="accent4"/>
+          </a:lnRef>
+          <a:fillRef idx="3">
+            <a:schemeClr val="accent4"/>
+          </a:fillRef>
+          <a:effectRef idx="3">
+            <a:schemeClr val="accent4"/>
+          </a:effectRef>
+          <a:fontRef idx="minor">
+            <a:schemeClr val="lt1"/>
+          </a:fontRef>
+        </p:style>
+        <p:txBody>
+          <a:bodyPr rtlCol="0" anchor="ctr"/>
+          <a:lstStyle/>
+          <a:p>
+            <a:pPr algn="ctr"/>
             <a:r>
               <a:rPr lang="en-US" dirty="0"/>
-              <a:t>Booking Confirmation</a:t>
-            </a:r>
-          </a:p>
-          <a:p>
-            <a:r>
-              <a:rPr lang="en-US" dirty="0">
-                <a:solidFill>
-                  <a:schemeClr val="accent5"/>
-                </a:solidFill>
-              </a:rPr>
-              <a:t>(</a:t>
-            </a:r>
-            <a:r>
-              <a:rPr lang="en-US" dirty="0" err="1">
-                <a:solidFill>
-                  <a:schemeClr val="accent5"/>
-                </a:solidFill>
-              </a:rPr>
-              <a:t>patientAccess.jsp</a:t>
-            </a:r>
-            <a:r>
-              <a:rPr lang="en-US" dirty="0">
-                <a:solidFill>
-                  <a:schemeClr val="accent5"/>
-                </a:solidFill>
-              </a:rPr>
-              <a:t>)</a:t>
-            </a:r>
+              <a:t>Onclick write </a:t>
+            </a:r>
+            <a:r>
+              <a:rPr lang="en-US" dirty="0" err="1"/>
+              <a:t>sout</a:t>
+            </a:r>
+            <a:r>
+              <a:rPr lang="en-US" dirty="0"/>
+              <a:t> to patient to </a:t>
+            </a:r>
+            <a:r>
+              <a:rPr lang="en-US" dirty="0" err="1"/>
+              <a:t>booking.jsp</a:t>
+            </a:r>
+            <a:r>
+              <a:rPr lang="en-US" dirty="0"/>
+              <a:t>. Patient chooses, if okay save to </a:t>
+            </a:r>
+            <a:r>
+              <a:rPr lang="en-US" dirty="0" err="1"/>
+              <a:t>record.java</a:t>
+            </a:r>
+            <a:r>
+              <a:rPr lang="en-US" dirty="0"/>
+              <a:t>. If not ok, return to </a:t>
+            </a:r>
+            <a:r>
+              <a:rPr lang="en-US" dirty="0" err="1"/>
+              <a:t>bookings.jsp</a:t>
+            </a:r>
+            <a:endParaRPr lang="en-US" dirty="0"/>
+          </a:p>
+          <a:p>
+            <a:pPr algn="ctr"/>
+            <a:endParaRPr lang="en-US" dirty="0"/>
           </a:p>
         </p:txBody>
       </p:sp>
     </p:spTree>
     <p:extLst>
       <p:ext uri="{BB962C8B-B14F-4D97-AF65-F5344CB8AC3E}">
-        <p14:creationId xmlns:p14="http://schemas.microsoft.com/office/powerpoint/2010/main" val="3530130337"/>
+        <p14:creationId xmlns:p14="http://schemas.microsoft.com/office/powerpoint/2010/main" val="3600791983"/>
       </p:ext>
     </p:extLst>
   </p:cSld>
@@ -10637,7 +12049,7 @@
         </p:nvSpPr>
         <p:spPr>
           <a:xfrm>
-            <a:off x="303402" y="207218"/>
+            <a:off x="303402" y="326664"/>
             <a:ext cx="11585196" cy="1291904"/>
           </a:xfrm>
           <a:prstGeom prst="rect">
@@ -10674,7 +12086,7 @@
         </p:nvSpPr>
         <p:spPr>
           <a:xfrm>
-            <a:off x="254167" y="5318891"/>
+            <a:off x="479571" y="5389927"/>
             <a:ext cx="11585196" cy="1291904"/>
           </a:xfrm>
           <a:prstGeom prst="rect">
@@ -10699,10 +12111,10 @@
       </p:sp>
       <p:sp>
         <p:nvSpPr>
-          <p:cNvPr id="6" name="TextBox 5">
-            <a:extLst>
-              <a:ext uri="{FF2B5EF4-FFF2-40B4-BE49-F238E27FC236}">
-                <a16:creationId xmlns:a16="http://schemas.microsoft.com/office/drawing/2014/main" id="{6506E7B0-7FC8-5A45-A350-6AFE042386A6}"/>
+          <p:cNvPr id="7" name="TextBox 6">
+            <a:extLst>
+              <a:ext uri="{FF2B5EF4-FFF2-40B4-BE49-F238E27FC236}">
+                <a16:creationId xmlns:a16="http://schemas.microsoft.com/office/drawing/2014/main" id="{E7D745A2-1954-874D-B978-521F0D0FBC58}"/>
               </a:ext>
             </a:extLst>
           </p:cNvPr>
@@ -10711,8 +12123,8 @@
         </p:nvSpPr>
         <p:spPr>
           <a:xfrm>
-            <a:off x="10086014" y="1097523"/>
-            <a:ext cx="2860646" cy="338554"/>
+            <a:off x="604007" y="360728"/>
+            <a:ext cx="1702965" cy="369332"/>
           </a:xfrm>
           <a:prstGeom prst="rect">
             <a:avLst/>
@@ -10726,18 +12138,18 @@
           <a:lstStyle/>
           <a:p>
             <a:r>
-              <a:rPr lang="en-US" sz="1600" dirty="0"/>
-              <a:t>Hi, (Doctor name)</a:t>
-            </a:r>
-          </a:p>
-        </p:txBody>
-      </p:sp>
-      <p:sp>
-        <p:nvSpPr>
-          <p:cNvPr id="7" name="TextBox 6">
-            <a:extLst>
-              <a:ext uri="{FF2B5EF4-FFF2-40B4-BE49-F238E27FC236}">
-                <a16:creationId xmlns:a16="http://schemas.microsoft.com/office/drawing/2014/main" id="{E7D745A2-1954-874D-B978-521F0D0FBC58}"/>
+              <a:rPr lang="en-US" dirty="0"/>
+              <a:t>LOGO</a:t>
+            </a:r>
+          </a:p>
+        </p:txBody>
+      </p:sp>
+      <p:sp>
+        <p:nvSpPr>
+          <p:cNvPr id="14" name="TextBox 13">
+            <a:extLst>
+              <a:ext uri="{FF2B5EF4-FFF2-40B4-BE49-F238E27FC236}">
+                <a16:creationId xmlns:a16="http://schemas.microsoft.com/office/drawing/2014/main" id="{7234AEA2-AEC3-0844-BDC9-78282380EB27}"/>
               </a:ext>
             </a:extLst>
           </p:cNvPr>
@@ -10746,8 +12158,8 @@
         </p:nvSpPr>
         <p:spPr>
           <a:xfrm>
-            <a:off x="604007" y="360728"/>
-            <a:ext cx="1702965" cy="369332"/>
+            <a:off x="1149292" y="5403711"/>
+            <a:ext cx="1266738" cy="646331"/>
           </a:xfrm>
           <a:prstGeom prst="rect">
             <a:avLst/>
@@ -10762,17 +12174,17 @@
           <a:p>
             <a:r>
               <a:rPr lang="en-US" dirty="0"/>
-              <a:t>LOGO</a:t>
-            </a:r>
-          </a:p>
-        </p:txBody>
-      </p:sp>
-      <p:sp>
-        <p:nvSpPr>
-          <p:cNvPr id="14" name="TextBox 13">
-            <a:extLst>
-              <a:ext uri="{FF2B5EF4-FFF2-40B4-BE49-F238E27FC236}">
-                <a16:creationId xmlns:a16="http://schemas.microsoft.com/office/drawing/2014/main" id="{7234AEA2-AEC3-0844-BDC9-78282380EB27}"/>
+              <a:t>Contact Details</a:t>
+            </a:r>
+          </a:p>
+        </p:txBody>
+      </p:sp>
+      <p:sp>
+        <p:nvSpPr>
+          <p:cNvPr id="17" name="TextBox 16">
+            <a:extLst>
+              <a:ext uri="{FF2B5EF4-FFF2-40B4-BE49-F238E27FC236}">
+                <a16:creationId xmlns:a16="http://schemas.microsoft.com/office/drawing/2014/main" id="{050A665A-C98A-B44A-8A44-D61414C70B12}"/>
               </a:ext>
             </a:extLst>
           </p:cNvPr>
@@ -10781,8 +12193,8 @@
         </p:nvSpPr>
         <p:spPr>
           <a:xfrm>
-            <a:off x="1149292" y="5403711"/>
-            <a:ext cx="1266738" cy="646331"/>
+            <a:off x="10389765" y="5462434"/>
+            <a:ext cx="1266738" cy="369332"/>
           </a:xfrm>
           <a:prstGeom prst="rect">
             <a:avLst/>
@@ -10797,17 +12209,17 @@
           <a:p>
             <a:r>
               <a:rPr lang="en-US" dirty="0"/>
-              <a:t>Contact Details</a:t>
-            </a:r>
-          </a:p>
-        </p:txBody>
-      </p:sp>
-      <p:sp>
-        <p:nvSpPr>
-          <p:cNvPr id="15" name="TextBox 14">
-            <a:extLst>
-              <a:ext uri="{FF2B5EF4-FFF2-40B4-BE49-F238E27FC236}">
-                <a16:creationId xmlns:a16="http://schemas.microsoft.com/office/drawing/2014/main" id="{BBB57AFB-704D-B24F-8BE1-DE3DB4972EF5}"/>
+              <a:t>Copyright</a:t>
+            </a:r>
+          </a:p>
+        </p:txBody>
+      </p:sp>
+      <p:sp>
+        <p:nvSpPr>
+          <p:cNvPr id="25" name="TextBox 24">
+            <a:extLst>
+              <a:ext uri="{FF2B5EF4-FFF2-40B4-BE49-F238E27FC236}">
+                <a16:creationId xmlns:a16="http://schemas.microsoft.com/office/drawing/2014/main" id="{1BFA3CFC-E9F0-1D4D-B22F-9E62711B9D7A}"/>
               </a:ext>
             </a:extLst>
           </p:cNvPr>
@@ -10816,8 +12228,8 @@
         </p:nvSpPr>
         <p:spPr>
           <a:xfrm>
-            <a:off x="4769140" y="356344"/>
-            <a:ext cx="2189527" cy="646331"/>
+            <a:off x="5002268" y="2520424"/>
+            <a:ext cx="2271319" cy="369332"/>
           </a:xfrm>
           <a:prstGeom prst="rect">
             <a:avLst/>
@@ -10832,468 +12244,17 @@
           <a:p>
             <a:r>
               <a:rPr lang="en-US" dirty="0"/>
-              <a:t>Doctor Access</a:t>
-            </a:r>
-          </a:p>
-          <a:p>
-            <a:r>
-              <a:rPr lang="en-US" dirty="0"/>
-              <a:t>(</a:t>
-            </a:r>
-            <a:r>
-              <a:rPr lang="en-US" dirty="0" err="1">
-                <a:solidFill>
-                  <a:schemeClr val="accent5"/>
-                </a:solidFill>
-              </a:rPr>
-              <a:t>doctorAccess.jsp</a:t>
-            </a:r>
-            <a:r>
-              <a:rPr lang="en-US" dirty="0">
-                <a:solidFill>
-                  <a:schemeClr val="accent5"/>
-                </a:solidFill>
-              </a:rPr>
-              <a:t>)</a:t>
-            </a:r>
-          </a:p>
-        </p:txBody>
-      </p:sp>
-      <p:sp>
-        <p:nvSpPr>
-          <p:cNvPr id="17" name="TextBox 16">
-            <a:extLst>
-              <a:ext uri="{FF2B5EF4-FFF2-40B4-BE49-F238E27FC236}">
-                <a16:creationId xmlns:a16="http://schemas.microsoft.com/office/drawing/2014/main" id="{050A665A-C98A-B44A-8A44-D61414C70B12}"/>
-              </a:ext>
-            </a:extLst>
-          </p:cNvPr>
-          <p:cNvSpPr txBox="1"/>
-          <p:nvPr/>
-        </p:nvSpPr>
-        <p:spPr>
-          <a:xfrm>
-            <a:off x="10389765" y="5462434"/>
-            <a:ext cx="1266738" cy="369332"/>
-          </a:xfrm>
-          <a:prstGeom prst="rect">
-            <a:avLst/>
-          </a:prstGeom>
-          <a:noFill/>
-        </p:spPr>
-        <p:txBody>
-          <a:bodyPr wrap="square" rtlCol="0">
-            <a:spAutoFit/>
-          </a:bodyPr>
-          <a:lstStyle/>
-          <a:p>
-            <a:r>
-              <a:rPr lang="en-US" dirty="0"/>
-              <a:t>Copyright</a:t>
-            </a:r>
-          </a:p>
-        </p:txBody>
-      </p:sp>
-      <p:sp>
-        <p:nvSpPr>
-          <p:cNvPr id="20" name="TextBox 19">
-            <a:extLst>
-              <a:ext uri="{FF2B5EF4-FFF2-40B4-BE49-F238E27FC236}">
-                <a16:creationId xmlns:a16="http://schemas.microsoft.com/office/drawing/2014/main" id="{CC7689EE-3C59-2445-89B7-7E7BC7106C27}"/>
-              </a:ext>
-            </a:extLst>
-          </p:cNvPr>
-          <p:cNvSpPr txBox="1"/>
-          <p:nvPr/>
-        </p:nvSpPr>
-        <p:spPr>
-          <a:xfrm>
-            <a:off x="5036886" y="1770686"/>
-            <a:ext cx="2764173" cy="646331"/>
-          </a:xfrm>
-          <a:prstGeom prst="rect">
-            <a:avLst/>
-          </a:prstGeom>
-          <a:noFill/>
-        </p:spPr>
-        <p:txBody>
-          <a:bodyPr wrap="square" rtlCol="0">
-            <a:spAutoFit/>
-          </a:bodyPr>
-          <a:lstStyle/>
-          <a:p>
-            <a:r>
-              <a:rPr lang="en-US" sz="1200" dirty="0"/>
-              <a:t>Consultation</a:t>
-            </a:r>
-          </a:p>
-          <a:p>
-            <a:r>
-              <a:rPr lang="en-US" sz="1200" dirty="0">
-                <a:solidFill>
-                  <a:schemeClr val="accent5"/>
-                </a:solidFill>
-              </a:rPr>
-              <a:t>(</a:t>
-            </a:r>
-            <a:r>
-              <a:rPr lang="en-US" sz="1200" dirty="0" err="1">
-                <a:solidFill>
-                  <a:schemeClr val="accent5"/>
-                </a:solidFill>
-              </a:rPr>
-              <a:t>doctorAccess.jsp</a:t>
-            </a:r>
-            <a:r>
-              <a:rPr lang="en-US" sz="1200" dirty="0">
-                <a:solidFill>
-                  <a:schemeClr val="accent5"/>
-                </a:solidFill>
-              </a:rPr>
-              <a:t>)</a:t>
-            </a:r>
-            <a:endParaRPr lang="en-US" sz="1200" dirty="0"/>
-          </a:p>
-          <a:p>
-            <a:endParaRPr lang="en-US" sz="1200" dirty="0"/>
-          </a:p>
-        </p:txBody>
-      </p:sp>
-      <p:sp>
-        <p:nvSpPr>
-          <p:cNvPr id="25" name="TextBox 24">
-            <a:extLst>
-              <a:ext uri="{FF2B5EF4-FFF2-40B4-BE49-F238E27FC236}">
-                <a16:creationId xmlns:a16="http://schemas.microsoft.com/office/drawing/2014/main" id="{1BFA3CFC-E9F0-1D4D-B22F-9E62711B9D7A}"/>
-              </a:ext>
-            </a:extLst>
-          </p:cNvPr>
-          <p:cNvSpPr txBox="1"/>
-          <p:nvPr/>
-        </p:nvSpPr>
-        <p:spPr>
-          <a:xfrm>
-            <a:off x="5005955" y="2450888"/>
-            <a:ext cx="2271319" cy="461665"/>
-          </a:xfrm>
-          <a:prstGeom prst="rect">
-            <a:avLst/>
-          </a:prstGeom>
-          <a:noFill/>
-        </p:spPr>
-        <p:txBody>
-          <a:bodyPr wrap="square" rtlCol="0">
-            <a:spAutoFit/>
-          </a:bodyPr>
-          <a:lstStyle/>
-          <a:p>
-            <a:r>
-              <a:rPr lang="en-US" sz="1200" dirty="0">
-                <a:solidFill>
-                  <a:schemeClr val="accent6"/>
-                </a:solidFill>
-              </a:rPr>
-              <a:t>Select Patient  </a:t>
-            </a:r>
-            <a:r>
-              <a:rPr lang="en-US" sz="1200" dirty="0"/>
-              <a:t>(dropdown displays patient record in table)</a:t>
-            </a:r>
-          </a:p>
-        </p:txBody>
-      </p:sp>
-      <p:sp>
-        <p:nvSpPr>
-          <p:cNvPr id="21" name="TextBox 20">
-            <a:extLst>
-              <a:ext uri="{FF2B5EF4-FFF2-40B4-BE49-F238E27FC236}">
-                <a16:creationId xmlns:a16="http://schemas.microsoft.com/office/drawing/2014/main" id="{E7A802C5-ED52-3745-8A57-7A1ED52EC361}"/>
-              </a:ext>
-            </a:extLst>
-          </p:cNvPr>
-          <p:cNvSpPr txBox="1"/>
-          <p:nvPr/>
-        </p:nvSpPr>
-        <p:spPr>
-          <a:xfrm>
-            <a:off x="9756396" y="2521194"/>
-            <a:ext cx="2764173" cy="923330"/>
-          </a:xfrm>
-          <a:prstGeom prst="rect">
-            <a:avLst/>
-          </a:prstGeom>
-          <a:noFill/>
-        </p:spPr>
-        <p:txBody>
-          <a:bodyPr wrap="square" rtlCol="0">
-            <a:spAutoFit/>
-          </a:bodyPr>
-          <a:lstStyle/>
-          <a:p>
-            <a:r>
-              <a:rPr lang="en-US" dirty="0">
-                <a:solidFill>
-                  <a:srgbClr val="00B0F0"/>
-                </a:solidFill>
-              </a:rPr>
-              <a:t>Historical Patient Record (list in descending order (date))</a:t>
-            </a:r>
-          </a:p>
-        </p:txBody>
-      </p:sp>
-      <p:sp>
-        <p:nvSpPr>
-          <p:cNvPr id="38" name="TextBox 37">
-            <a:extLst>
-              <a:ext uri="{FF2B5EF4-FFF2-40B4-BE49-F238E27FC236}">
-                <a16:creationId xmlns:a16="http://schemas.microsoft.com/office/drawing/2014/main" id="{6F85AAAA-F39E-0C42-A2FA-A5DC7AE22FEA}"/>
-              </a:ext>
-            </a:extLst>
-          </p:cNvPr>
-          <p:cNvSpPr txBox="1"/>
-          <p:nvPr/>
-        </p:nvSpPr>
-        <p:spPr>
-          <a:xfrm>
-            <a:off x="587228" y="834694"/>
-            <a:ext cx="1736522" cy="646331"/>
-          </a:xfrm>
-          <a:prstGeom prst="rect">
-            <a:avLst/>
-          </a:prstGeom>
-          <a:noFill/>
-        </p:spPr>
-        <p:txBody>
-          <a:bodyPr wrap="square" rtlCol="0">
-            <a:spAutoFit/>
-          </a:bodyPr>
-          <a:lstStyle/>
-          <a:p>
-            <a:r>
-              <a:rPr lang="en-US" dirty="0"/>
-              <a:t>Home </a:t>
-            </a:r>
-            <a:r>
-              <a:rPr lang="en-US" dirty="0">
-                <a:solidFill>
-                  <a:schemeClr val="accent5"/>
-                </a:solidFill>
-              </a:rPr>
-              <a:t>(</a:t>
-            </a:r>
-            <a:r>
-              <a:rPr lang="en-US" dirty="0" err="1">
-                <a:solidFill>
-                  <a:schemeClr val="accent5"/>
-                </a:solidFill>
-              </a:rPr>
-              <a:t>index.jsp</a:t>
-            </a:r>
-            <a:r>
-              <a:rPr lang="en-US" dirty="0">
-                <a:solidFill>
-                  <a:schemeClr val="accent5"/>
-                </a:solidFill>
-              </a:rPr>
-              <a:t>)</a:t>
-            </a:r>
-          </a:p>
-        </p:txBody>
-      </p:sp>
-      <p:sp>
-        <p:nvSpPr>
-          <p:cNvPr id="39" name="TextBox 38">
-            <a:extLst>
-              <a:ext uri="{FF2B5EF4-FFF2-40B4-BE49-F238E27FC236}">
-                <a16:creationId xmlns:a16="http://schemas.microsoft.com/office/drawing/2014/main" id="{45A89CDF-A7EF-CE4B-B036-ACBEFDB2DDED}"/>
-              </a:ext>
-            </a:extLst>
-          </p:cNvPr>
-          <p:cNvSpPr txBox="1"/>
-          <p:nvPr/>
-        </p:nvSpPr>
-        <p:spPr>
-          <a:xfrm>
-            <a:off x="3381812" y="1053263"/>
-            <a:ext cx="2964559" cy="369332"/>
-          </a:xfrm>
-          <a:prstGeom prst="rect">
-            <a:avLst/>
-          </a:prstGeom>
-          <a:noFill/>
-        </p:spPr>
-        <p:txBody>
-          <a:bodyPr wrap="square" rtlCol="0">
-            <a:spAutoFit/>
-          </a:bodyPr>
-          <a:lstStyle/>
-          <a:p>
-            <a:r>
-              <a:rPr lang="en-US" dirty="0"/>
-              <a:t>Booking </a:t>
-            </a:r>
-            <a:r>
-              <a:rPr lang="en-US" dirty="0">
-                <a:solidFill>
-                  <a:schemeClr val="accent5"/>
-                </a:solidFill>
-              </a:rPr>
-              <a:t>(</a:t>
-            </a:r>
-            <a:r>
-              <a:rPr lang="en-US" dirty="0" err="1">
-                <a:solidFill>
-                  <a:schemeClr val="accent5"/>
-                </a:solidFill>
-              </a:rPr>
-              <a:t>bookings.jsp</a:t>
-            </a:r>
-            <a:r>
-              <a:rPr lang="en-US" dirty="0">
-                <a:solidFill>
-                  <a:schemeClr val="accent5"/>
-                </a:solidFill>
-              </a:rPr>
-              <a:t>)</a:t>
-            </a:r>
-          </a:p>
-        </p:txBody>
-      </p:sp>
-      <p:sp>
-        <p:nvSpPr>
-          <p:cNvPr id="40" name="TextBox 39">
-            <a:extLst>
-              <a:ext uri="{FF2B5EF4-FFF2-40B4-BE49-F238E27FC236}">
-                <a16:creationId xmlns:a16="http://schemas.microsoft.com/office/drawing/2014/main" id="{BD16A298-3BEA-9B45-B29E-481CEAE303D9}"/>
-              </a:ext>
-            </a:extLst>
-          </p:cNvPr>
-          <p:cNvSpPr txBox="1"/>
-          <p:nvPr/>
-        </p:nvSpPr>
-        <p:spPr>
-          <a:xfrm>
-            <a:off x="7108121" y="845256"/>
-            <a:ext cx="2860646" cy="646331"/>
-          </a:xfrm>
-          <a:prstGeom prst="rect">
-            <a:avLst/>
-          </a:prstGeom>
-          <a:noFill/>
-        </p:spPr>
-        <p:txBody>
-          <a:bodyPr wrap="square" rtlCol="0">
-            <a:spAutoFit/>
-          </a:bodyPr>
-          <a:lstStyle/>
-          <a:p>
-            <a:r>
-              <a:rPr lang="en-US" dirty="0"/>
-              <a:t>Treatment </a:t>
-            </a:r>
-            <a:r>
-              <a:rPr lang="en-US" dirty="0">
-                <a:solidFill>
-                  <a:schemeClr val="accent5"/>
-                </a:solidFill>
-              </a:rPr>
-              <a:t>(</a:t>
-            </a:r>
-            <a:r>
-              <a:rPr lang="en-US" dirty="0" err="1">
-                <a:solidFill>
-                  <a:schemeClr val="accent5"/>
-                </a:solidFill>
-              </a:rPr>
-              <a:t>displayRecord.jsp</a:t>
-            </a:r>
-            <a:r>
-              <a:rPr lang="en-US" dirty="0">
-                <a:solidFill>
-                  <a:schemeClr val="accent5"/>
-                </a:solidFill>
-              </a:rPr>
-              <a:t>)</a:t>
-            </a:r>
-          </a:p>
-        </p:txBody>
-      </p:sp>
-      <p:sp>
-        <p:nvSpPr>
-          <p:cNvPr id="42" name="TextBox 41">
-            <a:extLst>
-              <a:ext uri="{FF2B5EF4-FFF2-40B4-BE49-F238E27FC236}">
-                <a16:creationId xmlns:a16="http://schemas.microsoft.com/office/drawing/2014/main" id="{CD767DAD-AE8D-2C40-AB4E-7F0F706C80F7}"/>
-              </a:ext>
-            </a:extLst>
-          </p:cNvPr>
-          <p:cNvSpPr txBox="1"/>
-          <p:nvPr/>
-        </p:nvSpPr>
-        <p:spPr>
-          <a:xfrm>
-            <a:off x="6006516" y="4613811"/>
-            <a:ext cx="1904301" cy="338554"/>
-          </a:xfrm>
-          <a:prstGeom prst="rect">
-            <a:avLst/>
-          </a:prstGeom>
-          <a:noFill/>
-        </p:spPr>
-        <p:txBody>
-          <a:bodyPr wrap="square" rtlCol="0">
-            <a:spAutoFit/>
-          </a:bodyPr>
-          <a:lstStyle/>
-          <a:p>
-            <a:r>
-              <a:rPr lang="en-US" sz="1600" dirty="0"/>
-              <a:t>Save</a:t>
-            </a:r>
-          </a:p>
-        </p:txBody>
-      </p:sp>
-      <p:sp>
-        <p:nvSpPr>
-          <p:cNvPr id="43" name="TextBox 42">
-            <a:extLst>
-              <a:ext uri="{FF2B5EF4-FFF2-40B4-BE49-F238E27FC236}">
-                <a16:creationId xmlns:a16="http://schemas.microsoft.com/office/drawing/2014/main" id="{61953216-8D28-8C46-8C83-58B81436E432}"/>
-              </a:ext>
-            </a:extLst>
-          </p:cNvPr>
-          <p:cNvSpPr txBox="1"/>
-          <p:nvPr/>
-        </p:nvSpPr>
-        <p:spPr>
-          <a:xfrm>
-            <a:off x="7388602" y="4619739"/>
-            <a:ext cx="1904301" cy="338554"/>
-          </a:xfrm>
-          <a:prstGeom prst="rect">
-            <a:avLst/>
-          </a:prstGeom>
-          <a:noFill/>
-        </p:spPr>
-        <p:txBody>
-          <a:bodyPr wrap="square" rtlCol="0">
-            <a:spAutoFit/>
-          </a:bodyPr>
-          <a:lstStyle/>
-          <a:p>
-            <a:r>
-              <a:rPr lang="en-US" sz="1600" dirty="0"/>
-              <a:t>Cancel</a:t>
-            </a:r>
-          </a:p>
-        </p:txBody>
-      </p:sp>
-      <p:sp>
-        <p:nvSpPr>
-          <p:cNvPr id="46" name="Rounded Rectangle 45">
-            <a:extLst>
-              <a:ext uri="{FF2B5EF4-FFF2-40B4-BE49-F238E27FC236}">
-                <a16:creationId xmlns:a16="http://schemas.microsoft.com/office/drawing/2014/main" id="{38879453-DAFD-364B-BF32-3C5E5350F2E8}"/>
+              <a:t>Details of Booking</a:t>
+            </a:r>
+          </a:p>
+        </p:txBody>
+      </p:sp>
+      <p:sp>
+        <p:nvSpPr>
+          <p:cNvPr id="21" name="Rounded Rectangle 20">
+            <a:extLst>
+              <a:ext uri="{FF2B5EF4-FFF2-40B4-BE49-F238E27FC236}">
+                <a16:creationId xmlns:a16="http://schemas.microsoft.com/office/drawing/2014/main" id="{45C55365-1102-FC4C-9592-6CF104CD54A1}"/>
               </a:ext>
             </a:extLst>
           </p:cNvPr>
@@ -11302,59 +12263,15 @@
         </p:nvSpPr>
         <p:spPr>
           <a:xfrm>
-            <a:off x="1907573" y="252039"/>
-            <a:ext cx="1624268" cy="564558"/>
+            <a:off x="500743" y="2260744"/>
+            <a:ext cx="1624268" cy="1777856"/>
           </a:xfrm>
           <a:prstGeom prst="roundRect">
             <a:avLst/>
           </a:prstGeom>
-        </p:spPr>
-        <p:style>
-          <a:lnRef idx="1">
-            <a:schemeClr val="accent6"/>
-          </a:lnRef>
-          <a:fillRef idx="3">
-            <a:schemeClr val="accent6"/>
-          </a:fillRef>
-          <a:effectRef idx="2">
-            <a:schemeClr val="accent6"/>
-          </a:effectRef>
-          <a:fontRef idx="minor">
-            <a:schemeClr val="lt1"/>
-          </a:fontRef>
-        </p:style>
-        <p:txBody>
-          <a:bodyPr rtlCol="0" anchor="ctr"/>
-          <a:lstStyle/>
-          <a:p>
-            <a:pPr algn="ctr"/>
-            <a:r>
-              <a:rPr lang="en-US" dirty="0"/>
-              <a:t>Page Created</a:t>
-            </a:r>
-          </a:p>
-        </p:txBody>
-      </p:sp>
-      <p:sp>
-        <p:nvSpPr>
-          <p:cNvPr id="33" name="Rounded Rectangle 32">
-            <a:extLst>
-              <a:ext uri="{FF2B5EF4-FFF2-40B4-BE49-F238E27FC236}">
-                <a16:creationId xmlns:a16="http://schemas.microsoft.com/office/drawing/2014/main" id="{B22E056B-76E2-7F41-849B-C5A4F20A3582}"/>
-              </a:ext>
-            </a:extLst>
-          </p:cNvPr>
-          <p:cNvSpPr/>
-          <p:nvPr/>
-        </p:nvSpPr>
-        <p:spPr>
-          <a:xfrm>
-            <a:off x="1824057" y="906603"/>
-            <a:ext cx="1621021" cy="601568"/>
-          </a:xfrm>
-          <a:prstGeom prst="roundRect">
-            <a:avLst/>
-          </a:prstGeom>
+          <a:solidFill>
+            <a:schemeClr val="accent4"/>
+          </a:solidFill>
         </p:spPr>
         <p:style>
           <a:lnRef idx="2">
@@ -11379,22 +12296,17 @@
             <a:pPr algn="ctr"/>
             <a:r>
               <a:rPr lang="en-US" dirty="0"/>
-              <a:t>Patient </a:t>
-            </a:r>
-            <a:r>
-              <a:rPr lang="en-US" dirty="0" err="1"/>
-              <a:t>DoctorServlet</a:t>
-            </a:r>
-            <a:endParaRPr lang="en-US" dirty="0"/>
-          </a:p>
-        </p:txBody>
-      </p:sp>
-      <p:sp>
-        <p:nvSpPr>
-          <p:cNvPr id="34" name="TextBox 33">
-            <a:extLst>
-              <a:ext uri="{FF2B5EF4-FFF2-40B4-BE49-F238E27FC236}">
-                <a16:creationId xmlns:a16="http://schemas.microsoft.com/office/drawing/2014/main" id="{DDA38BC2-5B41-9344-BAD5-7D561D3917F1}"/>
+              <a:t>Display Sys out msg as confirmation</a:t>
+            </a:r>
+          </a:p>
+        </p:txBody>
+      </p:sp>
+      <p:sp>
+        <p:nvSpPr>
+          <p:cNvPr id="23" name="TextBox 22">
+            <a:extLst>
+              <a:ext uri="{FF2B5EF4-FFF2-40B4-BE49-F238E27FC236}">
+                <a16:creationId xmlns:a16="http://schemas.microsoft.com/office/drawing/2014/main" id="{8140EAEF-D43E-B440-B5B6-8470B7B2207B}"/>
               </a:ext>
             </a:extLst>
           </p:cNvPr>
@@ -11403,8 +12315,8 @@
         </p:nvSpPr>
         <p:spPr>
           <a:xfrm>
-            <a:off x="10765572" y="223578"/>
-            <a:ext cx="1073791" cy="523220"/>
+            <a:off x="587228" y="834694"/>
+            <a:ext cx="1736522" cy="646331"/>
           </a:xfrm>
           <a:prstGeom prst="rect">
             <a:avLst/>
@@ -11418,13 +12330,11 @@
           <a:lstStyle/>
           <a:p>
             <a:r>
-              <a:rPr lang="en-US" sz="1400" dirty="0"/>
-              <a:t>Sign out</a:t>
-            </a:r>
-          </a:p>
-          <a:p>
-            <a:r>
-              <a:rPr lang="en-US" sz="1400" dirty="0">
+              <a:rPr lang="en-US" dirty="0"/>
+              <a:t>Home </a:t>
+            </a:r>
+            <a:r>
+              <a:rPr lang="en-US" dirty="0">
                 <a:solidFill>
                   <a:schemeClr val="accent5"/>
                 </a:solidFill>
@@ -11432,31 +12342,148 @@
               <a:t>(</a:t>
             </a:r>
             <a:r>
-              <a:rPr lang="en-US" sz="1400" dirty="0" err="1">
+              <a:rPr lang="en-US" dirty="0" err="1">
                 <a:solidFill>
                   <a:schemeClr val="accent5"/>
                 </a:solidFill>
               </a:rPr>
-              <a:t>url.signout</a:t>
-            </a:r>
-            <a:r>
-              <a:rPr lang="en-US" sz="1400" dirty="0">
+              <a:t>index.jsp</a:t>
+            </a:r>
+            <a:r>
+              <a:rPr lang="en-US" dirty="0">
                 <a:solidFill>
                   <a:schemeClr val="accent5"/>
                 </a:solidFill>
               </a:rPr>
               <a:t>)</a:t>
             </a:r>
-            <a:endParaRPr lang="en-US" sz="1400" dirty="0"/>
-          </a:p>
-        </p:txBody>
-      </p:sp>
-      <p:sp>
-        <p:nvSpPr>
-          <p:cNvPr id="30" name="Rounded Rectangle 29">
-            <a:extLst>
-              <a:ext uri="{FF2B5EF4-FFF2-40B4-BE49-F238E27FC236}">
-                <a16:creationId xmlns:a16="http://schemas.microsoft.com/office/drawing/2014/main" id="{247E08B4-CC8D-474F-8D2A-8BF6D321CC20}"/>
+          </a:p>
+        </p:txBody>
+      </p:sp>
+      <p:sp>
+        <p:nvSpPr>
+          <p:cNvPr id="24" name="TextBox 23">
+            <a:extLst>
+              <a:ext uri="{FF2B5EF4-FFF2-40B4-BE49-F238E27FC236}">
+                <a16:creationId xmlns:a16="http://schemas.microsoft.com/office/drawing/2014/main" id="{1C1503D0-DDA6-FB4E-9BF1-138981A08AEA}"/>
+              </a:ext>
+            </a:extLst>
+          </p:cNvPr>
+          <p:cNvSpPr txBox="1"/>
+          <p:nvPr/>
+        </p:nvSpPr>
+        <p:spPr>
+          <a:xfrm>
+            <a:off x="3381812" y="1053263"/>
+            <a:ext cx="2964559" cy="369332"/>
+          </a:xfrm>
+          <a:prstGeom prst="rect">
+            <a:avLst/>
+          </a:prstGeom>
+          <a:noFill/>
+        </p:spPr>
+        <p:txBody>
+          <a:bodyPr wrap="square" rtlCol="0">
+            <a:spAutoFit/>
+          </a:bodyPr>
+          <a:lstStyle/>
+          <a:p>
+            <a:r>
+              <a:rPr lang="en-US" dirty="0"/>
+              <a:t>Booking </a:t>
+            </a:r>
+            <a:r>
+              <a:rPr lang="en-US" dirty="0">
+                <a:solidFill>
+                  <a:schemeClr val="accent5"/>
+                </a:solidFill>
+              </a:rPr>
+              <a:t>(</a:t>
+            </a:r>
+            <a:r>
+              <a:rPr lang="en-US" dirty="0" err="1">
+                <a:solidFill>
+                  <a:schemeClr val="accent5"/>
+                </a:solidFill>
+              </a:rPr>
+              <a:t>bookings.jsp</a:t>
+            </a:r>
+            <a:r>
+              <a:rPr lang="en-US" dirty="0">
+                <a:solidFill>
+                  <a:schemeClr val="accent5"/>
+                </a:solidFill>
+              </a:rPr>
+              <a:t>)</a:t>
+            </a:r>
+          </a:p>
+        </p:txBody>
+      </p:sp>
+      <p:sp>
+        <p:nvSpPr>
+          <p:cNvPr id="26" name="TextBox 25">
+            <a:extLst>
+              <a:ext uri="{FF2B5EF4-FFF2-40B4-BE49-F238E27FC236}">
+                <a16:creationId xmlns:a16="http://schemas.microsoft.com/office/drawing/2014/main" id="{348A5660-1758-D549-991F-15AD9432BA24}"/>
+              </a:ext>
+            </a:extLst>
+          </p:cNvPr>
+          <p:cNvSpPr txBox="1"/>
+          <p:nvPr/>
+        </p:nvSpPr>
+        <p:spPr>
+          <a:xfrm>
+            <a:off x="7108121" y="845256"/>
+            <a:ext cx="2860646" cy="646331"/>
+          </a:xfrm>
+          <a:prstGeom prst="rect">
+            <a:avLst/>
+          </a:prstGeom>
+          <a:noFill/>
+        </p:spPr>
+        <p:txBody>
+          <a:bodyPr wrap="square" rtlCol="0">
+            <a:spAutoFit/>
+          </a:bodyPr>
+          <a:lstStyle/>
+          <a:p>
+            <a:r>
+              <a:rPr lang="en-US" dirty="0"/>
+              <a:t>Treatment </a:t>
+            </a:r>
+            <a:r>
+              <a:rPr lang="en-US" dirty="0">
+                <a:solidFill>
+                  <a:schemeClr val="accent5"/>
+                </a:solidFill>
+              </a:rPr>
+              <a:t>(</a:t>
+            </a:r>
+            <a:r>
+              <a:rPr lang="en-US" dirty="0" err="1">
+                <a:solidFill>
+                  <a:schemeClr val="accent5"/>
+                </a:solidFill>
+              </a:rPr>
+              <a:t>displayRecord.jsp</a:t>
+            </a:r>
+            <a:r>
+              <a:rPr lang="en-US" dirty="0">
+                <a:solidFill>
+                  <a:schemeClr val="accent5"/>
+                </a:solidFill>
+              </a:rPr>
+              <a:t>)</a:t>
+            </a:r>
+          </a:p>
+        </p:txBody>
+      </p:sp>
+      <p:sp>
+        <p:nvSpPr>
+          <p:cNvPr id="18" name="Rounded Rectangle 17">
+            <a:extLst>
+              <a:ext uri="{FF2B5EF4-FFF2-40B4-BE49-F238E27FC236}">
+                <a16:creationId xmlns:a16="http://schemas.microsoft.com/office/drawing/2014/main" id="{6A463F32-CE55-204D-89B2-605D13EC079D}"/>
               </a:ext>
             </a:extLst>
           </p:cNvPr>
@@ -11465,25 +12492,24 @@
         </p:nvSpPr>
         <p:spPr>
           <a:xfrm>
-            <a:off x="82931" y="3426428"/>
-            <a:ext cx="2389445" cy="1377232"/>
+            <a:off x="2125011" y="428839"/>
+            <a:ext cx="1978903" cy="573836"/>
           </a:xfrm>
           <a:prstGeom prst="roundRect">
             <a:avLst/>
           </a:prstGeom>
-          <a:solidFill>
+        </p:spPr>
+        <p:style>
+          <a:lnRef idx="2">
+            <a:schemeClr val="accent2">
+              <a:shade val="50000"/>
+            </a:schemeClr>
+          </a:lnRef>
+          <a:fillRef idx="1">
             <a:schemeClr val="accent2"/>
-          </a:solidFill>
-        </p:spPr>
-        <p:style>
-          <a:lnRef idx="1">
-            <a:schemeClr val="accent6"/>
-          </a:lnRef>
-          <a:fillRef idx="3">
-            <a:schemeClr val="accent6"/>
           </a:fillRef>
-          <a:effectRef idx="2">
-            <a:schemeClr val="accent6"/>
+          <a:effectRef idx="0">
+            <a:schemeClr val="accent2"/>
           </a:effectRef>
           <a:fontRef idx="minor">
             <a:schemeClr val="lt1"/>
@@ -11496,25 +12522,11 @@
             <a:pPr algn="ctr"/>
             <a:r>
               <a:rPr lang="en-US" dirty="0"/>
-              <a:t>Change page title</a:t>
-            </a:r>
-          </a:p>
-          <a:p>
-            <a:pPr algn="ctr"/>
-            <a:r>
-              <a:rPr lang="en-US" dirty="0"/>
-              <a:t>Change input form</a:t>
-            </a:r>
-          </a:p>
-          <a:p>
-            <a:pPr algn="ctr"/>
-            <a:r>
-              <a:rPr lang="en-US" dirty="0"/>
-              <a:t>complete </a:t>
+              <a:t>Update Patient </a:t>
             </a:r>
             <a:r>
               <a:rPr lang="en-US" dirty="0" err="1"/>
-              <a:t>DAccessServlet.java</a:t>
+              <a:t>AccessServlet.java</a:t>
             </a:r>
             <a:endParaRPr lang="en-US" dirty="0"/>
           </a:p>
@@ -11522,10 +12534,10 @@
       </p:sp>
       <p:pic>
         <p:nvPicPr>
-          <p:cNvPr id="31" name="Graphic 30" descr="Construction Barricade with solid fill">
-            <a:extLst>
-              <a:ext uri="{FF2B5EF4-FFF2-40B4-BE49-F238E27FC236}">
-                <a16:creationId xmlns:a16="http://schemas.microsoft.com/office/drawing/2014/main" id="{59B42CD6-6E01-914C-9E45-4D6D23ED0422}"/>
+          <p:cNvPr id="22" name="Graphic 21" descr="Warning with solid fill">
+            <a:extLst>
+              <a:ext uri="{FF2B5EF4-FFF2-40B4-BE49-F238E27FC236}">
+                <a16:creationId xmlns:a16="http://schemas.microsoft.com/office/drawing/2014/main" id="{E673CE4A-C487-DF46-8AA7-D14AED28887B}"/>
               </a:ext>
             </a:extLst>
           </p:cNvPr>
@@ -11548,7 +12560,7 @@
         </p:blipFill>
         <p:spPr>
           <a:xfrm>
-            <a:off x="9100281" y="176893"/>
+            <a:off x="11150367" y="2850449"/>
             <a:ext cx="914400" cy="914400"/>
           </a:xfrm>
           <a:prstGeom prst="rect">
@@ -11558,460 +12570,474 @@
       </p:pic>
       <p:sp>
         <p:nvSpPr>
-          <p:cNvPr id="35" name="Rounded Rectangle 34">
-            <a:extLst>
-              <a:ext uri="{FF2B5EF4-FFF2-40B4-BE49-F238E27FC236}">
-                <a16:creationId xmlns:a16="http://schemas.microsoft.com/office/drawing/2014/main" id="{47C2B212-1C90-7047-9FD8-8FA23622BF02}"/>
-              </a:ext>
-            </a:extLst>
-          </p:cNvPr>
-          <p:cNvSpPr/>
-          <p:nvPr/>
-        </p:nvSpPr>
-        <p:spPr>
-          <a:xfrm>
-            <a:off x="1" y="1857038"/>
-            <a:ext cx="2555306" cy="1377232"/>
-          </a:xfrm>
-          <a:prstGeom prst="roundRect">
-            <a:avLst/>
-          </a:prstGeom>
-        </p:spPr>
-        <p:style>
-          <a:lnRef idx="1">
-            <a:schemeClr val="accent6"/>
-          </a:lnRef>
-          <a:fillRef idx="3">
-            <a:schemeClr val="accent6"/>
-          </a:fillRef>
-          <a:effectRef idx="2">
-            <a:schemeClr val="accent6"/>
-          </a:effectRef>
-          <a:fontRef idx="minor">
-            <a:schemeClr val="lt1"/>
-          </a:fontRef>
-        </p:style>
-        <p:txBody>
-          <a:bodyPr rtlCol="0" anchor="ctr"/>
-          <a:lstStyle/>
-          <a:p>
-            <a:pPr algn="ctr"/>
-            <a:r>
-              <a:rPr lang="en-US" sz="1600" dirty="0" err="1"/>
-              <a:t>doctorAccess.jsp</a:t>
-            </a:r>
-            <a:r>
-              <a:rPr lang="en-US" sz="1600" dirty="0"/>
-              <a:t> Created</a:t>
-            </a:r>
-          </a:p>
-          <a:p>
-            <a:pPr algn="ctr"/>
-            <a:r>
-              <a:rPr lang="en-US" sz="1600" dirty="0" err="1"/>
-              <a:t>Record.java</a:t>
-            </a:r>
-            <a:r>
-              <a:rPr lang="en-US" sz="1600" dirty="0"/>
-              <a:t> created</a:t>
-            </a:r>
-          </a:p>
-          <a:p>
-            <a:pPr algn="ctr"/>
-            <a:r>
-              <a:rPr lang="en-US" sz="1600" dirty="0" err="1"/>
-              <a:t>ConsultationQuery.java</a:t>
-            </a:r>
-            <a:r>
-              <a:rPr lang="en-US" sz="1600" dirty="0"/>
-              <a:t> created</a:t>
-            </a:r>
-          </a:p>
-        </p:txBody>
-      </p:sp>
-      <p:graphicFrame>
-        <p:nvGraphicFramePr>
-          <p:cNvPr id="36" name="Table 2">
-            <a:extLst>
-              <a:ext uri="{FF2B5EF4-FFF2-40B4-BE49-F238E27FC236}">
-                <a16:creationId xmlns:a16="http://schemas.microsoft.com/office/drawing/2014/main" id="{F90B1501-0FF8-B141-8AB5-1ADEB1DB1FB0}"/>
-              </a:ext>
-            </a:extLst>
-          </p:cNvPr>
-          <p:cNvGraphicFramePr>
-            <a:graphicFrameLocks noGrp="1"/>
-          </p:cNvGraphicFramePr>
-          <p:nvPr>
-            <p:extLst>
-              <p:ext uri="{D42A27DB-BD31-4B8C-83A1-F6EECF244321}">
-                <p14:modId xmlns:p14="http://schemas.microsoft.com/office/powerpoint/2010/main" val="606610643"/>
-              </p:ext>
-            </p:extLst>
-          </p:nvPr>
-        </p:nvGraphicFramePr>
-        <p:xfrm>
-          <a:off x="3434793" y="2910410"/>
-          <a:ext cx="5162113" cy="802566"/>
-        </p:xfrm>
-        <a:graphic>
-          <a:graphicData uri="http://schemas.openxmlformats.org/drawingml/2006/table">
-            <a:tbl>
-              <a:tblPr firstRow="1" bandRow="1">
-                <a:tableStyleId>{F5AB1C69-6EDB-4FF4-983F-18BD219EF322}</a:tableStyleId>
-              </a:tblPr>
-              <a:tblGrid>
-                <a:gridCol w="1259791">
-                  <a:extLst>
-                    <a:ext uri="{9D8B030D-6E8A-4147-A177-3AD203B41FA5}">
-                      <a16:colId xmlns:a16="http://schemas.microsoft.com/office/drawing/2014/main" val="484706619"/>
-                    </a:ext>
-                  </a:extLst>
-                </a:gridCol>
-                <a:gridCol w="1259791">
-                  <a:extLst>
-                    <a:ext uri="{9D8B030D-6E8A-4147-A177-3AD203B41FA5}">
-                      <a16:colId xmlns:a16="http://schemas.microsoft.com/office/drawing/2014/main" val="82939911"/>
-                    </a:ext>
-                  </a:extLst>
-                </a:gridCol>
-                <a:gridCol w="1259791">
-                  <a:extLst>
-                    <a:ext uri="{9D8B030D-6E8A-4147-A177-3AD203B41FA5}">
-                      <a16:colId xmlns:a16="http://schemas.microsoft.com/office/drawing/2014/main" val="930562621"/>
-                    </a:ext>
-                  </a:extLst>
-                </a:gridCol>
-                <a:gridCol w="1382740">
-                  <a:extLst>
-                    <a:ext uri="{9D8B030D-6E8A-4147-A177-3AD203B41FA5}">
-                      <a16:colId xmlns:a16="http://schemas.microsoft.com/office/drawing/2014/main" val="2014208457"/>
-                    </a:ext>
-                  </a:extLst>
-                </a:gridCol>
-              </a:tblGrid>
-              <a:tr h="225051">
-                <a:tc>
-                  <a:txBody>
-                    <a:bodyPr/>
-                    <a:lstStyle/>
-                    <a:p>
-                      <a:r>
-                        <a:rPr lang="en-US" sz="1200" dirty="0"/>
-                        <a:t>Name</a:t>
-                      </a:r>
-                    </a:p>
-                  </a:txBody>
-                  <a:tcPr/>
-                </a:tc>
-                <a:tc>
-                  <a:txBody>
-                    <a:bodyPr/>
-                    <a:lstStyle/>
-                    <a:p>
-                      <a:r>
-                        <a:rPr lang="en-US" sz="1200" dirty="0"/>
-                        <a:t>Phone</a:t>
-                      </a:r>
-                    </a:p>
-                  </a:txBody>
-                  <a:tcPr/>
-                </a:tc>
-                <a:tc>
-                  <a:txBody>
-                    <a:bodyPr/>
-                    <a:lstStyle/>
-                    <a:p>
-                      <a:r>
-                        <a:rPr lang="en-US" sz="1200" dirty="0"/>
-                        <a:t>Date of Birth</a:t>
-                      </a:r>
-                    </a:p>
-                  </a:txBody>
-                  <a:tcPr/>
-                </a:tc>
-                <a:tc>
-                  <a:txBody>
-                    <a:bodyPr/>
-                    <a:lstStyle/>
-                    <a:p>
-                      <a:r>
-                        <a:rPr lang="en-US" sz="1200" dirty="0"/>
-                        <a:t>problem</a:t>
-                      </a:r>
-                    </a:p>
-                  </a:txBody>
-                  <a:tcPr/>
-                </a:tc>
-                <a:extLst>
-                  <a:ext uri="{0D108BD9-81ED-4DB2-BD59-A6C34878D82A}">
-                    <a16:rowId xmlns:a16="http://schemas.microsoft.com/office/drawing/2014/main" val="1704761114"/>
-                  </a:ext>
-                </a:extLst>
-              </a:tr>
-              <a:tr h="528246">
-                <a:tc>
-                  <a:txBody>
-                    <a:bodyPr/>
-                    <a:lstStyle/>
-                    <a:p>
-                      <a:endParaRPr lang="en-US" sz="1200" dirty="0"/>
-                    </a:p>
-                  </a:txBody>
-                  <a:tcPr/>
-                </a:tc>
-                <a:tc>
-                  <a:txBody>
-                    <a:bodyPr/>
-                    <a:lstStyle/>
-                    <a:p>
-                      <a:endParaRPr lang="en-US" sz="1200" dirty="0"/>
-                    </a:p>
-                  </a:txBody>
-                  <a:tcPr/>
-                </a:tc>
-                <a:tc>
-                  <a:txBody>
-                    <a:bodyPr/>
-                    <a:lstStyle/>
-                    <a:p>
-                      <a:endParaRPr lang="en-US" sz="1200" dirty="0"/>
-                    </a:p>
-                  </a:txBody>
-                  <a:tcPr/>
-                </a:tc>
-                <a:tc>
-                  <a:txBody>
-                    <a:bodyPr/>
-                    <a:lstStyle/>
-                    <a:p>
-                      <a:endParaRPr lang="en-US" sz="1200" dirty="0"/>
-                    </a:p>
-                  </a:txBody>
-                  <a:tcPr/>
-                </a:tc>
-                <a:extLst>
-                  <a:ext uri="{0D108BD9-81ED-4DB2-BD59-A6C34878D82A}">
-                    <a16:rowId xmlns:a16="http://schemas.microsoft.com/office/drawing/2014/main" val="714643636"/>
-                  </a:ext>
-                </a:extLst>
-              </a:tr>
-            </a:tbl>
-          </a:graphicData>
-        </a:graphic>
-      </p:graphicFrame>
-      <p:sp>
-        <p:nvSpPr>
-          <p:cNvPr id="9" name="Rectangle 8">
-            <a:extLst>
-              <a:ext uri="{FF2B5EF4-FFF2-40B4-BE49-F238E27FC236}">
-                <a16:creationId xmlns:a16="http://schemas.microsoft.com/office/drawing/2014/main" id="{D106F317-70FA-4F4C-87E7-B184F50DB146}"/>
-              </a:ext>
-            </a:extLst>
-          </p:cNvPr>
-          <p:cNvSpPr/>
-          <p:nvPr/>
-        </p:nvSpPr>
-        <p:spPr>
-          <a:xfrm>
-            <a:off x="3424447" y="3791341"/>
-            <a:ext cx="2554022" cy="668890"/>
-          </a:xfrm>
-          <a:prstGeom prst="rect">
-            <a:avLst/>
-          </a:prstGeom>
-        </p:spPr>
-        <p:style>
-          <a:lnRef idx="3">
-            <a:schemeClr val="lt1"/>
-          </a:lnRef>
-          <a:fillRef idx="1">
-            <a:schemeClr val="accent3"/>
-          </a:fillRef>
-          <a:effectRef idx="1">
-            <a:schemeClr val="accent3"/>
-          </a:effectRef>
-          <a:fontRef idx="minor">
-            <a:schemeClr val="lt1"/>
-          </a:fontRef>
-        </p:style>
-        <p:txBody>
-          <a:bodyPr rtlCol="0" anchor="ctr"/>
-          <a:lstStyle/>
-          <a:p>
-            <a:pPr algn="ctr"/>
+          <p:cNvPr id="30" name="TextBox 29">
+            <a:extLst>
+              <a:ext uri="{FF2B5EF4-FFF2-40B4-BE49-F238E27FC236}">
+                <a16:creationId xmlns:a16="http://schemas.microsoft.com/office/drawing/2014/main" id="{35443C91-0262-2743-B258-30046A466EAF}"/>
+              </a:ext>
+            </a:extLst>
+          </p:cNvPr>
+          <p:cNvSpPr txBox="1"/>
+          <p:nvPr/>
+        </p:nvSpPr>
+        <p:spPr>
+          <a:xfrm>
+            <a:off x="10552252" y="239069"/>
+            <a:ext cx="1073791" cy="523220"/>
+          </a:xfrm>
+          <a:prstGeom prst="rect">
+            <a:avLst/>
+          </a:prstGeom>
+          <a:noFill/>
+        </p:spPr>
+        <p:txBody>
+          <a:bodyPr wrap="square" rtlCol="0">
+            <a:spAutoFit/>
+          </a:bodyPr>
+          <a:lstStyle/>
+          <a:p>
+            <a:r>
+              <a:rPr lang="en-US" sz="1400" dirty="0"/>
+              <a:t>Sign out</a:t>
+            </a:r>
+          </a:p>
+          <a:p>
+            <a:r>
+              <a:rPr lang="en-US" sz="1400" dirty="0">
+                <a:solidFill>
+                  <a:schemeClr val="accent5"/>
+                </a:solidFill>
+              </a:rPr>
+              <a:t>(</a:t>
+            </a:r>
+            <a:r>
+              <a:rPr lang="en-US" sz="1400" dirty="0" err="1">
+                <a:solidFill>
+                  <a:schemeClr val="accent5"/>
+                </a:solidFill>
+              </a:rPr>
+              <a:t>url.signout</a:t>
+            </a:r>
+            <a:r>
+              <a:rPr lang="en-US" sz="1400" dirty="0">
+                <a:solidFill>
+                  <a:schemeClr val="accent5"/>
+                </a:solidFill>
+              </a:rPr>
+              <a:t>)</a:t>
+            </a:r>
+            <a:endParaRPr lang="en-US" sz="1400" dirty="0"/>
+          </a:p>
+        </p:txBody>
+      </p:sp>
+      <p:sp>
+        <p:nvSpPr>
+          <p:cNvPr id="31" name="TextBox 30">
+            <a:extLst>
+              <a:ext uri="{FF2B5EF4-FFF2-40B4-BE49-F238E27FC236}">
+                <a16:creationId xmlns:a16="http://schemas.microsoft.com/office/drawing/2014/main" id="{2E3A95EB-1B0B-724E-B980-AD621E594C18}"/>
+              </a:ext>
+            </a:extLst>
+          </p:cNvPr>
+          <p:cNvSpPr txBox="1"/>
+          <p:nvPr/>
+        </p:nvSpPr>
+        <p:spPr>
+          <a:xfrm>
+            <a:off x="5002268" y="1895020"/>
+            <a:ext cx="2688205" cy="646331"/>
+          </a:xfrm>
+          <a:prstGeom prst="rect">
+            <a:avLst/>
+          </a:prstGeom>
+          <a:noFill/>
+        </p:spPr>
+        <p:txBody>
+          <a:bodyPr wrap="square" rtlCol="0">
+            <a:spAutoFit/>
+          </a:bodyPr>
+          <a:lstStyle/>
+          <a:p>
             <a:r>
               <a:rPr lang="en-US" dirty="0"/>
-              <a:t>Prescribe Treatment</a:t>
-            </a:r>
-          </a:p>
-        </p:txBody>
-      </p:sp>
-      <p:sp>
-        <p:nvSpPr>
-          <p:cNvPr id="37" name="Rectangle 36">
-            <a:extLst>
-              <a:ext uri="{FF2B5EF4-FFF2-40B4-BE49-F238E27FC236}">
-                <a16:creationId xmlns:a16="http://schemas.microsoft.com/office/drawing/2014/main" id="{E37FE78C-4D0A-B644-81B4-CAD0B5E96E9F}"/>
-              </a:ext>
-            </a:extLst>
-          </p:cNvPr>
-          <p:cNvSpPr/>
-          <p:nvPr/>
-        </p:nvSpPr>
-        <p:spPr>
-          <a:xfrm>
-            <a:off x="5951430" y="3791341"/>
-            <a:ext cx="2645476" cy="668890"/>
-          </a:xfrm>
-          <a:prstGeom prst="rect">
-            <a:avLst/>
-          </a:prstGeom>
-        </p:spPr>
-        <p:style>
-          <a:lnRef idx="3">
-            <a:schemeClr val="lt1"/>
-          </a:lnRef>
-          <a:fillRef idx="1">
-            <a:schemeClr val="accent3"/>
-          </a:fillRef>
-          <a:effectRef idx="1">
-            <a:schemeClr val="accent3"/>
-          </a:effectRef>
-          <a:fontRef idx="minor">
-            <a:schemeClr val="lt1"/>
-          </a:fontRef>
-        </p:style>
-        <p:txBody>
-          <a:bodyPr rtlCol="0" anchor="ctr"/>
-          <a:lstStyle/>
-          <a:p>
-            <a:pPr algn="ctr"/>
+              <a:t>Confirm booking</a:t>
+            </a:r>
+          </a:p>
+          <a:p>
+            <a:r>
+              <a:rPr lang="en-US" dirty="0">
+                <a:solidFill>
+                  <a:schemeClr val="accent5"/>
+                </a:solidFill>
+              </a:rPr>
+              <a:t>(</a:t>
+            </a:r>
+            <a:r>
+              <a:rPr lang="en-US" dirty="0" err="1">
+                <a:solidFill>
+                  <a:schemeClr val="accent5"/>
+                </a:solidFill>
+              </a:rPr>
+              <a:t>booking.jsp</a:t>
+            </a:r>
+            <a:r>
+              <a:rPr lang="en-US" dirty="0">
+                <a:solidFill>
+                  <a:schemeClr val="accent5"/>
+                </a:solidFill>
+              </a:rPr>
+              <a:t>)</a:t>
+            </a:r>
+          </a:p>
+        </p:txBody>
+      </p:sp>
+      <p:sp>
+        <p:nvSpPr>
+          <p:cNvPr id="19" name="TextBox 18">
+            <a:extLst>
+              <a:ext uri="{FF2B5EF4-FFF2-40B4-BE49-F238E27FC236}">
+                <a16:creationId xmlns:a16="http://schemas.microsoft.com/office/drawing/2014/main" id="{6855F28A-BBC0-A24C-A17C-C5720797D1B6}"/>
+              </a:ext>
+            </a:extLst>
+          </p:cNvPr>
+          <p:cNvSpPr txBox="1"/>
+          <p:nvPr/>
+        </p:nvSpPr>
+        <p:spPr>
+          <a:xfrm>
+            <a:off x="4053378" y="4529598"/>
+            <a:ext cx="2047806" cy="369332"/>
+          </a:xfrm>
+          <a:prstGeom prst="rect">
+            <a:avLst/>
+          </a:prstGeom>
+          <a:noFill/>
+        </p:spPr>
+        <p:txBody>
+          <a:bodyPr wrap="square" rtlCol="0">
+            <a:spAutoFit/>
+          </a:bodyPr>
+          <a:lstStyle/>
+          <a:p>
             <a:r>
               <a:rPr lang="en-US" dirty="0"/>
-              <a:t>Prescribe Test</a:t>
-            </a:r>
-          </a:p>
-        </p:txBody>
-      </p:sp>
-      <p:sp>
-        <p:nvSpPr>
-          <p:cNvPr id="10" name="Rounded Rectangular Callout 9">
-            <a:extLst>
-              <a:ext uri="{FF2B5EF4-FFF2-40B4-BE49-F238E27FC236}">
-                <a16:creationId xmlns:a16="http://schemas.microsoft.com/office/drawing/2014/main" id="{E9779956-C330-B646-A7B4-6534E69B3058}"/>
-              </a:ext>
-            </a:extLst>
-          </p:cNvPr>
-          <p:cNvSpPr/>
-          <p:nvPr/>
-        </p:nvSpPr>
-        <p:spPr>
-          <a:xfrm>
-            <a:off x="9825968" y="3981249"/>
-            <a:ext cx="1830535" cy="1102479"/>
-          </a:xfrm>
-          <a:prstGeom prst="wedgeRoundRectCallout">
-            <a:avLst>
-              <a:gd name="adj1" fmla="val -169729"/>
-              <a:gd name="adj2" fmla="val -110722"/>
-              <a:gd name="adj3" fmla="val 16667"/>
-            </a:avLst>
-          </a:prstGeom>
-        </p:spPr>
-        <p:style>
-          <a:lnRef idx="0">
-            <a:schemeClr val="accent4"/>
-          </a:lnRef>
-          <a:fillRef idx="3">
-            <a:schemeClr val="accent4"/>
-          </a:fillRef>
-          <a:effectRef idx="3">
-            <a:schemeClr val="accent4"/>
-          </a:effectRef>
-          <a:fontRef idx="minor">
-            <a:schemeClr val="lt1"/>
-          </a:fontRef>
-        </p:style>
-        <p:txBody>
-          <a:bodyPr rtlCol="0" anchor="ctr"/>
-          <a:lstStyle/>
-          <a:p>
-            <a:pPr algn="ctr"/>
+              <a:t>Confirm Booking</a:t>
+            </a:r>
+          </a:p>
+        </p:txBody>
+      </p:sp>
+      <p:sp>
+        <p:nvSpPr>
+          <p:cNvPr id="20" name="TextBox 19">
+            <a:extLst>
+              <a:ext uri="{FF2B5EF4-FFF2-40B4-BE49-F238E27FC236}">
+                <a16:creationId xmlns:a16="http://schemas.microsoft.com/office/drawing/2014/main" id="{35598A3B-6FDC-5C4E-807B-07C1787C5A36}"/>
+              </a:ext>
+            </a:extLst>
+          </p:cNvPr>
+          <p:cNvSpPr txBox="1"/>
+          <p:nvPr/>
+        </p:nvSpPr>
+        <p:spPr>
+          <a:xfrm>
+            <a:off x="7520418" y="4553683"/>
+            <a:ext cx="1010175" cy="369332"/>
+          </a:xfrm>
+          <a:prstGeom prst="rect">
+            <a:avLst/>
+          </a:prstGeom>
+          <a:noFill/>
+        </p:spPr>
+        <p:txBody>
+          <a:bodyPr wrap="square" rtlCol="0">
+            <a:spAutoFit/>
+          </a:bodyPr>
+          <a:lstStyle/>
+          <a:p>
             <a:r>
               <a:rPr lang="en-US" dirty="0"/>
-              <a:t>display from patient booking (</a:t>
-            </a:r>
-            <a:r>
-              <a:rPr lang="en-US" dirty="0" err="1"/>
-              <a:t>record.java</a:t>
-            </a:r>
-            <a:r>
-              <a:rPr lang="en-US" dirty="0"/>
-              <a:t>)</a:t>
-            </a:r>
-          </a:p>
-        </p:txBody>
-      </p:sp>
-      <p:sp>
-        <p:nvSpPr>
-          <p:cNvPr id="47" name="Rounded Rectangular Callout 46">
-            <a:extLst>
-              <a:ext uri="{FF2B5EF4-FFF2-40B4-BE49-F238E27FC236}">
-                <a16:creationId xmlns:a16="http://schemas.microsoft.com/office/drawing/2014/main" id="{8267CA8B-E08F-2440-B349-9A19426F44EB}"/>
-              </a:ext>
-            </a:extLst>
-          </p:cNvPr>
-          <p:cNvSpPr/>
-          <p:nvPr/>
-        </p:nvSpPr>
-        <p:spPr>
-          <a:xfrm>
-            <a:off x="2719707" y="5472817"/>
-            <a:ext cx="1688810" cy="1102479"/>
-          </a:xfrm>
-          <a:prstGeom prst="wedgeRoundRectCallout">
-            <a:avLst>
-              <a:gd name="adj1" fmla="val 156851"/>
-              <a:gd name="adj2" fmla="val -102946"/>
-              <a:gd name="adj3" fmla="val 16667"/>
-            </a:avLst>
-          </a:prstGeom>
-        </p:spPr>
-        <p:style>
-          <a:lnRef idx="0">
-            <a:schemeClr val="accent4"/>
-          </a:lnRef>
-          <a:fillRef idx="3">
-            <a:schemeClr val="accent4"/>
-          </a:fillRef>
-          <a:effectRef idx="3">
-            <a:schemeClr val="accent4"/>
-          </a:effectRef>
-          <a:fontRef idx="minor">
-            <a:schemeClr val="lt1"/>
-          </a:fontRef>
-        </p:style>
-        <p:txBody>
-          <a:bodyPr rtlCol="0" anchor="ctr"/>
-          <a:lstStyle/>
-          <a:p>
-            <a:pPr algn="ctr"/>
-            <a:r>
-              <a:rPr lang="en-US" dirty="0"/>
-              <a:t>Action updates </a:t>
-            </a:r>
-            <a:r>
-              <a:rPr lang="en-US" dirty="0" err="1"/>
-              <a:t>record.java</a:t>
-            </a:r>
-            <a:endParaRPr lang="en-US" dirty="0"/>
+              <a:t>Back</a:t>
+            </a:r>
+          </a:p>
+        </p:txBody>
+      </p:sp>
+      <p:sp>
+        <p:nvSpPr>
+          <p:cNvPr id="27" name="TextBox 26">
+            <a:extLst>
+              <a:ext uri="{FF2B5EF4-FFF2-40B4-BE49-F238E27FC236}">
+                <a16:creationId xmlns:a16="http://schemas.microsoft.com/office/drawing/2014/main" id="{6732FEBA-B3E5-E342-85A7-3CB538AF0F9B}"/>
+              </a:ext>
+            </a:extLst>
+          </p:cNvPr>
+          <p:cNvSpPr txBox="1"/>
+          <p:nvPr/>
+        </p:nvSpPr>
+        <p:spPr>
+          <a:xfrm>
+            <a:off x="5136509" y="3537449"/>
+            <a:ext cx="2271319" cy="307777"/>
+          </a:xfrm>
+          <a:prstGeom prst="rect">
+            <a:avLst/>
+          </a:prstGeom>
+          <a:noFill/>
+        </p:spPr>
+        <p:txBody>
+          <a:bodyPr wrap="square" rtlCol="0">
+            <a:spAutoFit/>
+          </a:bodyPr>
+          <a:lstStyle/>
+          <a:p>
+            <a:r>
+              <a:rPr lang="en-US" sz="1400" dirty="0">
+                <a:solidFill>
+                  <a:schemeClr val="accent3"/>
+                </a:solidFill>
+              </a:rPr>
+              <a:t>Booking Date : 24/07/2020</a:t>
+            </a:r>
+          </a:p>
+        </p:txBody>
+      </p:sp>
+      <p:sp>
+        <p:nvSpPr>
+          <p:cNvPr id="28" name="TextBox 27">
+            <a:extLst>
+              <a:ext uri="{FF2B5EF4-FFF2-40B4-BE49-F238E27FC236}">
+                <a16:creationId xmlns:a16="http://schemas.microsoft.com/office/drawing/2014/main" id="{97DD2EE8-9C53-0D43-BA58-F6700115BC18}"/>
+              </a:ext>
+            </a:extLst>
+          </p:cNvPr>
+          <p:cNvSpPr txBox="1"/>
+          <p:nvPr/>
+        </p:nvSpPr>
+        <p:spPr>
+          <a:xfrm>
+            <a:off x="5149602" y="4066902"/>
+            <a:ext cx="1572237" cy="307777"/>
+          </a:xfrm>
+          <a:prstGeom prst="rect">
+            <a:avLst/>
+          </a:prstGeom>
+          <a:noFill/>
+        </p:spPr>
+        <p:txBody>
+          <a:bodyPr wrap="square" rtlCol="0">
+            <a:spAutoFit/>
+          </a:bodyPr>
+          <a:lstStyle/>
+          <a:p>
+            <a:r>
+              <a:rPr lang="en-US" sz="1400" dirty="0">
+                <a:solidFill>
+                  <a:schemeClr val="accent3"/>
+                </a:solidFill>
+              </a:rPr>
+              <a:t>Doctor: Dr Green</a:t>
+            </a:r>
+          </a:p>
+        </p:txBody>
+      </p:sp>
+      <p:sp>
+        <p:nvSpPr>
+          <p:cNvPr id="29" name="TextBox 28">
+            <a:extLst>
+              <a:ext uri="{FF2B5EF4-FFF2-40B4-BE49-F238E27FC236}">
+                <a16:creationId xmlns:a16="http://schemas.microsoft.com/office/drawing/2014/main" id="{7C21371F-F3D5-6441-B249-2E8E84811974}"/>
+              </a:ext>
+            </a:extLst>
+          </p:cNvPr>
+          <p:cNvSpPr txBox="1"/>
+          <p:nvPr/>
+        </p:nvSpPr>
+        <p:spPr>
+          <a:xfrm>
+            <a:off x="5119239" y="3801265"/>
+            <a:ext cx="1953521" cy="307777"/>
+          </a:xfrm>
+          <a:prstGeom prst="rect">
+            <a:avLst/>
+          </a:prstGeom>
+          <a:noFill/>
+        </p:spPr>
+        <p:txBody>
+          <a:bodyPr wrap="square" rtlCol="0">
+            <a:spAutoFit/>
+          </a:bodyPr>
+          <a:lstStyle/>
+          <a:p>
+            <a:r>
+              <a:rPr lang="en-US" sz="1400" dirty="0">
+                <a:solidFill>
+                  <a:schemeClr val="accent3"/>
+                </a:solidFill>
+              </a:rPr>
+              <a:t>Problem: Sore Throat</a:t>
+            </a:r>
+          </a:p>
+        </p:txBody>
+      </p:sp>
+      <p:sp>
+        <p:nvSpPr>
+          <p:cNvPr id="32" name="TextBox 31">
+            <a:extLst>
+              <a:ext uri="{FF2B5EF4-FFF2-40B4-BE49-F238E27FC236}">
+                <a16:creationId xmlns:a16="http://schemas.microsoft.com/office/drawing/2014/main" id="{CC648311-3F92-6C42-A97C-7F6E8D05E5B6}"/>
+              </a:ext>
+            </a:extLst>
+          </p:cNvPr>
+          <p:cNvSpPr txBox="1"/>
+          <p:nvPr/>
+        </p:nvSpPr>
+        <p:spPr>
+          <a:xfrm>
+            <a:off x="5149602" y="2858978"/>
+            <a:ext cx="1680521" cy="307777"/>
+          </a:xfrm>
+          <a:prstGeom prst="rect">
+            <a:avLst/>
+          </a:prstGeom>
+          <a:noFill/>
+        </p:spPr>
+        <p:txBody>
+          <a:bodyPr wrap="square" rtlCol="0">
+            <a:spAutoFit/>
+          </a:bodyPr>
+          <a:lstStyle/>
+          <a:p>
+            <a:r>
+              <a:rPr lang="en-US" sz="1400" dirty="0">
+                <a:solidFill>
+                  <a:schemeClr val="accent3"/>
+                </a:solidFill>
+              </a:rPr>
+              <a:t>Name :John Smith</a:t>
+            </a:r>
+          </a:p>
+        </p:txBody>
+      </p:sp>
+      <p:sp>
+        <p:nvSpPr>
+          <p:cNvPr id="33" name="TextBox 32">
+            <a:extLst>
+              <a:ext uri="{FF2B5EF4-FFF2-40B4-BE49-F238E27FC236}">
+                <a16:creationId xmlns:a16="http://schemas.microsoft.com/office/drawing/2014/main" id="{1FDDAB12-A35C-EC43-BB8F-EEA08CF450FB}"/>
+              </a:ext>
+            </a:extLst>
+          </p:cNvPr>
+          <p:cNvSpPr txBox="1"/>
+          <p:nvPr/>
+        </p:nvSpPr>
+        <p:spPr>
+          <a:xfrm>
+            <a:off x="5139195" y="3272723"/>
+            <a:ext cx="2271319" cy="307777"/>
+          </a:xfrm>
+          <a:prstGeom prst="rect">
+            <a:avLst/>
+          </a:prstGeom>
+          <a:noFill/>
+        </p:spPr>
+        <p:txBody>
+          <a:bodyPr wrap="square" rtlCol="0">
+            <a:spAutoFit/>
+          </a:bodyPr>
+          <a:lstStyle/>
+          <a:p>
+            <a:r>
+              <a:rPr lang="en-US" sz="1400" dirty="0">
+                <a:solidFill>
+                  <a:schemeClr val="accent3"/>
+                </a:solidFill>
+              </a:rPr>
+              <a:t>Address: 15 Cranberry Lane</a:t>
+            </a:r>
+          </a:p>
+        </p:txBody>
+      </p:sp>
+      <p:sp>
+        <p:nvSpPr>
+          <p:cNvPr id="2" name="TextBox 1">
+            <a:extLst>
+              <a:ext uri="{FF2B5EF4-FFF2-40B4-BE49-F238E27FC236}">
+                <a16:creationId xmlns:a16="http://schemas.microsoft.com/office/drawing/2014/main" id="{1875F75D-AB56-4A48-8E52-5450C3FA3B7E}"/>
+              </a:ext>
+            </a:extLst>
+          </p:cNvPr>
+          <p:cNvSpPr txBox="1"/>
+          <p:nvPr/>
+        </p:nvSpPr>
+        <p:spPr>
+          <a:xfrm>
+            <a:off x="6830123" y="5624763"/>
+            <a:ext cx="3138644" cy="923330"/>
+          </a:xfrm>
+          <a:prstGeom prst="rect">
+            <a:avLst/>
+          </a:prstGeom>
+          <a:noFill/>
+        </p:spPr>
+        <p:txBody>
+          <a:bodyPr wrap="square" rtlCol="0">
+            <a:spAutoFit/>
+          </a:bodyPr>
+          <a:lstStyle/>
+          <a:p>
+            <a:r>
+              <a:rPr lang="en-US" dirty="0">
+                <a:solidFill>
+                  <a:srgbClr val="FF0000"/>
+                </a:solidFill>
+              </a:rPr>
+              <a:t>NB. Suggest Change DOB to Booking Date to get unique historical patient record</a:t>
+            </a:r>
+          </a:p>
+        </p:txBody>
+      </p:sp>
+      <p:sp>
+        <p:nvSpPr>
+          <p:cNvPr id="34" name="TextBox 33">
+            <a:extLst>
+              <a:ext uri="{FF2B5EF4-FFF2-40B4-BE49-F238E27FC236}">
+                <a16:creationId xmlns:a16="http://schemas.microsoft.com/office/drawing/2014/main" id="{2F486859-C5DF-8A4A-8621-D609A10C8393}"/>
+              </a:ext>
+            </a:extLst>
+          </p:cNvPr>
+          <p:cNvSpPr txBox="1"/>
+          <p:nvPr/>
+        </p:nvSpPr>
+        <p:spPr>
+          <a:xfrm>
+            <a:off x="5178760" y="3087925"/>
+            <a:ext cx="1918334" cy="307777"/>
+          </a:xfrm>
+          <a:prstGeom prst="rect">
+            <a:avLst/>
+          </a:prstGeom>
+          <a:noFill/>
+        </p:spPr>
+        <p:txBody>
+          <a:bodyPr wrap="square" rtlCol="0">
+            <a:spAutoFit/>
+          </a:bodyPr>
+          <a:lstStyle/>
+          <a:p>
+            <a:r>
+              <a:rPr lang="en-US" sz="1400" dirty="0">
+                <a:solidFill>
+                  <a:schemeClr val="accent3"/>
+                </a:solidFill>
+              </a:rPr>
+              <a:t>Phone: 0671234567</a:t>
+            </a:r>
           </a:p>
         </p:txBody>
       </p:sp>
     </p:spTree>
     <p:extLst>
       <p:ext uri="{BB962C8B-B14F-4D97-AF65-F5344CB8AC3E}">
-        <p14:creationId xmlns:p14="http://schemas.microsoft.com/office/powerpoint/2010/main" val="2024253038"/>
+        <p14:creationId xmlns:p14="http://schemas.microsoft.com/office/powerpoint/2010/main" val="3530130337"/>
       </p:ext>
     </p:extLst>
   </p:cSld>

--- a/Hospital Management Designv2.pptx
+++ b/Hospital Management Designv2.pptx
@@ -5066,7 +5066,7 @@
           <p:nvPr>
             <p:extLst>
               <p:ext uri="{D42A27DB-BD31-4B8C-83A1-F6EECF244321}">
-                <p14:modId xmlns:p14="http://schemas.microsoft.com/office/powerpoint/2010/main" val="606610643"/>
+                <p14:modId xmlns:p14="http://schemas.microsoft.com/office/powerpoint/2010/main" val="4045907728"/>
               </p:ext>
             </p:extLst>
           </p:nvPr>
@@ -5158,7 +5158,7 @@
                     <a:p>
                       <a:r>
                         <a:rPr lang="en-US" sz="1200" dirty="0"/>
-                        <a:t>problem</a:t>
+                        <a:t>Problem</a:t>
                       </a:r>
                     </a:p>
                   </a:txBody>
@@ -5263,7 +5263,7 @@
             <a:pPr algn="ctr"/>
             <a:r>
               <a:rPr lang="en-US" dirty="0"/>
-              <a:t>Prescribe Treatment</a:t>
+              <a:t>Prescribe Medicine</a:t>
             </a:r>
           </a:p>
         </p:txBody>
@@ -5610,7 +5610,7 @@
           <a:p>
             <a:r>
               <a:rPr lang="en-US" dirty="0"/>
-              <a:t>Display record</a:t>
+              <a:t>Patient Records</a:t>
             </a:r>
           </a:p>
           <a:p>
@@ -5786,7 +5786,7 @@
           <a:p>
             <a:r>
               <a:rPr lang="en-US" dirty="0"/>
-              <a:t>Treatment </a:t>
+              <a:t>Patient Records </a:t>
             </a:r>
             <a:r>
               <a:rPr lang="en-US" dirty="0">
@@ -5829,8 +5829,8 @@
         </p:nvSpPr>
         <p:spPr>
           <a:xfrm>
-            <a:off x="0" y="1914483"/>
-            <a:ext cx="2646465" cy="993383"/>
+            <a:off x="80395" y="1979588"/>
+            <a:ext cx="2497520" cy="993383"/>
           </a:xfrm>
           <a:prstGeom prst="roundRect">
             <a:avLst/>
@@ -5857,7 +5857,7 @@
             <a:pPr algn="ctr"/>
             <a:r>
               <a:rPr lang="en-US" sz="1600" dirty="0" err="1"/>
-              <a:t>DisplayRecord.java</a:t>
+              <a:t>displayRecord.jsp</a:t>
             </a:r>
             <a:r>
               <a:rPr lang="en-US" sz="1600" dirty="0"/>
@@ -5875,71 +5875,16 @@
               <a:t> created</a:t>
             </a:r>
           </a:p>
-        </p:txBody>
-      </p:sp>
-      <p:sp>
-        <p:nvSpPr>
-          <p:cNvPr id="23" name="Rounded Rectangle 22">
-            <a:extLst>
-              <a:ext uri="{FF2B5EF4-FFF2-40B4-BE49-F238E27FC236}">
-                <a16:creationId xmlns:a16="http://schemas.microsoft.com/office/drawing/2014/main" id="{7F7D9FEF-CA9F-A449-B796-21378A1A7FB9}"/>
-              </a:ext>
-            </a:extLst>
-          </p:cNvPr>
-          <p:cNvSpPr/>
-          <p:nvPr/>
-        </p:nvSpPr>
-        <p:spPr>
-          <a:xfrm>
-            <a:off x="80395" y="3143026"/>
-            <a:ext cx="2473354" cy="744345"/>
-          </a:xfrm>
-          <a:prstGeom prst="roundRect">
-            <a:avLst/>
-          </a:prstGeom>
-        </p:spPr>
-        <p:style>
-          <a:lnRef idx="2">
-            <a:schemeClr val="accent2">
-              <a:shade val="50000"/>
-            </a:schemeClr>
-          </a:lnRef>
-          <a:fillRef idx="1">
-            <a:schemeClr val="accent2"/>
-          </a:fillRef>
-          <a:effectRef idx="0">
-            <a:schemeClr val="accent2"/>
-          </a:effectRef>
-          <a:fontRef idx="minor">
-            <a:schemeClr val="lt1"/>
-          </a:fontRef>
-        </p:style>
-        <p:txBody>
-          <a:bodyPr rtlCol="0" anchor="ctr"/>
-          <a:lstStyle/>
           <a:p>
             <a:pPr algn="ctr"/>
-            <a:r>
-              <a:rPr lang="en-US" sz="1600" dirty="0"/>
-              <a:t>Create </a:t>
-            </a:r>
-            <a:r>
-              <a:rPr lang="en-US" sz="1600" dirty="0" err="1"/>
-              <a:t>displayRecordServlet.java</a:t>
-            </a:r>
-            <a:endParaRPr lang="en-US" sz="1600" dirty="0"/>
-          </a:p>
-          <a:p>
-            <a:pPr algn="ctr"/>
-            <a:r>
-              <a:rPr lang="en-US" sz="1600" dirty="0"/>
-              <a:t>Create </a:t>
-            </a:r>
             <a:r>
               <a:rPr lang="en-US" sz="1600" dirty="0" err="1"/>
               <a:t>RecordQuery.java</a:t>
             </a:r>
-            <a:endParaRPr lang="en-US" sz="1600" dirty="0"/>
+            <a:r>
+              <a:rPr lang="en-US" sz="1600" dirty="0"/>
+              <a:t> created</a:t>
+            </a:r>
           </a:p>
         </p:txBody>
       </p:sp>
@@ -6020,14 +5965,14 @@
           <p:nvPr>
             <p:extLst>
               <p:ext uri="{D42A27DB-BD31-4B8C-83A1-F6EECF244321}">
-                <p14:modId xmlns:p14="http://schemas.microsoft.com/office/powerpoint/2010/main" val="4051170557"/>
+                <p14:modId xmlns:p14="http://schemas.microsoft.com/office/powerpoint/2010/main" val="1616759251"/>
               </p:ext>
             </p:extLst>
           </p:nvPr>
         </p:nvGraphicFramePr>
         <p:xfrm>
-          <a:off x="3434794" y="2640123"/>
-          <a:ext cx="6533973" cy="2041938"/>
+          <a:off x="3381812" y="2675899"/>
+          <a:ext cx="6586952" cy="2224818"/>
         </p:xfrm>
         <a:graphic>
           <a:graphicData uri="http://schemas.openxmlformats.org/drawingml/2006/table">
@@ -6036,56 +5981,56 @@
                 <a:tableStyleId>{F5AB1C69-6EDB-4FF4-983F-18BD219EF322}</a:tableStyleId>
               </a:tblPr>
               <a:tblGrid>
-                <a:gridCol w="769791">
+                <a:gridCol w="785059">
+                  <a:extLst>
+                    <a:ext uri="{9D8B030D-6E8A-4147-A177-3AD203B41FA5}">
+                      <a16:colId xmlns:a16="http://schemas.microsoft.com/office/drawing/2014/main" val="4070653356"/>
+                    </a:ext>
+                  </a:extLst>
+                </a:gridCol>
+                <a:gridCol w="785059">
                   <a:extLst>
                     <a:ext uri="{9D8B030D-6E8A-4147-A177-3AD203B41FA5}">
                       <a16:colId xmlns:a16="http://schemas.microsoft.com/office/drawing/2014/main" val="484706619"/>
                     </a:ext>
                   </a:extLst>
                 </a:gridCol>
-                <a:gridCol w="769791">
+                <a:gridCol w="785059">
                   <a:extLst>
                     <a:ext uri="{9D8B030D-6E8A-4147-A177-3AD203B41FA5}">
                       <a16:colId xmlns:a16="http://schemas.microsoft.com/office/drawing/2014/main" val="82939911"/>
                     </a:ext>
                   </a:extLst>
                 </a:gridCol>
-                <a:gridCol w="769791">
+                <a:gridCol w="785059">
                   <a:extLst>
                     <a:ext uri="{9D8B030D-6E8A-4147-A177-3AD203B41FA5}">
                       <a16:colId xmlns:a16="http://schemas.microsoft.com/office/drawing/2014/main" val="930562621"/>
                     </a:ext>
                   </a:extLst>
                 </a:gridCol>
-                <a:gridCol w="844920">
+                <a:gridCol w="861679">
                   <a:extLst>
                     <a:ext uri="{9D8B030D-6E8A-4147-A177-3AD203B41FA5}">
                       <a16:colId xmlns:a16="http://schemas.microsoft.com/office/drawing/2014/main" val="2014208457"/>
                     </a:ext>
                   </a:extLst>
                 </a:gridCol>
-                <a:gridCol w="844920">
-                  <a:extLst>
-                    <a:ext uri="{9D8B030D-6E8A-4147-A177-3AD203B41FA5}">
-                      <a16:colId xmlns:a16="http://schemas.microsoft.com/office/drawing/2014/main" val="3258648409"/>
-                    </a:ext>
-                  </a:extLst>
-                </a:gridCol>
-                <a:gridCol w="844920">
+                <a:gridCol w="861679">
                   <a:extLst>
                     <a:ext uri="{9D8B030D-6E8A-4147-A177-3AD203B41FA5}">
                       <a16:colId xmlns:a16="http://schemas.microsoft.com/office/drawing/2014/main" val="1376025209"/>
                     </a:ext>
                   </a:extLst>
                 </a:gridCol>
-                <a:gridCol w="844920">
+                <a:gridCol w="861679">
                   <a:extLst>
                     <a:ext uri="{9D8B030D-6E8A-4147-A177-3AD203B41FA5}">
                       <a16:colId xmlns:a16="http://schemas.microsoft.com/office/drawing/2014/main" val="1612898172"/>
                     </a:ext>
                   </a:extLst>
                 </a:gridCol>
-                <a:gridCol w="844920">
+                <a:gridCol w="861679">
                   <a:extLst>
                     <a:ext uri="{9D8B030D-6E8A-4147-A177-3AD203B41FA5}">
                       <a16:colId xmlns:a16="http://schemas.microsoft.com/office/drawing/2014/main" val="2707565655"/>
@@ -6094,6 +6039,25 @@
                 </a:gridCol>
               </a:tblGrid>
               <a:tr h="225051">
+                <a:tc>
+                  <a:txBody>
+                    <a:bodyPr/>
+                    <a:lstStyle/>
+                    <a:p>
+                      <a:r>
+                        <a:rPr lang="en-US" sz="1200" dirty="0"/>
+                        <a:t>Treat</a:t>
+                      </a:r>
+                    </a:p>
+                    <a:p>
+                      <a:r>
+                        <a:rPr lang="en-US" sz="1200" dirty="0"/>
+                        <a:t>(record #)</a:t>
+                      </a:r>
+                    </a:p>
+                  </a:txBody>
+                  <a:tcPr/>
+                </a:tc>
                 <a:tc>
                   <a:txBody>
                     <a:bodyPr/>
@@ -6153,19 +6117,6 @@
                     <a:p>
                       <a:r>
                         <a:rPr lang="en-US" sz="1200" dirty="0"/>
-                        <a:t>Booking Date?</a:t>
-                      </a:r>
-                    </a:p>
-                  </a:txBody>
-                  <a:tcPr/>
-                </a:tc>
-                <a:tc>
-                  <a:txBody>
-                    <a:bodyPr/>
-                    <a:lstStyle/>
-                    <a:p>
-                      <a:r>
-                        <a:rPr lang="en-US" sz="1200" dirty="0"/>
                         <a:t>Doctor</a:t>
                       </a:r>
                     </a:p>
@@ -6179,7 +6130,7 @@
                     <a:p>
                       <a:r>
                         <a:rPr lang="en-US" sz="1200" dirty="0"/>
-                        <a:t>Treatment</a:t>
+                        <a:t>Medicine</a:t>
                       </a:r>
                     </a:p>
                   </a:txBody>
@@ -6210,7 +6161,10 @@
                     <a:bodyPr/>
                     <a:lstStyle/>
                     <a:p>
-                      <a:endParaRPr lang="en-US" sz="1200" dirty="0"/>
+                      <a:r>
+                        <a:rPr lang="en-US" sz="1200" dirty="0"/>
+                        <a:t>1</a:t>
+                      </a:r>
                     </a:p>
                   </a:txBody>
                   <a:tcPr/>
@@ -6297,7 +6251,10 @@
                     <a:bodyPr/>
                     <a:lstStyle/>
                     <a:p>
-                      <a:endParaRPr lang="en-US" sz="1200" dirty="0"/>
+                      <a:r>
+                        <a:rPr lang="en-US" sz="1200" dirty="0"/>
+                        <a:t>2</a:t>
+                      </a:r>
                     </a:p>
                   </a:txBody>
                   <a:tcPr/>
@@ -6387,7 +6344,10 @@
                     <a:bodyPr/>
                     <a:lstStyle/>
                     <a:p>
-                      <a:endParaRPr lang="en-US" sz="1200" dirty="0"/>
+                      <a:r>
+                        <a:rPr lang="en-US" sz="1200" dirty="0"/>
+                        <a:t>3</a:t>
+                      </a:r>
                     </a:p>
                   </a:txBody>
                   <a:tcPr/>
@@ -6534,17 +6494,17 @@
             </a:r>
             <a:r>
               <a:rPr lang="en-US" dirty="0"/>
-              <a:t>(consultation</a:t>
+              <a:t>(consultation)</a:t>
             </a:r>
           </a:p>
         </p:txBody>
       </p:sp>
       <p:pic>
         <p:nvPicPr>
-          <p:cNvPr id="27" name="Graphic 26" descr="Construction Barricade with solid fill">
-            <a:extLst>
-              <a:ext uri="{FF2B5EF4-FFF2-40B4-BE49-F238E27FC236}">
-                <a16:creationId xmlns:a16="http://schemas.microsoft.com/office/drawing/2014/main" id="{FB152512-C284-6F4B-BC3F-0ED1E0974631}"/>
+          <p:cNvPr id="17" name="Graphic 16" descr="Shield Tick with solid fill">
+            <a:extLst>
+              <a:ext uri="{FF2B5EF4-FFF2-40B4-BE49-F238E27FC236}">
+                <a16:creationId xmlns:a16="http://schemas.microsoft.com/office/drawing/2014/main" id="{02EE0EDB-75F3-F74F-B256-FEB0C3710D7B}"/>
               </a:ext>
             </a:extLst>
           </p:cNvPr>
@@ -6567,7 +6527,7 @@
         </p:blipFill>
         <p:spPr>
           <a:xfrm>
-            <a:off x="11130793" y="3049017"/>
+            <a:off x="11197205" y="2972971"/>
             <a:ext cx="914400" cy="914400"/>
           </a:xfrm>
           <a:prstGeom prst="rect">
@@ -6776,7 +6736,7 @@
         </p:nvSpPr>
         <p:spPr>
           <a:xfrm>
-            <a:off x="4769140" y="2821768"/>
+            <a:off x="4949504" y="3265047"/>
             <a:ext cx="2292991" cy="307777"/>
           </a:xfrm>
           <a:prstGeom prst="rect">
@@ -6846,7 +6806,7 @@
         </p:nvSpPr>
         <p:spPr>
           <a:xfrm>
-            <a:off x="5376044" y="2197414"/>
+            <a:off x="5450246" y="2636024"/>
             <a:ext cx="896125" cy="369332"/>
           </a:xfrm>
           <a:prstGeom prst="rect">
@@ -7127,69 +7087,12 @@
           </a:p>
         </p:txBody>
       </p:sp>
-      <p:sp>
-        <p:nvSpPr>
-          <p:cNvPr id="21" name="Rounded Rectangle 20">
-            <a:extLst>
-              <a:ext uri="{FF2B5EF4-FFF2-40B4-BE49-F238E27FC236}">
-                <a16:creationId xmlns:a16="http://schemas.microsoft.com/office/drawing/2014/main" id="{07686512-B7B0-D74C-A69A-155006B57B37}"/>
-              </a:ext>
-            </a:extLst>
-          </p:cNvPr>
-          <p:cNvSpPr/>
-          <p:nvPr/>
-        </p:nvSpPr>
-        <p:spPr>
-          <a:xfrm>
-            <a:off x="500743" y="2260744"/>
-            <a:ext cx="1624268" cy="1777856"/>
-          </a:xfrm>
-          <a:prstGeom prst="roundRect">
-            <a:avLst/>
-          </a:prstGeom>
-          <a:solidFill>
-            <a:schemeClr val="accent4"/>
-          </a:solidFill>
-        </p:spPr>
-        <p:style>
-          <a:lnRef idx="2">
-            <a:schemeClr val="accent2">
-              <a:shade val="50000"/>
-            </a:schemeClr>
-          </a:lnRef>
-          <a:fillRef idx="1">
-            <a:schemeClr val="accent2"/>
-          </a:fillRef>
-          <a:effectRef idx="0">
-            <a:schemeClr val="accent2"/>
-          </a:effectRef>
-          <a:fontRef idx="minor">
-            <a:schemeClr val="lt1"/>
-          </a:fontRef>
-        </p:style>
-        <p:txBody>
-          <a:bodyPr rtlCol="0" anchor="ctr"/>
-          <a:lstStyle/>
-          <a:p>
-            <a:pPr algn="ctr"/>
-            <a:r>
-              <a:rPr lang="en-US" dirty="0"/>
-              <a:t>Return Sys out msg as on </a:t>
-            </a:r>
-            <a:r>
-              <a:rPr lang="en-US" dirty="0" err="1"/>
-              <a:t>index.jsp</a:t>
-            </a:r>
-            <a:endParaRPr lang="en-US" dirty="0"/>
-          </a:p>
-        </p:txBody>
-      </p:sp>
       <p:pic>
         <p:nvPicPr>
-          <p:cNvPr id="22" name="Graphic 21" descr="Warning with solid fill">
-            <a:extLst>
-              <a:ext uri="{FF2B5EF4-FFF2-40B4-BE49-F238E27FC236}">
-                <a16:creationId xmlns:a16="http://schemas.microsoft.com/office/drawing/2014/main" id="{25E032FF-EE9D-0C42-B9BF-61D7E3A1F928}"/>
+          <p:cNvPr id="23" name="Graphic 22" descr="Shield Tick with solid fill">
+            <a:extLst>
+              <a:ext uri="{FF2B5EF4-FFF2-40B4-BE49-F238E27FC236}">
+                <a16:creationId xmlns:a16="http://schemas.microsoft.com/office/drawing/2014/main" id="{DBDEBA48-668E-164E-87D8-98EE54F5CF8B}"/>
               </a:ext>
             </a:extLst>
           </p:cNvPr>
@@ -7212,7 +7115,7 @@
         </p:blipFill>
         <p:spPr>
           <a:xfrm>
-            <a:off x="11150367" y="2850449"/>
+            <a:off x="11277600" y="3005356"/>
             <a:ext cx="914400" cy="914400"/>
           </a:xfrm>
           <a:prstGeom prst="rect">
@@ -10787,7 +10690,7 @@
             <a:pPr algn="ctr"/>
             <a:r>
               <a:rPr lang="en-US" sz="1600" dirty="0" err="1"/>
-              <a:t>DllogServlet.java</a:t>
+              <a:t>DlogServlet.java</a:t>
             </a:r>
             <a:r>
               <a:rPr lang="en-US" sz="1600" dirty="0"/>
@@ -11317,7 +11220,7 @@
         </p:nvSpPr>
         <p:spPr>
           <a:xfrm>
-            <a:off x="5149602" y="3030352"/>
+            <a:off x="5209841" y="2975606"/>
             <a:ext cx="1572237" cy="307777"/>
           </a:xfrm>
           <a:prstGeom prst="rect">
@@ -11352,7 +11255,7 @@
         </p:nvSpPr>
         <p:spPr>
           <a:xfrm>
-            <a:off x="5149601" y="3558037"/>
+            <a:off x="5182356" y="3849616"/>
             <a:ext cx="1572237" cy="523220"/>
           </a:xfrm>
           <a:prstGeom prst="rect">
@@ -11395,7 +11298,7 @@
         </p:nvSpPr>
         <p:spPr>
           <a:xfrm>
-            <a:off x="5254507" y="3289894"/>
+            <a:off x="5182355" y="3584194"/>
             <a:ext cx="1572237" cy="307777"/>
           </a:xfrm>
           <a:prstGeom prst="rect">
@@ -11559,7 +11462,7 @@
         </p:nvSpPr>
         <p:spPr>
           <a:xfrm>
-            <a:off x="5445121" y="2535324"/>
+            <a:off x="5270287" y="2746255"/>
             <a:ext cx="876881" cy="307777"/>
           </a:xfrm>
           <a:prstGeom prst="rect">
@@ -11852,7 +11755,7 @@
         </p:nvSpPr>
         <p:spPr>
           <a:xfrm>
-            <a:off x="5359413" y="2782838"/>
+            <a:off x="5254506" y="2428171"/>
             <a:ext cx="1572237" cy="307777"/>
           </a:xfrm>
           <a:prstGeom prst="rect">
@@ -11868,7 +11771,7 @@
           <a:p>
             <a:r>
               <a:rPr lang="en-US" sz="1400" dirty="0"/>
-              <a:t>Address</a:t>
+              <a:t>Name</a:t>
             </a:r>
           </a:p>
         </p:txBody>
@@ -11954,6 +11857,41 @@
           <a:p>
             <a:pPr algn="ctr"/>
             <a:endParaRPr lang="en-US" dirty="0"/>
+          </a:p>
+        </p:txBody>
+      </p:sp>
+      <p:sp>
+        <p:nvSpPr>
+          <p:cNvPr id="29" name="TextBox 28">
+            <a:extLst>
+              <a:ext uri="{FF2B5EF4-FFF2-40B4-BE49-F238E27FC236}">
+                <a16:creationId xmlns:a16="http://schemas.microsoft.com/office/drawing/2014/main" id="{F6F23F94-4D73-8E47-9547-7CABBC93A265}"/>
+              </a:ext>
+            </a:extLst>
+          </p:cNvPr>
+          <p:cNvSpPr txBox="1"/>
+          <p:nvPr/>
+        </p:nvSpPr>
+        <p:spPr>
+          <a:xfrm>
+            <a:off x="5244268" y="3289925"/>
+            <a:ext cx="876881" cy="307777"/>
+          </a:xfrm>
+          <a:prstGeom prst="rect">
+            <a:avLst/>
+          </a:prstGeom>
+          <a:noFill/>
+        </p:spPr>
+        <p:txBody>
+          <a:bodyPr wrap="square" rtlCol="0">
+            <a:spAutoFit/>
+          </a:bodyPr>
+          <a:lstStyle/>
+          <a:p>
+            <a:r>
+              <a:rPr lang="en-US" sz="1400" dirty="0"/>
+              <a:t>Address</a:t>
+            </a:r>
           </a:p>
         </p:txBody>
       </p:sp>
@@ -12790,12 +12728,20 @@
           <a:lstStyle/>
           <a:p>
             <a:r>
+              <a:rPr lang="en-US" sz="1400" dirty="0" err="1">
+                <a:solidFill>
+                  <a:schemeClr val="accent3"/>
+                </a:solidFill>
+              </a:rPr>
+              <a:t>DoB</a:t>
+            </a:r>
+            <a:r>
               <a:rPr lang="en-US" sz="1400" dirty="0">
                 <a:solidFill>
                   <a:schemeClr val="accent3"/>
                 </a:solidFill>
               </a:rPr>
-              <a:t>Booking Date : 24/07/2020</a:t>
+              <a:t>: 24/07/1990</a:t>
             </a:r>
           </a:p>
         </p:txBody>
@@ -12958,10 +12904,10 @@
       </p:sp>
       <p:sp>
         <p:nvSpPr>
-          <p:cNvPr id="2" name="TextBox 1">
-            <a:extLst>
-              <a:ext uri="{FF2B5EF4-FFF2-40B4-BE49-F238E27FC236}">
-                <a16:creationId xmlns:a16="http://schemas.microsoft.com/office/drawing/2014/main" id="{1875F75D-AB56-4A48-8E52-5450C3FA3B7E}"/>
+          <p:cNvPr id="34" name="TextBox 33">
+            <a:extLst>
+              <a:ext uri="{FF2B5EF4-FFF2-40B4-BE49-F238E27FC236}">
+                <a16:creationId xmlns:a16="http://schemas.microsoft.com/office/drawing/2014/main" id="{2F486859-C5DF-8A4A-8621-D609A10C8393}"/>
               </a:ext>
             </a:extLst>
           </p:cNvPr>
@@ -12970,8 +12916,8 @@
         </p:nvSpPr>
         <p:spPr>
           <a:xfrm>
-            <a:off x="6830123" y="5624763"/>
-            <a:ext cx="3138644" cy="923330"/>
+            <a:off x="5154426" y="3072932"/>
+            <a:ext cx="1918334" cy="307777"/>
           </a:xfrm>
           <a:prstGeom prst="rect">
             <a:avLst/>
@@ -12985,45 +12931,6 @@
           <a:lstStyle/>
           <a:p>
             <a:r>
-              <a:rPr lang="en-US" dirty="0">
-                <a:solidFill>
-                  <a:srgbClr val="FF0000"/>
-                </a:solidFill>
-              </a:rPr>
-              <a:t>NB. Suggest Change DOB to Booking Date to get unique historical patient record</a:t>
-            </a:r>
-          </a:p>
-        </p:txBody>
-      </p:sp>
-      <p:sp>
-        <p:nvSpPr>
-          <p:cNvPr id="34" name="TextBox 33">
-            <a:extLst>
-              <a:ext uri="{FF2B5EF4-FFF2-40B4-BE49-F238E27FC236}">
-                <a16:creationId xmlns:a16="http://schemas.microsoft.com/office/drawing/2014/main" id="{2F486859-C5DF-8A4A-8621-D609A10C8393}"/>
-              </a:ext>
-            </a:extLst>
-          </p:cNvPr>
-          <p:cNvSpPr txBox="1"/>
-          <p:nvPr/>
-        </p:nvSpPr>
-        <p:spPr>
-          <a:xfrm>
-            <a:off x="5178760" y="3087925"/>
-            <a:ext cx="1918334" cy="307777"/>
-          </a:xfrm>
-          <a:prstGeom prst="rect">
-            <a:avLst/>
-          </a:prstGeom>
-          <a:noFill/>
-        </p:spPr>
-        <p:txBody>
-          <a:bodyPr wrap="square" rtlCol="0">
-            <a:spAutoFit/>
-          </a:bodyPr>
-          <a:lstStyle/>
-          <a:p>
-            <a:r>
               <a:rPr lang="en-US" sz="1400" dirty="0">
                 <a:solidFill>
                   <a:schemeClr val="accent3"/>
@@ -13031,6 +12938,82 @@
               </a:rPr>
               <a:t>Phone: 0671234567</a:t>
             </a:r>
+          </a:p>
+        </p:txBody>
+      </p:sp>
+      <p:sp>
+        <p:nvSpPr>
+          <p:cNvPr id="35" name="Rounded Rectangular Callout 34">
+            <a:extLst>
+              <a:ext uri="{FF2B5EF4-FFF2-40B4-BE49-F238E27FC236}">
+                <a16:creationId xmlns:a16="http://schemas.microsoft.com/office/drawing/2014/main" id="{092186C4-3C15-0D46-9DEA-76F76D26F279}"/>
+              </a:ext>
+            </a:extLst>
+          </p:cNvPr>
+          <p:cNvSpPr/>
+          <p:nvPr/>
+        </p:nvSpPr>
+        <p:spPr>
+          <a:xfrm>
+            <a:off x="3991474" y="5452426"/>
+            <a:ext cx="4709794" cy="1102479"/>
+          </a:xfrm>
+          <a:prstGeom prst="wedgeRoundRectCallout">
+            <a:avLst>
+              <a:gd name="adj1" fmla="val -27669"/>
+              <a:gd name="adj2" fmla="val -100354"/>
+              <a:gd name="adj3" fmla="val 16667"/>
+            </a:avLst>
+          </a:prstGeom>
+        </p:spPr>
+        <p:style>
+          <a:lnRef idx="0">
+            <a:schemeClr val="accent4"/>
+          </a:lnRef>
+          <a:fillRef idx="3">
+            <a:schemeClr val="accent4"/>
+          </a:fillRef>
+          <a:effectRef idx="3">
+            <a:schemeClr val="accent4"/>
+          </a:effectRef>
+          <a:fontRef idx="minor">
+            <a:schemeClr val="lt1"/>
+          </a:fontRef>
+        </p:style>
+        <p:txBody>
+          <a:bodyPr rtlCol="0" anchor="ctr"/>
+          <a:lstStyle/>
+          <a:p>
+            <a:pPr algn="ctr"/>
+            <a:r>
+              <a:rPr lang="en-US" dirty="0"/>
+              <a:t>Onclick write </a:t>
+            </a:r>
+            <a:r>
+              <a:rPr lang="en-US" dirty="0" err="1"/>
+              <a:t>sout</a:t>
+            </a:r>
+            <a:r>
+              <a:rPr lang="en-US" dirty="0"/>
+              <a:t> to save to </a:t>
+            </a:r>
+            <a:r>
+              <a:rPr lang="en-US" dirty="0" err="1"/>
+              <a:t>record.java</a:t>
+            </a:r>
+            <a:r>
+              <a:rPr lang="en-US" dirty="0"/>
+              <a:t>. If not ok, return to </a:t>
+            </a:r>
+            <a:r>
+              <a:rPr lang="en-US" dirty="0" err="1"/>
+              <a:t>bookings.jsp</a:t>
+            </a:r>
+            <a:endParaRPr lang="en-US" dirty="0"/>
+          </a:p>
+          <a:p>
+            <a:pPr algn="ctr"/>
+            <a:endParaRPr lang="en-US" dirty="0"/>
           </a:p>
         </p:txBody>
       </p:sp>
